--- a/main/reference/dm.pptx
+++ b/main/reference/dm.pptx
@@ -3414,7 +3414,7 @@
           <p:nvPr/>
         </p:nvGraphicFramePr>
         <p:xfrm rot="0">
-          <a:off x="2180492" y="1165860"/>
+          <a:off x="1084720" y="1165860"/>
           <a:ext cx="3657600" cy="2743200"/>
         </p:xfrm>
         <a:graphic>
@@ -3422,10 +3422,12 @@
             <a:tbl>
               <a:tblPr/>
               <a:tblGrid>
-                <a:gridCol w="3986594"/>
-                <a:gridCol w="1281474"/>
-                <a:gridCol w="1281474"/>
-                <a:gridCol w="1281474"/>
+                <a:gridCol w="3720066"/>
+                <a:gridCol w="1260499"/>
+                <a:gridCol w="1260499"/>
+                <a:gridCol w="1260499"/>
+                <a:gridCol w="1260499"/>
+                <a:gridCol w="1260499"/>
               </a:tblGrid>
               <a:tr h="261603">
                 <a:tc>
@@ -3643,6 +3645,120 @@
                           <a:sym typeface="arial"/>
                         </a:rPr>
                         <a:t>C: Combination</a:t>
+                      </a:r>
+                    </a:p>
+                  </a:txBody>
+                  <a:tcPr anchor="ctr" marB="38100" marT="38100" marR="0" marL="0">
+                    <a:lnL algn="ctr" cmpd="sng" cap="flat" w="0">
+                      <a:noFill/>
+                      <a:prstDash val="solid"/>
+                    </a:lnL>
+                    <a:lnR algn="ctr" cmpd="sng" cap="flat" w="0">
+                      <a:noFill/>
+                      <a:prstDash val="solid"/>
+                    </a:lnR>
+                    <a:lnT algn="ctr" cmpd="sng" cap="flat" w="0">
+                      <a:noFill/>
+                      <a:prstDash val="solid"/>
+                    </a:lnT>
+                    <a:lnB algn="ctr" cmpd="sng" cap="flat" w="0">
+                      <a:noFill/>
+                      <a:prstDash val="solid"/>
+                    </a:lnB>
+                    <a:solidFill>
+                      <a:srgbClr val="ED4A0D">
+                        <a:alpha val="100000"/>
+                      </a:srgbClr>
+                    </a:solidFill>
+                  </a:tcPr>
+                </a:tc>
+                <a:tc>
+                  <a:txBody>
+                    <a:bodyPr/>
+                    <a:lstStyle/>
+                    <a:p>
+                      <a:pPr algn="ctr" marL="63500" marR="63500">
+                        <a:lnSpc>
+                          <a:spcPct val="100000"/>
+                        </a:lnSpc>
+                        <a:spcBef>
+                          <a:spcPts val="300"/>
+                        </a:spcBef>
+                        <a:spcAft>
+                          <a:spcPts val="300"/>
+                        </a:spcAft>
+                        <a:buNone/>
+                      </a:pPr>
+                      <a:r>
+                        <a:rPr cap="none" sz="1400" i="0" b="1" u="none">
+                          <a:solidFill>
+                            <a:srgbClr val="FFFFFF">
+                              <a:alpha val="100000"/>
+                            </a:srgbClr>
+                          </a:solidFill>
+                          <a:latin typeface="arial"/>
+                          <a:cs typeface="arial"/>
+                          <a:ea typeface="arial"/>
+                          <a:sym typeface="arial"/>
+                        </a:rPr>
+                        <a:t>All Patients</a:t>
+                      </a:r>
+                    </a:p>
+                  </a:txBody>
+                  <a:tcPr anchor="ctr" marB="38100" marT="38100" marR="0" marL="0">
+                    <a:lnL algn="ctr" cmpd="sng" cap="flat" w="0">
+                      <a:noFill/>
+                      <a:prstDash val="solid"/>
+                    </a:lnL>
+                    <a:lnR algn="ctr" cmpd="sng" cap="flat" w="0">
+                      <a:noFill/>
+                      <a:prstDash val="solid"/>
+                    </a:lnR>
+                    <a:lnT algn="ctr" cmpd="sng" cap="flat" w="0">
+                      <a:noFill/>
+                      <a:prstDash val="solid"/>
+                    </a:lnT>
+                    <a:lnB algn="ctr" cmpd="sng" cap="flat" w="0">
+                      <a:noFill/>
+                      <a:prstDash val="solid"/>
+                    </a:lnB>
+                    <a:solidFill>
+                      <a:srgbClr val="ED4A0D">
+                        <a:alpha val="100000"/>
+                      </a:srgbClr>
+                    </a:solidFill>
+                  </a:tcPr>
+                </a:tc>
+                <a:tc>
+                  <a:txBody>
+                    <a:bodyPr/>
+                    <a:lstStyle/>
+                    <a:p>
+                      <a:pPr algn="ctr" marL="63500" marR="63500">
+                        <a:lnSpc>
+                          <a:spcPct val="100000"/>
+                        </a:lnSpc>
+                        <a:spcBef>
+                          <a:spcPts val="300"/>
+                        </a:spcBef>
+                        <a:spcAft>
+                          <a:spcPts val="300"/>
+                        </a:spcAft>
+                        <a:buNone/>
+                      </a:pPr>
+                      <a:r>
+                        <a:rPr cap="none" sz="1400" i="0" b="1" u="none">
+                          <a:solidFill>
+                            <a:srgbClr val="FFFFFF">
+                              <a:alpha val="100000"/>
+                            </a:srgbClr>
+                          </a:solidFill>
+                          <a:latin typeface="arial"/>
+                          <a:cs typeface="arial"/>
+                          <a:ea typeface="arial"/>
+                          <a:sym typeface="arial"/>
+                        </a:rPr>
+                        <a:t>All Patients</a:t>
                       </a:r>
                     </a:p>
                   </a:txBody>
@@ -3933,525 +4049,6 @@
                     </a:solidFill>
                   </a:tcPr>
                 </a:tc>
-              </a:tr>
-              <a:tr h="243582">
-                <a:tc>
-                  <a:txBody>
-                    <a:bodyPr/>
-                    <a:lstStyle/>
-                    <a:p>
-                      <a:pPr algn="l" marL="127000" marR="63500">
-                        <a:lnSpc>
-                          <a:spcPct val="100000"/>
-                        </a:lnSpc>
-                        <a:spcBef>
-                          <a:spcPts val="300"/>
-                        </a:spcBef>
-                        <a:spcAft>
-                          <a:spcPts val="300"/>
-                        </a:spcAft>
-                        <a:buNone/>
-                      </a:pPr>
-                      <a:r>
-                        <a:rPr cap="none" sz="1200" i="0" b="0" u="none">
-                          <a:solidFill>
-                            <a:srgbClr val="000000">
-                              <a:alpha val="100000"/>
-                            </a:srgbClr>
-                          </a:solidFill>
-                          <a:latin typeface="arial"/>
-                          <a:cs typeface="arial"/>
-                          <a:ea typeface="arial"/>
-                          <a:sym typeface="arial"/>
-                        </a:rPr>
-                        <a:t>F</a:t>
-                      </a:r>
-                    </a:p>
-                  </a:txBody>
-                  <a:tcPr anchor="ctr" marB="38100" marT="38100" marR="0" marL="0">
-                    <a:lnL algn="ctr" cmpd="sng" cap="flat" w="0">
-                      <a:noFill/>
-                      <a:prstDash val="solid"/>
-                    </a:lnL>
-                    <a:lnR algn="ctr" cmpd="sng" cap="flat" w="0">
-                      <a:noFill/>
-                      <a:prstDash val="solid"/>
-                    </a:lnR>
-                    <a:lnT algn="ctr" cmpd="sng" cap="flat" w="0">
-                      <a:noFill/>
-                      <a:prstDash val="solid"/>
-                    </a:lnT>
-                    <a:lnB algn="ctr" cmpd="sng" cap="flat" w="0">
-                      <a:noFill/>
-                      <a:prstDash val="solid"/>
-                    </a:lnB>
-                    <a:solidFill>
-                      <a:srgbClr val="FFBD69">
-                        <a:alpha val="100000"/>
-                      </a:srgbClr>
-                    </a:solidFill>
-                  </a:tcPr>
-                </a:tc>
-                <a:tc>
-                  <a:txBody>
-                    <a:bodyPr/>
-                    <a:lstStyle/>
-                    <a:p>
-                      <a:pPr algn="ctr" marL="63500" marR="63500">
-                        <a:lnSpc>
-                          <a:spcPct val="100000"/>
-                        </a:lnSpc>
-                        <a:spcBef>
-                          <a:spcPts val="300"/>
-                        </a:spcBef>
-                        <a:spcAft>
-                          <a:spcPts val="300"/>
-                        </a:spcAft>
-                        <a:buNone/>
-                      </a:pPr>
-                      <a:r>
-                        <a:rPr cap="none" sz="1200" i="0" b="0" u="none">
-                          <a:solidFill>
-                            <a:srgbClr val="000000">
-                              <a:alpha val="100000"/>
-                            </a:srgbClr>
-                          </a:solidFill>
-                          <a:latin typeface="arial"/>
-                          <a:cs typeface="arial"/>
-                          <a:ea typeface="arial"/>
-                          <a:sym typeface="arial"/>
-                        </a:rPr>
-                        <a:t>79 (59%)</a:t>
-                      </a:r>
-                    </a:p>
-                  </a:txBody>
-                  <a:tcPr anchor="ctr" marB="38100" marT="38100" marR="0" marL="0">
-                    <a:lnL algn="ctr" cmpd="sng" cap="flat" w="0">
-                      <a:noFill/>
-                      <a:prstDash val="solid"/>
-                    </a:lnL>
-                    <a:lnR algn="ctr" cmpd="sng" cap="flat" w="0">
-                      <a:noFill/>
-                      <a:prstDash val="solid"/>
-                    </a:lnR>
-                    <a:lnT algn="ctr" cmpd="sng" cap="flat" w="0">
-                      <a:noFill/>
-                      <a:prstDash val="solid"/>
-                    </a:lnT>
-                    <a:lnB algn="ctr" cmpd="sng" cap="flat" w="0">
-                      <a:noFill/>
-                      <a:prstDash val="solid"/>
-                    </a:lnB>
-                    <a:solidFill>
-                      <a:srgbClr val="FFBD69">
-                        <a:alpha val="100000"/>
-                      </a:srgbClr>
-                    </a:solidFill>
-                  </a:tcPr>
-                </a:tc>
-                <a:tc>
-                  <a:txBody>
-                    <a:bodyPr/>
-                    <a:lstStyle/>
-                    <a:p>
-                      <a:pPr algn="ctr" marL="63500" marR="63500">
-                        <a:lnSpc>
-                          <a:spcPct val="100000"/>
-                        </a:lnSpc>
-                        <a:spcBef>
-                          <a:spcPts val="300"/>
-                        </a:spcBef>
-                        <a:spcAft>
-                          <a:spcPts val="300"/>
-                        </a:spcAft>
-                        <a:buNone/>
-                      </a:pPr>
-                      <a:r>
-                        <a:rPr cap="none" sz="1200" i="0" b="0" u="none">
-                          <a:solidFill>
-                            <a:srgbClr val="000000">
-                              <a:alpha val="100000"/>
-                            </a:srgbClr>
-                          </a:solidFill>
-                          <a:latin typeface="arial"/>
-                          <a:cs typeface="arial"/>
-                          <a:ea typeface="arial"/>
-                          <a:sym typeface="arial"/>
-                        </a:rPr>
-                        <a:t>82 (61.2%)</a:t>
-                      </a:r>
-                    </a:p>
-                  </a:txBody>
-                  <a:tcPr anchor="ctr" marB="38100" marT="38100" marR="0" marL="0">
-                    <a:lnL algn="ctr" cmpd="sng" cap="flat" w="0">
-                      <a:noFill/>
-                      <a:prstDash val="solid"/>
-                    </a:lnL>
-                    <a:lnR algn="ctr" cmpd="sng" cap="flat" w="0">
-                      <a:noFill/>
-                      <a:prstDash val="solid"/>
-                    </a:lnR>
-                    <a:lnT algn="ctr" cmpd="sng" cap="flat" w="0">
-                      <a:noFill/>
-                      <a:prstDash val="solid"/>
-                    </a:lnT>
-                    <a:lnB algn="ctr" cmpd="sng" cap="flat" w="0">
-                      <a:noFill/>
-                      <a:prstDash val="solid"/>
-                    </a:lnB>
-                    <a:solidFill>
-                      <a:srgbClr val="FFBD69">
-                        <a:alpha val="100000"/>
-                      </a:srgbClr>
-                    </a:solidFill>
-                  </a:tcPr>
-                </a:tc>
-                <a:tc>
-                  <a:txBody>
-                    <a:bodyPr/>
-                    <a:lstStyle/>
-                    <a:p>
-                      <a:pPr algn="ctr" marL="63500" marR="63500">
-                        <a:lnSpc>
-                          <a:spcPct val="100000"/>
-                        </a:lnSpc>
-                        <a:spcBef>
-                          <a:spcPts val="300"/>
-                        </a:spcBef>
-                        <a:spcAft>
-                          <a:spcPts val="300"/>
-                        </a:spcAft>
-                        <a:buNone/>
-                      </a:pPr>
-                      <a:r>
-                        <a:rPr cap="none" sz="1200" i="0" b="0" u="none">
-                          <a:solidFill>
-                            <a:srgbClr val="000000">
-                              <a:alpha val="100000"/>
-                            </a:srgbClr>
-                          </a:solidFill>
-                          <a:latin typeface="arial"/>
-                          <a:cs typeface="arial"/>
-                          <a:ea typeface="arial"/>
-                          <a:sym typeface="arial"/>
-                        </a:rPr>
-                        <a:t>70 (53%)</a:t>
-                      </a:r>
-                    </a:p>
-                  </a:txBody>
-                  <a:tcPr anchor="ctr" marB="38100" marT="38100" marR="0" marL="0">
-                    <a:lnL algn="ctr" cmpd="sng" cap="flat" w="0">
-                      <a:noFill/>
-                      <a:prstDash val="solid"/>
-                    </a:lnL>
-                    <a:lnR algn="ctr" cmpd="sng" cap="flat" w="0">
-                      <a:noFill/>
-                      <a:prstDash val="solid"/>
-                    </a:lnR>
-                    <a:lnT algn="ctr" cmpd="sng" cap="flat" w="0">
-                      <a:noFill/>
-                      <a:prstDash val="solid"/>
-                    </a:lnT>
-                    <a:lnB algn="ctr" cmpd="sng" cap="flat" w="0">
-                      <a:noFill/>
-                      <a:prstDash val="solid"/>
-                    </a:lnB>
-                    <a:solidFill>
-                      <a:srgbClr val="FFBD69">
-                        <a:alpha val="100000"/>
-                      </a:srgbClr>
-                    </a:solidFill>
-                  </a:tcPr>
-                </a:tc>
-              </a:tr>
-              <a:tr h="243582">
-                <a:tc>
-                  <a:txBody>
-                    <a:bodyPr/>
-                    <a:lstStyle/>
-                    <a:p>
-                      <a:pPr algn="l" marL="127000" marR="63500">
-                        <a:lnSpc>
-                          <a:spcPct val="100000"/>
-                        </a:lnSpc>
-                        <a:spcBef>
-                          <a:spcPts val="300"/>
-                        </a:spcBef>
-                        <a:spcAft>
-                          <a:spcPts val="300"/>
-                        </a:spcAft>
-                        <a:buNone/>
-                      </a:pPr>
-                      <a:r>
-                        <a:rPr cap="none" sz="1200" i="0" b="0" u="none">
-                          <a:solidFill>
-                            <a:srgbClr val="000000">
-                              <a:alpha val="100000"/>
-                            </a:srgbClr>
-                          </a:solidFill>
-                          <a:latin typeface="arial"/>
-                          <a:cs typeface="arial"/>
-                          <a:ea typeface="arial"/>
-                          <a:sym typeface="arial"/>
-                        </a:rPr>
-                        <a:t>M</a:t>
-                      </a:r>
-                    </a:p>
-                  </a:txBody>
-                  <a:tcPr anchor="ctr" marB="38100" marT="38100" marR="0" marL="0">
-                    <a:lnL algn="ctr" cmpd="sng" cap="flat" w="0">
-                      <a:noFill/>
-                      <a:prstDash val="solid"/>
-                    </a:lnL>
-                    <a:lnR algn="ctr" cmpd="sng" cap="flat" w="0">
-                      <a:noFill/>
-                      <a:prstDash val="solid"/>
-                    </a:lnR>
-                    <a:lnT algn="ctr" cmpd="sng" cap="flat" w="0">
-                      <a:noFill/>
-                      <a:prstDash val="solid"/>
-                    </a:lnT>
-                    <a:lnB algn="ctr" cmpd="sng" cap="flat" w="0">
-                      <a:noFill/>
-                      <a:prstDash val="solid"/>
-                    </a:lnB>
-                    <a:solidFill>
-                      <a:srgbClr val="FF7D29">
-                        <a:alpha val="100000"/>
-                      </a:srgbClr>
-                    </a:solidFill>
-                  </a:tcPr>
-                </a:tc>
-                <a:tc>
-                  <a:txBody>
-                    <a:bodyPr/>
-                    <a:lstStyle/>
-                    <a:p>
-                      <a:pPr algn="ctr" marL="63500" marR="63500">
-                        <a:lnSpc>
-                          <a:spcPct val="100000"/>
-                        </a:lnSpc>
-                        <a:spcBef>
-                          <a:spcPts val="300"/>
-                        </a:spcBef>
-                        <a:spcAft>
-                          <a:spcPts val="300"/>
-                        </a:spcAft>
-                        <a:buNone/>
-                      </a:pPr>
-                      <a:r>
-                        <a:rPr cap="none" sz="1200" i="0" b="0" u="none">
-                          <a:solidFill>
-                            <a:srgbClr val="000000">
-                              <a:alpha val="100000"/>
-                            </a:srgbClr>
-                          </a:solidFill>
-                          <a:latin typeface="arial"/>
-                          <a:cs typeface="arial"/>
-                          <a:ea typeface="arial"/>
-                          <a:sym typeface="arial"/>
-                        </a:rPr>
-                        <a:t>55 (41%)</a:t>
-                      </a:r>
-                    </a:p>
-                  </a:txBody>
-                  <a:tcPr anchor="ctr" marB="38100" marT="38100" marR="0" marL="0">
-                    <a:lnL algn="ctr" cmpd="sng" cap="flat" w="0">
-                      <a:noFill/>
-                      <a:prstDash val="solid"/>
-                    </a:lnL>
-                    <a:lnR algn="ctr" cmpd="sng" cap="flat" w="0">
-                      <a:noFill/>
-                      <a:prstDash val="solid"/>
-                    </a:lnR>
-                    <a:lnT algn="ctr" cmpd="sng" cap="flat" w="0">
-                      <a:noFill/>
-                      <a:prstDash val="solid"/>
-                    </a:lnT>
-                    <a:lnB algn="ctr" cmpd="sng" cap="flat" w="0">
-                      <a:noFill/>
-                      <a:prstDash val="solid"/>
-                    </a:lnB>
-                    <a:solidFill>
-                      <a:srgbClr val="FF7D29">
-                        <a:alpha val="100000"/>
-                      </a:srgbClr>
-                    </a:solidFill>
-                  </a:tcPr>
-                </a:tc>
-                <a:tc>
-                  <a:txBody>
-                    <a:bodyPr/>
-                    <a:lstStyle/>
-                    <a:p>
-                      <a:pPr algn="ctr" marL="63500" marR="63500">
-                        <a:lnSpc>
-                          <a:spcPct val="100000"/>
-                        </a:lnSpc>
-                        <a:spcBef>
-                          <a:spcPts val="300"/>
-                        </a:spcBef>
-                        <a:spcAft>
-                          <a:spcPts val="300"/>
-                        </a:spcAft>
-                        <a:buNone/>
-                      </a:pPr>
-                      <a:r>
-                        <a:rPr cap="none" sz="1200" i="0" b="0" u="none">
-                          <a:solidFill>
-                            <a:srgbClr val="000000">
-                              <a:alpha val="100000"/>
-                            </a:srgbClr>
-                          </a:solidFill>
-                          <a:latin typeface="arial"/>
-                          <a:cs typeface="arial"/>
-                          <a:ea typeface="arial"/>
-                          <a:sym typeface="arial"/>
-                        </a:rPr>
-                        <a:t>52 (38.8%)</a:t>
-                      </a:r>
-                    </a:p>
-                  </a:txBody>
-                  <a:tcPr anchor="ctr" marB="38100" marT="38100" marR="0" marL="0">
-                    <a:lnL algn="ctr" cmpd="sng" cap="flat" w="0">
-                      <a:noFill/>
-                      <a:prstDash val="solid"/>
-                    </a:lnL>
-                    <a:lnR algn="ctr" cmpd="sng" cap="flat" w="0">
-                      <a:noFill/>
-                      <a:prstDash val="solid"/>
-                    </a:lnR>
-                    <a:lnT algn="ctr" cmpd="sng" cap="flat" w="0">
-                      <a:noFill/>
-                      <a:prstDash val="solid"/>
-                    </a:lnT>
-                    <a:lnB algn="ctr" cmpd="sng" cap="flat" w="0">
-                      <a:noFill/>
-                      <a:prstDash val="solid"/>
-                    </a:lnB>
-                    <a:solidFill>
-                      <a:srgbClr val="FF7D29">
-                        <a:alpha val="100000"/>
-                      </a:srgbClr>
-                    </a:solidFill>
-                  </a:tcPr>
-                </a:tc>
-                <a:tc>
-                  <a:txBody>
-                    <a:bodyPr/>
-                    <a:lstStyle/>
-                    <a:p>
-                      <a:pPr algn="ctr" marL="63500" marR="63500">
-                        <a:lnSpc>
-                          <a:spcPct val="100000"/>
-                        </a:lnSpc>
-                        <a:spcBef>
-                          <a:spcPts val="300"/>
-                        </a:spcBef>
-                        <a:spcAft>
-                          <a:spcPts val="300"/>
-                        </a:spcAft>
-                        <a:buNone/>
-                      </a:pPr>
-                      <a:r>
-                        <a:rPr cap="none" sz="1200" i="0" b="0" u="none">
-                          <a:solidFill>
-                            <a:srgbClr val="000000">
-                              <a:alpha val="100000"/>
-                            </a:srgbClr>
-                          </a:solidFill>
-                          <a:latin typeface="arial"/>
-                          <a:cs typeface="arial"/>
-                          <a:ea typeface="arial"/>
-                          <a:sym typeface="arial"/>
-                        </a:rPr>
-                        <a:t>62 (47%)</a:t>
-                      </a:r>
-                    </a:p>
-                  </a:txBody>
-                  <a:tcPr anchor="ctr" marB="38100" marT="38100" marR="0" marL="0">
-                    <a:lnL algn="ctr" cmpd="sng" cap="flat" w="0">
-                      <a:noFill/>
-                      <a:prstDash val="solid"/>
-                    </a:lnL>
-                    <a:lnR algn="ctr" cmpd="sng" cap="flat" w="0">
-                      <a:noFill/>
-                      <a:prstDash val="solid"/>
-                    </a:lnR>
-                    <a:lnT algn="ctr" cmpd="sng" cap="flat" w="0">
-                      <a:noFill/>
-                      <a:prstDash val="solid"/>
-                    </a:lnT>
-                    <a:lnB algn="ctr" cmpd="sng" cap="flat" w="0">
-                      <a:noFill/>
-                      <a:prstDash val="solid"/>
-                    </a:lnB>
-                    <a:solidFill>
-                      <a:srgbClr val="FF7D29">
-                        <a:alpha val="100000"/>
-                      </a:srgbClr>
-                    </a:solidFill>
-                  </a:tcPr>
-                </a:tc>
-              </a:tr>
-              <a:tr h="238075">
-                <a:tc>
-                  <a:txBody>
-                    <a:bodyPr/>
-                    <a:lstStyle/>
-                    <a:p>
-                      <a:pPr algn="l" marL="127000" marR="63500">
-                        <a:lnSpc>
-                          <a:spcPct val="100000"/>
-                        </a:lnSpc>
-                        <a:spcBef>
-                          <a:spcPts val="300"/>
-                        </a:spcBef>
-                        <a:spcAft>
-                          <a:spcPts val="300"/>
-                        </a:spcAft>
-                        <a:buNone/>
-                      </a:pPr>
-                      <a:r>
-                        <a:rPr cap="none" sz="1200" i="0" b="0" u="none">
-                          <a:solidFill>
-                            <a:srgbClr val="000000">
-                              <a:alpha val="100000"/>
-                            </a:srgbClr>
-                          </a:solidFill>
-                          <a:latin typeface="arial"/>
-                          <a:cs typeface="arial"/>
-                          <a:ea typeface="arial"/>
-                          <a:sym typeface="arial"/>
-                        </a:rPr>
-                        <a:t>Age</a:t>
-                      </a:r>
-                    </a:p>
-                  </a:txBody>
-                  <a:tcPr anchor="ctr" marB="38100" marT="38100" marR="0" marL="0">
-                    <a:lnL algn="ctr" cmpd="sng" cap="flat" w="0">
-                      <a:noFill/>
-                      <a:prstDash val="solid"/>
-                    </a:lnL>
-                    <a:lnR algn="ctr" cmpd="sng" cap="flat" w="0">
-                      <a:noFill/>
-                      <a:prstDash val="solid"/>
-                    </a:lnR>
-                    <a:lnT algn="ctr" cmpd="sng" cap="flat" w="0">
-                      <a:noFill/>
-                      <a:prstDash val="solid"/>
-                    </a:lnT>
-                    <a:lnB algn="ctr" cmpd="sng" cap="flat" w="0">
-                      <a:noFill/>
-                      <a:prstDash val="solid"/>
-                    </a:lnB>
-                    <a:solidFill>
-                      <a:srgbClr val="FFBD69">
-                        <a:alpha val="100000"/>
-                      </a:srgbClr>
-                    </a:solidFill>
-                  </a:tcPr>
-                </a:tc>
                 <a:tc>
                   <a:txBody>
                     <a:bodyPr/>
@@ -4514,7 +4111,7 @@
                       <a:prstDash val="solid"/>
                     </a:lnB>
                     <a:solidFill>
-                      <a:srgbClr val="FFBD69">
+                      <a:srgbClr val="FF7D29">
                         <a:alpha val="100000"/>
                       </a:srgbClr>
                     </a:solidFill>
@@ -4582,6 +4179,753 @@
                       <a:prstDash val="solid"/>
                     </a:lnB>
                     <a:solidFill>
+                      <a:srgbClr val="FF7D29">
+                        <a:alpha val="100000"/>
+                      </a:srgbClr>
+                    </a:solidFill>
+                  </a:tcPr>
+                </a:tc>
+              </a:tr>
+              <a:tr h="243582">
+                <a:tc>
+                  <a:txBody>
+                    <a:bodyPr/>
+                    <a:lstStyle/>
+                    <a:p>
+                      <a:pPr algn="l" marL="127000" marR="63500">
+                        <a:lnSpc>
+                          <a:spcPct val="100000"/>
+                        </a:lnSpc>
+                        <a:spcBef>
+                          <a:spcPts val="300"/>
+                        </a:spcBef>
+                        <a:spcAft>
+                          <a:spcPts val="300"/>
+                        </a:spcAft>
+                        <a:buNone/>
+                      </a:pPr>
+                      <a:r>
+                        <a:rPr cap="none" sz="1200" i="0" b="0" u="none">
+                          <a:solidFill>
+                            <a:srgbClr val="000000">
+                              <a:alpha val="100000"/>
+                            </a:srgbClr>
+                          </a:solidFill>
+                          <a:latin typeface="arial"/>
+                          <a:cs typeface="arial"/>
+                          <a:ea typeface="arial"/>
+                          <a:sym typeface="arial"/>
+                        </a:rPr>
+                        <a:t>F</a:t>
+                      </a:r>
+                    </a:p>
+                  </a:txBody>
+                  <a:tcPr anchor="ctr" marB="38100" marT="38100" marR="0" marL="0">
+                    <a:lnL algn="ctr" cmpd="sng" cap="flat" w="0">
+                      <a:noFill/>
+                      <a:prstDash val="solid"/>
+                    </a:lnL>
+                    <a:lnR algn="ctr" cmpd="sng" cap="flat" w="0">
+                      <a:noFill/>
+                      <a:prstDash val="solid"/>
+                    </a:lnR>
+                    <a:lnT algn="ctr" cmpd="sng" cap="flat" w="0">
+                      <a:noFill/>
+                      <a:prstDash val="solid"/>
+                    </a:lnT>
+                    <a:lnB algn="ctr" cmpd="sng" cap="flat" w="0">
+                      <a:noFill/>
+                      <a:prstDash val="solid"/>
+                    </a:lnB>
+                    <a:solidFill>
+                      <a:srgbClr val="FFBD69">
+                        <a:alpha val="100000"/>
+                      </a:srgbClr>
+                    </a:solidFill>
+                  </a:tcPr>
+                </a:tc>
+                <a:tc>
+                  <a:txBody>
+                    <a:bodyPr/>
+                    <a:lstStyle/>
+                    <a:p>
+                      <a:pPr algn="ctr" marL="63500" marR="63500">
+                        <a:lnSpc>
+                          <a:spcPct val="100000"/>
+                        </a:lnSpc>
+                        <a:spcBef>
+                          <a:spcPts val="300"/>
+                        </a:spcBef>
+                        <a:spcAft>
+                          <a:spcPts val="300"/>
+                        </a:spcAft>
+                        <a:buNone/>
+                      </a:pPr>
+                      <a:r>
+                        <a:rPr cap="none" sz="1200" i="0" b="0" u="none">
+                          <a:solidFill>
+                            <a:srgbClr val="000000">
+                              <a:alpha val="100000"/>
+                            </a:srgbClr>
+                          </a:solidFill>
+                          <a:latin typeface="arial"/>
+                          <a:cs typeface="arial"/>
+                          <a:ea typeface="arial"/>
+                          <a:sym typeface="arial"/>
+                        </a:rPr>
+                        <a:t>79 (59%)</a:t>
+                      </a:r>
+                    </a:p>
+                  </a:txBody>
+                  <a:tcPr anchor="ctr" marB="38100" marT="38100" marR="0" marL="0">
+                    <a:lnL algn="ctr" cmpd="sng" cap="flat" w="0">
+                      <a:noFill/>
+                      <a:prstDash val="solid"/>
+                    </a:lnL>
+                    <a:lnR algn="ctr" cmpd="sng" cap="flat" w="0">
+                      <a:noFill/>
+                      <a:prstDash val="solid"/>
+                    </a:lnR>
+                    <a:lnT algn="ctr" cmpd="sng" cap="flat" w="0">
+                      <a:noFill/>
+                      <a:prstDash val="solid"/>
+                    </a:lnT>
+                    <a:lnB algn="ctr" cmpd="sng" cap="flat" w="0">
+                      <a:noFill/>
+                      <a:prstDash val="solid"/>
+                    </a:lnB>
+                    <a:solidFill>
+                      <a:srgbClr val="FFBD69">
+                        <a:alpha val="100000"/>
+                      </a:srgbClr>
+                    </a:solidFill>
+                  </a:tcPr>
+                </a:tc>
+                <a:tc>
+                  <a:txBody>
+                    <a:bodyPr/>
+                    <a:lstStyle/>
+                    <a:p>
+                      <a:pPr algn="ctr" marL="63500" marR="63500">
+                        <a:lnSpc>
+                          <a:spcPct val="100000"/>
+                        </a:lnSpc>
+                        <a:spcBef>
+                          <a:spcPts val="300"/>
+                        </a:spcBef>
+                        <a:spcAft>
+                          <a:spcPts val="300"/>
+                        </a:spcAft>
+                        <a:buNone/>
+                      </a:pPr>
+                      <a:r>
+                        <a:rPr cap="none" sz="1200" i="0" b="0" u="none">
+                          <a:solidFill>
+                            <a:srgbClr val="000000">
+                              <a:alpha val="100000"/>
+                            </a:srgbClr>
+                          </a:solidFill>
+                          <a:latin typeface="arial"/>
+                          <a:cs typeface="arial"/>
+                          <a:ea typeface="arial"/>
+                          <a:sym typeface="arial"/>
+                        </a:rPr>
+                        <a:t>82 (61.2%)</a:t>
+                      </a:r>
+                    </a:p>
+                  </a:txBody>
+                  <a:tcPr anchor="ctr" marB="38100" marT="38100" marR="0" marL="0">
+                    <a:lnL algn="ctr" cmpd="sng" cap="flat" w="0">
+                      <a:noFill/>
+                      <a:prstDash val="solid"/>
+                    </a:lnL>
+                    <a:lnR algn="ctr" cmpd="sng" cap="flat" w="0">
+                      <a:noFill/>
+                      <a:prstDash val="solid"/>
+                    </a:lnR>
+                    <a:lnT algn="ctr" cmpd="sng" cap="flat" w="0">
+                      <a:noFill/>
+                      <a:prstDash val="solid"/>
+                    </a:lnT>
+                    <a:lnB algn="ctr" cmpd="sng" cap="flat" w="0">
+                      <a:noFill/>
+                      <a:prstDash val="solid"/>
+                    </a:lnB>
+                    <a:solidFill>
+                      <a:srgbClr val="FFBD69">
+                        <a:alpha val="100000"/>
+                      </a:srgbClr>
+                    </a:solidFill>
+                  </a:tcPr>
+                </a:tc>
+                <a:tc>
+                  <a:txBody>
+                    <a:bodyPr/>
+                    <a:lstStyle/>
+                    <a:p>
+                      <a:pPr algn="ctr" marL="63500" marR="63500">
+                        <a:lnSpc>
+                          <a:spcPct val="100000"/>
+                        </a:lnSpc>
+                        <a:spcBef>
+                          <a:spcPts val="300"/>
+                        </a:spcBef>
+                        <a:spcAft>
+                          <a:spcPts val="300"/>
+                        </a:spcAft>
+                        <a:buNone/>
+                      </a:pPr>
+                      <a:r>
+                        <a:rPr cap="none" sz="1200" i="0" b="0" u="none">
+                          <a:solidFill>
+                            <a:srgbClr val="000000">
+                              <a:alpha val="100000"/>
+                            </a:srgbClr>
+                          </a:solidFill>
+                          <a:latin typeface="arial"/>
+                          <a:cs typeface="arial"/>
+                          <a:ea typeface="arial"/>
+                          <a:sym typeface="arial"/>
+                        </a:rPr>
+                        <a:t>70 (53%)</a:t>
+                      </a:r>
+                    </a:p>
+                  </a:txBody>
+                  <a:tcPr anchor="ctr" marB="38100" marT="38100" marR="0" marL="0">
+                    <a:lnL algn="ctr" cmpd="sng" cap="flat" w="0">
+                      <a:noFill/>
+                      <a:prstDash val="solid"/>
+                    </a:lnL>
+                    <a:lnR algn="ctr" cmpd="sng" cap="flat" w="0">
+                      <a:noFill/>
+                      <a:prstDash val="solid"/>
+                    </a:lnR>
+                    <a:lnT algn="ctr" cmpd="sng" cap="flat" w="0">
+                      <a:noFill/>
+                      <a:prstDash val="solid"/>
+                    </a:lnT>
+                    <a:lnB algn="ctr" cmpd="sng" cap="flat" w="0">
+                      <a:noFill/>
+                      <a:prstDash val="solid"/>
+                    </a:lnB>
+                    <a:solidFill>
+                      <a:srgbClr val="FFBD69">
+                        <a:alpha val="100000"/>
+                      </a:srgbClr>
+                    </a:solidFill>
+                  </a:tcPr>
+                </a:tc>
+                <a:tc>
+                  <a:txBody>
+                    <a:bodyPr/>
+                    <a:lstStyle/>
+                    <a:p>
+                      <a:pPr algn="ctr" marL="63500" marR="63500">
+                        <a:lnSpc>
+                          <a:spcPct val="100000"/>
+                        </a:lnSpc>
+                        <a:spcBef>
+                          <a:spcPts val="300"/>
+                        </a:spcBef>
+                        <a:spcAft>
+                          <a:spcPts val="300"/>
+                        </a:spcAft>
+                        <a:buNone/>
+                      </a:pPr>
+                      <a:r>
+                        <a:rPr cap="none" sz="1200" i="0" b="0" u="none">
+                          <a:solidFill>
+                            <a:srgbClr val="000000">
+                              <a:alpha val="100000"/>
+                            </a:srgbClr>
+                          </a:solidFill>
+                          <a:latin typeface="arial"/>
+                          <a:cs typeface="arial"/>
+                          <a:ea typeface="arial"/>
+                          <a:sym typeface="arial"/>
+                        </a:rPr>
+                        <a:t>231 (57.8%)</a:t>
+                      </a:r>
+                    </a:p>
+                  </a:txBody>
+                  <a:tcPr anchor="ctr" marB="38100" marT="38100" marR="0" marL="0">
+                    <a:lnL algn="ctr" cmpd="sng" cap="flat" w="0">
+                      <a:noFill/>
+                      <a:prstDash val="solid"/>
+                    </a:lnL>
+                    <a:lnR algn="ctr" cmpd="sng" cap="flat" w="0">
+                      <a:noFill/>
+                      <a:prstDash val="solid"/>
+                    </a:lnR>
+                    <a:lnT algn="ctr" cmpd="sng" cap="flat" w="0">
+                      <a:noFill/>
+                      <a:prstDash val="solid"/>
+                    </a:lnT>
+                    <a:lnB algn="ctr" cmpd="sng" cap="flat" w="0">
+                      <a:noFill/>
+                      <a:prstDash val="solid"/>
+                    </a:lnB>
+                    <a:solidFill>
+                      <a:srgbClr val="FFBD69">
+                        <a:alpha val="100000"/>
+                      </a:srgbClr>
+                    </a:solidFill>
+                  </a:tcPr>
+                </a:tc>
+                <a:tc>
+                  <a:txBody>
+                    <a:bodyPr/>
+                    <a:lstStyle/>
+                    <a:p>
+                      <a:pPr algn="ctr" marL="63500" marR="63500">
+                        <a:lnSpc>
+                          <a:spcPct val="100000"/>
+                        </a:lnSpc>
+                        <a:spcBef>
+                          <a:spcPts val="300"/>
+                        </a:spcBef>
+                        <a:spcAft>
+                          <a:spcPts val="300"/>
+                        </a:spcAft>
+                        <a:buNone/>
+                      </a:pPr>
+                      <a:r>
+                        <a:rPr cap="none" sz="1200" i="0" b="0" u="none">
+                          <a:solidFill>
+                            <a:srgbClr val="000000">
+                              <a:alpha val="100000"/>
+                            </a:srgbClr>
+                          </a:solidFill>
+                          <a:latin typeface="arial"/>
+                          <a:cs typeface="arial"/>
+                          <a:ea typeface="arial"/>
+                          <a:sym typeface="arial"/>
+                        </a:rPr>
+                        <a:t>231 (57.8%)</a:t>
+                      </a:r>
+                    </a:p>
+                  </a:txBody>
+                  <a:tcPr anchor="ctr" marB="38100" marT="38100" marR="0" marL="0">
+                    <a:lnL algn="ctr" cmpd="sng" cap="flat" w="0">
+                      <a:noFill/>
+                      <a:prstDash val="solid"/>
+                    </a:lnL>
+                    <a:lnR algn="ctr" cmpd="sng" cap="flat" w="0">
+                      <a:noFill/>
+                      <a:prstDash val="solid"/>
+                    </a:lnR>
+                    <a:lnT algn="ctr" cmpd="sng" cap="flat" w="0">
+                      <a:noFill/>
+                      <a:prstDash val="solid"/>
+                    </a:lnT>
+                    <a:lnB algn="ctr" cmpd="sng" cap="flat" w="0">
+                      <a:noFill/>
+                      <a:prstDash val="solid"/>
+                    </a:lnB>
+                    <a:solidFill>
+                      <a:srgbClr val="FFBD69">
+                        <a:alpha val="100000"/>
+                      </a:srgbClr>
+                    </a:solidFill>
+                  </a:tcPr>
+                </a:tc>
+              </a:tr>
+              <a:tr h="243582">
+                <a:tc>
+                  <a:txBody>
+                    <a:bodyPr/>
+                    <a:lstStyle/>
+                    <a:p>
+                      <a:pPr algn="l" marL="127000" marR="63500">
+                        <a:lnSpc>
+                          <a:spcPct val="100000"/>
+                        </a:lnSpc>
+                        <a:spcBef>
+                          <a:spcPts val="300"/>
+                        </a:spcBef>
+                        <a:spcAft>
+                          <a:spcPts val="300"/>
+                        </a:spcAft>
+                        <a:buNone/>
+                      </a:pPr>
+                      <a:r>
+                        <a:rPr cap="none" sz="1200" i="0" b="0" u="none">
+                          <a:solidFill>
+                            <a:srgbClr val="000000">
+                              <a:alpha val="100000"/>
+                            </a:srgbClr>
+                          </a:solidFill>
+                          <a:latin typeface="arial"/>
+                          <a:cs typeface="arial"/>
+                          <a:ea typeface="arial"/>
+                          <a:sym typeface="arial"/>
+                        </a:rPr>
+                        <a:t>M</a:t>
+                      </a:r>
+                    </a:p>
+                  </a:txBody>
+                  <a:tcPr anchor="ctr" marB="38100" marT="38100" marR="0" marL="0">
+                    <a:lnL algn="ctr" cmpd="sng" cap="flat" w="0">
+                      <a:noFill/>
+                      <a:prstDash val="solid"/>
+                    </a:lnL>
+                    <a:lnR algn="ctr" cmpd="sng" cap="flat" w="0">
+                      <a:noFill/>
+                      <a:prstDash val="solid"/>
+                    </a:lnR>
+                    <a:lnT algn="ctr" cmpd="sng" cap="flat" w="0">
+                      <a:noFill/>
+                      <a:prstDash val="solid"/>
+                    </a:lnT>
+                    <a:lnB algn="ctr" cmpd="sng" cap="flat" w="0">
+                      <a:noFill/>
+                      <a:prstDash val="solid"/>
+                    </a:lnB>
+                    <a:solidFill>
+                      <a:srgbClr val="FF7D29">
+                        <a:alpha val="100000"/>
+                      </a:srgbClr>
+                    </a:solidFill>
+                  </a:tcPr>
+                </a:tc>
+                <a:tc>
+                  <a:txBody>
+                    <a:bodyPr/>
+                    <a:lstStyle/>
+                    <a:p>
+                      <a:pPr algn="ctr" marL="63500" marR="63500">
+                        <a:lnSpc>
+                          <a:spcPct val="100000"/>
+                        </a:lnSpc>
+                        <a:spcBef>
+                          <a:spcPts val="300"/>
+                        </a:spcBef>
+                        <a:spcAft>
+                          <a:spcPts val="300"/>
+                        </a:spcAft>
+                        <a:buNone/>
+                      </a:pPr>
+                      <a:r>
+                        <a:rPr cap="none" sz="1200" i="0" b="0" u="none">
+                          <a:solidFill>
+                            <a:srgbClr val="000000">
+                              <a:alpha val="100000"/>
+                            </a:srgbClr>
+                          </a:solidFill>
+                          <a:latin typeface="arial"/>
+                          <a:cs typeface="arial"/>
+                          <a:ea typeface="arial"/>
+                          <a:sym typeface="arial"/>
+                        </a:rPr>
+                        <a:t>55 (41%)</a:t>
+                      </a:r>
+                    </a:p>
+                  </a:txBody>
+                  <a:tcPr anchor="ctr" marB="38100" marT="38100" marR="0" marL="0">
+                    <a:lnL algn="ctr" cmpd="sng" cap="flat" w="0">
+                      <a:noFill/>
+                      <a:prstDash val="solid"/>
+                    </a:lnL>
+                    <a:lnR algn="ctr" cmpd="sng" cap="flat" w="0">
+                      <a:noFill/>
+                      <a:prstDash val="solid"/>
+                    </a:lnR>
+                    <a:lnT algn="ctr" cmpd="sng" cap="flat" w="0">
+                      <a:noFill/>
+                      <a:prstDash val="solid"/>
+                    </a:lnT>
+                    <a:lnB algn="ctr" cmpd="sng" cap="flat" w="0">
+                      <a:noFill/>
+                      <a:prstDash val="solid"/>
+                    </a:lnB>
+                    <a:solidFill>
+                      <a:srgbClr val="FF7D29">
+                        <a:alpha val="100000"/>
+                      </a:srgbClr>
+                    </a:solidFill>
+                  </a:tcPr>
+                </a:tc>
+                <a:tc>
+                  <a:txBody>
+                    <a:bodyPr/>
+                    <a:lstStyle/>
+                    <a:p>
+                      <a:pPr algn="ctr" marL="63500" marR="63500">
+                        <a:lnSpc>
+                          <a:spcPct val="100000"/>
+                        </a:lnSpc>
+                        <a:spcBef>
+                          <a:spcPts val="300"/>
+                        </a:spcBef>
+                        <a:spcAft>
+                          <a:spcPts val="300"/>
+                        </a:spcAft>
+                        <a:buNone/>
+                      </a:pPr>
+                      <a:r>
+                        <a:rPr cap="none" sz="1200" i="0" b="0" u="none">
+                          <a:solidFill>
+                            <a:srgbClr val="000000">
+                              <a:alpha val="100000"/>
+                            </a:srgbClr>
+                          </a:solidFill>
+                          <a:latin typeface="arial"/>
+                          <a:cs typeface="arial"/>
+                          <a:ea typeface="arial"/>
+                          <a:sym typeface="arial"/>
+                        </a:rPr>
+                        <a:t>52 (38.8%)</a:t>
+                      </a:r>
+                    </a:p>
+                  </a:txBody>
+                  <a:tcPr anchor="ctr" marB="38100" marT="38100" marR="0" marL="0">
+                    <a:lnL algn="ctr" cmpd="sng" cap="flat" w="0">
+                      <a:noFill/>
+                      <a:prstDash val="solid"/>
+                    </a:lnL>
+                    <a:lnR algn="ctr" cmpd="sng" cap="flat" w="0">
+                      <a:noFill/>
+                      <a:prstDash val="solid"/>
+                    </a:lnR>
+                    <a:lnT algn="ctr" cmpd="sng" cap="flat" w="0">
+                      <a:noFill/>
+                      <a:prstDash val="solid"/>
+                    </a:lnT>
+                    <a:lnB algn="ctr" cmpd="sng" cap="flat" w="0">
+                      <a:noFill/>
+                      <a:prstDash val="solid"/>
+                    </a:lnB>
+                    <a:solidFill>
+                      <a:srgbClr val="FF7D29">
+                        <a:alpha val="100000"/>
+                      </a:srgbClr>
+                    </a:solidFill>
+                  </a:tcPr>
+                </a:tc>
+                <a:tc>
+                  <a:txBody>
+                    <a:bodyPr/>
+                    <a:lstStyle/>
+                    <a:p>
+                      <a:pPr algn="ctr" marL="63500" marR="63500">
+                        <a:lnSpc>
+                          <a:spcPct val="100000"/>
+                        </a:lnSpc>
+                        <a:spcBef>
+                          <a:spcPts val="300"/>
+                        </a:spcBef>
+                        <a:spcAft>
+                          <a:spcPts val="300"/>
+                        </a:spcAft>
+                        <a:buNone/>
+                      </a:pPr>
+                      <a:r>
+                        <a:rPr cap="none" sz="1200" i="0" b="0" u="none">
+                          <a:solidFill>
+                            <a:srgbClr val="000000">
+                              <a:alpha val="100000"/>
+                            </a:srgbClr>
+                          </a:solidFill>
+                          <a:latin typeface="arial"/>
+                          <a:cs typeface="arial"/>
+                          <a:ea typeface="arial"/>
+                          <a:sym typeface="arial"/>
+                        </a:rPr>
+                        <a:t>62 (47%)</a:t>
+                      </a:r>
+                    </a:p>
+                  </a:txBody>
+                  <a:tcPr anchor="ctr" marB="38100" marT="38100" marR="0" marL="0">
+                    <a:lnL algn="ctr" cmpd="sng" cap="flat" w="0">
+                      <a:noFill/>
+                      <a:prstDash val="solid"/>
+                    </a:lnL>
+                    <a:lnR algn="ctr" cmpd="sng" cap="flat" w="0">
+                      <a:noFill/>
+                      <a:prstDash val="solid"/>
+                    </a:lnR>
+                    <a:lnT algn="ctr" cmpd="sng" cap="flat" w="0">
+                      <a:noFill/>
+                      <a:prstDash val="solid"/>
+                    </a:lnT>
+                    <a:lnB algn="ctr" cmpd="sng" cap="flat" w="0">
+                      <a:noFill/>
+                      <a:prstDash val="solid"/>
+                    </a:lnB>
+                    <a:solidFill>
+                      <a:srgbClr val="FF7D29">
+                        <a:alpha val="100000"/>
+                      </a:srgbClr>
+                    </a:solidFill>
+                  </a:tcPr>
+                </a:tc>
+                <a:tc>
+                  <a:txBody>
+                    <a:bodyPr/>
+                    <a:lstStyle/>
+                    <a:p>
+                      <a:pPr algn="ctr" marL="63500" marR="63500">
+                        <a:lnSpc>
+                          <a:spcPct val="100000"/>
+                        </a:lnSpc>
+                        <a:spcBef>
+                          <a:spcPts val="300"/>
+                        </a:spcBef>
+                        <a:spcAft>
+                          <a:spcPts val="300"/>
+                        </a:spcAft>
+                        <a:buNone/>
+                      </a:pPr>
+                      <a:r>
+                        <a:rPr cap="none" sz="1200" i="0" b="0" u="none">
+                          <a:solidFill>
+                            <a:srgbClr val="000000">
+                              <a:alpha val="100000"/>
+                            </a:srgbClr>
+                          </a:solidFill>
+                          <a:latin typeface="arial"/>
+                          <a:cs typeface="arial"/>
+                          <a:ea typeface="arial"/>
+                          <a:sym typeface="arial"/>
+                        </a:rPr>
+                        <a:t>169 (42.2%)</a:t>
+                      </a:r>
+                    </a:p>
+                  </a:txBody>
+                  <a:tcPr anchor="ctr" marB="38100" marT="38100" marR="0" marL="0">
+                    <a:lnL algn="ctr" cmpd="sng" cap="flat" w="0">
+                      <a:noFill/>
+                      <a:prstDash val="solid"/>
+                    </a:lnL>
+                    <a:lnR algn="ctr" cmpd="sng" cap="flat" w="0">
+                      <a:noFill/>
+                      <a:prstDash val="solid"/>
+                    </a:lnR>
+                    <a:lnT algn="ctr" cmpd="sng" cap="flat" w="0">
+                      <a:noFill/>
+                      <a:prstDash val="solid"/>
+                    </a:lnT>
+                    <a:lnB algn="ctr" cmpd="sng" cap="flat" w="0">
+                      <a:noFill/>
+                      <a:prstDash val="solid"/>
+                    </a:lnB>
+                    <a:solidFill>
+                      <a:srgbClr val="FF7D29">
+                        <a:alpha val="100000"/>
+                      </a:srgbClr>
+                    </a:solidFill>
+                  </a:tcPr>
+                </a:tc>
+                <a:tc>
+                  <a:txBody>
+                    <a:bodyPr/>
+                    <a:lstStyle/>
+                    <a:p>
+                      <a:pPr algn="ctr" marL="63500" marR="63500">
+                        <a:lnSpc>
+                          <a:spcPct val="100000"/>
+                        </a:lnSpc>
+                        <a:spcBef>
+                          <a:spcPts val="300"/>
+                        </a:spcBef>
+                        <a:spcAft>
+                          <a:spcPts val="300"/>
+                        </a:spcAft>
+                        <a:buNone/>
+                      </a:pPr>
+                      <a:r>
+                        <a:rPr cap="none" sz="1200" i="0" b="0" u="none">
+                          <a:solidFill>
+                            <a:srgbClr val="000000">
+                              <a:alpha val="100000"/>
+                            </a:srgbClr>
+                          </a:solidFill>
+                          <a:latin typeface="arial"/>
+                          <a:cs typeface="arial"/>
+                          <a:ea typeface="arial"/>
+                          <a:sym typeface="arial"/>
+                        </a:rPr>
+                        <a:t>169 (42.2%)</a:t>
+                      </a:r>
+                    </a:p>
+                  </a:txBody>
+                  <a:tcPr anchor="ctr" marB="38100" marT="38100" marR="0" marL="0">
+                    <a:lnL algn="ctr" cmpd="sng" cap="flat" w="0">
+                      <a:noFill/>
+                      <a:prstDash val="solid"/>
+                    </a:lnL>
+                    <a:lnR algn="ctr" cmpd="sng" cap="flat" w="0">
+                      <a:noFill/>
+                      <a:prstDash val="solid"/>
+                    </a:lnR>
+                    <a:lnT algn="ctr" cmpd="sng" cap="flat" w="0">
+                      <a:noFill/>
+                      <a:prstDash val="solid"/>
+                    </a:lnT>
+                    <a:lnB algn="ctr" cmpd="sng" cap="flat" w="0">
+                      <a:noFill/>
+                      <a:prstDash val="solid"/>
+                    </a:lnB>
+                    <a:solidFill>
+                      <a:srgbClr val="FF7D29">
+                        <a:alpha val="100000"/>
+                      </a:srgbClr>
+                    </a:solidFill>
+                  </a:tcPr>
+                </a:tc>
+              </a:tr>
+              <a:tr h="238075">
+                <a:tc>
+                  <a:txBody>
+                    <a:bodyPr/>
+                    <a:lstStyle/>
+                    <a:p>
+                      <a:pPr algn="l" marL="127000" marR="63500">
+                        <a:lnSpc>
+                          <a:spcPct val="100000"/>
+                        </a:lnSpc>
+                        <a:spcBef>
+                          <a:spcPts val="300"/>
+                        </a:spcBef>
+                        <a:spcAft>
+                          <a:spcPts val="300"/>
+                        </a:spcAft>
+                        <a:buNone/>
+                      </a:pPr>
+                      <a:r>
+                        <a:rPr cap="none" sz="1200" i="0" b="0" u="none">
+                          <a:solidFill>
+                            <a:srgbClr val="000000">
+                              <a:alpha val="100000"/>
+                            </a:srgbClr>
+                          </a:solidFill>
+                          <a:latin typeface="arial"/>
+                          <a:cs typeface="arial"/>
+                          <a:ea typeface="arial"/>
+                          <a:sym typeface="arial"/>
+                        </a:rPr>
+                        <a:t>Age</a:t>
+                      </a:r>
+                    </a:p>
+                  </a:txBody>
+                  <a:tcPr anchor="ctr" marB="38100" marT="38100" marR="0" marL="0">
+                    <a:lnL algn="ctr" cmpd="sng" cap="flat" w="0">
+                      <a:noFill/>
+                      <a:prstDash val="solid"/>
+                    </a:lnL>
+                    <a:lnR algn="ctr" cmpd="sng" cap="flat" w="0">
+                      <a:noFill/>
+                      <a:prstDash val="solid"/>
+                    </a:lnR>
+                    <a:lnT algn="ctr" cmpd="sng" cap="flat" w="0">
+                      <a:noFill/>
+                      <a:prstDash val="solid"/>
+                    </a:lnT>
+                    <a:lnB algn="ctr" cmpd="sng" cap="flat" w="0">
+                      <a:noFill/>
+                      <a:prstDash val="solid"/>
+                    </a:lnB>
+                    <a:solidFill>
                       <a:srgbClr val="FFBD69">
                         <a:alpha val="100000"/>
                       </a:srgbClr>
@@ -4656,525 +5000,6 @@
                     </a:solidFill>
                   </a:tcPr>
                 </a:tc>
-              </a:tr>
-              <a:tr h="213519">
-                <a:tc>
-                  <a:txBody>
-                    <a:bodyPr/>
-                    <a:lstStyle/>
-                    <a:p>
-                      <a:pPr algn="l" marL="127000" marR="63500">
-                        <a:lnSpc>
-                          <a:spcPct val="100000"/>
-                        </a:lnSpc>
-                        <a:spcBef>
-                          <a:spcPts val="300"/>
-                        </a:spcBef>
-                        <a:spcAft>
-                          <a:spcPts val="300"/>
-                        </a:spcAft>
-                        <a:buNone/>
-                      </a:pPr>
-                      <a:r>
-                        <a:rPr cap="none" sz="1200" i="0" b="0" u="none">
-                          <a:solidFill>
-                            <a:srgbClr val="000000">
-                              <a:alpha val="100000"/>
-                            </a:srgbClr>
-                          </a:solidFill>
-                          <a:latin typeface="arial"/>
-                          <a:cs typeface="arial"/>
-                          <a:ea typeface="arial"/>
-                          <a:sym typeface="arial"/>
-                        </a:rPr>
-                        <a:t>Median</a:t>
-                      </a:r>
-                    </a:p>
-                  </a:txBody>
-                  <a:tcPr anchor="ctr" marB="38100" marT="38100" marR="0" marL="0">
-                    <a:lnL algn="ctr" cmpd="sng" cap="flat" w="0">
-                      <a:noFill/>
-                      <a:prstDash val="solid"/>
-                    </a:lnL>
-                    <a:lnR algn="ctr" cmpd="sng" cap="flat" w="0">
-                      <a:noFill/>
-                      <a:prstDash val="solid"/>
-                    </a:lnR>
-                    <a:lnT algn="ctr" cmpd="sng" cap="flat" w="0">
-                      <a:noFill/>
-                      <a:prstDash val="solid"/>
-                    </a:lnT>
-                    <a:lnB algn="ctr" cmpd="sng" cap="flat" w="0">
-                      <a:noFill/>
-                      <a:prstDash val="solid"/>
-                    </a:lnB>
-                    <a:solidFill>
-                      <a:srgbClr val="FF7D29">
-                        <a:alpha val="100000"/>
-                      </a:srgbClr>
-                    </a:solidFill>
-                  </a:tcPr>
-                </a:tc>
-                <a:tc>
-                  <a:txBody>
-                    <a:bodyPr/>
-                    <a:lstStyle/>
-                    <a:p>
-                      <a:pPr algn="ctr" marL="63500" marR="63500">
-                        <a:lnSpc>
-                          <a:spcPct val="100000"/>
-                        </a:lnSpc>
-                        <a:spcBef>
-                          <a:spcPts val="300"/>
-                        </a:spcBef>
-                        <a:spcAft>
-                          <a:spcPts val="300"/>
-                        </a:spcAft>
-                        <a:buNone/>
-                      </a:pPr>
-                      <a:r>
-                        <a:rPr cap="none" sz="1200" i="0" b="0" u="none">
-                          <a:solidFill>
-                            <a:srgbClr val="000000">
-                              <a:alpha val="100000"/>
-                            </a:srgbClr>
-                          </a:solidFill>
-                          <a:latin typeface="arial"/>
-                          <a:cs typeface="arial"/>
-                          <a:ea typeface="arial"/>
-                          <a:sym typeface="arial"/>
-                        </a:rPr>
-                        <a:t>33.0</a:t>
-                      </a:r>
-                    </a:p>
-                  </a:txBody>
-                  <a:tcPr anchor="ctr" marB="38100" marT="38100" marR="0" marL="0">
-                    <a:lnL algn="ctr" cmpd="sng" cap="flat" w="0">
-                      <a:noFill/>
-                      <a:prstDash val="solid"/>
-                    </a:lnL>
-                    <a:lnR algn="ctr" cmpd="sng" cap="flat" w="0">
-                      <a:noFill/>
-                      <a:prstDash val="solid"/>
-                    </a:lnR>
-                    <a:lnT algn="ctr" cmpd="sng" cap="flat" w="0">
-                      <a:noFill/>
-                      <a:prstDash val="solid"/>
-                    </a:lnT>
-                    <a:lnB algn="ctr" cmpd="sng" cap="flat" w="0">
-                      <a:noFill/>
-                      <a:prstDash val="solid"/>
-                    </a:lnB>
-                    <a:solidFill>
-                      <a:srgbClr val="FF7D29">
-                        <a:alpha val="100000"/>
-                      </a:srgbClr>
-                    </a:solidFill>
-                  </a:tcPr>
-                </a:tc>
-                <a:tc>
-                  <a:txBody>
-                    <a:bodyPr/>
-                    <a:lstStyle/>
-                    <a:p>
-                      <a:pPr algn="ctr" marL="63500" marR="63500">
-                        <a:lnSpc>
-                          <a:spcPct val="100000"/>
-                        </a:lnSpc>
-                        <a:spcBef>
-                          <a:spcPts val="300"/>
-                        </a:spcBef>
-                        <a:spcAft>
-                          <a:spcPts val="300"/>
-                        </a:spcAft>
-                        <a:buNone/>
-                      </a:pPr>
-                      <a:r>
-                        <a:rPr cap="none" sz="1200" i="0" b="0" u="none">
-                          <a:solidFill>
-                            <a:srgbClr val="000000">
-                              <a:alpha val="100000"/>
-                            </a:srgbClr>
-                          </a:solidFill>
-                          <a:latin typeface="arial"/>
-                          <a:cs typeface="arial"/>
-                          <a:ea typeface="arial"/>
-                          <a:sym typeface="arial"/>
-                        </a:rPr>
-                        <a:t>35.0</a:t>
-                      </a:r>
-                    </a:p>
-                  </a:txBody>
-                  <a:tcPr anchor="ctr" marB="38100" marT="38100" marR="0" marL="0">
-                    <a:lnL algn="ctr" cmpd="sng" cap="flat" w="0">
-                      <a:noFill/>
-                      <a:prstDash val="solid"/>
-                    </a:lnL>
-                    <a:lnR algn="ctr" cmpd="sng" cap="flat" w="0">
-                      <a:noFill/>
-                      <a:prstDash val="solid"/>
-                    </a:lnR>
-                    <a:lnT algn="ctr" cmpd="sng" cap="flat" w="0">
-                      <a:noFill/>
-                      <a:prstDash val="solid"/>
-                    </a:lnT>
-                    <a:lnB algn="ctr" cmpd="sng" cap="flat" w="0">
-                      <a:noFill/>
-                      <a:prstDash val="solid"/>
-                    </a:lnB>
-                    <a:solidFill>
-                      <a:srgbClr val="FF7D29">
-                        <a:alpha val="100000"/>
-                      </a:srgbClr>
-                    </a:solidFill>
-                  </a:tcPr>
-                </a:tc>
-                <a:tc>
-                  <a:txBody>
-                    <a:bodyPr/>
-                    <a:lstStyle/>
-                    <a:p>
-                      <a:pPr algn="ctr" marL="63500" marR="63500">
-                        <a:lnSpc>
-                          <a:spcPct val="100000"/>
-                        </a:lnSpc>
-                        <a:spcBef>
-                          <a:spcPts val="300"/>
-                        </a:spcBef>
-                        <a:spcAft>
-                          <a:spcPts val="300"/>
-                        </a:spcAft>
-                        <a:buNone/>
-                      </a:pPr>
-                      <a:r>
-                        <a:rPr cap="none" sz="1200" i="0" b="0" u="none">
-                          <a:solidFill>
-                            <a:srgbClr val="000000">
-                              <a:alpha val="100000"/>
-                            </a:srgbClr>
-                          </a:solidFill>
-                          <a:latin typeface="arial"/>
-                          <a:cs typeface="arial"/>
-                          <a:ea typeface="arial"/>
-                          <a:sym typeface="arial"/>
-                        </a:rPr>
-                        <a:t>35.0</a:t>
-                      </a:r>
-                    </a:p>
-                  </a:txBody>
-                  <a:tcPr anchor="ctr" marB="38100" marT="38100" marR="0" marL="0">
-                    <a:lnL algn="ctr" cmpd="sng" cap="flat" w="0">
-                      <a:noFill/>
-                      <a:prstDash val="solid"/>
-                    </a:lnL>
-                    <a:lnR algn="ctr" cmpd="sng" cap="flat" w="0">
-                      <a:noFill/>
-                      <a:prstDash val="solid"/>
-                    </a:lnR>
-                    <a:lnT algn="ctr" cmpd="sng" cap="flat" w="0">
-                      <a:noFill/>
-                      <a:prstDash val="solid"/>
-                    </a:lnT>
-                    <a:lnB algn="ctr" cmpd="sng" cap="flat" w="0">
-                      <a:noFill/>
-                      <a:prstDash val="solid"/>
-                    </a:lnB>
-                    <a:solidFill>
-                      <a:srgbClr val="FF7D29">
-                        <a:alpha val="100000"/>
-                      </a:srgbClr>
-                    </a:solidFill>
-                  </a:tcPr>
-                </a:tc>
-              </a:tr>
-              <a:tr h="213519">
-                <a:tc>
-                  <a:txBody>
-                    <a:bodyPr/>
-                    <a:lstStyle/>
-                    <a:p>
-                      <a:pPr algn="l" marL="127000" marR="63500">
-                        <a:lnSpc>
-                          <a:spcPct val="100000"/>
-                        </a:lnSpc>
-                        <a:spcBef>
-                          <a:spcPts val="300"/>
-                        </a:spcBef>
-                        <a:spcAft>
-                          <a:spcPts val="300"/>
-                        </a:spcAft>
-                        <a:buNone/>
-                      </a:pPr>
-                      <a:r>
-                        <a:rPr cap="none" sz="1200" i="0" b="0" u="none">
-                          <a:solidFill>
-                            <a:srgbClr val="000000">
-                              <a:alpha val="100000"/>
-                            </a:srgbClr>
-                          </a:solidFill>
-                          <a:latin typeface="arial"/>
-                          <a:cs typeface="arial"/>
-                          <a:ea typeface="arial"/>
-                          <a:sym typeface="arial"/>
-                        </a:rPr>
-                        <a:t>Min - Max</a:t>
-                      </a:r>
-                    </a:p>
-                  </a:txBody>
-                  <a:tcPr anchor="ctr" marB="38100" marT="38100" marR="0" marL="0">
-                    <a:lnL algn="ctr" cmpd="sng" cap="flat" w="0">
-                      <a:noFill/>
-                      <a:prstDash val="solid"/>
-                    </a:lnL>
-                    <a:lnR algn="ctr" cmpd="sng" cap="flat" w="0">
-                      <a:noFill/>
-                      <a:prstDash val="solid"/>
-                    </a:lnR>
-                    <a:lnT algn="ctr" cmpd="sng" cap="flat" w="0">
-                      <a:noFill/>
-                      <a:prstDash val="solid"/>
-                    </a:lnT>
-                    <a:lnB algn="ctr" cmpd="sng" cap="flat" w="0">
-                      <a:noFill/>
-                      <a:prstDash val="solid"/>
-                    </a:lnB>
-                    <a:solidFill>
-                      <a:srgbClr val="FFBD69">
-                        <a:alpha val="100000"/>
-                      </a:srgbClr>
-                    </a:solidFill>
-                  </a:tcPr>
-                </a:tc>
-                <a:tc>
-                  <a:txBody>
-                    <a:bodyPr/>
-                    <a:lstStyle/>
-                    <a:p>
-                      <a:pPr algn="ctr" marL="63500" marR="63500">
-                        <a:lnSpc>
-                          <a:spcPct val="100000"/>
-                        </a:lnSpc>
-                        <a:spcBef>
-                          <a:spcPts val="300"/>
-                        </a:spcBef>
-                        <a:spcAft>
-                          <a:spcPts val="300"/>
-                        </a:spcAft>
-                        <a:buNone/>
-                      </a:pPr>
-                      <a:r>
-                        <a:rPr cap="none" sz="1200" i="0" b="0" u="none">
-                          <a:solidFill>
-                            <a:srgbClr val="000000">
-                              <a:alpha val="100000"/>
-                            </a:srgbClr>
-                          </a:solidFill>
-                          <a:latin typeface="arial"/>
-                          <a:cs typeface="arial"/>
-                          <a:ea typeface="arial"/>
-                          <a:sym typeface="arial"/>
-                        </a:rPr>
-                        <a:t>21.0 - 50.0</a:t>
-                      </a:r>
-                    </a:p>
-                  </a:txBody>
-                  <a:tcPr anchor="ctr" marB="38100" marT="38100" marR="0" marL="0">
-                    <a:lnL algn="ctr" cmpd="sng" cap="flat" w="0">
-                      <a:noFill/>
-                      <a:prstDash val="solid"/>
-                    </a:lnL>
-                    <a:lnR algn="ctr" cmpd="sng" cap="flat" w="0">
-                      <a:noFill/>
-                      <a:prstDash val="solid"/>
-                    </a:lnR>
-                    <a:lnT algn="ctr" cmpd="sng" cap="flat" w="0">
-                      <a:noFill/>
-                      <a:prstDash val="solid"/>
-                    </a:lnT>
-                    <a:lnB algn="ctr" cmpd="sng" cap="flat" w="0">
-                      <a:noFill/>
-                      <a:prstDash val="solid"/>
-                    </a:lnB>
-                    <a:solidFill>
-                      <a:srgbClr val="FFBD69">
-                        <a:alpha val="100000"/>
-                      </a:srgbClr>
-                    </a:solidFill>
-                  </a:tcPr>
-                </a:tc>
-                <a:tc>
-                  <a:txBody>
-                    <a:bodyPr/>
-                    <a:lstStyle/>
-                    <a:p>
-                      <a:pPr algn="ctr" marL="63500" marR="63500">
-                        <a:lnSpc>
-                          <a:spcPct val="100000"/>
-                        </a:lnSpc>
-                        <a:spcBef>
-                          <a:spcPts val="300"/>
-                        </a:spcBef>
-                        <a:spcAft>
-                          <a:spcPts val="300"/>
-                        </a:spcAft>
-                        <a:buNone/>
-                      </a:pPr>
-                      <a:r>
-                        <a:rPr cap="none" sz="1200" i="0" b="0" u="none">
-                          <a:solidFill>
-                            <a:srgbClr val="000000">
-                              <a:alpha val="100000"/>
-                            </a:srgbClr>
-                          </a:solidFill>
-                          <a:latin typeface="arial"/>
-                          <a:cs typeface="arial"/>
-                          <a:ea typeface="arial"/>
-                          <a:sym typeface="arial"/>
-                        </a:rPr>
-                        <a:t>21.0 - 62.0</a:t>
-                      </a:r>
-                    </a:p>
-                  </a:txBody>
-                  <a:tcPr anchor="ctr" marB="38100" marT="38100" marR="0" marL="0">
-                    <a:lnL algn="ctr" cmpd="sng" cap="flat" w="0">
-                      <a:noFill/>
-                      <a:prstDash val="solid"/>
-                    </a:lnL>
-                    <a:lnR algn="ctr" cmpd="sng" cap="flat" w="0">
-                      <a:noFill/>
-                      <a:prstDash val="solid"/>
-                    </a:lnR>
-                    <a:lnT algn="ctr" cmpd="sng" cap="flat" w="0">
-                      <a:noFill/>
-                      <a:prstDash val="solid"/>
-                    </a:lnT>
-                    <a:lnB algn="ctr" cmpd="sng" cap="flat" w="0">
-                      <a:noFill/>
-                      <a:prstDash val="solid"/>
-                    </a:lnB>
-                    <a:solidFill>
-                      <a:srgbClr val="FFBD69">
-                        <a:alpha val="100000"/>
-                      </a:srgbClr>
-                    </a:solidFill>
-                  </a:tcPr>
-                </a:tc>
-                <a:tc>
-                  <a:txBody>
-                    <a:bodyPr/>
-                    <a:lstStyle/>
-                    <a:p>
-                      <a:pPr algn="ctr" marL="63500" marR="63500">
-                        <a:lnSpc>
-                          <a:spcPct val="100000"/>
-                        </a:lnSpc>
-                        <a:spcBef>
-                          <a:spcPts val="300"/>
-                        </a:spcBef>
-                        <a:spcAft>
-                          <a:spcPts val="300"/>
-                        </a:spcAft>
-                        <a:buNone/>
-                      </a:pPr>
-                      <a:r>
-                        <a:rPr cap="none" sz="1200" i="0" b="0" u="none">
-                          <a:solidFill>
-                            <a:srgbClr val="000000">
-                              <a:alpha val="100000"/>
-                            </a:srgbClr>
-                          </a:solidFill>
-                          <a:latin typeface="arial"/>
-                          <a:cs typeface="arial"/>
-                          <a:ea typeface="arial"/>
-                          <a:sym typeface="arial"/>
-                        </a:rPr>
-                        <a:t>20.0 - 69.0</a:t>
-                      </a:r>
-                    </a:p>
-                  </a:txBody>
-                  <a:tcPr anchor="ctr" marB="38100" marT="38100" marR="0" marL="0">
-                    <a:lnL algn="ctr" cmpd="sng" cap="flat" w="0">
-                      <a:noFill/>
-                      <a:prstDash val="solid"/>
-                    </a:lnL>
-                    <a:lnR algn="ctr" cmpd="sng" cap="flat" w="0">
-                      <a:noFill/>
-                      <a:prstDash val="solid"/>
-                    </a:lnR>
-                    <a:lnT algn="ctr" cmpd="sng" cap="flat" w="0">
-                      <a:noFill/>
-                      <a:prstDash val="solid"/>
-                    </a:lnT>
-                    <a:lnB algn="ctr" cmpd="sng" cap="flat" w="0">
-                      <a:noFill/>
-                      <a:prstDash val="solid"/>
-                    </a:lnB>
-                    <a:solidFill>
-                      <a:srgbClr val="FFBD69">
-                        <a:alpha val="100000"/>
-                      </a:srgbClr>
-                    </a:solidFill>
-                  </a:tcPr>
-                </a:tc>
-              </a:tr>
-              <a:tr h="207938">
-                <a:tc>
-                  <a:txBody>
-                    <a:bodyPr/>
-                    <a:lstStyle/>
-                    <a:p>
-                      <a:pPr algn="l" marL="127000" marR="63500">
-                        <a:lnSpc>
-                          <a:spcPct val="100000"/>
-                        </a:lnSpc>
-                        <a:spcBef>
-                          <a:spcPts val="300"/>
-                        </a:spcBef>
-                        <a:spcAft>
-                          <a:spcPts val="300"/>
-                        </a:spcAft>
-                        <a:buNone/>
-                      </a:pPr>
-                      <a:r>
-                        <a:rPr cap="none" sz="1200" i="0" b="0" u="none">
-                          <a:solidFill>
-                            <a:srgbClr val="000000">
-                              <a:alpha val="100000"/>
-                            </a:srgbClr>
-                          </a:solidFill>
-                          <a:latin typeface="arial"/>
-                          <a:cs typeface="arial"/>
-                          <a:ea typeface="arial"/>
-                          <a:sym typeface="arial"/>
-                        </a:rPr>
-                        <a:t>Race</a:t>
-                      </a:r>
-                    </a:p>
-                  </a:txBody>
-                  <a:tcPr anchor="ctr" marB="38100" marT="38100" marR="0" marL="0">
-                    <a:lnL algn="ctr" cmpd="sng" cap="flat" w="0">
-                      <a:noFill/>
-                      <a:prstDash val="solid"/>
-                    </a:lnL>
-                    <a:lnR algn="ctr" cmpd="sng" cap="flat" w="0">
-                      <a:noFill/>
-                      <a:prstDash val="solid"/>
-                    </a:lnR>
-                    <a:lnT algn="ctr" cmpd="sng" cap="flat" w="0">
-                      <a:noFill/>
-                      <a:prstDash val="solid"/>
-                    </a:lnT>
-                    <a:lnB algn="ctr" cmpd="sng" cap="flat" w="0">
-                      <a:noFill/>
-                      <a:prstDash val="solid"/>
-                    </a:lnB>
-                    <a:solidFill>
-                      <a:srgbClr val="FF7D29">
-                        <a:alpha val="100000"/>
-                      </a:srgbClr>
-                    </a:solidFill>
-                  </a:tcPr>
-                </a:tc>
                 <a:tc>
                   <a:txBody>
                     <a:bodyPr/>
@@ -5237,7 +5062,7 @@
                       <a:prstDash val="solid"/>
                     </a:lnB>
                     <a:solidFill>
-                      <a:srgbClr val="FF7D29">
+                      <a:srgbClr val="FFBD69">
                         <a:alpha val="100000"/>
                       </a:srgbClr>
                     </a:solidFill>
@@ -5305,7 +5130,7 @@
                       <a:prstDash val="solid"/>
                     </a:lnB>
                     <a:solidFill>
-                      <a:srgbClr val="FF7D29">
+                      <a:srgbClr val="FFBD69">
                         <a:alpha val="100000"/>
                       </a:srgbClr>
                     </a:solidFill>
@@ -5373,6 +5198,1161 @@
                       <a:prstDash val="solid"/>
                     </a:lnB>
                     <a:solidFill>
+                      <a:srgbClr val="FFBD69">
+                        <a:alpha val="100000"/>
+                      </a:srgbClr>
+                    </a:solidFill>
+                  </a:tcPr>
+                </a:tc>
+                <a:tc>
+                  <a:txBody>
+                    <a:bodyPr/>
+                    <a:lstStyle/>
+                    <a:p>
+                      <a:pPr algn="ctr" marL="63500" marR="63500">
+                        <a:lnSpc>
+                          <a:spcPct val="100000"/>
+                        </a:lnSpc>
+                        <a:spcBef>
+                          <a:spcPts val="300"/>
+                        </a:spcBef>
+                        <a:spcAft>
+                          <a:spcPts val="300"/>
+                        </a:spcAft>
+                        <a:buNone/>
+                      </a:pPr>
+                      <a:endParaRPr cap="none" sz="1200" i="0" b="0" u="none">
+                        <a:solidFill>
+                          <a:srgbClr val="000000">
+                            <a:alpha val="100000"/>
+                          </a:srgbClr>
+                        </a:solidFill>
+                        <a:latin typeface="arial"/>
+                        <a:cs typeface="arial"/>
+                        <a:ea typeface="arial"/>
+                        <a:sym typeface="arial"/>
+                      </a:endParaRPr>
+                      <a:r>
+                        <a:rPr cap="none" sz="1200" i="0" b="0" u="none">
+                          <a:solidFill>
+                            <a:srgbClr val="000000">
+                              <a:alpha val="100000"/>
+                            </a:srgbClr>
+                          </a:solidFill>
+                          <a:latin typeface="arial"/>
+                          <a:cs typeface="arial"/>
+                          <a:ea typeface="arial"/>
+                          <a:sym typeface="arial"/>
+                        </a:rPr>
+                        <a:t/>
+                      </a:r>
+                    </a:p>
+                  </a:txBody>
+                  <a:tcPr anchor="ctr" marB="38100" marT="38100" marR="0" marL="0">
+                    <a:lnL algn="ctr" cmpd="sng" cap="flat" w="0">
+                      <a:noFill/>
+                      <a:prstDash val="solid"/>
+                    </a:lnL>
+                    <a:lnR algn="ctr" cmpd="sng" cap="flat" w="0">
+                      <a:noFill/>
+                      <a:prstDash val="solid"/>
+                    </a:lnR>
+                    <a:lnT algn="ctr" cmpd="sng" cap="flat" w="0">
+                      <a:noFill/>
+                      <a:prstDash val="solid"/>
+                    </a:lnT>
+                    <a:lnB algn="ctr" cmpd="sng" cap="flat" w="0">
+                      <a:noFill/>
+                      <a:prstDash val="solid"/>
+                    </a:lnB>
+                    <a:solidFill>
+                      <a:srgbClr val="FFBD69">
+                        <a:alpha val="100000"/>
+                      </a:srgbClr>
+                    </a:solidFill>
+                  </a:tcPr>
+                </a:tc>
+              </a:tr>
+              <a:tr h="213519">
+                <a:tc>
+                  <a:txBody>
+                    <a:bodyPr/>
+                    <a:lstStyle/>
+                    <a:p>
+                      <a:pPr algn="l" marL="127000" marR="63500">
+                        <a:lnSpc>
+                          <a:spcPct val="100000"/>
+                        </a:lnSpc>
+                        <a:spcBef>
+                          <a:spcPts val="300"/>
+                        </a:spcBef>
+                        <a:spcAft>
+                          <a:spcPts val="300"/>
+                        </a:spcAft>
+                        <a:buNone/>
+                      </a:pPr>
+                      <a:r>
+                        <a:rPr cap="none" sz="1200" i="0" b="0" u="none">
+                          <a:solidFill>
+                            <a:srgbClr val="000000">
+                              <a:alpha val="100000"/>
+                            </a:srgbClr>
+                          </a:solidFill>
+                          <a:latin typeface="arial"/>
+                          <a:cs typeface="arial"/>
+                          <a:ea typeface="arial"/>
+                          <a:sym typeface="arial"/>
+                        </a:rPr>
+                        <a:t>Median</a:t>
+                      </a:r>
+                    </a:p>
+                  </a:txBody>
+                  <a:tcPr anchor="ctr" marB="38100" marT="38100" marR="0" marL="0">
+                    <a:lnL algn="ctr" cmpd="sng" cap="flat" w="0">
+                      <a:noFill/>
+                      <a:prstDash val="solid"/>
+                    </a:lnL>
+                    <a:lnR algn="ctr" cmpd="sng" cap="flat" w="0">
+                      <a:noFill/>
+                      <a:prstDash val="solid"/>
+                    </a:lnR>
+                    <a:lnT algn="ctr" cmpd="sng" cap="flat" w="0">
+                      <a:noFill/>
+                      <a:prstDash val="solid"/>
+                    </a:lnT>
+                    <a:lnB algn="ctr" cmpd="sng" cap="flat" w="0">
+                      <a:noFill/>
+                      <a:prstDash val="solid"/>
+                    </a:lnB>
+                    <a:solidFill>
+                      <a:srgbClr val="FF7D29">
+                        <a:alpha val="100000"/>
+                      </a:srgbClr>
+                    </a:solidFill>
+                  </a:tcPr>
+                </a:tc>
+                <a:tc>
+                  <a:txBody>
+                    <a:bodyPr/>
+                    <a:lstStyle/>
+                    <a:p>
+                      <a:pPr algn="ctr" marL="63500" marR="63500">
+                        <a:lnSpc>
+                          <a:spcPct val="100000"/>
+                        </a:lnSpc>
+                        <a:spcBef>
+                          <a:spcPts val="300"/>
+                        </a:spcBef>
+                        <a:spcAft>
+                          <a:spcPts val="300"/>
+                        </a:spcAft>
+                        <a:buNone/>
+                      </a:pPr>
+                      <a:r>
+                        <a:rPr cap="none" sz="1200" i="0" b="0" u="none">
+                          <a:solidFill>
+                            <a:srgbClr val="000000">
+                              <a:alpha val="100000"/>
+                            </a:srgbClr>
+                          </a:solidFill>
+                          <a:latin typeface="arial"/>
+                          <a:cs typeface="arial"/>
+                          <a:ea typeface="arial"/>
+                          <a:sym typeface="arial"/>
+                        </a:rPr>
+                        <a:t>33.00</a:t>
+                      </a:r>
+                    </a:p>
+                  </a:txBody>
+                  <a:tcPr anchor="ctr" marB="38100" marT="38100" marR="0" marL="0">
+                    <a:lnL algn="ctr" cmpd="sng" cap="flat" w="0">
+                      <a:noFill/>
+                      <a:prstDash val="solid"/>
+                    </a:lnL>
+                    <a:lnR algn="ctr" cmpd="sng" cap="flat" w="0">
+                      <a:noFill/>
+                      <a:prstDash val="solid"/>
+                    </a:lnR>
+                    <a:lnT algn="ctr" cmpd="sng" cap="flat" w="0">
+                      <a:noFill/>
+                      <a:prstDash val="solid"/>
+                    </a:lnT>
+                    <a:lnB algn="ctr" cmpd="sng" cap="flat" w="0">
+                      <a:noFill/>
+                      <a:prstDash val="solid"/>
+                    </a:lnB>
+                    <a:solidFill>
+                      <a:srgbClr val="FF7D29">
+                        <a:alpha val="100000"/>
+                      </a:srgbClr>
+                    </a:solidFill>
+                  </a:tcPr>
+                </a:tc>
+                <a:tc>
+                  <a:txBody>
+                    <a:bodyPr/>
+                    <a:lstStyle/>
+                    <a:p>
+                      <a:pPr algn="ctr" marL="63500" marR="63500">
+                        <a:lnSpc>
+                          <a:spcPct val="100000"/>
+                        </a:lnSpc>
+                        <a:spcBef>
+                          <a:spcPts val="300"/>
+                        </a:spcBef>
+                        <a:spcAft>
+                          <a:spcPts val="300"/>
+                        </a:spcAft>
+                        <a:buNone/>
+                      </a:pPr>
+                      <a:r>
+                        <a:rPr cap="none" sz="1200" i="0" b="0" u="none">
+                          <a:solidFill>
+                            <a:srgbClr val="000000">
+                              <a:alpha val="100000"/>
+                            </a:srgbClr>
+                          </a:solidFill>
+                          <a:latin typeface="arial"/>
+                          <a:cs typeface="arial"/>
+                          <a:ea typeface="arial"/>
+                          <a:sym typeface="arial"/>
+                        </a:rPr>
+                        <a:t>35.00</a:t>
+                      </a:r>
+                    </a:p>
+                  </a:txBody>
+                  <a:tcPr anchor="ctr" marB="38100" marT="38100" marR="0" marL="0">
+                    <a:lnL algn="ctr" cmpd="sng" cap="flat" w="0">
+                      <a:noFill/>
+                      <a:prstDash val="solid"/>
+                    </a:lnL>
+                    <a:lnR algn="ctr" cmpd="sng" cap="flat" w="0">
+                      <a:noFill/>
+                      <a:prstDash val="solid"/>
+                    </a:lnR>
+                    <a:lnT algn="ctr" cmpd="sng" cap="flat" w="0">
+                      <a:noFill/>
+                      <a:prstDash val="solid"/>
+                    </a:lnT>
+                    <a:lnB algn="ctr" cmpd="sng" cap="flat" w="0">
+                      <a:noFill/>
+                      <a:prstDash val="solid"/>
+                    </a:lnB>
+                    <a:solidFill>
+                      <a:srgbClr val="FF7D29">
+                        <a:alpha val="100000"/>
+                      </a:srgbClr>
+                    </a:solidFill>
+                  </a:tcPr>
+                </a:tc>
+                <a:tc>
+                  <a:txBody>
+                    <a:bodyPr/>
+                    <a:lstStyle/>
+                    <a:p>
+                      <a:pPr algn="ctr" marL="63500" marR="63500">
+                        <a:lnSpc>
+                          <a:spcPct val="100000"/>
+                        </a:lnSpc>
+                        <a:spcBef>
+                          <a:spcPts val="300"/>
+                        </a:spcBef>
+                        <a:spcAft>
+                          <a:spcPts val="300"/>
+                        </a:spcAft>
+                        <a:buNone/>
+                      </a:pPr>
+                      <a:r>
+                        <a:rPr cap="none" sz="1200" i="0" b="0" u="none">
+                          <a:solidFill>
+                            <a:srgbClr val="000000">
+                              <a:alpha val="100000"/>
+                            </a:srgbClr>
+                          </a:solidFill>
+                          <a:latin typeface="arial"/>
+                          <a:cs typeface="arial"/>
+                          <a:ea typeface="arial"/>
+                          <a:sym typeface="arial"/>
+                        </a:rPr>
+                        <a:t>35.00</a:t>
+                      </a:r>
+                    </a:p>
+                  </a:txBody>
+                  <a:tcPr anchor="ctr" marB="38100" marT="38100" marR="0" marL="0">
+                    <a:lnL algn="ctr" cmpd="sng" cap="flat" w="0">
+                      <a:noFill/>
+                      <a:prstDash val="solid"/>
+                    </a:lnL>
+                    <a:lnR algn="ctr" cmpd="sng" cap="flat" w="0">
+                      <a:noFill/>
+                      <a:prstDash val="solid"/>
+                    </a:lnR>
+                    <a:lnT algn="ctr" cmpd="sng" cap="flat" w="0">
+                      <a:noFill/>
+                      <a:prstDash val="solid"/>
+                    </a:lnT>
+                    <a:lnB algn="ctr" cmpd="sng" cap="flat" w="0">
+                      <a:noFill/>
+                      <a:prstDash val="solid"/>
+                    </a:lnB>
+                    <a:solidFill>
+                      <a:srgbClr val="FF7D29">
+                        <a:alpha val="100000"/>
+                      </a:srgbClr>
+                    </a:solidFill>
+                  </a:tcPr>
+                </a:tc>
+                <a:tc>
+                  <a:txBody>
+                    <a:bodyPr/>
+                    <a:lstStyle/>
+                    <a:p>
+                      <a:pPr algn="ctr" marL="63500" marR="63500">
+                        <a:lnSpc>
+                          <a:spcPct val="100000"/>
+                        </a:lnSpc>
+                        <a:spcBef>
+                          <a:spcPts val="300"/>
+                        </a:spcBef>
+                        <a:spcAft>
+                          <a:spcPts val="300"/>
+                        </a:spcAft>
+                        <a:buNone/>
+                      </a:pPr>
+                      <a:r>
+                        <a:rPr cap="none" sz="1200" i="0" b="0" u="none">
+                          <a:solidFill>
+                            <a:srgbClr val="000000">
+                              <a:alpha val="100000"/>
+                            </a:srgbClr>
+                          </a:solidFill>
+                          <a:latin typeface="arial"/>
+                          <a:cs typeface="arial"/>
+                          <a:ea typeface="arial"/>
+                          <a:sym typeface="arial"/>
+                        </a:rPr>
+                        <a:t>34.00</a:t>
+                      </a:r>
+                    </a:p>
+                  </a:txBody>
+                  <a:tcPr anchor="ctr" marB="38100" marT="38100" marR="0" marL="0">
+                    <a:lnL algn="ctr" cmpd="sng" cap="flat" w="0">
+                      <a:noFill/>
+                      <a:prstDash val="solid"/>
+                    </a:lnL>
+                    <a:lnR algn="ctr" cmpd="sng" cap="flat" w="0">
+                      <a:noFill/>
+                      <a:prstDash val="solid"/>
+                    </a:lnR>
+                    <a:lnT algn="ctr" cmpd="sng" cap="flat" w="0">
+                      <a:noFill/>
+                      <a:prstDash val="solid"/>
+                    </a:lnT>
+                    <a:lnB algn="ctr" cmpd="sng" cap="flat" w="0">
+                      <a:noFill/>
+                      <a:prstDash val="solid"/>
+                    </a:lnB>
+                    <a:solidFill>
+                      <a:srgbClr val="FF7D29">
+                        <a:alpha val="100000"/>
+                      </a:srgbClr>
+                    </a:solidFill>
+                  </a:tcPr>
+                </a:tc>
+                <a:tc>
+                  <a:txBody>
+                    <a:bodyPr/>
+                    <a:lstStyle/>
+                    <a:p>
+                      <a:pPr algn="ctr" marL="63500" marR="63500">
+                        <a:lnSpc>
+                          <a:spcPct val="100000"/>
+                        </a:lnSpc>
+                        <a:spcBef>
+                          <a:spcPts val="300"/>
+                        </a:spcBef>
+                        <a:spcAft>
+                          <a:spcPts val="300"/>
+                        </a:spcAft>
+                        <a:buNone/>
+                      </a:pPr>
+                      <a:r>
+                        <a:rPr cap="none" sz="1200" i="0" b="0" u="none">
+                          <a:solidFill>
+                            <a:srgbClr val="000000">
+                              <a:alpha val="100000"/>
+                            </a:srgbClr>
+                          </a:solidFill>
+                          <a:latin typeface="arial"/>
+                          <a:cs typeface="arial"/>
+                          <a:ea typeface="arial"/>
+                          <a:sym typeface="arial"/>
+                        </a:rPr>
+                        <a:t>34.00</a:t>
+                      </a:r>
+                    </a:p>
+                  </a:txBody>
+                  <a:tcPr anchor="ctr" marB="38100" marT="38100" marR="0" marL="0">
+                    <a:lnL algn="ctr" cmpd="sng" cap="flat" w="0">
+                      <a:noFill/>
+                      <a:prstDash val="solid"/>
+                    </a:lnL>
+                    <a:lnR algn="ctr" cmpd="sng" cap="flat" w="0">
+                      <a:noFill/>
+                      <a:prstDash val="solid"/>
+                    </a:lnR>
+                    <a:lnT algn="ctr" cmpd="sng" cap="flat" w="0">
+                      <a:noFill/>
+                      <a:prstDash val="solid"/>
+                    </a:lnT>
+                    <a:lnB algn="ctr" cmpd="sng" cap="flat" w="0">
+                      <a:noFill/>
+                      <a:prstDash val="solid"/>
+                    </a:lnB>
+                    <a:solidFill>
+                      <a:srgbClr val="FF7D29">
+                        <a:alpha val="100000"/>
+                      </a:srgbClr>
+                    </a:solidFill>
+                  </a:tcPr>
+                </a:tc>
+              </a:tr>
+              <a:tr h="213519">
+                <a:tc>
+                  <a:txBody>
+                    <a:bodyPr/>
+                    <a:lstStyle/>
+                    <a:p>
+                      <a:pPr algn="l" marL="127000" marR="63500">
+                        <a:lnSpc>
+                          <a:spcPct val="100000"/>
+                        </a:lnSpc>
+                        <a:spcBef>
+                          <a:spcPts val="300"/>
+                        </a:spcBef>
+                        <a:spcAft>
+                          <a:spcPts val="300"/>
+                        </a:spcAft>
+                        <a:buNone/>
+                      </a:pPr>
+                      <a:r>
+                        <a:rPr cap="none" sz="1200" i="0" b="0" u="none">
+                          <a:solidFill>
+                            <a:srgbClr val="000000">
+                              <a:alpha val="100000"/>
+                            </a:srgbClr>
+                          </a:solidFill>
+                          <a:latin typeface="arial"/>
+                          <a:cs typeface="arial"/>
+                          <a:ea typeface="arial"/>
+                          <a:sym typeface="arial"/>
+                        </a:rPr>
+                        <a:t>Min - Max</a:t>
+                      </a:r>
+                    </a:p>
+                  </a:txBody>
+                  <a:tcPr anchor="ctr" marB="38100" marT="38100" marR="0" marL="0">
+                    <a:lnL algn="ctr" cmpd="sng" cap="flat" w="0">
+                      <a:noFill/>
+                      <a:prstDash val="solid"/>
+                    </a:lnL>
+                    <a:lnR algn="ctr" cmpd="sng" cap="flat" w="0">
+                      <a:noFill/>
+                      <a:prstDash val="solid"/>
+                    </a:lnR>
+                    <a:lnT algn="ctr" cmpd="sng" cap="flat" w="0">
+                      <a:noFill/>
+                      <a:prstDash val="solid"/>
+                    </a:lnT>
+                    <a:lnB algn="ctr" cmpd="sng" cap="flat" w="0">
+                      <a:noFill/>
+                      <a:prstDash val="solid"/>
+                    </a:lnB>
+                    <a:solidFill>
+                      <a:srgbClr val="FFBD69">
+                        <a:alpha val="100000"/>
+                      </a:srgbClr>
+                    </a:solidFill>
+                  </a:tcPr>
+                </a:tc>
+                <a:tc>
+                  <a:txBody>
+                    <a:bodyPr/>
+                    <a:lstStyle/>
+                    <a:p>
+                      <a:pPr algn="ctr" marL="63500" marR="63500">
+                        <a:lnSpc>
+                          <a:spcPct val="100000"/>
+                        </a:lnSpc>
+                        <a:spcBef>
+                          <a:spcPts val="300"/>
+                        </a:spcBef>
+                        <a:spcAft>
+                          <a:spcPts val="300"/>
+                        </a:spcAft>
+                        <a:buNone/>
+                      </a:pPr>
+                      <a:r>
+                        <a:rPr cap="none" sz="1200" i="0" b="0" u="none">
+                          <a:solidFill>
+                            <a:srgbClr val="000000">
+                              <a:alpha val="100000"/>
+                            </a:srgbClr>
+                          </a:solidFill>
+                          <a:latin typeface="arial"/>
+                          <a:cs typeface="arial"/>
+                          <a:ea typeface="arial"/>
+                          <a:sym typeface="arial"/>
+                        </a:rPr>
+                        <a:t>21.0 - 50.0</a:t>
+                      </a:r>
+                    </a:p>
+                  </a:txBody>
+                  <a:tcPr anchor="ctr" marB="38100" marT="38100" marR="0" marL="0">
+                    <a:lnL algn="ctr" cmpd="sng" cap="flat" w="0">
+                      <a:noFill/>
+                      <a:prstDash val="solid"/>
+                    </a:lnL>
+                    <a:lnR algn="ctr" cmpd="sng" cap="flat" w="0">
+                      <a:noFill/>
+                      <a:prstDash val="solid"/>
+                    </a:lnR>
+                    <a:lnT algn="ctr" cmpd="sng" cap="flat" w="0">
+                      <a:noFill/>
+                      <a:prstDash val="solid"/>
+                    </a:lnT>
+                    <a:lnB algn="ctr" cmpd="sng" cap="flat" w="0">
+                      <a:noFill/>
+                      <a:prstDash val="solid"/>
+                    </a:lnB>
+                    <a:solidFill>
+                      <a:srgbClr val="FFBD69">
+                        <a:alpha val="100000"/>
+                      </a:srgbClr>
+                    </a:solidFill>
+                  </a:tcPr>
+                </a:tc>
+                <a:tc>
+                  <a:txBody>
+                    <a:bodyPr/>
+                    <a:lstStyle/>
+                    <a:p>
+                      <a:pPr algn="ctr" marL="63500" marR="63500">
+                        <a:lnSpc>
+                          <a:spcPct val="100000"/>
+                        </a:lnSpc>
+                        <a:spcBef>
+                          <a:spcPts val="300"/>
+                        </a:spcBef>
+                        <a:spcAft>
+                          <a:spcPts val="300"/>
+                        </a:spcAft>
+                        <a:buNone/>
+                      </a:pPr>
+                      <a:r>
+                        <a:rPr cap="none" sz="1200" i="0" b="0" u="none">
+                          <a:solidFill>
+                            <a:srgbClr val="000000">
+                              <a:alpha val="100000"/>
+                            </a:srgbClr>
+                          </a:solidFill>
+                          <a:latin typeface="arial"/>
+                          <a:cs typeface="arial"/>
+                          <a:ea typeface="arial"/>
+                          <a:sym typeface="arial"/>
+                        </a:rPr>
+                        <a:t>21.0 - 62.0</a:t>
+                      </a:r>
+                    </a:p>
+                  </a:txBody>
+                  <a:tcPr anchor="ctr" marB="38100" marT="38100" marR="0" marL="0">
+                    <a:lnL algn="ctr" cmpd="sng" cap="flat" w="0">
+                      <a:noFill/>
+                      <a:prstDash val="solid"/>
+                    </a:lnL>
+                    <a:lnR algn="ctr" cmpd="sng" cap="flat" w="0">
+                      <a:noFill/>
+                      <a:prstDash val="solid"/>
+                    </a:lnR>
+                    <a:lnT algn="ctr" cmpd="sng" cap="flat" w="0">
+                      <a:noFill/>
+                      <a:prstDash val="solid"/>
+                    </a:lnT>
+                    <a:lnB algn="ctr" cmpd="sng" cap="flat" w="0">
+                      <a:noFill/>
+                      <a:prstDash val="solid"/>
+                    </a:lnB>
+                    <a:solidFill>
+                      <a:srgbClr val="FFBD69">
+                        <a:alpha val="100000"/>
+                      </a:srgbClr>
+                    </a:solidFill>
+                  </a:tcPr>
+                </a:tc>
+                <a:tc>
+                  <a:txBody>
+                    <a:bodyPr/>
+                    <a:lstStyle/>
+                    <a:p>
+                      <a:pPr algn="ctr" marL="63500" marR="63500">
+                        <a:lnSpc>
+                          <a:spcPct val="100000"/>
+                        </a:lnSpc>
+                        <a:spcBef>
+                          <a:spcPts val="300"/>
+                        </a:spcBef>
+                        <a:spcAft>
+                          <a:spcPts val="300"/>
+                        </a:spcAft>
+                        <a:buNone/>
+                      </a:pPr>
+                      <a:r>
+                        <a:rPr cap="none" sz="1200" i="0" b="0" u="none">
+                          <a:solidFill>
+                            <a:srgbClr val="000000">
+                              <a:alpha val="100000"/>
+                            </a:srgbClr>
+                          </a:solidFill>
+                          <a:latin typeface="arial"/>
+                          <a:cs typeface="arial"/>
+                          <a:ea typeface="arial"/>
+                          <a:sym typeface="arial"/>
+                        </a:rPr>
+                        <a:t>20.0 - 69.0</a:t>
+                      </a:r>
+                    </a:p>
+                  </a:txBody>
+                  <a:tcPr anchor="ctr" marB="38100" marT="38100" marR="0" marL="0">
+                    <a:lnL algn="ctr" cmpd="sng" cap="flat" w="0">
+                      <a:noFill/>
+                      <a:prstDash val="solid"/>
+                    </a:lnL>
+                    <a:lnR algn="ctr" cmpd="sng" cap="flat" w="0">
+                      <a:noFill/>
+                      <a:prstDash val="solid"/>
+                    </a:lnR>
+                    <a:lnT algn="ctr" cmpd="sng" cap="flat" w="0">
+                      <a:noFill/>
+                      <a:prstDash val="solid"/>
+                    </a:lnT>
+                    <a:lnB algn="ctr" cmpd="sng" cap="flat" w="0">
+                      <a:noFill/>
+                      <a:prstDash val="solid"/>
+                    </a:lnB>
+                    <a:solidFill>
+                      <a:srgbClr val="FFBD69">
+                        <a:alpha val="100000"/>
+                      </a:srgbClr>
+                    </a:solidFill>
+                  </a:tcPr>
+                </a:tc>
+                <a:tc>
+                  <a:txBody>
+                    <a:bodyPr/>
+                    <a:lstStyle/>
+                    <a:p>
+                      <a:pPr algn="ctr" marL="63500" marR="63500">
+                        <a:lnSpc>
+                          <a:spcPct val="100000"/>
+                        </a:lnSpc>
+                        <a:spcBef>
+                          <a:spcPts val="300"/>
+                        </a:spcBef>
+                        <a:spcAft>
+                          <a:spcPts val="300"/>
+                        </a:spcAft>
+                        <a:buNone/>
+                      </a:pPr>
+                      <a:r>
+                        <a:rPr cap="none" sz="1200" i="0" b="0" u="none">
+                          <a:solidFill>
+                            <a:srgbClr val="000000">
+                              <a:alpha val="100000"/>
+                            </a:srgbClr>
+                          </a:solidFill>
+                          <a:latin typeface="arial"/>
+                          <a:cs typeface="arial"/>
+                          <a:ea typeface="arial"/>
+                          <a:sym typeface="arial"/>
+                        </a:rPr>
+                        <a:t>20.0 - 69.0</a:t>
+                      </a:r>
+                    </a:p>
+                  </a:txBody>
+                  <a:tcPr anchor="ctr" marB="38100" marT="38100" marR="0" marL="0">
+                    <a:lnL algn="ctr" cmpd="sng" cap="flat" w="0">
+                      <a:noFill/>
+                      <a:prstDash val="solid"/>
+                    </a:lnL>
+                    <a:lnR algn="ctr" cmpd="sng" cap="flat" w="0">
+                      <a:noFill/>
+                      <a:prstDash val="solid"/>
+                    </a:lnR>
+                    <a:lnT algn="ctr" cmpd="sng" cap="flat" w="0">
+                      <a:noFill/>
+                      <a:prstDash val="solid"/>
+                    </a:lnT>
+                    <a:lnB algn="ctr" cmpd="sng" cap="flat" w="0">
+                      <a:noFill/>
+                      <a:prstDash val="solid"/>
+                    </a:lnB>
+                    <a:solidFill>
+                      <a:srgbClr val="FFBD69">
+                        <a:alpha val="100000"/>
+                      </a:srgbClr>
+                    </a:solidFill>
+                  </a:tcPr>
+                </a:tc>
+                <a:tc>
+                  <a:txBody>
+                    <a:bodyPr/>
+                    <a:lstStyle/>
+                    <a:p>
+                      <a:pPr algn="ctr" marL="63500" marR="63500">
+                        <a:lnSpc>
+                          <a:spcPct val="100000"/>
+                        </a:lnSpc>
+                        <a:spcBef>
+                          <a:spcPts val="300"/>
+                        </a:spcBef>
+                        <a:spcAft>
+                          <a:spcPts val="300"/>
+                        </a:spcAft>
+                        <a:buNone/>
+                      </a:pPr>
+                      <a:r>
+                        <a:rPr cap="none" sz="1200" i="0" b="0" u="none">
+                          <a:solidFill>
+                            <a:srgbClr val="000000">
+                              <a:alpha val="100000"/>
+                            </a:srgbClr>
+                          </a:solidFill>
+                          <a:latin typeface="arial"/>
+                          <a:cs typeface="arial"/>
+                          <a:ea typeface="arial"/>
+                          <a:sym typeface="arial"/>
+                        </a:rPr>
+                        <a:t>20.0 - 69.0</a:t>
+                      </a:r>
+                    </a:p>
+                  </a:txBody>
+                  <a:tcPr anchor="ctr" marB="38100" marT="38100" marR="0" marL="0">
+                    <a:lnL algn="ctr" cmpd="sng" cap="flat" w="0">
+                      <a:noFill/>
+                      <a:prstDash val="solid"/>
+                    </a:lnL>
+                    <a:lnR algn="ctr" cmpd="sng" cap="flat" w="0">
+                      <a:noFill/>
+                      <a:prstDash val="solid"/>
+                    </a:lnR>
+                    <a:lnT algn="ctr" cmpd="sng" cap="flat" w="0">
+                      <a:noFill/>
+                      <a:prstDash val="solid"/>
+                    </a:lnT>
+                    <a:lnB algn="ctr" cmpd="sng" cap="flat" w="0">
+                      <a:noFill/>
+                      <a:prstDash val="solid"/>
+                    </a:lnB>
+                    <a:solidFill>
+                      <a:srgbClr val="FFBD69">
+                        <a:alpha val="100000"/>
+                      </a:srgbClr>
+                    </a:solidFill>
+                  </a:tcPr>
+                </a:tc>
+              </a:tr>
+              <a:tr h="207938">
+                <a:tc>
+                  <a:txBody>
+                    <a:bodyPr/>
+                    <a:lstStyle/>
+                    <a:p>
+                      <a:pPr algn="l" marL="127000" marR="63500">
+                        <a:lnSpc>
+                          <a:spcPct val="100000"/>
+                        </a:lnSpc>
+                        <a:spcBef>
+                          <a:spcPts val="300"/>
+                        </a:spcBef>
+                        <a:spcAft>
+                          <a:spcPts val="300"/>
+                        </a:spcAft>
+                        <a:buNone/>
+                      </a:pPr>
+                      <a:r>
+                        <a:rPr cap="none" sz="1200" i="0" b="0" u="none">
+                          <a:solidFill>
+                            <a:srgbClr val="000000">
+                              <a:alpha val="100000"/>
+                            </a:srgbClr>
+                          </a:solidFill>
+                          <a:latin typeface="arial"/>
+                          <a:cs typeface="arial"/>
+                          <a:ea typeface="arial"/>
+                          <a:sym typeface="arial"/>
+                        </a:rPr>
+                        <a:t>Race</a:t>
+                      </a:r>
+                    </a:p>
+                  </a:txBody>
+                  <a:tcPr anchor="ctr" marB="38100" marT="38100" marR="0" marL="0">
+                    <a:lnL algn="ctr" cmpd="sng" cap="flat" w="0">
+                      <a:noFill/>
+                      <a:prstDash val="solid"/>
+                    </a:lnL>
+                    <a:lnR algn="ctr" cmpd="sng" cap="flat" w="0">
+                      <a:noFill/>
+                      <a:prstDash val="solid"/>
+                    </a:lnR>
+                    <a:lnT algn="ctr" cmpd="sng" cap="flat" w="0">
+                      <a:noFill/>
+                      <a:prstDash val="solid"/>
+                    </a:lnT>
+                    <a:lnB algn="ctr" cmpd="sng" cap="flat" w="0">
+                      <a:noFill/>
+                      <a:prstDash val="solid"/>
+                    </a:lnB>
+                    <a:solidFill>
+                      <a:srgbClr val="FF7D29">
+                        <a:alpha val="100000"/>
+                      </a:srgbClr>
+                    </a:solidFill>
+                  </a:tcPr>
+                </a:tc>
+                <a:tc>
+                  <a:txBody>
+                    <a:bodyPr/>
+                    <a:lstStyle/>
+                    <a:p>
+                      <a:pPr algn="ctr" marL="63500" marR="63500">
+                        <a:lnSpc>
+                          <a:spcPct val="100000"/>
+                        </a:lnSpc>
+                        <a:spcBef>
+                          <a:spcPts val="300"/>
+                        </a:spcBef>
+                        <a:spcAft>
+                          <a:spcPts val="300"/>
+                        </a:spcAft>
+                        <a:buNone/>
+                      </a:pPr>
+                      <a:endParaRPr cap="none" sz="1200" i="0" b="0" u="none">
+                        <a:solidFill>
+                          <a:srgbClr val="000000">
+                            <a:alpha val="100000"/>
+                          </a:srgbClr>
+                        </a:solidFill>
+                        <a:latin typeface="arial"/>
+                        <a:cs typeface="arial"/>
+                        <a:ea typeface="arial"/>
+                        <a:sym typeface="arial"/>
+                      </a:endParaRPr>
+                      <a:r>
+                        <a:rPr cap="none" sz="1200" i="0" b="0" u="none">
+                          <a:solidFill>
+                            <a:srgbClr val="000000">
+                              <a:alpha val="100000"/>
+                            </a:srgbClr>
+                          </a:solidFill>
+                          <a:latin typeface="arial"/>
+                          <a:cs typeface="arial"/>
+                          <a:ea typeface="arial"/>
+                          <a:sym typeface="arial"/>
+                        </a:rPr>
+                        <a:t/>
+                      </a:r>
+                    </a:p>
+                  </a:txBody>
+                  <a:tcPr anchor="ctr" marB="38100" marT="38100" marR="0" marL="0">
+                    <a:lnL algn="ctr" cmpd="sng" cap="flat" w="0">
+                      <a:noFill/>
+                      <a:prstDash val="solid"/>
+                    </a:lnL>
+                    <a:lnR algn="ctr" cmpd="sng" cap="flat" w="0">
+                      <a:noFill/>
+                      <a:prstDash val="solid"/>
+                    </a:lnR>
+                    <a:lnT algn="ctr" cmpd="sng" cap="flat" w="0">
+                      <a:noFill/>
+                      <a:prstDash val="solid"/>
+                    </a:lnT>
+                    <a:lnB algn="ctr" cmpd="sng" cap="flat" w="0">
+                      <a:noFill/>
+                      <a:prstDash val="solid"/>
+                    </a:lnB>
+                    <a:solidFill>
+                      <a:srgbClr val="FF7D29">
+                        <a:alpha val="100000"/>
+                      </a:srgbClr>
+                    </a:solidFill>
+                  </a:tcPr>
+                </a:tc>
+                <a:tc>
+                  <a:txBody>
+                    <a:bodyPr/>
+                    <a:lstStyle/>
+                    <a:p>
+                      <a:pPr algn="ctr" marL="63500" marR="63500">
+                        <a:lnSpc>
+                          <a:spcPct val="100000"/>
+                        </a:lnSpc>
+                        <a:spcBef>
+                          <a:spcPts val="300"/>
+                        </a:spcBef>
+                        <a:spcAft>
+                          <a:spcPts val="300"/>
+                        </a:spcAft>
+                        <a:buNone/>
+                      </a:pPr>
+                      <a:endParaRPr cap="none" sz="1200" i="0" b="0" u="none">
+                        <a:solidFill>
+                          <a:srgbClr val="000000">
+                            <a:alpha val="100000"/>
+                          </a:srgbClr>
+                        </a:solidFill>
+                        <a:latin typeface="arial"/>
+                        <a:cs typeface="arial"/>
+                        <a:ea typeface="arial"/>
+                        <a:sym typeface="arial"/>
+                      </a:endParaRPr>
+                      <a:r>
+                        <a:rPr cap="none" sz="1200" i="0" b="0" u="none">
+                          <a:solidFill>
+                            <a:srgbClr val="000000">
+                              <a:alpha val="100000"/>
+                            </a:srgbClr>
+                          </a:solidFill>
+                          <a:latin typeface="arial"/>
+                          <a:cs typeface="arial"/>
+                          <a:ea typeface="arial"/>
+                          <a:sym typeface="arial"/>
+                        </a:rPr>
+                        <a:t/>
+                      </a:r>
+                    </a:p>
+                  </a:txBody>
+                  <a:tcPr anchor="ctr" marB="38100" marT="38100" marR="0" marL="0">
+                    <a:lnL algn="ctr" cmpd="sng" cap="flat" w="0">
+                      <a:noFill/>
+                      <a:prstDash val="solid"/>
+                    </a:lnL>
+                    <a:lnR algn="ctr" cmpd="sng" cap="flat" w="0">
+                      <a:noFill/>
+                      <a:prstDash val="solid"/>
+                    </a:lnR>
+                    <a:lnT algn="ctr" cmpd="sng" cap="flat" w="0">
+                      <a:noFill/>
+                      <a:prstDash val="solid"/>
+                    </a:lnT>
+                    <a:lnB algn="ctr" cmpd="sng" cap="flat" w="0">
+                      <a:noFill/>
+                      <a:prstDash val="solid"/>
+                    </a:lnB>
+                    <a:solidFill>
+                      <a:srgbClr val="FF7D29">
+                        <a:alpha val="100000"/>
+                      </a:srgbClr>
+                    </a:solidFill>
+                  </a:tcPr>
+                </a:tc>
+                <a:tc>
+                  <a:txBody>
+                    <a:bodyPr/>
+                    <a:lstStyle/>
+                    <a:p>
+                      <a:pPr algn="ctr" marL="63500" marR="63500">
+                        <a:lnSpc>
+                          <a:spcPct val="100000"/>
+                        </a:lnSpc>
+                        <a:spcBef>
+                          <a:spcPts val="300"/>
+                        </a:spcBef>
+                        <a:spcAft>
+                          <a:spcPts val="300"/>
+                        </a:spcAft>
+                        <a:buNone/>
+                      </a:pPr>
+                      <a:endParaRPr cap="none" sz="1200" i="0" b="0" u="none">
+                        <a:solidFill>
+                          <a:srgbClr val="000000">
+                            <a:alpha val="100000"/>
+                          </a:srgbClr>
+                        </a:solidFill>
+                        <a:latin typeface="arial"/>
+                        <a:cs typeface="arial"/>
+                        <a:ea typeface="arial"/>
+                        <a:sym typeface="arial"/>
+                      </a:endParaRPr>
+                      <a:r>
+                        <a:rPr cap="none" sz="1200" i="0" b="0" u="none">
+                          <a:solidFill>
+                            <a:srgbClr val="000000">
+                              <a:alpha val="100000"/>
+                            </a:srgbClr>
+                          </a:solidFill>
+                          <a:latin typeface="arial"/>
+                          <a:cs typeface="arial"/>
+                          <a:ea typeface="arial"/>
+                          <a:sym typeface="arial"/>
+                        </a:rPr>
+                        <a:t/>
+                      </a:r>
+                    </a:p>
+                  </a:txBody>
+                  <a:tcPr anchor="ctr" marB="38100" marT="38100" marR="0" marL="0">
+                    <a:lnL algn="ctr" cmpd="sng" cap="flat" w="0">
+                      <a:noFill/>
+                      <a:prstDash val="solid"/>
+                    </a:lnL>
+                    <a:lnR algn="ctr" cmpd="sng" cap="flat" w="0">
+                      <a:noFill/>
+                      <a:prstDash val="solid"/>
+                    </a:lnR>
+                    <a:lnT algn="ctr" cmpd="sng" cap="flat" w="0">
+                      <a:noFill/>
+                      <a:prstDash val="solid"/>
+                    </a:lnT>
+                    <a:lnB algn="ctr" cmpd="sng" cap="flat" w="0">
+                      <a:noFill/>
+                      <a:prstDash val="solid"/>
+                    </a:lnB>
+                    <a:solidFill>
+                      <a:srgbClr val="FF7D29">
+                        <a:alpha val="100000"/>
+                      </a:srgbClr>
+                    </a:solidFill>
+                  </a:tcPr>
+                </a:tc>
+                <a:tc>
+                  <a:txBody>
+                    <a:bodyPr/>
+                    <a:lstStyle/>
+                    <a:p>
+                      <a:pPr algn="ctr" marL="63500" marR="63500">
+                        <a:lnSpc>
+                          <a:spcPct val="100000"/>
+                        </a:lnSpc>
+                        <a:spcBef>
+                          <a:spcPts val="300"/>
+                        </a:spcBef>
+                        <a:spcAft>
+                          <a:spcPts val="300"/>
+                        </a:spcAft>
+                        <a:buNone/>
+                      </a:pPr>
+                      <a:endParaRPr cap="none" sz="1200" i="0" b="0" u="none">
+                        <a:solidFill>
+                          <a:srgbClr val="000000">
+                            <a:alpha val="100000"/>
+                          </a:srgbClr>
+                        </a:solidFill>
+                        <a:latin typeface="arial"/>
+                        <a:cs typeface="arial"/>
+                        <a:ea typeface="arial"/>
+                        <a:sym typeface="arial"/>
+                      </a:endParaRPr>
+                      <a:r>
+                        <a:rPr cap="none" sz="1200" i="0" b="0" u="none">
+                          <a:solidFill>
+                            <a:srgbClr val="000000">
+                              <a:alpha val="100000"/>
+                            </a:srgbClr>
+                          </a:solidFill>
+                          <a:latin typeface="arial"/>
+                          <a:cs typeface="arial"/>
+                          <a:ea typeface="arial"/>
+                          <a:sym typeface="arial"/>
+                        </a:rPr>
+                        <a:t/>
+                      </a:r>
+                    </a:p>
+                  </a:txBody>
+                  <a:tcPr anchor="ctr" marB="38100" marT="38100" marR="0" marL="0">
+                    <a:lnL algn="ctr" cmpd="sng" cap="flat" w="0">
+                      <a:noFill/>
+                      <a:prstDash val="solid"/>
+                    </a:lnL>
+                    <a:lnR algn="ctr" cmpd="sng" cap="flat" w="0">
+                      <a:noFill/>
+                      <a:prstDash val="solid"/>
+                    </a:lnR>
+                    <a:lnT algn="ctr" cmpd="sng" cap="flat" w="0">
+                      <a:noFill/>
+                      <a:prstDash val="solid"/>
+                    </a:lnT>
+                    <a:lnB algn="ctr" cmpd="sng" cap="flat" w="0">
+                      <a:noFill/>
+                      <a:prstDash val="solid"/>
+                    </a:lnB>
+                    <a:solidFill>
+                      <a:srgbClr val="FF7D29">
+                        <a:alpha val="100000"/>
+                      </a:srgbClr>
+                    </a:solidFill>
+                  </a:tcPr>
+                </a:tc>
+                <a:tc>
+                  <a:txBody>
+                    <a:bodyPr/>
+                    <a:lstStyle/>
+                    <a:p>
+                      <a:pPr algn="ctr" marL="63500" marR="63500">
+                        <a:lnSpc>
+                          <a:spcPct val="100000"/>
+                        </a:lnSpc>
+                        <a:spcBef>
+                          <a:spcPts val="300"/>
+                        </a:spcBef>
+                        <a:spcAft>
+                          <a:spcPts val="300"/>
+                        </a:spcAft>
+                        <a:buNone/>
+                      </a:pPr>
+                      <a:endParaRPr cap="none" sz="1200" i="0" b="0" u="none">
+                        <a:solidFill>
+                          <a:srgbClr val="000000">
+                            <a:alpha val="100000"/>
+                          </a:srgbClr>
+                        </a:solidFill>
+                        <a:latin typeface="arial"/>
+                        <a:cs typeface="arial"/>
+                        <a:ea typeface="arial"/>
+                        <a:sym typeface="arial"/>
+                      </a:endParaRPr>
+                      <a:r>
+                        <a:rPr cap="none" sz="1200" i="0" b="0" u="none">
+                          <a:solidFill>
+                            <a:srgbClr val="000000">
+                              <a:alpha val="100000"/>
+                            </a:srgbClr>
+                          </a:solidFill>
+                          <a:latin typeface="arial"/>
+                          <a:cs typeface="arial"/>
+                          <a:ea typeface="arial"/>
+                          <a:sym typeface="arial"/>
+                        </a:rPr>
+                        <a:t/>
+                      </a:r>
+                    </a:p>
+                  </a:txBody>
+                  <a:tcPr anchor="ctr" marB="38100" marT="38100" marR="0" marL="0">
+                    <a:lnL algn="ctr" cmpd="sng" cap="flat" w="0">
+                      <a:noFill/>
+                      <a:prstDash val="solid"/>
+                    </a:lnL>
+                    <a:lnR algn="ctr" cmpd="sng" cap="flat" w="0">
+                      <a:noFill/>
+                      <a:prstDash val="solid"/>
+                    </a:lnR>
+                    <a:lnT algn="ctr" cmpd="sng" cap="flat" w="0">
+                      <a:noFill/>
+                      <a:prstDash val="solid"/>
+                    </a:lnT>
+                    <a:lnB algn="ctr" cmpd="sng" cap="flat" w="0">
+                      <a:noFill/>
+                      <a:prstDash val="solid"/>
+                    </a:lnB>
+                    <a:solidFill>
                       <a:srgbClr val="FF7D29">
                         <a:alpha val="100000"/>
                       </a:srgbClr>
@@ -5609,6 +6589,120 @@
                     </a:solidFill>
                   </a:tcPr>
                 </a:tc>
+                <a:tc>
+                  <a:txBody>
+                    <a:bodyPr/>
+                    <a:lstStyle/>
+                    <a:p>
+                      <a:pPr algn="ctr" marL="63500" marR="63500">
+                        <a:lnSpc>
+                          <a:spcPct val="100000"/>
+                        </a:lnSpc>
+                        <a:spcBef>
+                          <a:spcPts val="300"/>
+                        </a:spcBef>
+                        <a:spcAft>
+                          <a:spcPts val="300"/>
+                        </a:spcAft>
+                        <a:buNone/>
+                      </a:pPr>
+                      <a:r>
+                        <a:rPr cap="none" sz="1200" i="0" b="0" u="none">
+                          <a:solidFill>
+                            <a:srgbClr val="000000">
+                              <a:alpha val="100000"/>
+                            </a:srgbClr>
+                          </a:solidFill>
+                          <a:latin typeface="arial"/>
+                          <a:cs typeface="arial"/>
+                          <a:ea typeface="arial"/>
+                          <a:sym typeface="arial"/>
+                        </a:rPr>
+                        <a:t>208 (52%)</a:t>
+                      </a:r>
+                    </a:p>
+                  </a:txBody>
+                  <a:tcPr anchor="ctr" marB="38100" marT="38100" marR="0" marL="0">
+                    <a:lnL algn="ctr" cmpd="sng" cap="flat" w="0">
+                      <a:noFill/>
+                      <a:prstDash val="solid"/>
+                    </a:lnL>
+                    <a:lnR algn="ctr" cmpd="sng" cap="flat" w="0">
+                      <a:noFill/>
+                      <a:prstDash val="solid"/>
+                    </a:lnR>
+                    <a:lnT algn="ctr" cmpd="sng" cap="flat" w="0">
+                      <a:noFill/>
+                      <a:prstDash val="solid"/>
+                    </a:lnT>
+                    <a:lnB algn="ctr" cmpd="sng" cap="flat" w="0">
+                      <a:noFill/>
+                      <a:prstDash val="solid"/>
+                    </a:lnB>
+                    <a:solidFill>
+                      <a:srgbClr val="FFBD69">
+                        <a:alpha val="100000"/>
+                      </a:srgbClr>
+                    </a:solidFill>
+                  </a:tcPr>
+                </a:tc>
+                <a:tc>
+                  <a:txBody>
+                    <a:bodyPr/>
+                    <a:lstStyle/>
+                    <a:p>
+                      <a:pPr algn="ctr" marL="63500" marR="63500">
+                        <a:lnSpc>
+                          <a:spcPct val="100000"/>
+                        </a:lnSpc>
+                        <a:spcBef>
+                          <a:spcPts val="300"/>
+                        </a:spcBef>
+                        <a:spcAft>
+                          <a:spcPts val="300"/>
+                        </a:spcAft>
+                        <a:buNone/>
+                      </a:pPr>
+                      <a:r>
+                        <a:rPr cap="none" sz="1200" i="0" b="0" u="none">
+                          <a:solidFill>
+                            <a:srgbClr val="000000">
+                              <a:alpha val="100000"/>
+                            </a:srgbClr>
+                          </a:solidFill>
+                          <a:latin typeface="arial"/>
+                          <a:cs typeface="arial"/>
+                          <a:ea typeface="arial"/>
+                          <a:sym typeface="arial"/>
+                        </a:rPr>
+                        <a:t>208 (52%)</a:t>
+                      </a:r>
+                    </a:p>
+                  </a:txBody>
+                  <a:tcPr anchor="ctr" marB="38100" marT="38100" marR="0" marL="0">
+                    <a:lnL algn="ctr" cmpd="sng" cap="flat" w="0">
+                      <a:noFill/>
+                      <a:prstDash val="solid"/>
+                    </a:lnL>
+                    <a:lnR algn="ctr" cmpd="sng" cap="flat" w="0">
+                      <a:noFill/>
+                      <a:prstDash val="solid"/>
+                    </a:lnR>
+                    <a:lnT algn="ctr" cmpd="sng" cap="flat" w="0">
+                      <a:noFill/>
+                      <a:prstDash val="solid"/>
+                    </a:lnT>
+                    <a:lnB algn="ctr" cmpd="sng" cap="flat" w="0">
+                      <a:noFill/>
+                      <a:prstDash val="solid"/>
+                    </a:lnB>
+                    <a:solidFill>
+                      <a:srgbClr val="FFBD69">
+                        <a:alpha val="100000"/>
+                      </a:srgbClr>
+                    </a:solidFill>
+                  </a:tcPr>
+                </a:tc>
               </a:tr>
               <a:tr h="243582">
                 <a:tc>
@@ -5839,6 +6933,120 @@
                     </a:solidFill>
                   </a:tcPr>
                 </a:tc>
+                <a:tc>
+                  <a:txBody>
+                    <a:bodyPr/>
+                    <a:lstStyle/>
+                    <a:p>
+                      <a:pPr algn="ctr" marL="63500" marR="63500">
+                        <a:lnSpc>
+                          <a:spcPct val="100000"/>
+                        </a:lnSpc>
+                        <a:spcBef>
+                          <a:spcPts val="300"/>
+                        </a:spcBef>
+                        <a:spcAft>
+                          <a:spcPts val="300"/>
+                        </a:spcAft>
+                        <a:buNone/>
+                      </a:pPr>
+                      <a:r>
+                        <a:rPr cap="none" sz="1200" i="0" b="0" u="none">
+                          <a:solidFill>
+                            <a:srgbClr val="000000">
+                              <a:alpha val="100000"/>
+                            </a:srgbClr>
+                          </a:solidFill>
+                          <a:latin typeface="arial"/>
+                          <a:cs typeface="arial"/>
+                          <a:ea typeface="arial"/>
+                          <a:sym typeface="arial"/>
+                        </a:rPr>
+                        <a:t>91 (22.8%)</a:t>
+                      </a:r>
+                    </a:p>
+                  </a:txBody>
+                  <a:tcPr anchor="ctr" marB="38100" marT="38100" marR="0" marL="0">
+                    <a:lnL algn="ctr" cmpd="sng" cap="flat" w="0">
+                      <a:noFill/>
+                      <a:prstDash val="solid"/>
+                    </a:lnL>
+                    <a:lnR algn="ctr" cmpd="sng" cap="flat" w="0">
+                      <a:noFill/>
+                      <a:prstDash val="solid"/>
+                    </a:lnR>
+                    <a:lnT algn="ctr" cmpd="sng" cap="flat" w="0">
+                      <a:noFill/>
+                      <a:prstDash val="solid"/>
+                    </a:lnT>
+                    <a:lnB algn="ctr" cmpd="sng" cap="flat" w="0">
+                      <a:noFill/>
+                      <a:prstDash val="solid"/>
+                    </a:lnB>
+                    <a:solidFill>
+                      <a:srgbClr val="FF7D29">
+                        <a:alpha val="100000"/>
+                      </a:srgbClr>
+                    </a:solidFill>
+                  </a:tcPr>
+                </a:tc>
+                <a:tc>
+                  <a:txBody>
+                    <a:bodyPr/>
+                    <a:lstStyle/>
+                    <a:p>
+                      <a:pPr algn="ctr" marL="63500" marR="63500">
+                        <a:lnSpc>
+                          <a:spcPct val="100000"/>
+                        </a:lnSpc>
+                        <a:spcBef>
+                          <a:spcPts val="300"/>
+                        </a:spcBef>
+                        <a:spcAft>
+                          <a:spcPts val="300"/>
+                        </a:spcAft>
+                        <a:buNone/>
+                      </a:pPr>
+                      <a:r>
+                        <a:rPr cap="none" sz="1200" i="0" b="0" u="none">
+                          <a:solidFill>
+                            <a:srgbClr val="000000">
+                              <a:alpha val="100000"/>
+                            </a:srgbClr>
+                          </a:solidFill>
+                          <a:latin typeface="arial"/>
+                          <a:cs typeface="arial"/>
+                          <a:ea typeface="arial"/>
+                          <a:sym typeface="arial"/>
+                        </a:rPr>
+                        <a:t>91 (22.8%)</a:t>
+                      </a:r>
+                    </a:p>
+                  </a:txBody>
+                  <a:tcPr anchor="ctr" marB="38100" marT="38100" marR="0" marL="0">
+                    <a:lnL algn="ctr" cmpd="sng" cap="flat" w="0">
+                      <a:noFill/>
+                      <a:prstDash val="solid"/>
+                    </a:lnL>
+                    <a:lnR algn="ctr" cmpd="sng" cap="flat" w="0">
+                      <a:noFill/>
+                      <a:prstDash val="solid"/>
+                    </a:lnR>
+                    <a:lnT algn="ctr" cmpd="sng" cap="flat" w="0">
+                      <a:noFill/>
+                      <a:prstDash val="solid"/>
+                    </a:lnT>
+                    <a:lnB algn="ctr" cmpd="sng" cap="flat" w="0">
+                      <a:noFill/>
+                      <a:prstDash val="solid"/>
+                    </a:lnB>
+                    <a:solidFill>
+                      <a:srgbClr val="FF7D29">
+                        <a:alpha val="100000"/>
+                      </a:srgbClr>
+                    </a:solidFill>
+                  </a:tcPr>
+                </a:tc>
               </a:tr>
               <a:tr h="243582">
                 <a:tc>
@@ -6069,9 +7277,123 @@
                     </a:solidFill>
                   </a:tcPr>
                 </a:tc>
+                <a:tc>
+                  <a:txBody>
+                    <a:bodyPr/>
+                    <a:lstStyle/>
+                    <a:p>
+                      <a:pPr algn="ctr" marL="63500" marR="63500">
+                        <a:lnSpc>
+                          <a:spcPct val="100000"/>
+                        </a:lnSpc>
+                        <a:spcBef>
+                          <a:spcPts val="300"/>
+                        </a:spcBef>
+                        <a:spcAft>
+                          <a:spcPts val="300"/>
+                        </a:spcAft>
+                        <a:buNone/>
+                      </a:pPr>
+                      <a:r>
+                        <a:rPr cap="none" sz="1200" i="0" b="0" u="none">
+                          <a:solidFill>
+                            <a:srgbClr val="000000">
+                              <a:alpha val="100000"/>
+                            </a:srgbClr>
+                          </a:solidFill>
+                          <a:latin typeface="arial"/>
+                          <a:cs typeface="arial"/>
+                          <a:ea typeface="arial"/>
+                          <a:sym typeface="arial"/>
+                        </a:rPr>
+                        <a:t>74 (18.5%)</a:t>
+                      </a:r>
+                    </a:p>
+                  </a:txBody>
+                  <a:tcPr anchor="ctr" marB="38100" marT="38100" marR="0" marL="0">
+                    <a:lnL algn="ctr" cmpd="sng" cap="flat" w="0">
+                      <a:noFill/>
+                      <a:prstDash val="solid"/>
+                    </a:lnL>
+                    <a:lnR algn="ctr" cmpd="sng" cap="flat" w="0">
+                      <a:noFill/>
+                      <a:prstDash val="solid"/>
+                    </a:lnR>
+                    <a:lnT algn="ctr" cmpd="sng" cap="flat" w="0">
+                      <a:noFill/>
+                      <a:prstDash val="solid"/>
+                    </a:lnT>
+                    <a:lnB algn="ctr" cmpd="sng" cap="flat" w="0">
+                      <a:noFill/>
+                      <a:prstDash val="solid"/>
+                    </a:lnB>
+                    <a:solidFill>
+                      <a:srgbClr val="FFBD69">
+                        <a:alpha val="100000"/>
+                      </a:srgbClr>
+                    </a:solidFill>
+                  </a:tcPr>
+                </a:tc>
+                <a:tc>
+                  <a:txBody>
+                    <a:bodyPr/>
+                    <a:lstStyle/>
+                    <a:p>
+                      <a:pPr algn="ctr" marL="63500" marR="63500">
+                        <a:lnSpc>
+                          <a:spcPct val="100000"/>
+                        </a:lnSpc>
+                        <a:spcBef>
+                          <a:spcPts val="300"/>
+                        </a:spcBef>
+                        <a:spcAft>
+                          <a:spcPts val="300"/>
+                        </a:spcAft>
+                        <a:buNone/>
+                      </a:pPr>
+                      <a:r>
+                        <a:rPr cap="none" sz="1200" i="0" b="0" u="none">
+                          <a:solidFill>
+                            <a:srgbClr val="000000">
+                              <a:alpha val="100000"/>
+                            </a:srgbClr>
+                          </a:solidFill>
+                          <a:latin typeface="arial"/>
+                          <a:cs typeface="arial"/>
+                          <a:ea typeface="arial"/>
+                          <a:sym typeface="arial"/>
+                        </a:rPr>
+                        <a:t>74 (18.5%)</a:t>
+                      </a:r>
+                    </a:p>
+                  </a:txBody>
+                  <a:tcPr anchor="ctr" marB="38100" marT="38100" marR="0" marL="0">
+                    <a:lnL algn="ctr" cmpd="sng" cap="flat" w="0">
+                      <a:noFill/>
+                      <a:prstDash val="solid"/>
+                    </a:lnL>
+                    <a:lnR algn="ctr" cmpd="sng" cap="flat" w="0">
+                      <a:noFill/>
+                      <a:prstDash val="solid"/>
+                    </a:lnR>
+                    <a:lnT algn="ctr" cmpd="sng" cap="flat" w="0">
+                      <a:noFill/>
+                      <a:prstDash val="solid"/>
+                    </a:lnT>
+                    <a:lnB algn="ctr" cmpd="sng" cap="flat" w="0">
+                      <a:noFill/>
+                      <a:prstDash val="solid"/>
+                    </a:lnB>
+                    <a:solidFill>
+                      <a:srgbClr val="FFBD69">
+                        <a:alpha val="100000"/>
+                      </a:srgbClr>
+                    </a:solidFill>
+                  </a:tcPr>
+                </a:tc>
               </a:tr>
               <a:tr h="228600">
-                <a:tc gridSpan="4">
+                <a:tc gridSpan="6">
                   <a:txBody>
                     <a:bodyPr/>
                     <a:lstStyle/>
@@ -6143,6 +7465,142 @@
                           <a:sym typeface="DejaVu Sans"/>
                         </a:rPr>
                         <a:t>; </a:t>
+                      </a:r>
+                    </a:p>
+                  </a:txBody>
+                  <a:tcPr anchor="ctr" marB="63500" marT="63500" marR="0" marL="0">
+                    <a:lnL algn="ctr" cmpd="sng" cap="flat" w="0">
+                      <a:noFill/>
+                      <a:prstDash val="solid"/>
+                    </a:lnL>
+                    <a:lnR algn="ctr" cmpd="sng" cap="flat" w="0">
+                      <a:noFill/>
+                      <a:prstDash val="solid"/>
+                    </a:lnR>
+                    <a:lnT algn="ctr" cmpd="sng" cap="flat" w="0">
+                      <a:noFill/>
+                      <a:prstDash val="solid"/>
+                    </a:lnT>
+                    <a:lnB algn="ctr" cmpd="sng" cap="flat" w="0">
+                      <a:noFill/>
+                      <a:prstDash val="solid"/>
+                    </a:lnB>
+                    <a:solidFill>
+                      <a:srgbClr val="FFFFFF">
+                        <a:alpha val="0"/>
+                      </a:srgbClr>
+                    </a:solidFill>
+                  </a:tcPr>
+                </a:tc>
+                <a:tc hMerge="true">
+                  <a:txBody>
+                    <a:bodyPr/>
+                    <a:lstStyle/>
+                    <a:p>
+                      <a:pPr algn="l" marL="63500" marR="63500">
+                        <a:lnSpc>
+                          <a:spcPct val="100000"/>
+                        </a:lnSpc>
+                        <a:spcBef>
+                          <a:spcPts val="500"/>
+                        </a:spcBef>
+                        <a:spcAft>
+                          <a:spcPts val="500"/>
+                        </a:spcAft>
+                        <a:buNone/>
+                      </a:pPr>
+                      <a:endParaRPr cap="none" sz="1100" i="0" b="0" u="none">
+                        <a:solidFill>
+                          <a:srgbClr val="000000">
+                            <a:alpha val="100000"/>
+                          </a:srgbClr>
+                        </a:solidFill>
+                        <a:latin typeface="DejaVu Sans"/>
+                        <a:cs typeface="DejaVu Sans"/>
+                        <a:ea typeface="DejaVu Sans"/>
+                        <a:sym typeface="DejaVu Sans"/>
+                      </a:endParaRPr>
+                      <a:r>
+                        <a:rPr cap="none" sz="1100" i="0" b="0" u="none">
+                          <a:solidFill>
+                            <a:srgbClr val="000000">
+                              <a:alpha val="100000"/>
+                            </a:srgbClr>
+                          </a:solidFill>
+                          <a:latin typeface="DejaVu Sans"/>
+                          <a:cs typeface="DejaVu Sans"/>
+                          <a:ea typeface="DejaVu Sans"/>
+                          <a:sym typeface="DejaVu Sans"/>
+                        </a:rPr>
+                        <a:t/>
+                      </a:r>
+                    </a:p>
+                  </a:txBody>
+                  <a:tcPr anchor="ctr" marB="63500" marT="63500" marR="0" marL="0">
+                    <a:lnL algn="ctr" cmpd="sng" cap="flat" w="0">
+                      <a:noFill/>
+                      <a:prstDash val="solid"/>
+                    </a:lnL>
+                    <a:lnR algn="ctr" cmpd="sng" cap="flat" w="0">
+                      <a:noFill/>
+                      <a:prstDash val="solid"/>
+                    </a:lnR>
+                    <a:lnT algn="ctr" cmpd="sng" cap="flat" w="0">
+                      <a:noFill/>
+                      <a:prstDash val="solid"/>
+                    </a:lnT>
+                    <a:lnB algn="ctr" cmpd="sng" cap="flat" w="0">
+                      <a:noFill/>
+                      <a:prstDash val="solid"/>
+                    </a:lnB>
+                    <a:solidFill>
+                      <a:srgbClr val="FFFFFF">
+                        <a:alpha val="0"/>
+                      </a:srgbClr>
+                    </a:solidFill>
+                  </a:tcPr>
+                </a:tc>
+                <a:tc hMerge="true">
+                  <a:txBody>
+                    <a:bodyPr/>
+                    <a:lstStyle/>
+                    <a:p>
+                      <a:pPr algn="l" marL="63500" marR="63500">
+                        <a:lnSpc>
+                          <a:spcPct val="100000"/>
+                        </a:lnSpc>
+                        <a:spcBef>
+                          <a:spcPts val="500"/>
+                        </a:spcBef>
+                        <a:spcAft>
+                          <a:spcPts val="500"/>
+                        </a:spcAft>
+                        <a:buNone/>
+                      </a:pPr>
+                      <a:endParaRPr cap="none" sz="1100" i="0" b="0" u="none">
+                        <a:solidFill>
+                          <a:srgbClr val="000000">
+                            <a:alpha val="100000"/>
+                          </a:srgbClr>
+                        </a:solidFill>
+                        <a:latin typeface="DejaVu Sans"/>
+                        <a:cs typeface="DejaVu Sans"/>
+                        <a:ea typeface="DejaVu Sans"/>
+                        <a:sym typeface="DejaVu Sans"/>
+                      </a:endParaRPr>
+                      <a:r>
+                        <a:rPr cap="none" sz="1100" i="0" b="0" u="none">
+                          <a:solidFill>
+                            <a:srgbClr val="000000">
+                              <a:alpha val="100000"/>
+                            </a:srgbClr>
+                          </a:solidFill>
+                          <a:latin typeface="DejaVu Sans"/>
+                          <a:cs typeface="DejaVu Sans"/>
+                          <a:ea typeface="DejaVu Sans"/>
+                          <a:sym typeface="DejaVu Sans"/>
+                        </a:rPr>
+                        <a:t/>
                       </a:r>
                     </a:p>
                   </a:txBody>
@@ -6462,7 +7920,7 @@
           <p:nvPr/>
         </p:nvGraphicFramePr>
         <p:xfrm rot="0">
-          <a:off x="2180492" y="1165860"/>
+          <a:off x="1295400" y="1165860"/>
           <a:ext cx="3657600" cy="2743200"/>
         </p:xfrm>
         <a:graphic>
@@ -6470,10 +7928,12 @@
             <a:tbl>
               <a:tblPr/>
               <a:tblGrid>
-                <a:gridCol w="3986594"/>
-                <a:gridCol w="1281474"/>
-                <a:gridCol w="1281474"/>
-                <a:gridCol w="1281474"/>
+                <a:gridCol w="3720066"/>
+                <a:gridCol w="1176227"/>
+                <a:gridCol w="1176227"/>
+                <a:gridCol w="1176227"/>
+                <a:gridCol w="1176227"/>
+                <a:gridCol w="1176227"/>
               </a:tblGrid>
               <a:tr h="261603">
                 <a:tc>
@@ -6691,6 +8151,120 @@
                           <a:sym typeface="arial"/>
                         </a:rPr>
                         <a:t>C: Combination</a:t>
+                      </a:r>
+                    </a:p>
+                  </a:txBody>
+                  <a:tcPr anchor="ctr" marB="38100" marT="38100" marR="0" marL="0">
+                    <a:lnL algn="ctr" cmpd="sng" cap="flat" w="0">
+                      <a:noFill/>
+                      <a:prstDash val="solid"/>
+                    </a:lnL>
+                    <a:lnR algn="ctr" cmpd="sng" cap="flat" w="0">
+                      <a:noFill/>
+                      <a:prstDash val="solid"/>
+                    </a:lnR>
+                    <a:lnT algn="ctr" cmpd="sng" cap="flat" w="0">
+                      <a:noFill/>
+                      <a:prstDash val="solid"/>
+                    </a:lnT>
+                    <a:lnB algn="ctr" cmpd="sng" cap="flat" w="0">
+                      <a:noFill/>
+                      <a:prstDash val="solid"/>
+                    </a:lnB>
+                    <a:solidFill>
+                      <a:srgbClr val="ED4A0D">
+                        <a:alpha val="100000"/>
+                      </a:srgbClr>
+                    </a:solidFill>
+                  </a:tcPr>
+                </a:tc>
+                <a:tc>
+                  <a:txBody>
+                    <a:bodyPr/>
+                    <a:lstStyle/>
+                    <a:p>
+                      <a:pPr algn="ctr" marL="63500" marR="63500">
+                        <a:lnSpc>
+                          <a:spcPct val="100000"/>
+                        </a:lnSpc>
+                        <a:spcBef>
+                          <a:spcPts val="300"/>
+                        </a:spcBef>
+                        <a:spcAft>
+                          <a:spcPts val="300"/>
+                        </a:spcAft>
+                        <a:buNone/>
+                      </a:pPr>
+                      <a:r>
+                        <a:rPr cap="none" sz="1400" i="0" b="1" u="none">
+                          <a:solidFill>
+                            <a:srgbClr val="FFFFFF">
+                              <a:alpha val="100000"/>
+                            </a:srgbClr>
+                          </a:solidFill>
+                          <a:latin typeface="arial"/>
+                          <a:cs typeface="arial"/>
+                          <a:ea typeface="arial"/>
+                          <a:sym typeface="arial"/>
+                        </a:rPr>
+                        <a:t>All Patients</a:t>
+                      </a:r>
+                    </a:p>
+                  </a:txBody>
+                  <a:tcPr anchor="ctr" marB="38100" marT="38100" marR="0" marL="0">
+                    <a:lnL algn="ctr" cmpd="sng" cap="flat" w="0">
+                      <a:noFill/>
+                      <a:prstDash val="solid"/>
+                    </a:lnL>
+                    <a:lnR algn="ctr" cmpd="sng" cap="flat" w="0">
+                      <a:noFill/>
+                      <a:prstDash val="solid"/>
+                    </a:lnR>
+                    <a:lnT algn="ctr" cmpd="sng" cap="flat" w="0">
+                      <a:noFill/>
+                      <a:prstDash val="solid"/>
+                    </a:lnT>
+                    <a:lnB algn="ctr" cmpd="sng" cap="flat" w="0">
+                      <a:noFill/>
+                      <a:prstDash val="solid"/>
+                    </a:lnB>
+                    <a:solidFill>
+                      <a:srgbClr val="ED4A0D">
+                        <a:alpha val="100000"/>
+                      </a:srgbClr>
+                    </a:solidFill>
+                  </a:tcPr>
+                </a:tc>
+                <a:tc>
+                  <a:txBody>
+                    <a:bodyPr/>
+                    <a:lstStyle/>
+                    <a:p>
+                      <a:pPr algn="ctr" marL="63500" marR="63500">
+                        <a:lnSpc>
+                          <a:spcPct val="100000"/>
+                        </a:lnSpc>
+                        <a:spcBef>
+                          <a:spcPts val="300"/>
+                        </a:spcBef>
+                        <a:spcAft>
+                          <a:spcPts val="300"/>
+                        </a:spcAft>
+                        <a:buNone/>
+                      </a:pPr>
+                      <a:r>
+                        <a:rPr cap="none" sz="1400" i="0" b="1" u="none">
+                          <a:solidFill>
+                            <a:srgbClr val="FFFFFF">
+                              <a:alpha val="100000"/>
+                            </a:srgbClr>
+                          </a:solidFill>
+                          <a:latin typeface="arial"/>
+                          <a:cs typeface="arial"/>
+                          <a:ea typeface="arial"/>
+                          <a:sym typeface="arial"/>
+                        </a:rPr>
+                        <a:t>All Patients</a:t>
                       </a:r>
                     </a:p>
                   </a:txBody>
@@ -6981,6 +8555,142 @@
                     </a:solidFill>
                   </a:tcPr>
                 </a:tc>
+                <a:tc>
+                  <a:txBody>
+                    <a:bodyPr/>
+                    <a:lstStyle/>
+                    <a:p>
+                      <a:pPr algn="ctr" marL="63500" marR="63500">
+                        <a:lnSpc>
+                          <a:spcPct val="100000"/>
+                        </a:lnSpc>
+                        <a:spcBef>
+                          <a:spcPts val="300"/>
+                        </a:spcBef>
+                        <a:spcAft>
+                          <a:spcPts val="300"/>
+                        </a:spcAft>
+                        <a:buNone/>
+                      </a:pPr>
+                      <a:endParaRPr cap="none" sz="1200" i="0" b="0" u="none">
+                        <a:solidFill>
+                          <a:srgbClr val="000000">
+                            <a:alpha val="100000"/>
+                          </a:srgbClr>
+                        </a:solidFill>
+                        <a:latin typeface="arial"/>
+                        <a:cs typeface="arial"/>
+                        <a:ea typeface="arial"/>
+                        <a:sym typeface="arial"/>
+                      </a:endParaRPr>
+                      <a:r>
+                        <a:rPr cap="none" sz="1200" i="0" b="0" u="none">
+                          <a:solidFill>
+                            <a:srgbClr val="000000">
+                              <a:alpha val="100000"/>
+                            </a:srgbClr>
+                          </a:solidFill>
+                          <a:latin typeface="arial"/>
+                          <a:cs typeface="arial"/>
+                          <a:ea typeface="arial"/>
+                          <a:sym typeface="arial"/>
+                        </a:rPr>
+                        <a:t/>
+                      </a:r>
+                    </a:p>
+                  </a:txBody>
+                  <a:tcPr anchor="ctr" marB="38100" marT="38100" marR="0" marL="0">
+                    <a:lnL algn="ctr" cmpd="sng" cap="flat" w="0">
+                      <a:noFill/>
+                      <a:prstDash val="solid"/>
+                    </a:lnL>
+                    <a:lnR algn="ctr" cmpd="sng" cap="flat" w="0">
+                      <a:noFill/>
+                      <a:prstDash val="solid"/>
+                    </a:lnR>
+                    <a:lnT algn="ctr" cmpd="sng" cap="flat" w="0">
+                      <a:noFill/>
+                      <a:prstDash val="solid"/>
+                    </a:lnT>
+                    <a:lnB algn="ctr" cmpd="sng" cap="flat" w="0">
+                      <a:noFill/>
+                      <a:prstDash val="solid"/>
+                    </a:lnB>
+                    <a:solidFill>
+                      <a:srgbClr val="FF7D29">
+                        <a:alpha val="100000"/>
+                      </a:srgbClr>
+                    </a:solidFill>
+                  </a:tcPr>
+                </a:tc>
+                <a:tc>
+                  <a:txBody>
+                    <a:bodyPr/>
+                    <a:lstStyle/>
+                    <a:p>
+                      <a:pPr algn="ctr" marL="63500" marR="63500">
+                        <a:lnSpc>
+                          <a:spcPct val="100000"/>
+                        </a:lnSpc>
+                        <a:spcBef>
+                          <a:spcPts val="300"/>
+                        </a:spcBef>
+                        <a:spcAft>
+                          <a:spcPts val="300"/>
+                        </a:spcAft>
+                        <a:buNone/>
+                      </a:pPr>
+                      <a:endParaRPr cap="none" sz="1200" i="0" b="0" u="none">
+                        <a:solidFill>
+                          <a:srgbClr val="000000">
+                            <a:alpha val="100000"/>
+                          </a:srgbClr>
+                        </a:solidFill>
+                        <a:latin typeface="arial"/>
+                        <a:cs typeface="arial"/>
+                        <a:ea typeface="arial"/>
+                        <a:sym typeface="arial"/>
+                      </a:endParaRPr>
+                      <a:r>
+                        <a:rPr cap="none" sz="1200" i="0" b="0" u="none">
+                          <a:solidFill>
+                            <a:srgbClr val="000000">
+                              <a:alpha val="100000"/>
+                            </a:srgbClr>
+                          </a:solidFill>
+                          <a:latin typeface="arial"/>
+                          <a:cs typeface="arial"/>
+                          <a:ea typeface="arial"/>
+                          <a:sym typeface="arial"/>
+                        </a:rPr>
+                        <a:t/>
+                      </a:r>
+                    </a:p>
+                  </a:txBody>
+                  <a:tcPr anchor="ctr" marB="38100" marT="38100" marR="0" marL="0">
+                    <a:lnL algn="ctr" cmpd="sng" cap="flat" w="0">
+                      <a:noFill/>
+                      <a:prstDash val="solid"/>
+                    </a:lnL>
+                    <a:lnR algn="ctr" cmpd="sng" cap="flat" w="0">
+                      <a:noFill/>
+                      <a:prstDash val="solid"/>
+                    </a:lnR>
+                    <a:lnT algn="ctr" cmpd="sng" cap="flat" w="0">
+                      <a:noFill/>
+                      <a:prstDash val="solid"/>
+                    </a:lnT>
+                    <a:lnB algn="ctr" cmpd="sng" cap="flat" w="0">
+                      <a:noFill/>
+                      <a:prstDash val="solid"/>
+                    </a:lnB>
+                    <a:solidFill>
+                      <a:srgbClr val="FF7D29">
+                        <a:alpha val="100000"/>
+                      </a:srgbClr>
+                    </a:solidFill>
+                  </a:tcPr>
+                </a:tc>
               </a:tr>
               <a:tr h="243582">
                 <a:tc>
@@ -7211,6 +8921,120 @@
                     </a:solidFill>
                   </a:tcPr>
                 </a:tc>
+                <a:tc>
+                  <a:txBody>
+                    <a:bodyPr/>
+                    <a:lstStyle/>
+                    <a:p>
+                      <a:pPr algn="ctr" marL="63500" marR="63500">
+                        <a:lnSpc>
+                          <a:spcPct val="100000"/>
+                        </a:lnSpc>
+                        <a:spcBef>
+                          <a:spcPts val="300"/>
+                        </a:spcBef>
+                        <a:spcAft>
+                          <a:spcPts val="300"/>
+                        </a:spcAft>
+                        <a:buNone/>
+                      </a:pPr>
+                      <a:r>
+                        <a:rPr cap="none" sz="1200" i="0" b="0" u="none">
+                          <a:solidFill>
+                            <a:srgbClr val="000000">
+                              <a:alpha val="100000"/>
+                            </a:srgbClr>
+                          </a:solidFill>
+                          <a:latin typeface="arial"/>
+                          <a:cs typeface="arial"/>
+                          <a:ea typeface="arial"/>
+                          <a:sym typeface="arial"/>
+                        </a:rPr>
+                        <a:t>25 (6.2%)</a:t>
+                      </a:r>
+                    </a:p>
+                  </a:txBody>
+                  <a:tcPr anchor="ctr" marB="38100" marT="38100" marR="0" marL="0">
+                    <a:lnL algn="ctr" cmpd="sng" cap="flat" w="0">
+                      <a:noFill/>
+                      <a:prstDash val="solid"/>
+                    </a:lnL>
+                    <a:lnR algn="ctr" cmpd="sng" cap="flat" w="0">
+                      <a:noFill/>
+                      <a:prstDash val="solid"/>
+                    </a:lnR>
+                    <a:lnT algn="ctr" cmpd="sng" cap="flat" w="0">
+                      <a:noFill/>
+                      <a:prstDash val="solid"/>
+                    </a:lnT>
+                    <a:lnB algn="ctr" cmpd="sng" cap="flat" w="0">
+                      <a:noFill/>
+                      <a:prstDash val="solid"/>
+                    </a:lnB>
+                    <a:solidFill>
+                      <a:srgbClr val="FFBD69">
+                        <a:alpha val="100000"/>
+                      </a:srgbClr>
+                    </a:solidFill>
+                  </a:tcPr>
+                </a:tc>
+                <a:tc>
+                  <a:txBody>
+                    <a:bodyPr/>
+                    <a:lstStyle/>
+                    <a:p>
+                      <a:pPr algn="ctr" marL="63500" marR="63500">
+                        <a:lnSpc>
+                          <a:spcPct val="100000"/>
+                        </a:lnSpc>
+                        <a:spcBef>
+                          <a:spcPts val="300"/>
+                        </a:spcBef>
+                        <a:spcAft>
+                          <a:spcPts val="300"/>
+                        </a:spcAft>
+                        <a:buNone/>
+                      </a:pPr>
+                      <a:r>
+                        <a:rPr cap="none" sz="1200" i="0" b="0" u="none">
+                          <a:solidFill>
+                            <a:srgbClr val="000000">
+                              <a:alpha val="100000"/>
+                            </a:srgbClr>
+                          </a:solidFill>
+                          <a:latin typeface="arial"/>
+                          <a:cs typeface="arial"/>
+                          <a:ea typeface="arial"/>
+                          <a:sym typeface="arial"/>
+                        </a:rPr>
+                        <a:t>25 (6.2%)</a:t>
+                      </a:r>
+                    </a:p>
+                  </a:txBody>
+                  <a:tcPr anchor="ctr" marB="38100" marT="38100" marR="0" marL="0">
+                    <a:lnL algn="ctr" cmpd="sng" cap="flat" w="0">
+                      <a:noFill/>
+                      <a:prstDash val="solid"/>
+                    </a:lnL>
+                    <a:lnR algn="ctr" cmpd="sng" cap="flat" w="0">
+                      <a:noFill/>
+                      <a:prstDash val="solid"/>
+                    </a:lnR>
+                    <a:lnT algn="ctr" cmpd="sng" cap="flat" w="0">
+                      <a:noFill/>
+                      <a:prstDash val="solid"/>
+                    </a:lnT>
+                    <a:lnB algn="ctr" cmpd="sng" cap="flat" w="0">
+                      <a:noFill/>
+                      <a:prstDash val="solid"/>
+                    </a:lnB>
+                    <a:solidFill>
+                      <a:srgbClr val="FFBD69">
+                        <a:alpha val="100000"/>
+                      </a:srgbClr>
+                    </a:solidFill>
+                  </a:tcPr>
+                </a:tc>
               </a:tr>
               <a:tr h="243582">
                 <a:tc>
@@ -7441,6 +9265,120 @@
                     </a:solidFill>
                   </a:tcPr>
                 </a:tc>
+                <a:tc>
+                  <a:txBody>
+                    <a:bodyPr/>
+                    <a:lstStyle/>
+                    <a:p>
+                      <a:pPr algn="ctr" marL="63500" marR="63500">
+                        <a:lnSpc>
+                          <a:spcPct val="100000"/>
+                        </a:lnSpc>
+                        <a:spcBef>
+                          <a:spcPts val="300"/>
+                        </a:spcBef>
+                        <a:spcAft>
+                          <a:spcPts val="300"/>
+                        </a:spcAft>
+                        <a:buNone/>
+                      </a:pPr>
+                      <a:r>
+                        <a:rPr cap="none" sz="1200" i="0" b="0" u="none">
+                          <a:solidFill>
+                            <a:srgbClr val="000000">
+                              <a:alpha val="100000"/>
+                            </a:srgbClr>
+                          </a:solidFill>
+                          <a:latin typeface="arial"/>
+                          <a:cs typeface="arial"/>
+                          <a:ea typeface="arial"/>
+                          <a:sym typeface="arial"/>
+                        </a:rPr>
+                        <a:t>1 (0.2%)</a:t>
+                      </a:r>
+                    </a:p>
+                  </a:txBody>
+                  <a:tcPr anchor="ctr" marB="38100" marT="38100" marR="0" marL="0">
+                    <a:lnL algn="ctr" cmpd="sng" cap="flat" w="0">
+                      <a:noFill/>
+                      <a:prstDash val="solid"/>
+                    </a:lnL>
+                    <a:lnR algn="ctr" cmpd="sng" cap="flat" w="0">
+                      <a:noFill/>
+                      <a:prstDash val="solid"/>
+                    </a:lnR>
+                    <a:lnT algn="ctr" cmpd="sng" cap="flat" w="0">
+                      <a:noFill/>
+                      <a:prstDash val="solid"/>
+                    </a:lnT>
+                    <a:lnB algn="ctr" cmpd="sng" cap="flat" w="0">
+                      <a:noFill/>
+                      <a:prstDash val="solid"/>
+                    </a:lnB>
+                    <a:solidFill>
+                      <a:srgbClr val="FF7D29">
+                        <a:alpha val="100000"/>
+                      </a:srgbClr>
+                    </a:solidFill>
+                  </a:tcPr>
+                </a:tc>
+                <a:tc>
+                  <a:txBody>
+                    <a:bodyPr/>
+                    <a:lstStyle/>
+                    <a:p>
+                      <a:pPr algn="ctr" marL="63500" marR="63500">
+                        <a:lnSpc>
+                          <a:spcPct val="100000"/>
+                        </a:lnSpc>
+                        <a:spcBef>
+                          <a:spcPts val="300"/>
+                        </a:spcBef>
+                        <a:spcAft>
+                          <a:spcPts val="300"/>
+                        </a:spcAft>
+                        <a:buNone/>
+                      </a:pPr>
+                      <a:r>
+                        <a:rPr cap="none" sz="1200" i="0" b="0" u="none">
+                          <a:solidFill>
+                            <a:srgbClr val="000000">
+                              <a:alpha val="100000"/>
+                            </a:srgbClr>
+                          </a:solidFill>
+                          <a:latin typeface="arial"/>
+                          <a:cs typeface="arial"/>
+                          <a:ea typeface="arial"/>
+                          <a:sym typeface="arial"/>
+                        </a:rPr>
+                        <a:t>1 (0.2%)</a:t>
+                      </a:r>
+                    </a:p>
+                  </a:txBody>
+                  <a:tcPr anchor="ctr" marB="38100" marT="38100" marR="0" marL="0">
+                    <a:lnL algn="ctr" cmpd="sng" cap="flat" w="0">
+                      <a:noFill/>
+                      <a:prstDash val="solid"/>
+                    </a:lnL>
+                    <a:lnR algn="ctr" cmpd="sng" cap="flat" w="0">
+                      <a:noFill/>
+                      <a:prstDash val="solid"/>
+                    </a:lnR>
+                    <a:lnT algn="ctr" cmpd="sng" cap="flat" w="0">
+                      <a:noFill/>
+                      <a:prstDash val="solid"/>
+                    </a:lnT>
+                    <a:lnB algn="ctr" cmpd="sng" cap="flat" w="0">
+                      <a:noFill/>
+                      <a:prstDash val="solid"/>
+                    </a:lnB>
+                    <a:solidFill>
+                      <a:srgbClr val="FF7D29">
+                        <a:alpha val="100000"/>
+                      </a:srgbClr>
+                    </a:solidFill>
+                  </a:tcPr>
+                </a:tc>
               </a:tr>
               <a:tr h="243582">
                 <a:tc>
@@ -7671,6 +9609,120 @@
                     </a:solidFill>
                   </a:tcPr>
                 </a:tc>
+                <a:tc>
+                  <a:txBody>
+                    <a:bodyPr/>
+                    <a:lstStyle/>
+                    <a:p>
+                      <a:pPr algn="ctr" marL="63500" marR="63500">
+                        <a:lnSpc>
+                          <a:spcPct val="100000"/>
+                        </a:lnSpc>
+                        <a:spcBef>
+                          <a:spcPts val="300"/>
+                        </a:spcBef>
+                        <a:spcAft>
+                          <a:spcPts val="300"/>
+                        </a:spcAft>
+                        <a:buNone/>
+                      </a:pPr>
+                      <a:r>
+                        <a:rPr cap="none" sz="1200" i="0" b="0" u="none">
+                          <a:solidFill>
+                            <a:srgbClr val="000000">
+                              <a:alpha val="100000"/>
+                            </a:srgbClr>
+                          </a:solidFill>
+                          <a:latin typeface="arial"/>
+                          <a:cs typeface="arial"/>
+                          <a:ea typeface="arial"/>
+                          <a:sym typeface="arial"/>
+                        </a:rPr>
+                        <a:t>1 (0.2%)</a:t>
+                      </a:r>
+                    </a:p>
+                  </a:txBody>
+                  <a:tcPr anchor="ctr" marB="38100" marT="38100" marR="0" marL="0">
+                    <a:lnL algn="ctr" cmpd="sng" cap="flat" w="0">
+                      <a:noFill/>
+                      <a:prstDash val="solid"/>
+                    </a:lnL>
+                    <a:lnR algn="ctr" cmpd="sng" cap="flat" w="0">
+                      <a:noFill/>
+                      <a:prstDash val="solid"/>
+                    </a:lnR>
+                    <a:lnT algn="ctr" cmpd="sng" cap="flat" w="0">
+                      <a:noFill/>
+                      <a:prstDash val="solid"/>
+                    </a:lnT>
+                    <a:lnB algn="ctr" cmpd="sng" cap="flat" w="0">
+                      <a:noFill/>
+                      <a:prstDash val="solid"/>
+                    </a:lnB>
+                    <a:solidFill>
+                      <a:srgbClr val="FFBD69">
+                        <a:alpha val="100000"/>
+                      </a:srgbClr>
+                    </a:solidFill>
+                  </a:tcPr>
+                </a:tc>
+                <a:tc>
+                  <a:txBody>
+                    <a:bodyPr/>
+                    <a:lstStyle/>
+                    <a:p>
+                      <a:pPr algn="ctr" marL="63500" marR="63500">
+                        <a:lnSpc>
+                          <a:spcPct val="100000"/>
+                        </a:lnSpc>
+                        <a:spcBef>
+                          <a:spcPts val="300"/>
+                        </a:spcBef>
+                        <a:spcAft>
+                          <a:spcPts val="300"/>
+                        </a:spcAft>
+                        <a:buNone/>
+                      </a:pPr>
+                      <a:r>
+                        <a:rPr cap="none" sz="1200" i="0" b="0" u="none">
+                          <a:solidFill>
+                            <a:srgbClr val="000000">
+                              <a:alpha val="100000"/>
+                            </a:srgbClr>
+                          </a:solidFill>
+                          <a:latin typeface="arial"/>
+                          <a:cs typeface="arial"/>
+                          <a:ea typeface="arial"/>
+                          <a:sym typeface="arial"/>
+                        </a:rPr>
+                        <a:t>1 (0.2%)</a:t>
+                      </a:r>
+                    </a:p>
+                  </a:txBody>
+                  <a:tcPr anchor="ctr" marB="38100" marT="38100" marR="0" marL="0">
+                    <a:lnL algn="ctr" cmpd="sng" cap="flat" w="0">
+                      <a:noFill/>
+                      <a:prstDash val="solid"/>
+                    </a:lnL>
+                    <a:lnR algn="ctr" cmpd="sng" cap="flat" w="0">
+                      <a:noFill/>
+                      <a:prstDash val="solid"/>
+                    </a:lnR>
+                    <a:lnT algn="ctr" cmpd="sng" cap="flat" w="0">
+                      <a:noFill/>
+                      <a:prstDash val="solid"/>
+                    </a:lnT>
+                    <a:lnB algn="ctr" cmpd="sng" cap="flat" w="0">
+                      <a:noFill/>
+                      <a:prstDash val="solid"/>
+                    </a:lnB>
+                    <a:solidFill>
+                      <a:srgbClr val="FFBD69">
+                        <a:alpha val="100000"/>
+                      </a:srgbClr>
+                    </a:solidFill>
+                  </a:tcPr>
+                </a:tc>
               </a:tr>
               <a:tr h="209500">
                 <a:tc>
@@ -7901,6 +9953,120 @@
                     </a:solidFill>
                   </a:tcPr>
                 </a:tc>
+                <a:tc>
+                  <a:txBody>
+                    <a:bodyPr/>
+                    <a:lstStyle/>
+                    <a:p>
+                      <a:pPr algn="ctr" marL="63500" marR="63500">
+                        <a:lnSpc>
+                          <a:spcPct val="100000"/>
+                        </a:lnSpc>
+                        <a:spcBef>
+                          <a:spcPts val="300"/>
+                        </a:spcBef>
+                        <a:spcAft>
+                          <a:spcPts val="300"/>
+                        </a:spcAft>
+                        <a:buNone/>
+                      </a:pPr>
+                      <a:r>
+                        <a:rPr cap="none" sz="1200" i="0" b="0" u="none">
+                          <a:solidFill>
+                            <a:srgbClr val="000000">
+                              <a:alpha val="100000"/>
+                            </a:srgbClr>
+                          </a:solidFill>
+                          <a:latin typeface="arial"/>
+                          <a:cs typeface="arial"/>
+                          <a:ea typeface="arial"/>
+                          <a:sym typeface="arial"/>
+                        </a:rPr>
+                        <a:t>0</a:t>
+                      </a:r>
+                    </a:p>
+                  </a:txBody>
+                  <a:tcPr anchor="ctr" marB="38100" marT="38100" marR="0" marL="0">
+                    <a:lnL algn="ctr" cmpd="sng" cap="flat" w="0">
+                      <a:noFill/>
+                      <a:prstDash val="solid"/>
+                    </a:lnL>
+                    <a:lnR algn="ctr" cmpd="sng" cap="flat" w="0">
+                      <a:noFill/>
+                      <a:prstDash val="solid"/>
+                    </a:lnR>
+                    <a:lnT algn="ctr" cmpd="sng" cap="flat" w="0">
+                      <a:noFill/>
+                      <a:prstDash val="solid"/>
+                    </a:lnT>
+                    <a:lnB algn="ctr" cmpd="sng" cap="flat" w="0">
+                      <a:noFill/>
+                      <a:prstDash val="solid"/>
+                    </a:lnB>
+                    <a:solidFill>
+                      <a:srgbClr val="FF7D29">
+                        <a:alpha val="100000"/>
+                      </a:srgbClr>
+                    </a:solidFill>
+                  </a:tcPr>
+                </a:tc>
+                <a:tc>
+                  <a:txBody>
+                    <a:bodyPr/>
+                    <a:lstStyle/>
+                    <a:p>
+                      <a:pPr algn="ctr" marL="63500" marR="63500">
+                        <a:lnSpc>
+                          <a:spcPct val="100000"/>
+                        </a:lnSpc>
+                        <a:spcBef>
+                          <a:spcPts val="300"/>
+                        </a:spcBef>
+                        <a:spcAft>
+                          <a:spcPts val="300"/>
+                        </a:spcAft>
+                        <a:buNone/>
+                      </a:pPr>
+                      <a:r>
+                        <a:rPr cap="none" sz="1200" i="0" b="0" u="none">
+                          <a:solidFill>
+                            <a:srgbClr val="000000">
+                              <a:alpha val="100000"/>
+                            </a:srgbClr>
+                          </a:solidFill>
+                          <a:latin typeface="arial"/>
+                          <a:cs typeface="arial"/>
+                          <a:ea typeface="arial"/>
+                          <a:sym typeface="arial"/>
+                        </a:rPr>
+                        <a:t>0</a:t>
+                      </a:r>
+                    </a:p>
+                  </a:txBody>
+                  <a:tcPr anchor="ctr" marB="38100" marT="38100" marR="0" marL="0">
+                    <a:lnL algn="ctr" cmpd="sng" cap="flat" w="0">
+                      <a:noFill/>
+                      <a:prstDash val="solid"/>
+                    </a:lnL>
+                    <a:lnR algn="ctr" cmpd="sng" cap="flat" w="0">
+                      <a:noFill/>
+                      <a:prstDash val="solid"/>
+                    </a:lnR>
+                    <a:lnT algn="ctr" cmpd="sng" cap="flat" w="0">
+                      <a:noFill/>
+                      <a:prstDash val="solid"/>
+                    </a:lnT>
+                    <a:lnB algn="ctr" cmpd="sng" cap="flat" w="0">
+                      <a:noFill/>
+                      <a:prstDash val="solid"/>
+                    </a:lnB>
+                    <a:solidFill>
+                      <a:srgbClr val="FF7D29">
+                        <a:alpha val="100000"/>
+                      </a:srgbClr>
+                    </a:solidFill>
+                  </a:tcPr>
+                </a:tc>
               </a:tr>
               <a:tr h="209500">
                 <a:tc>
@@ -8131,9 +10297,123 @@
                     </a:solidFill>
                   </a:tcPr>
                 </a:tc>
+                <a:tc>
+                  <a:txBody>
+                    <a:bodyPr/>
+                    <a:lstStyle/>
+                    <a:p>
+                      <a:pPr algn="ctr" marL="63500" marR="63500">
+                        <a:lnSpc>
+                          <a:spcPct val="100000"/>
+                        </a:lnSpc>
+                        <a:spcBef>
+                          <a:spcPts val="300"/>
+                        </a:spcBef>
+                        <a:spcAft>
+                          <a:spcPts val="300"/>
+                        </a:spcAft>
+                        <a:buNone/>
+                      </a:pPr>
+                      <a:r>
+                        <a:rPr cap="none" sz="1200" i="0" b="0" u="none">
+                          <a:solidFill>
+                            <a:srgbClr val="000000">
+                              <a:alpha val="100000"/>
+                            </a:srgbClr>
+                          </a:solidFill>
+                          <a:latin typeface="arial"/>
+                          <a:cs typeface="arial"/>
+                          <a:ea typeface="arial"/>
+                          <a:sym typeface="arial"/>
+                        </a:rPr>
+                        <a:t>0</a:t>
+                      </a:r>
+                    </a:p>
+                  </a:txBody>
+                  <a:tcPr anchor="ctr" marB="38100" marT="38100" marR="0" marL="0">
+                    <a:lnL algn="ctr" cmpd="sng" cap="flat" w="0">
+                      <a:noFill/>
+                      <a:prstDash val="solid"/>
+                    </a:lnL>
+                    <a:lnR algn="ctr" cmpd="sng" cap="flat" w="0">
+                      <a:noFill/>
+                      <a:prstDash val="solid"/>
+                    </a:lnR>
+                    <a:lnT algn="ctr" cmpd="sng" cap="flat" w="0">
+                      <a:noFill/>
+                      <a:prstDash val="solid"/>
+                    </a:lnT>
+                    <a:lnB algn="ctr" cmpd="sng" cap="flat" w="0">
+                      <a:noFill/>
+                      <a:prstDash val="solid"/>
+                    </a:lnB>
+                    <a:solidFill>
+                      <a:srgbClr val="FFBD69">
+                        <a:alpha val="100000"/>
+                      </a:srgbClr>
+                    </a:solidFill>
+                  </a:tcPr>
+                </a:tc>
+                <a:tc>
+                  <a:txBody>
+                    <a:bodyPr/>
+                    <a:lstStyle/>
+                    <a:p>
+                      <a:pPr algn="ctr" marL="63500" marR="63500">
+                        <a:lnSpc>
+                          <a:spcPct val="100000"/>
+                        </a:lnSpc>
+                        <a:spcBef>
+                          <a:spcPts val="300"/>
+                        </a:spcBef>
+                        <a:spcAft>
+                          <a:spcPts val="300"/>
+                        </a:spcAft>
+                        <a:buNone/>
+                      </a:pPr>
+                      <a:r>
+                        <a:rPr cap="none" sz="1200" i="0" b="0" u="none">
+                          <a:solidFill>
+                            <a:srgbClr val="000000">
+                              <a:alpha val="100000"/>
+                            </a:srgbClr>
+                          </a:solidFill>
+                          <a:latin typeface="arial"/>
+                          <a:cs typeface="arial"/>
+                          <a:ea typeface="arial"/>
+                          <a:sym typeface="arial"/>
+                        </a:rPr>
+                        <a:t>0</a:t>
+                      </a:r>
+                    </a:p>
+                  </a:txBody>
+                  <a:tcPr anchor="ctr" marB="38100" marT="38100" marR="0" marL="0">
+                    <a:lnL algn="ctr" cmpd="sng" cap="flat" w="0">
+                      <a:noFill/>
+                      <a:prstDash val="solid"/>
+                    </a:lnL>
+                    <a:lnR algn="ctr" cmpd="sng" cap="flat" w="0">
+                      <a:noFill/>
+                      <a:prstDash val="solid"/>
+                    </a:lnR>
+                    <a:lnT algn="ctr" cmpd="sng" cap="flat" w="0">
+                      <a:noFill/>
+                      <a:prstDash val="solid"/>
+                    </a:lnT>
+                    <a:lnB algn="ctr" cmpd="sng" cap="flat" w="0">
+                      <a:noFill/>
+                      <a:prstDash val="solid"/>
+                    </a:lnB>
+                    <a:solidFill>
+                      <a:srgbClr val="FFBD69">
+                        <a:alpha val="100000"/>
+                      </a:srgbClr>
+                    </a:solidFill>
+                  </a:tcPr>
+                </a:tc>
               </a:tr>
               <a:tr h="228600">
-                <a:tc gridSpan="4">
+                <a:tc gridSpan="6">
                   <a:txBody>
                     <a:bodyPr/>
                     <a:lstStyle/>
@@ -8205,6 +10485,142 @@
                           <a:sym typeface="DejaVu Sans"/>
                         </a:rPr>
                         <a:t>; </a:t>
+                      </a:r>
+                    </a:p>
+                  </a:txBody>
+                  <a:tcPr anchor="ctr" marB="63500" marT="63500" marR="0" marL="0">
+                    <a:lnL algn="ctr" cmpd="sng" cap="flat" w="0">
+                      <a:noFill/>
+                      <a:prstDash val="solid"/>
+                    </a:lnL>
+                    <a:lnR algn="ctr" cmpd="sng" cap="flat" w="0">
+                      <a:noFill/>
+                      <a:prstDash val="solid"/>
+                    </a:lnR>
+                    <a:lnT algn="ctr" cmpd="sng" cap="flat" w="0">
+                      <a:noFill/>
+                      <a:prstDash val="solid"/>
+                    </a:lnT>
+                    <a:lnB algn="ctr" cmpd="sng" cap="flat" w="0">
+                      <a:noFill/>
+                      <a:prstDash val="solid"/>
+                    </a:lnB>
+                    <a:solidFill>
+                      <a:srgbClr val="FFFFFF">
+                        <a:alpha val="0"/>
+                      </a:srgbClr>
+                    </a:solidFill>
+                  </a:tcPr>
+                </a:tc>
+                <a:tc hMerge="true">
+                  <a:txBody>
+                    <a:bodyPr/>
+                    <a:lstStyle/>
+                    <a:p>
+                      <a:pPr algn="l" marL="63500" marR="63500">
+                        <a:lnSpc>
+                          <a:spcPct val="100000"/>
+                        </a:lnSpc>
+                        <a:spcBef>
+                          <a:spcPts val="500"/>
+                        </a:spcBef>
+                        <a:spcAft>
+                          <a:spcPts val="500"/>
+                        </a:spcAft>
+                        <a:buNone/>
+                      </a:pPr>
+                      <a:endParaRPr cap="none" sz="1100" i="0" b="0" u="none">
+                        <a:solidFill>
+                          <a:srgbClr val="000000">
+                            <a:alpha val="100000"/>
+                          </a:srgbClr>
+                        </a:solidFill>
+                        <a:latin typeface="DejaVu Sans"/>
+                        <a:cs typeface="DejaVu Sans"/>
+                        <a:ea typeface="DejaVu Sans"/>
+                        <a:sym typeface="DejaVu Sans"/>
+                      </a:endParaRPr>
+                      <a:r>
+                        <a:rPr cap="none" sz="1100" i="0" b="0" u="none">
+                          <a:solidFill>
+                            <a:srgbClr val="000000">
+                              <a:alpha val="100000"/>
+                            </a:srgbClr>
+                          </a:solidFill>
+                          <a:latin typeface="DejaVu Sans"/>
+                          <a:cs typeface="DejaVu Sans"/>
+                          <a:ea typeface="DejaVu Sans"/>
+                          <a:sym typeface="DejaVu Sans"/>
+                        </a:rPr>
+                        <a:t/>
+                      </a:r>
+                    </a:p>
+                  </a:txBody>
+                  <a:tcPr anchor="ctr" marB="63500" marT="63500" marR="0" marL="0">
+                    <a:lnL algn="ctr" cmpd="sng" cap="flat" w="0">
+                      <a:noFill/>
+                      <a:prstDash val="solid"/>
+                    </a:lnL>
+                    <a:lnR algn="ctr" cmpd="sng" cap="flat" w="0">
+                      <a:noFill/>
+                      <a:prstDash val="solid"/>
+                    </a:lnR>
+                    <a:lnT algn="ctr" cmpd="sng" cap="flat" w="0">
+                      <a:noFill/>
+                      <a:prstDash val="solid"/>
+                    </a:lnT>
+                    <a:lnB algn="ctr" cmpd="sng" cap="flat" w="0">
+                      <a:noFill/>
+                      <a:prstDash val="solid"/>
+                    </a:lnB>
+                    <a:solidFill>
+                      <a:srgbClr val="FFFFFF">
+                        <a:alpha val="0"/>
+                      </a:srgbClr>
+                    </a:solidFill>
+                  </a:tcPr>
+                </a:tc>
+                <a:tc hMerge="true">
+                  <a:txBody>
+                    <a:bodyPr/>
+                    <a:lstStyle/>
+                    <a:p>
+                      <a:pPr algn="l" marL="63500" marR="63500">
+                        <a:lnSpc>
+                          <a:spcPct val="100000"/>
+                        </a:lnSpc>
+                        <a:spcBef>
+                          <a:spcPts val="500"/>
+                        </a:spcBef>
+                        <a:spcAft>
+                          <a:spcPts val="500"/>
+                        </a:spcAft>
+                        <a:buNone/>
+                      </a:pPr>
+                      <a:endParaRPr cap="none" sz="1100" i="0" b="0" u="none">
+                        <a:solidFill>
+                          <a:srgbClr val="000000">
+                            <a:alpha val="100000"/>
+                          </a:srgbClr>
+                        </a:solidFill>
+                        <a:latin typeface="DejaVu Sans"/>
+                        <a:cs typeface="DejaVu Sans"/>
+                        <a:ea typeface="DejaVu Sans"/>
+                        <a:sym typeface="DejaVu Sans"/>
+                      </a:endParaRPr>
+                      <a:r>
+                        <a:rPr cap="none" sz="1100" i="0" b="0" u="none">
+                          <a:solidFill>
+                            <a:srgbClr val="000000">
+                              <a:alpha val="100000"/>
+                            </a:srgbClr>
+                          </a:solidFill>
+                          <a:latin typeface="DejaVu Sans"/>
+                          <a:cs typeface="DejaVu Sans"/>
+                          <a:ea typeface="DejaVu Sans"/>
+                          <a:sym typeface="DejaVu Sans"/>
+                        </a:rPr>
+                        <a:t/>
                       </a:r>
                     </a:p>
                   </a:txBody>
@@ -8524,7 +10940,7 @@
           <p:nvPr/>
         </p:nvGraphicFramePr>
         <p:xfrm rot="0">
-          <a:off x="2175277" y="1165860"/>
+          <a:off x="1079504" y="1165860"/>
           <a:ext cx="3657600" cy="2743200"/>
         </p:xfrm>
         <a:graphic>
@@ -8532,10 +10948,12 @@
             <a:tbl>
               <a:tblPr/>
               <a:tblGrid>
-                <a:gridCol w="3986594"/>
-                <a:gridCol w="1284951"/>
-                <a:gridCol w="1284951"/>
-                <a:gridCol w="1284951"/>
+                <a:gridCol w="3720066"/>
+                <a:gridCol w="1262585"/>
+                <a:gridCol w="1262585"/>
+                <a:gridCol w="1262585"/>
+                <a:gridCol w="1262585"/>
+                <a:gridCol w="1262585"/>
               </a:tblGrid>
               <a:tr h="261603">
                 <a:tc>
@@ -8753,6 +11171,120 @@
                           <a:sym typeface="arial"/>
                         </a:rPr>
                         <a:t>C: Combination</a:t>
+                      </a:r>
+                    </a:p>
+                  </a:txBody>
+                  <a:tcPr anchor="ctr" marB="38100" marT="38100" marR="0" marL="0">
+                    <a:lnL algn="ctr" cmpd="sng" cap="flat" w="0">
+                      <a:noFill/>
+                      <a:prstDash val="solid"/>
+                    </a:lnL>
+                    <a:lnR algn="ctr" cmpd="sng" cap="flat" w="0">
+                      <a:noFill/>
+                      <a:prstDash val="solid"/>
+                    </a:lnR>
+                    <a:lnT algn="ctr" cmpd="sng" cap="flat" w="0">
+                      <a:noFill/>
+                      <a:prstDash val="solid"/>
+                    </a:lnT>
+                    <a:lnB algn="ctr" cmpd="sng" cap="flat" w="0">
+                      <a:noFill/>
+                      <a:prstDash val="solid"/>
+                    </a:lnB>
+                    <a:solidFill>
+                      <a:srgbClr val="ED4A0D">
+                        <a:alpha val="100000"/>
+                      </a:srgbClr>
+                    </a:solidFill>
+                  </a:tcPr>
+                </a:tc>
+                <a:tc>
+                  <a:txBody>
+                    <a:bodyPr/>
+                    <a:lstStyle/>
+                    <a:p>
+                      <a:pPr algn="ctr" marL="63500" marR="63500">
+                        <a:lnSpc>
+                          <a:spcPct val="100000"/>
+                        </a:lnSpc>
+                        <a:spcBef>
+                          <a:spcPts val="300"/>
+                        </a:spcBef>
+                        <a:spcAft>
+                          <a:spcPts val="300"/>
+                        </a:spcAft>
+                        <a:buNone/>
+                      </a:pPr>
+                      <a:r>
+                        <a:rPr cap="none" sz="1400" i="0" b="1" u="none">
+                          <a:solidFill>
+                            <a:srgbClr val="FFFFFF">
+                              <a:alpha val="100000"/>
+                            </a:srgbClr>
+                          </a:solidFill>
+                          <a:latin typeface="arial"/>
+                          <a:cs typeface="arial"/>
+                          <a:ea typeface="arial"/>
+                          <a:sym typeface="arial"/>
+                        </a:rPr>
+                        <a:t>All Patients</a:t>
+                      </a:r>
+                    </a:p>
+                  </a:txBody>
+                  <a:tcPr anchor="ctr" marB="38100" marT="38100" marR="0" marL="0">
+                    <a:lnL algn="ctr" cmpd="sng" cap="flat" w="0">
+                      <a:noFill/>
+                      <a:prstDash val="solid"/>
+                    </a:lnL>
+                    <a:lnR algn="ctr" cmpd="sng" cap="flat" w="0">
+                      <a:noFill/>
+                      <a:prstDash val="solid"/>
+                    </a:lnR>
+                    <a:lnT algn="ctr" cmpd="sng" cap="flat" w="0">
+                      <a:noFill/>
+                      <a:prstDash val="solid"/>
+                    </a:lnT>
+                    <a:lnB algn="ctr" cmpd="sng" cap="flat" w="0">
+                      <a:noFill/>
+                      <a:prstDash val="solid"/>
+                    </a:lnB>
+                    <a:solidFill>
+                      <a:srgbClr val="ED4A0D">
+                        <a:alpha val="100000"/>
+                      </a:srgbClr>
+                    </a:solidFill>
+                  </a:tcPr>
+                </a:tc>
+                <a:tc>
+                  <a:txBody>
+                    <a:bodyPr/>
+                    <a:lstStyle/>
+                    <a:p>
+                      <a:pPr algn="ctr" marL="63500" marR="63500">
+                        <a:lnSpc>
+                          <a:spcPct val="100000"/>
+                        </a:lnSpc>
+                        <a:spcBef>
+                          <a:spcPts val="300"/>
+                        </a:spcBef>
+                        <a:spcAft>
+                          <a:spcPts val="300"/>
+                        </a:spcAft>
+                        <a:buNone/>
+                      </a:pPr>
+                      <a:r>
+                        <a:rPr cap="none" sz="1400" i="0" b="1" u="none">
+                          <a:solidFill>
+                            <a:srgbClr val="FFFFFF">
+                              <a:alpha val="100000"/>
+                            </a:srgbClr>
+                          </a:solidFill>
+                          <a:latin typeface="arial"/>
+                          <a:cs typeface="arial"/>
+                          <a:ea typeface="arial"/>
+                          <a:sym typeface="arial"/>
+                        </a:rPr>
+                        <a:t>All Patients</a:t>
                       </a:r>
                     </a:p>
                   </a:txBody>
@@ -9043,985 +11575,6 @@
                     </a:solidFill>
                   </a:tcPr>
                 </a:tc>
-              </a:tr>
-              <a:tr h="243582">
-                <a:tc>
-                  <a:txBody>
-                    <a:bodyPr/>
-                    <a:lstStyle/>
-                    <a:p>
-                      <a:pPr algn="l" marL="127000" marR="63500">
-                        <a:lnSpc>
-                          <a:spcPct val="100000"/>
-                        </a:lnSpc>
-                        <a:spcBef>
-                          <a:spcPts val="300"/>
-                        </a:spcBef>
-                        <a:spcAft>
-                          <a:spcPts val="300"/>
-                        </a:spcAft>
-                        <a:buNone/>
-                      </a:pPr>
-                      <a:r>
-                        <a:rPr cap="none" sz="1200" i="0" b="0" u="none">
-                          <a:solidFill>
-                            <a:srgbClr val="000000">
-                              <a:alpha val="100000"/>
-                            </a:srgbClr>
-                          </a:solidFill>
-                          <a:latin typeface="arial"/>
-                          <a:cs typeface="arial"/>
-                          <a:ea typeface="arial"/>
-                          <a:sym typeface="arial"/>
-                        </a:rPr>
-                        <a:t> NOT REPORTED</a:t>
-                      </a:r>
-                    </a:p>
-                  </a:txBody>
-                  <a:tcPr anchor="ctr" marB="38100" marT="38100" marR="0" marL="0">
-                    <a:lnL algn="ctr" cmpd="sng" cap="flat" w="0">
-                      <a:noFill/>
-                      <a:prstDash val="solid"/>
-                    </a:lnL>
-                    <a:lnR algn="ctr" cmpd="sng" cap="flat" w="0">
-                      <a:noFill/>
-                      <a:prstDash val="solid"/>
-                    </a:lnR>
-                    <a:lnT algn="ctr" cmpd="sng" cap="flat" w="0">
-                      <a:noFill/>
-                      <a:prstDash val="solid"/>
-                    </a:lnT>
-                    <a:lnB algn="ctr" cmpd="sng" cap="flat" w="0">
-                      <a:noFill/>
-                      <a:prstDash val="solid"/>
-                    </a:lnB>
-                    <a:solidFill>
-                      <a:srgbClr val="FFBD69">
-                        <a:alpha val="100000"/>
-                      </a:srgbClr>
-                    </a:solidFill>
-                  </a:tcPr>
-                </a:tc>
-                <a:tc>
-                  <a:txBody>
-                    <a:bodyPr/>
-                    <a:lstStyle/>
-                    <a:p>
-                      <a:pPr algn="ctr" marL="63500" marR="63500">
-                        <a:lnSpc>
-                          <a:spcPct val="100000"/>
-                        </a:lnSpc>
-                        <a:spcBef>
-                          <a:spcPts val="300"/>
-                        </a:spcBef>
-                        <a:spcAft>
-                          <a:spcPts val="300"/>
-                        </a:spcAft>
-                        <a:buNone/>
-                      </a:pPr>
-                      <a:r>
-                        <a:rPr cap="none" sz="1200" i="0" b="0" u="none">
-                          <a:solidFill>
-                            <a:srgbClr val="000000">
-                              <a:alpha val="100000"/>
-                            </a:srgbClr>
-                          </a:solidFill>
-                          <a:latin typeface="arial"/>
-                          <a:cs typeface="arial"/>
-                          <a:ea typeface="arial"/>
-                          <a:sym typeface="arial"/>
-                        </a:rPr>
-                        <a:t>6 (4.5%)</a:t>
-                      </a:r>
-                    </a:p>
-                  </a:txBody>
-                  <a:tcPr anchor="ctr" marB="38100" marT="38100" marR="0" marL="0">
-                    <a:lnL algn="ctr" cmpd="sng" cap="flat" w="0">
-                      <a:noFill/>
-                      <a:prstDash val="solid"/>
-                    </a:lnL>
-                    <a:lnR algn="ctr" cmpd="sng" cap="flat" w="0">
-                      <a:noFill/>
-                      <a:prstDash val="solid"/>
-                    </a:lnR>
-                    <a:lnT algn="ctr" cmpd="sng" cap="flat" w="0">
-                      <a:noFill/>
-                      <a:prstDash val="solid"/>
-                    </a:lnT>
-                    <a:lnB algn="ctr" cmpd="sng" cap="flat" w="0">
-                      <a:noFill/>
-                      <a:prstDash val="solid"/>
-                    </a:lnB>
-                    <a:solidFill>
-                      <a:srgbClr val="FFBD69">
-                        <a:alpha val="100000"/>
-                      </a:srgbClr>
-                    </a:solidFill>
-                  </a:tcPr>
-                </a:tc>
-                <a:tc>
-                  <a:txBody>
-                    <a:bodyPr/>
-                    <a:lstStyle/>
-                    <a:p>
-                      <a:pPr algn="ctr" marL="63500" marR="63500">
-                        <a:lnSpc>
-                          <a:spcPct val="100000"/>
-                        </a:lnSpc>
-                        <a:spcBef>
-                          <a:spcPts val="300"/>
-                        </a:spcBef>
-                        <a:spcAft>
-                          <a:spcPts val="300"/>
-                        </a:spcAft>
-                        <a:buNone/>
-                      </a:pPr>
-                      <a:r>
-                        <a:rPr cap="none" sz="1200" i="0" b="0" u="none">
-                          <a:solidFill>
-                            <a:srgbClr val="000000">
-                              <a:alpha val="100000"/>
-                            </a:srgbClr>
-                          </a:solidFill>
-                          <a:latin typeface="arial"/>
-                          <a:cs typeface="arial"/>
-                          <a:ea typeface="arial"/>
-                          <a:sym typeface="arial"/>
-                        </a:rPr>
-                        <a:t>10 (7.5%)</a:t>
-                      </a:r>
-                    </a:p>
-                  </a:txBody>
-                  <a:tcPr anchor="ctr" marB="38100" marT="38100" marR="0" marL="0">
-                    <a:lnL algn="ctr" cmpd="sng" cap="flat" w="0">
-                      <a:noFill/>
-                      <a:prstDash val="solid"/>
-                    </a:lnL>
-                    <a:lnR algn="ctr" cmpd="sng" cap="flat" w="0">
-                      <a:noFill/>
-                      <a:prstDash val="solid"/>
-                    </a:lnR>
-                    <a:lnT algn="ctr" cmpd="sng" cap="flat" w="0">
-                      <a:noFill/>
-                      <a:prstDash val="solid"/>
-                    </a:lnT>
-                    <a:lnB algn="ctr" cmpd="sng" cap="flat" w="0">
-                      <a:noFill/>
-                      <a:prstDash val="solid"/>
-                    </a:lnB>
-                    <a:solidFill>
-                      <a:srgbClr val="FFBD69">
-                        <a:alpha val="100000"/>
-                      </a:srgbClr>
-                    </a:solidFill>
-                  </a:tcPr>
-                </a:tc>
-                <a:tc>
-                  <a:txBody>
-                    <a:bodyPr/>
-                    <a:lstStyle/>
-                    <a:p>
-                      <a:pPr algn="ctr" marL="63500" marR="63500">
-                        <a:lnSpc>
-                          <a:spcPct val="100000"/>
-                        </a:lnSpc>
-                        <a:spcBef>
-                          <a:spcPts val="300"/>
-                        </a:spcBef>
-                        <a:spcAft>
-                          <a:spcPts val="300"/>
-                        </a:spcAft>
-                        <a:buNone/>
-                      </a:pPr>
-                      <a:r>
-                        <a:rPr cap="none" sz="1200" i="0" b="0" u="none">
-                          <a:solidFill>
-                            <a:srgbClr val="000000">
-                              <a:alpha val="100000"/>
-                            </a:srgbClr>
-                          </a:solidFill>
-                          <a:latin typeface="arial"/>
-                          <a:cs typeface="arial"/>
-                          <a:ea typeface="arial"/>
-                          <a:sym typeface="arial"/>
-                        </a:rPr>
-                        <a:t>11 (8.3%)</a:t>
-                      </a:r>
-                    </a:p>
-                  </a:txBody>
-                  <a:tcPr anchor="ctr" marB="38100" marT="38100" marR="0" marL="0">
-                    <a:lnL algn="ctr" cmpd="sng" cap="flat" w="0">
-                      <a:noFill/>
-                      <a:prstDash val="solid"/>
-                    </a:lnL>
-                    <a:lnR algn="ctr" cmpd="sng" cap="flat" w="0">
-                      <a:noFill/>
-                      <a:prstDash val="solid"/>
-                    </a:lnR>
-                    <a:lnT algn="ctr" cmpd="sng" cap="flat" w="0">
-                      <a:noFill/>
-                      <a:prstDash val="solid"/>
-                    </a:lnT>
-                    <a:lnB algn="ctr" cmpd="sng" cap="flat" w="0">
-                      <a:noFill/>
-                      <a:prstDash val="solid"/>
-                    </a:lnB>
-                    <a:solidFill>
-                      <a:srgbClr val="FFBD69">
-                        <a:alpha val="100000"/>
-                      </a:srgbClr>
-                    </a:solidFill>
-                  </a:tcPr>
-                </a:tc>
-              </a:tr>
-              <a:tr h="243582">
-                <a:tc>
-                  <a:txBody>
-                    <a:bodyPr/>
-                    <a:lstStyle/>
-                    <a:p>
-                      <a:pPr algn="l" marL="127000" marR="63500">
-                        <a:lnSpc>
-                          <a:spcPct val="100000"/>
-                        </a:lnSpc>
-                        <a:spcBef>
-                          <a:spcPts val="300"/>
-                        </a:spcBef>
-                        <a:spcAft>
-                          <a:spcPts val="300"/>
-                        </a:spcAft>
-                        <a:buNone/>
-                      </a:pPr>
-                      <a:r>
-                        <a:rPr cap="none" sz="1200" i="0" b="0" u="none">
-                          <a:solidFill>
-                            <a:srgbClr val="000000">
-                              <a:alpha val="100000"/>
-                            </a:srgbClr>
-                          </a:solidFill>
-                          <a:latin typeface="arial"/>
-                          <a:cs typeface="arial"/>
-                          <a:ea typeface="arial"/>
-                          <a:sym typeface="arial"/>
-                        </a:rPr>
-                        <a:t>HISPANIC OR LATINO</a:t>
-                      </a:r>
-                    </a:p>
-                  </a:txBody>
-                  <a:tcPr anchor="ctr" marB="38100" marT="38100" marR="0" marL="0">
-                    <a:lnL algn="ctr" cmpd="sng" cap="flat" w="0">
-                      <a:noFill/>
-                      <a:prstDash val="solid"/>
-                    </a:lnL>
-                    <a:lnR algn="ctr" cmpd="sng" cap="flat" w="0">
-                      <a:noFill/>
-                      <a:prstDash val="solid"/>
-                    </a:lnR>
-                    <a:lnT algn="ctr" cmpd="sng" cap="flat" w="0">
-                      <a:noFill/>
-                      <a:prstDash val="solid"/>
-                    </a:lnT>
-                    <a:lnB algn="ctr" cmpd="sng" cap="flat" w="0">
-                      <a:noFill/>
-                      <a:prstDash val="solid"/>
-                    </a:lnB>
-                    <a:solidFill>
-                      <a:srgbClr val="FF7D29">
-                        <a:alpha val="100000"/>
-                      </a:srgbClr>
-                    </a:solidFill>
-                  </a:tcPr>
-                </a:tc>
-                <a:tc>
-                  <a:txBody>
-                    <a:bodyPr/>
-                    <a:lstStyle/>
-                    <a:p>
-                      <a:pPr algn="ctr" marL="63500" marR="63500">
-                        <a:lnSpc>
-                          <a:spcPct val="100000"/>
-                        </a:lnSpc>
-                        <a:spcBef>
-                          <a:spcPts val="300"/>
-                        </a:spcBef>
-                        <a:spcAft>
-                          <a:spcPts val="300"/>
-                        </a:spcAft>
-                        <a:buNone/>
-                      </a:pPr>
-                      <a:r>
-                        <a:rPr cap="none" sz="1200" i="0" b="0" u="none">
-                          <a:solidFill>
-                            <a:srgbClr val="000000">
-                              <a:alpha val="100000"/>
-                            </a:srgbClr>
-                          </a:solidFill>
-                          <a:latin typeface="arial"/>
-                          <a:cs typeface="arial"/>
-                          <a:ea typeface="arial"/>
-                          <a:sym typeface="arial"/>
-                        </a:rPr>
-                        <a:t>15 (11.2%)</a:t>
-                      </a:r>
-                    </a:p>
-                  </a:txBody>
-                  <a:tcPr anchor="ctr" marB="38100" marT="38100" marR="0" marL="0">
-                    <a:lnL algn="ctr" cmpd="sng" cap="flat" w="0">
-                      <a:noFill/>
-                      <a:prstDash val="solid"/>
-                    </a:lnL>
-                    <a:lnR algn="ctr" cmpd="sng" cap="flat" w="0">
-                      <a:noFill/>
-                      <a:prstDash val="solid"/>
-                    </a:lnR>
-                    <a:lnT algn="ctr" cmpd="sng" cap="flat" w="0">
-                      <a:noFill/>
-                      <a:prstDash val="solid"/>
-                    </a:lnT>
-                    <a:lnB algn="ctr" cmpd="sng" cap="flat" w="0">
-                      <a:noFill/>
-                      <a:prstDash val="solid"/>
-                    </a:lnB>
-                    <a:solidFill>
-                      <a:srgbClr val="FF7D29">
-                        <a:alpha val="100000"/>
-                      </a:srgbClr>
-                    </a:solidFill>
-                  </a:tcPr>
-                </a:tc>
-                <a:tc>
-                  <a:txBody>
-                    <a:bodyPr/>
-                    <a:lstStyle/>
-                    <a:p>
-                      <a:pPr algn="ctr" marL="63500" marR="63500">
-                        <a:lnSpc>
-                          <a:spcPct val="100000"/>
-                        </a:lnSpc>
-                        <a:spcBef>
-                          <a:spcPts val="300"/>
-                        </a:spcBef>
-                        <a:spcAft>
-                          <a:spcPts val="300"/>
-                        </a:spcAft>
-                        <a:buNone/>
-                      </a:pPr>
-                      <a:r>
-                        <a:rPr cap="none" sz="1200" i="0" b="0" u="none">
-                          <a:solidFill>
-                            <a:srgbClr val="000000">
-                              <a:alpha val="100000"/>
-                            </a:srgbClr>
-                          </a:solidFill>
-                          <a:latin typeface="arial"/>
-                          <a:cs typeface="arial"/>
-                          <a:ea typeface="arial"/>
-                          <a:sym typeface="arial"/>
-                        </a:rPr>
-                        <a:t>18 (13.4%)</a:t>
-                      </a:r>
-                    </a:p>
-                  </a:txBody>
-                  <a:tcPr anchor="ctr" marB="38100" marT="38100" marR="0" marL="0">
-                    <a:lnL algn="ctr" cmpd="sng" cap="flat" w="0">
-                      <a:noFill/>
-                      <a:prstDash val="solid"/>
-                    </a:lnL>
-                    <a:lnR algn="ctr" cmpd="sng" cap="flat" w="0">
-                      <a:noFill/>
-                      <a:prstDash val="solid"/>
-                    </a:lnR>
-                    <a:lnT algn="ctr" cmpd="sng" cap="flat" w="0">
-                      <a:noFill/>
-                      <a:prstDash val="solid"/>
-                    </a:lnT>
-                    <a:lnB algn="ctr" cmpd="sng" cap="flat" w="0">
-                      <a:noFill/>
-                      <a:prstDash val="solid"/>
-                    </a:lnB>
-                    <a:solidFill>
-                      <a:srgbClr val="FF7D29">
-                        <a:alpha val="100000"/>
-                      </a:srgbClr>
-                    </a:solidFill>
-                  </a:tcPr>
-                </a:tc>
-                <a:tc>
-                  <a:txBody>
-                    <a:bodyPr/>
-                    <a:lstStyle/>
-                    <a:p>
-                      <a:pPr algn="ctr" marL="63500" marR="63500">
-                        <a:lnSpc>
-                          <a:spcPct val="100000"/>
-                        </a:lnSpc>
-                        <a:spcBef>
-                          <a:spcPts val="300"/>
-                        </a:spcBef>
-                        <a:spcAft>
-                          <a:spcPts val="300"/>
-                        </a:spcAft>
-                        <a:buNone/>
-                      </a:pPr>
-                      <a:r>
-                        <a:rPr cap="none" sz="1200" i="0" b="0" u="none">
-                          <a:solidFill>
-                            <a:srgbClr val="000000">
-                              <a:alpha val="100000"/>
-                            </a:srgbClr>
-                          </a:solidFill>
-                          <a:latin typeface="arial"/>
-                          <a:cs typeface="arial"/>
-                          <a:ea typeface="arial"/>
-                          <a:sym typeface="arial"/>
-                        </a:rPr>
-                        <a:t>15 (11.4%)</a:t>
-                      </a:r>
-                    </a:p>
-                  </a:txBody>
-                  <a:tcPr anchor="ctr" marB="38100" marT="38100" marR="0" marL="0">
-                    <a:lnL algn="ctr" cmpd="sng" cap="flat" w="0">
-                      <a:noFill/>
-                      <a:prstDash val="solid"/>
-                    </a:lnL>
-                    <a:lnR algn="ctr" cmpd="sng" cap="flat" w="0">
-                      <a:noFill/>
-                      <a:prstDash val="solid"/>
-                    </a:lnR>
-                    <a:lnT algn="ctr" cmpd="sng" cap="flat" w="0">
-                      <a:noFill/>
-                      <a:prstDash val="solid"/>
-                    </a:lnT>
-                    <a:lnB algn="ctr" cmpd="sng" cap="flat" w="0">
-                      <a:noFill/>
-                      <a:prstDash val="solid"/>
-                    </a:lnB>
-                    <a:solidFill>
-                      <a:srgbClr val="FF7D29">
-                        <a:alpha val="100000"/>
-                      </a:srgbClr>
-                    </a:solidFill>
-                  </a:tcPr>
-                </a:tc>
-              </a:tr>
-              <a:tr h="243582">
-                <a:tc>
-                  <a:txBody>
-                    <a:bodyPr/>
-                    <a:lstStyle/>
-                    <a:p>
-                      <a:pPr algn="l" marL="127000" marR="63500">
-                        <a:lnSpc>
-                          <a:spcPct val="100000"/>
-                        </a:lnSpc>
-                        <a:spcBef>
-                          <a:spcPts val="300"/>
-                        </a:spcBef>
-                        <a:spcAft>
-                          <a:spcPts val="300"/>
-                        </a:spcAft>
-                        <a:buNone/>
-                      </a:pPr>
-                      <a:r>
-                        <a:rPr cap="none" sz="1200" i="0" b="0" u="none">
-                          <a:solidFill>
-                            <a:srgbClr val="000000">
-                              <a:alpha val="100000"/>
-                            </a:srgbClr>
-                          </a:solidFill>
-                          <a:latin typeface="arial"/>
-                          <a:cs typeface="arial"/>
-                          <a:ea typeface="arial"/>
-                          <a:sym typeface="arial"/>
-                        </a:rPr>
-                        <a:t>NOT HISPANIC OR LATINO</a:t>
-                      </a:r>
-                    </a:p>
-                  </a:txBody>
-                  <a:tcPr anchor="ctr" marB="38100" marT="38100" marR="0" marL="0">
-                    <a:lnL algn="ctr" cmpd="sng" cap="flat" w="0">
-                      <a:noFill/>
-                      <a:prstDash val="solid"/>
-                    </a:lnL>
-                    <a:lnR algn="ctr" cmpd="sng" cap="flat" w="0">
-                      <a:noFill/>
-                      <a:prstDash val="solid"/>
-                    </a:lnR>
-                    <a:lnT algn="ctr" cmpd="sng" cap="flat" w="0">
-                      <a:noFill/>
-                      <a:prstDash val="solid"/>
-                    </a:lnT>
-                    <a:lnB algn="ctr" cmpd="sng" cap="flat" w="0">
-                      <a:noFill/>
-                      <a:prstDash val="solid"/>
-                    </a:lnB>
-                    <a:solidFill>
-                      <a:srgbClr val="FFBD69">
-                        <a:alpha val="100000"/>
-                      </a:srgbClr>
-                    </a:solidFill>
-                  </a:tcPr>
-                </a:tc>
-                <a:tc>
-                  <a:txBody>
-                    <a:bodyPr/>
-                    <a:lstStyle/>
-                    <a:p>
-                      <a:pPr algn="ctr" marL="63500" marR="63500">
-                        <a:lnSpc>
-                          <a:spcPct val="100000"/>
-                        </a:lnSpc>
-                        <a:spcBef>
-                          <a:spcPts val="300"/>
-                        </a:spcBef>
-                        <a:spcAft>
-                          <a:spcPts val="300"/>
-                        </a:spcAft>
-                        <a:buNone/>
-                      </a:pPr>
-                      <a:r>
-                        <a:rPr cap="none" sz="1200" i="0" b="0" u="none">
-                          <a:solidFill>
-                            <a:srgbClr val="000000">
-                              <a:alpha val="100000"/>
-                            </a:srgbClr>
-                          </a:solidFill>
-                          <a:latin typeface="arial"/>
-                          <a:cs typeface="arial"/>
-                          <a:ea typeface="arial"/>
-                          <a:sym typeface="arial"/>
-                        </a:rPr>
-                        <a:t>104 (77.6%)</a:t>
-                      </a:r>
-                    </a:p>
-                  </a:txBody>
-                  <a:tcPr anchor="ctr" marB="38100" marT="38100" marR="0" marL="0">
-                    <a:lnL algn="ctr" cmpd="sng" cap="flat" w="0">
-                      <a:noFill/>
-                      <a:prstDash val="solid"/>
-                    </a:lnL>
-                    <a:lnR algn="ctr" cmpd="sng" cap="flat" w="0">
-                      <a:noFill/>
-                      <a:prstDash val="solid"/>
-                    </a:lnR>
-                    <a:lnT algn="ctr" cmpd="sng" cap="flat" w="0">
-                      <a:noFill/>
-                      <a:prstDash val="solid"/>
-                    </a:lnT>
-                    <a:lnB algn="ctr" cmpd="sng" cap="flat" w="0">
-                      <a:noFill/>
-                      <a:prstDash val="solid"/>
-                    </a:lnB>
-                    <a:solidFill>
-                      <a:srgbClr val="FFBD69">
-                        <a:alpha val="100000"/>
-                      </a:srgbClr>
-                    </a:solidFill>
-                  </a:tcPr>
-                </a:tc>
-                <a:tc>
-                  <a:txBody>
-                    <a:bodyPr/>
-                    <a:lstStyle/>
-                    <a:p>
-                      <a:pPr algn="ctr" marL="63500" marR="63500">
-                        <a:lnSpc>
-                          <a:spcPct val="100000"/>
-                        </a:lnSpc>
-                        <a:spcBef>
-                          <a:spcPts val="300"/>
-                        </a:spcBef>
-                        <a:spcAft>
-                          <a:spcPts val="300"/>
-                        </a:spcAft>
-                        <a:buNone/>
-                      </a:pPr>
-                      <a:r>
-                        <a:rPr cap="none" sz="1200" i="0" b="0" u="none">
-                          <a:solidFill>
-                            <a:srgbClr val="000000">
-                              <a:alpha val="100000"/>
-                            </a:srgbClr>
-                          </a:solidFill>
-                          <a:latin typeface="arial"/>
-                          <a:cs typeface="arial"/>
-                          <a:ea typeface="arial"/>
-                          <a:sym typeface="arial"/>
-                        </a:rPr>
-                        <a:t>103 (76.9%)</a:t>
-                      </a:r>
-                    </a:p>
-                  </a:txBody>
-                  <a:tcPr anchor="ctr" marB="38100" marT="38100" marR="0" marL="0">
-                    <a:lnL algn="ctr" cmpd="sng" cap="flat" w="0">
-                      <a:noFill/>
-                      <a:prstDash val="solid"/>
-                    </a:lnL>
-                    <a:lnR algn="ctr" cmpd="sng" cap="flat" w="0">
-                      <a:noFill/>
-                      <a:prstDash val="solid"/>
-                    </a:lnR>
-                    <a:lnT algn="ctr" cmpd="sng" cap="flat" w="0">
-                      <a:noFill/>
-                      <a:prstDash val="solid"/>
-                    </a:lnT>
-                    <a:lnB algn="ctr" cmpd="sng" cap="flat" w="0">
-                      <a:noFill/>
-                      <a:prstDash val="solid"/>
-                    </a:lnB>
-                    <a:solidFill>
-                      <a:srgbClr val="FFBD69">
-                        <a:alpha val="100000"/>
-                      </a:srgbClr>
-                    </a:solidFill>
-                  </a:tcPr>
-                </a:tc>
-                <a:tc>
-                  <a:txBody>
-                    <a:bodyPr/>
-                    <a:lstStyle/>
-                    <a:p>
-                      <a:pPr algn="ctr" marL="63500" marR="63500">
-                        <a:lnSpc>
-                          <a:spcPct val="100000"/>
-                        </a:lnSpc>
-                        <a:spcBef>
-                          <a:spcPts val="300"/>
-                        </a:spcBef>
-                        <a:spcAft>
-                          <a:spcPts val="300"/>
-                        </a:spcAft>
-                        <a:buNone/>
-                      </a:pPr>
-                      <a:r>
-                        <a:rPr cap="none" sz="1200" i="0" b="0" u="none">
-                          <a:solidFill>
-                            <a:srgbClr val="000000">
-                              <a:alpha val="100000"/>
-                            </a:srgbClr>
-                          </a:solidFill>
-                          <a:latin typeface="arial"/>
-                          <a:cs typeface="arial"/>
-                          <a:ea typeface="arial"/>
-                          <a:sym typeface="arial"/>
-                        </a:rPr>
-                        <a:t>101 (76.5%)</a:t>
-                      </a:r>
-                    </a:p>
-                  </a:txBody>
-                  <a:tcPr anchor="ctr" marB="38100" marT="38100" marR="0" marL="0">
-                    <a:lnL algn="ctr" cmpd="sng" cap="flat" w="0">
-                      <a:noFill/>
-                      <a:prstDash val="solid"/>
-                    </a:lnL>
-                    <a:lnR algn="ctr" cmpd="sng" cap="flat" w="0">
-                      <a:noFill/>
-                      <a:prstDash val="solid"/>
-                    </a:lnR>
-                    <a:lnT algn="ctr" cmpd="sng" cap="flat" w="0">
-                      <a:noFill/>
-                      <a:prstDash val="solid"/>
-                    </a:lnT>
-                    <a:lnB algn="ctr" cmpd="sng" cap="flat" w="0">
-                      <a:noFill/>
-                      <a:prstDash val="solid"/>
-                    </a:lnB>
-                    <a:solidFill>
-                      <a:srgbClr val="FFBD69">
-                        <a:alpha val="100000"/>
-                      </a:srgbClr>
-                    </a:solidFill>
-                  </a:tcPr>
-                </a:tc>
-              </a:tr>
-              <a:tr h="243582">
-                <a:tc>
-                  <a:txBody>
-                    <a:bodyPr/>
-                    <a:lstStyle/>
-                    <a:p>
-                      <a:pPr algn="l" marL="127000" marR="63500">
-                        <a:lnSpc>
-                          <a:spcPct val="100000"/>
-                        </a:lnSpc>
-                        <a:spcBef>
-                          <a:spcPts val="300"/>
-                        </a:spcBef>
-                        <a:spcAft>
-                          <a:spcPts val="300"/>
-                        </a:spcAft>
-                        <a:buNone/>
-                      </a:pPr>
-                      <a:r>
-                        <a:rPr cap="none" sz="1200" i="0" b="0" u="none">
-                          <a:solidFill>
-                            <a:srgbClr val="000000">
-                              <a:alpha val="100000"/>
-                            </a:srgbClr>
-                          </a:solidFill>
-                          <a:latin typeface="arial"/>
-                          <a:cs typeface="arial"/>
-                          <a:ea typeface="arial"/>
-                          <a:sym typeface="arial"/>
-                        </a:rPr>
-                        <a:t>UNKNOWN</a:t>
-                      </a:r>
-                    </a:p>
-                  </a:txBody>
-                  <a:tcPr anchor="ctr" marB="38100" marT="38100" marR="0" marL="0">
-                    <a:lnL algn="ctr" cmpd="sng" cap="flat" w="0">
-                      <a:noFill/>
-                      <a:prstDash val="solid"/>
-                    </a:lnL>
-                    <a:lnR algn="ctr" cmpd="sng" cap="flat" w="0">
-                      <a:noFill/>
-                      <a:prstDash val="solid"/>
-                    </a:lnR>
-                    <a:lnT algn="ctr" cmpd="sng" cap="flat" w="0">
-                      <a:noFill/>
-                      <a:prstDash val="solid"/>
-                    </a:lnT>
-                    <a:lnB algn="ctr" cmpd="sng" cap="flat" w="0">
-                      <a:noFill/>
-                      <a:prstDash val="solid"/>
-                    </a:lnB>
-                    <a:solidFill>
-                      <a:srgbClr val="FF7D29">
-                        <a:alpha val="100000"/>
-                      </a:srgbClr>
-                    </a:solidFill>
-                  </a:tcPr>
-                </a:tc>
-                <a:tc>
-                  <a:txBody>
-                    <a:bodyPr/>
-                    <a:lstStyle/>
-                    <a:p>
-                      <a:pPr algn="ctr" marL="63500" marR="63500">
-                        <a:lnSpc>
-                          <a:spcPct val="100000"/>
-                        </a:lnSpc>
-                        <a:spcBef>
-                          <a:spcPts val="300"/>
-                        </a:spcBef>
-                        <a:spcAft>
-                          <a:spcPts val="300"/>
-                        </a:spcAft>
-                        <a:buNone/>
-                      </a:pPr>
-                      <a:r>
-                        <a:rPr cap="none" sz="1200" i="0" b="0" u="none">
-                          <a:solidFill>
-                            <a:srgbClr val="000000">
-                              <a:alpha val="100000"/>
-                            </a:srgbClr>
-                          </a:solidFill>
-                          <a:latin typeface="arial"/>
-                          <a:cs typeface="arial"/>
-                          <a:ea typeface="arial"/>
-                          <a:sym typeface="arial"/>
-                        </a:rPr>
-                        <a:t>9 (6.7%)</a:t>
-                      </a:r>
-                    </a:p>
-                  </a:txBody>
-                  <a:tcPr anchor="ctr" marB="38100" marT="38100" marR="0" marL="0">
-                    <a:lnL algn="ctr" cmpd="sng" cap="flat" w="0">
-                      <a:noFill/>
-                      <a:prstDash val="solid"/>
-                    </a:lnL>
-                    <a:lnR algn="ctr" cmpd="sng" cap="flat" w="0">
-                      <a:noFill/>
-                      <a:prstDash val="solid"/>
-                    </a:lnR>
-                    <a:lnT algn="ctr" cmpd="sng" cap="flat" w="0">
-                      <a:noFill/>
-                      <a:prstDash val="solid"/>
-                    </a:lnT>
-                    <a:lnB algn="ctr" cmpd="sng" cap="flat" w="0">
-                      <a:noFill/>
-                      <a:prstDash val="solid"/>
-                    </a:lnB>
-                    <a:solidFill>
-                      <a:srgbClr val="FF7D29">
-                        <a:alpha val="100000"/>
-                      </a:srgbClr>
-                    </a:solidFill>
-                  </a:tcPr>
-                </a:tc>
-                <a:tc>
-                  <a:txBody>
-                    <a:bodyPr/>
-                    <a:lstStyle/>
-                    <a:p>
-                      <a:pPr algn="ctr" marL="63500" marR="63500">
-                        <a:lnSpc>
-                          <a:spcPct val="100000"/>
-                        </a:lnSpc>
-                        <a:spcBef>
-                          <a:spcPts val="300"/>
-                        </a:spcBef>
-                        <a:spcAft>
-                          <a:spcPts val="300"/>
-                        </a:spcAft>
-                        <a:buNone/>
-                      </a:pPr>
-                      <a:r>
-                        <a:rPr cap="none" sz="1200" i="0" b="0" u="none">
-                          <a:solidFill>
-                            <a:srgbClr val="000000">
-                              <a:alpha val="100000"/>
-                            </a:srgbClr>
-                          </a:solidFill>
-                          <a:latin typeface="arial"/>
-                          <a:cs typeface="arial"/>
-                          <a:ea typeface="arial"/>
-                          <a:sym typeface="arial"/>
-                        </a:rPr>
-                        <a:t>3 (2.2%)</a:t>
-                      </a:r>
-                    </a:p>
-                  </a:txBody>
-                  <a:tcPr anchor="ctr" marB="38100" marT="38100" marR="0" marL="0">
-                    <a:lnL algn="ctr" cmpd="sng" cap="flat" w="0">
-                      <a:noFill/>
-                      <a:prstDash val="solid"/>
-                    </a:lnL>
-                    <a:lnR algn="ctr" cmpd="sng" cap="flat" w="0">
-                      <a:noFill/>
-                      <a:prstDash val="solid"/>
-                    </a:lnR>
-                    <a:lnT algn="ctr" cmpd="sng" cap="flat" w="0">
-                      <a:noFill/>
-                      <a:prstDash val="solid"/>
-                    </a:lnT>
-                    <a:lnB algn="ctr" cmpd="sng" cap="flat" w="0">
-                      <a:noFill/>
-                      <a:prstDash val="solid"/>
-                    </a:lnB>
-                    <a:solidFill>
-                      <a:srgbClr val="FF7D29">
-                        <a:alpha val="100000"/>
-                      </a:srgbClr>
-                    </a:solidFill>
-                  </a:tcPr>
-                </a:tc>
-                <a:tc>
-                  <a:txBody>
-                    <a:bodyPr/>
-                    <a:lstStyle/>
-                    <a:p>
-                      <a:pPr algn="ctr" marL="63500" marR="63500">
-                        <a:lnSpc>
-                          <a:spcPct val="100000"/>
-                        </a:lnSpc>
-                        <a:spcBef>
-                          <a:spcPts val="300"/>
-                        </a:spcBef>
-                        <a:spcAft>
-                          <a:spcPts val="300"/>
-                        </a:spcAft>
-                        <a:buNone/>
-                      </a:pPr>
-                      <a:r>
-                        <a:rPr cap="none" sz="1200" i="0" b="0" u="none">
-                          <a:solidFill>
-                            <a:srgbClr val="000000">
-                              <a:alpha val="100000"/>
-                            </a:srgbClr>
-                          </a:solidFill>
-                          <a:latin typeface="arial"/>
-                          <a:cs typeface="arial"/>
-                          <a:ea typeface="arial"/>
-                          <a:sym typeface="arial"/>
-                        </a:rPr>
-                        <a:t>5 (3.8%)</a:t>
-                      </a:r>
-                    </a:p>
-                  </a:txBody>
-                  <a:tcPr anchor="ctr" marB="38100" marT="38100" marR="0" marL="0">
-                    <a:lnL algn="ctr" cmpd="sng" cap="flat" w="0">
-                      <a:noFill/>
-                      <a:prstDash val="solid"/>
-                    </a:lnL>
-                    <a:lnR algn="ctr" cmpd="sng" cap="flat" w="0">
-                      <a:noFill/>
-                      <a:prstDash val="solid"/>
-                    </a:lnR>
-                    <a:lnT algn="ctr" cmpd="sng" cap="flat" w="0">
-                      <a:noFill/>
-                      <a:prstDash val="solid"/>
-                    </a:lnT>
-                    <a:lnB algn="ctr" cmpd="sng" cap="flat" w="0">
-                      <a:noFill/>
-                      <a:prstDash val="solid"/>
-                    </a:lnB>
-                    <a:solidFill>
-                      <a:srgbClr val="FF7D29">
-                        <a:alpha val="100000"/>
-                      </a:srgbClr>
-                    </a:solidFill>
-                  </a:tcPr>
-                </a:tc>
-              </a:tr>
-              <a:tr h="239638">
-                <a:tc>
-                  <a:txBody>
-                    <a:bodyPr/>
-                    <a:lstStyle/>
-                    <a:p>
-                      <a:pPr algn="l" marL="127000" marR="63500">
-                        <a:lnSpc>
-                          <a:spcPct val="100000"/>
-                        </a:lnSpc>
-                        <a:spcBef>
-                          <a:spcPts val="300"/>
-                        </a:spcBef>
-                        <a:spcAft>
-                          <a:spcPts val="300"/>
-                        </a:spcAft>
-                        <a:buNone/>
-                      </a:pPr>
-                      <a:r>
-                        <a:rPr cap="none" sz="1200" i="0" b="0" u="none">
-                          <a:solidFill>
-                            <a:srgbClr val="000000">
-                              <a:alpha val="100000"/>
-                            </a:srgbClr>
-                          </a:solidFill>
-                          <a:latin typeface="arial"/>
-                          <a:cs typeface="arial"/>
-                          <a:ea typeface="arial"/>
-                          <a:sym typeface="arial"/>
-                        </a:rPr>
-                        <a:t>Country</a:t>
-                      </a:r>
-                    </a:p>
-                  </a:txBody>
-                  <a:tcPr anchor="ctr" marB="38100" marT="38100" marR="0" marL="0">
-                    <a:lnL algn="ctr" cmpd="sng" cap="flat" w="0">
-                      <a:noFill/>
-                      <a:prstDash val="solid"/>
-                    </a:lnL>
-                    <a:lnR algn="ctr" cmpd="sng" cap="flat" w="0">
-                      <a:noFill/>
-                      <a:prstDash val="solid"/>
-                    </a:lnR>
-                    <a:lnT algn="ctr" cmpd="sng" cap="flat" w="0">
-                      <a:noFill/>
-                      <a:prstDash val="solid"/>
-                    </a:lnT>
-                    <a:lnB algn="ctr" cmpd="sng" cap="flat" w="0">
-                      <a:noFill/>
-                      <a:prstDash val="solid"/>
-                    </a:lnB>
-                    <a:solidFill>
-                      <a:srgbClr val="FFBD69">
-                        <a:alpha val="100000"/>
-                      </a:srgbClr>
-                    </a:solidFill>
-                  </a:tcPr>
-                </a:tc>
                 <a:tc>
                   <a:txBody>
                     <a:bodyPr/>
@@ -10084,7 +11637,7 @@
                       <a:prstDash val="solid"/>
                     </a:lnB>
                     <a:solidFill>
-                      <a:srgbClr val="FFBD69">
+                      <a:srgbClr val="FF7D29">
                         <a:alpha val="100000"/>
                       </a:srgbClr>
                     </a:solidFill>
@@ -10152,6 +11705,1441 @@
                       <a:prstDash val="solid"/>
                     </a:lnB>
                     <a:solidFill>
+                      <a:srgbClr val="FF7D29">
+                        <a:alpha val="100000"/>
+                      </a:srgbClr>
+                    </a:solidFill>
+                  </a:tcPr>
+                </a:tc>
+              </a:tr>
+              <a:tr h="243582">
+                <a:tc>
+                  <a:txBody>
+                    <a:bodyPr/>
+                    <a:lstStyle/>
+                    <a:p>
+                      <a:pPr algn="l" marL="127000" marR="63500">
+                        <a:lnSpc>
+                          <a:spcPct val="100000"/>
+                        </a:lnSpc>
+                        <a:spcBef>
+                          <a:spcPts val="300"/>
+                        </a:spcBef>
+                        <a:spcAft>
+                          <a:spcPts val="300"/>
+                        </a:spcAft>
+                        <a:buNone/>
+                      </a:pPr>
+                      <a:r>
+                        <a:rPr cap="none" sz="1200" i="0" b="0" u="none">
+                          <a:solidFill>
+                            <a:srgbClr val="000000">
+                              <a:alpha val="100000"/>
+                            </a:srgbClr>
+                          </a:solidFill>
+                          <a:latin typeface="arial"/>
+                          <a:cs typeface="arial"/>
+                          <a:ea typeface="arial"/>
+                          <a:sym typeface="arial"/>
+                        </a:rPr>
+                        <a:t> NOT REPORTED</a:t>
+                      </a:r>
+                    </a:p>
+                  </a:txBody>
+                  <a:tcPr anchor="ctr" marB="38100" marT="38100" marR="0" marL="0">
+                    <a:lnL algn="ctr" cmpd="sng" cap="flat" w="0">
+                      <a:noFill/>
+                      <a:prstDash val="solid"/>
+                    </a:lnL>
+                    <a:lnR algn="ctr" cmpd="sng" cap="flat" w="0">
+                      <a:noFill/>
+                      <a:prstDash val="solid"/>
+                    </a:lnR>
+                    <a:lnT algn="ctr" cmpd="sng" cap="flat" w="0">
+                      <a:noFill/>
+                      <a:prstDash val="solid"/>
+                    </a:lnT>
+                    <a:lnB algn="ctr" cmpd="sng" cap="flat" w="0">
+                      <a:noFill/>
+                      <a:prstDash val="solid"/>
+                    </a:lnB>
+                    <a:solidFill>
+                      <a:srgbClr val="FFBD69">
+                        <a:alpha val="100000"/>
+                      </a:srgbClr>
+                    </a:solidFill>
+                  </a:tcPr>
+                </a:tc>
+                <a:tc>
+                  <a:txBody>
+                    <a:bodyPr/>
+                    <a:lstStyle/>
+                    <a:p>
+                      <a:pPr algn="ctr" marL="63500" marR="63500">
+                        <a:lnSpc>
+                          <a:spcPct val="100000"/>
+                        </a:lnSpc>
+                        <a:spcBef>
+                          <a:spcPts val="300"/>
+                        </a:spcBef>
+                        <a:spcAft>
+                          <a:spcPts val="300"/>
+                        </a:spcAft>
+                        <a:buNone/>
+                      </a:pPr>
+                      <a:r>
+                        <a:rPr cap="none" sz="1200" i="0" b="0" u="none">
+                          <a:solidFill>
+                            <a:srgbClr val="000000">
+                              <a:alpha val="100000"/>
+                            </a:srgbClr>
+                          </a:solidFill>
+                          <a:latin typeface="arial"/>
+                          <a:cs typeface="arial"/>
+                          <a:ea typeface="arial"/>
+                          <a:sym typeface="arial"/>
+                        </a:rPr>
+                        <a:t>6 (4.5%)</a:t>
+                      </a:r>
+                    </a:p>
+                  </a:txBody>
+                  <a:tcPr anchor="ctr" marB="38100" marT="38100" marR="0" marL="0">
+                    <a:lnL algn="ctr" cmpd="sng" cap="flat" w="0">
+                      <a:noFill/>
+                      <a:prstDash val="solid"/>
+                    </a:lnL>
+                    <a:lnR algn="ctr" cmpd="sng" cap="flat" w="0">
+                      <a:noFill/>
+                      <a:prstDash val="solid"/>
+                    </a:lnR>
+                    <a:lnT algn="ctr" cmpd="sng" cap="flat" w="0">
+                      <a:noFill/>
+                      <a:prstDash val="solid"/>
+                    </a:lnT>
+                    <a:lnB algn="ctr" cmpd="sng" cap="flat" w="0">
+                      <a:noFill/>
+                      <a:prstDash val="solid"/>
+                    </a:lnB>
+                    <a:solidFill>
+                      <a:srgbClr val="FFBD69">
+                        <a:alpha val="100000"/>
+                      </a:srgbClr>
+                    </a:solidFill>
+                  </a:tcPr>
+                </a:tc>
+                <a:tc>
+                  <a:txBody>
+                    <a:bodyPr/>
+                    <a:lstStyle/>
+                    <a:p>
+                      <a:pPr algn="ctr" marL="63500" marR="63500">
+                        <a:lnSpc>
+                          <a:spcPct val="100000"/>
+                        </a:lnSpc>
+                        <a:spcBef>
+                          <a:spcPts val="300"/>
+                        </a:spcBef>
+                        <a:spcAft>
+                          <a:spcPts val="300"/>
+                        </a:spcAft>
+                        <a:buNone/>
+                      </a:pPr>
+                      <a:r>
+                        <a:rPr cap="none" sz="1200" i="0" b="0" u="none">
+                          <a:solidFill>
+                            <a:srgbClr val="000000">
+                              <a:alpha val="100000"/>
+                            </a:srgbClr>
+                          </a:solidFill>
+                          <a:latin typeface="arial"/>
+                          <a:cs typeface="arial"/>
+                          <a:ea typeface="arial"/>
+                          <a:sym typeface="arial"/>
+                        </a:rPr>
+                        <a:t>10 (7.5%)</a:t>
+                      </a:r>
+                    </a:p>
+                  </a:txBody>
+                  <a:tcPr anchor="ctr" marB="38100" marT="38100" marR="0" marL="0">
+                    <a:lnL algn="ctr" cmpd="sng" cap="flat" w="0">
+                      <a:noFill/>
+                      <a:prstDash val="solid"/>
+                    </a:lnL>
+                    <a:lnR algn="ctr" cmpd="sng" cap="flat" w="0">
+                      <a:noFill/>
+                      <a:prstDash val="solid"/>
+                    </a:lnR>
+                    <a:lnT algn="ctr" cmpd="sng" cap="flat" w="0">
+                      <a:noFill/>
+                      <a:prstDash val="solid"/>
+                    </a:lnT>
+                    <a:lnB algn="ctr" cmpd="sng" cap="flat" w="0">
+                      <a:noFill/>
+                      <a:prstDash val="solid"/>
+                    </a:lnB>
+                    <a:solidFill>
+                      <a:srgbClr val="FFBD69">
+                        <a:alpha val="100000"/>
+                      </a:srgbClr>
+                    </a:solidFill>
+                  </a:tcPr>
+                </a:tc>
+                <a:tc>
+                  <a:txBody>
+                    <a:bodyPr/>
+                    <a:lstStyle/>
+                    <a:p>
+                      <a:pPr algn="ctr" marL="63500" marR="63500">
+                        <a:lnSpc>
+                          <a:spcPct val="100000"/>
+                        </a:lnSpc>
+                        <a:spcBef>
+                          <a:spcPts val="300"/>
+                        </a:spcBef>
+                        <a:spcAft>
+                          <a:spcPts val="300"/>
+                        </a:spcAft>
+                        <a:buNone/>
+                      </a:pPr>
+                      <a:r>
+                        <a:rPr cap="none" sz="1200" i="0" b="0" u="none">
+                          <a:solidFill>
+                            <a:srgbClr val="000000">
+                              <a:alpha val="100000"/>
+                            </a:srgbClr>
+                          </a:solidFill>
+                          <a:latin typeface="arial"/>
+                          <a:cs typeface="arial"/>
+                          <a:ea typeface="arial"/>
+                          <a:sym typeface="arial"/>
+                        </a:rPr>
+                        <a:t>11 (8.3%)</a:t>
+                      </a:r>
+                    </a:p>
+                  </a:txBody>
+                  <a:tcPr anchor="ctr" marB="38100" marT="38100" marR="0" marL="0">
+                    <a:lnL algn="ctr" cmpd="sng" cap="flat" w="0">
+                      <a:noFill/>
+                      <a:prstDash val="solid"/>
+                    </a:lnL>
+                    <a:lnR algn="ctr" cmpd="sng" cap="flat" w="0">
+                      <a:noFill/>
+                      <a:prstDash val="solid"/>
+                    </a:lnR>
+                    <a:lnT algn="ctr" cmpd="sng" cap="flat" w="0">
+                      <a:noFill/>
+                      <a:prstDash val="solid"/>
+                    </a:lnT>
+                    <a:lnB algn="ctr" cmpd="sng" cap="flat" w="0">
+                      <a:noFill/>
+                      <a:prstDash val="solid"/>
+                    </a:lnB>
+                    <a:solidFill>
+                      <a:srgbClr val="FFBD69">
+                        <a:alpha val="100000"/>
+                      </a:srgbClr>
+                    </a:solidFill>
+                  </a:tcPr>
+                </a:tc>
+                <a:tc>
+                  <a:txBody>
+                    <a:bodyPr/>
+                    <a:lstStyle/>
+                    <a:p>
+                      <a:pPr algn="ctr" marL="63500" marR="63500">
+                        <a:lnSpc>
+                          <a:spcPct val="100000"/>
+                        </a:lnSpc>
+                        <a:spcBef>
+                          <a:spcPts val="300"/>
+                        </a:spcBef>
+                        <a:spcAft>
+                          <a:spcPts val="300"/>
+                        </a:spcAft>
+                        <a:buNone/>
+                      </a:pPr>
+                      <a:r>
+                        <a:rPr cap="none" sz="1200" i="0" b="0" u="none">
+                          <a:solidFill>
+                            <a:srgbClr val="000000">
+                              <a:alpha val="100000"/>
+                            </a:srgbClr>
+                          </a:solidFill>
+                          <a:latin typeface="arial"/>
+                          <a:cs typeface="arial"/>
+                          <a:ea typeface="arial"/>
+                          <a:sym typeface="arial"/>
+                        </a:rPr>
+                        <a:t>27 (6.8%)</a:t>
+                      </a:r>
+                    </a:p>
+                  </a:txBody>
+                  <a:tcPr anchor="ctr" marB="38100" marT="38100" marR="0" marL="0">
+                    <a:lnL algn="ctr" cmpd="sng" cap="flat" w="0">
+                      <a:noFill/>
+                      <a:prstDash val="solid"/>
+                    </a:lnL>
+                    <a:lnR algn="ctr" cmpd="sng" cap="flat" w="0">
+                      <a:noFill/>
+                      <a:prstDash val="solid"/>
+                    </a:lnR>
+                    <a:lnT algn="ctr" cmpd="sng" cap="flat" w="0">
+                      <a:noFill/>
+                      <a:prstDash val="solid"/>
+                    </a:lnT>
+                    <a:lnB algn="ctr" cmpd="sng" cap="flat" w="0">
+                      <a:noFill/>
+                      <a:prstDash val="solid"/>
+                    </a:lnB>
+                    <a:solidFill>
+                      <a:srgbClr val="FFBD69">
+                        <a:alpha val="100000"/>
+                      </a:srgbClr>
+                    </a:solidFill>
+                  </a:tcPr>
+                </a:tc>
+                <a:tc>
+                  <a:txBody>
+                    <a:bodyPr/>
+                    <a:lstStyle/>
+                    <a:p>
+                      <a:pPr algn="ctr" marL="63500" marR="63500">
+                        <a:lnSpc>
+                          <a:spcPct val="100000"/>
+                        </a:lnSpc>
+                        <a:spcBef>
+                          <a:spcPts val="300"/>
+                        </a:spcBef>
+                        <a:spcAft>
+                          <a:spcPts val="300"/>
+                        </a:spcAft>
+                        <a:buNone/>
+                      </a:pPr>
+                      <a:r>
+                        <a:rPr cap="none" sz="1200" i="0" b="0" u="none">
+                          <a:solidFill>
+                            <a:srgbClr val="000000">
+                              <a:alpha val="100000"/>
+                            </a:srgbClr>
+                          </a:solidFill>
+                          <a:latin typeface="arial"/>
+                          <a:cs typeface="arial"/>
+                          <a:ea typeface="arial"/>
+                          <a:sym typeface="arial"/>
+                        </a:rPr>
+                        <a:t>27 (6.8%)</a:t>
+                      </a:r>
+                    </a:p>
+                  </a:txBody>
+                  <a:tcPr anchor="ctr" marB="38100" marT="38100" marR="0" marL="0">
+                    <a:lnL algn="ctr" cmpd="sng" cap="flat" w="0">
+                      <a:noFill/>
+                      <a:prstDash val="solid"/>
+                    </a:lnL>
+                    <a:lnR algn="ctr" cmpd="sng" cap="flat" w="0">
+                      <a:noFill/>
+                      <a:prstDash val="solid"/>
+                    </a:lnR>
+                    <a:lnT algn="ctr" cmpd="sng" cap="flat" w="0">
+                      <a:noFill/>
+                      <a:prstDash val="solid"/>
+                    </a:lnT>
+                    <a:lnB algn="ctr" cmpd="sng" cap="flat" w="0">
+                      <a:noFill/>
+                      <a:prstDash val="solid"/>
+                    </a:lnB>
+                    <a:solidFill>
+                      <a:srgbClr val="FFBD69">
+                        <a:alpha val="100000"/>
+                      </a:srgbClr>
+                    </a:solidFill>
+                  </a:tcPr>
+                </a:tc>
+              </a:tr>
+              <a:tr h="243582">
+                <a:tc>
+                  <a:txBody>
+                    <a:bodyPr/>
+                    <a:lstStyle/>
+                    <a:p>
+                      <a:pPr algn="l" marL="127000" marR="63500">
+                        <a:lnSpc>
+                          <a:spcPct val="100000"/>
+                        </a:lnSpc>
+                        <a:spcBef>
+                          <a:spcPts val="300"/>
+                        </a:spcBef>
+                        <a:spcAft>
+                          <a:spcPts val="300"/>
+                        </a:spcAft>
+                        <a:buNone/>
+                      </a:pPr>
+                      <a:r>
+                        <a:rPr cap="none" sz="1200" i="0" b="0" u="none">
+                          <a:solidFill>
+                            <a:srgbClr val="000000">
+                              <a:alpha val="100000"/>
+                            </a:srgbClr>
+                          </a:solidFill>
+                          <a:latin typeface="arial"/>
+                          <a:cs typeface="arial"/>
+                          <a:ea typeface="arial"/>
+                          <a:sym typeface="arial"/>
+                        </a:rPr>
+                        <a:t>HISPANIC OR LATINO</a:t>
+                      </a:r>
+                    </a:p>
+                  </a:txBody>
+                  <a:tcPr anchor="ctr" marB="38100" marT="38100" marR="0" marL="0">
+                    <a:lnL algn="ctr" cmpd="sng" cap="flat" w="0">
+                      <a:noFill/>
+                      <a:prstDash val="solid"/>
+                    </a:lnL>
+                    <a:lnR algn="ctr" cmpd="sng" cap="flat" w="0">
+                      <a:noFill/>
+                      <a:prstDash val="solid"/>
+                    </a:lnR>
+                    <a:lnT algn="ctr" cmpd="sng" cap="flat" w="0">
+                      <a:noFill/>
+                      <a:prstDash val="solid"/>
+                    </a:lnT>
+                    <a:lnB algn="ctr" cmpd="sng" cap="flat" w="0">
+                      <a:noFill/>
+                      <a:prstDash val="solid"/>
+                    </a:lnB>
+                    <a:solidFill>
+                      <a:srgbClr val="FF7D29">
+                        <a:alpha val="100000"/>
+                      </a:srgbClr>
+                    </a:solidFill>
+                  </a:tcPr>
+                </a:tc>
+                <a:tc>
+                  <a:txBody>
+                    <a:bodyPr/>
+                    <a:lstStyle/>
+                    <a:p>
+                      <a:pPr algn="ctr" marL="63500" marR="63500">
+                        <a:lnSpc>
+                          <a:spcPct val="100000"/>
+                        </a:lnSpc>
+                        <a:spcBef>
+                          <a:spcPts val="300"/>
+                        </a:spcBef>
+                        <a:spcAft>
+                          <a:spcPts val="300"/>
+                        </a:spcAft>
+                        <a:buNone/>
+                      </a:pPr>
+                      <a:r>
+                        <a:rPr cap="none" sz="1200" i="0" b="0" u="none">
+                          <a:solidFill>
+                            <a:srgbClr val="000000">
+                              <a:alpha val="100000"/>
+                            </a:srgbClr>
+                          </a:solidFill>
+                          <a:latin typeface="arial"/>
+                          <a:cs typeface="arial"/>
+                          <a:ea typeface="arial"/>
+                          <a:sym typeface="arial"/>
+                        </a:rPr>
+                        <a:t>15 (11.2%)</a:t>
+                      </a:r>
+                    </a:p>
+                  </a:txBody>
+                  <a:tcPr anchor="ctr" marB="38100" marT="38100" marR="0" marL="0">
+                    <a:lnL algn="ctr" cmpd="sng" cap="flat" w="0">
+                      <a:noFill/>
+                      <a:prstDash val="solid"/>
+                    </a:lnL>
+                    <a:lnR algn="ctr" cmpd="sng" cap="flat" w="0">
+                      <a:noFill/>
+                      <a:prstDash val="solid"/>
+                    </a:lnR>
+                    <a:lnT algn="ctr" cmpd="sng" cap="flat" w="0">
+                      <a:noFill/>
+                      <a:prstDash val="solid"/>
+                    </a:lnT>
+                    <a:lnB algn="ctr" cmpd="sng" cap="flat" w="0">
+                      <a:noFill/>
+                      <a:prstDash val="solid"/>
+                    </a:lnB>
+                    <a:solidFill>
+                      <a:srgbClr val="FF7D29">
+                        <a:alpha val="100000"/>
+                      </a:srgbClr>
+                    </a:solidFill>
+                  </a:tcPr>
+                </a:tc>
+                <a:tc>
+                  <a:txBody>
+                    <a:bodyPr/>
+                    <a:lstStyle/>
+                    <a:p>
+                      <a:pPr algn="ctr" marL="63500" marR="63500">
+                        <a:lnSpc>
+                          <a:spcPct val="100000"/>
+                        </a:lnSpc>
+                        <a:spcBef>
+                          <a:spcPts val="300"/>
+                        </a:spcBef>
+                        <a:spcAft>
+                          <a:spcPts val="300"/>
+                        </a:spcAft>
+                        <a:buNone/>
+                      </a:pPr>
+                      <a:r>
+                        <a:rPr cap="none" sz="1200" i="0" b="0" u="none">
+                          <a:solidFill>
+                            <a:srgbClr val="000000">
+                              <a:alpha val="100000"/>
+                            </a:srgbClr>
+                          </a:solidFill>
+                          <a:latin typeface="arial"/>
+                          <a:cs typeface="arial"/>
+                          <a:ea typeface="arial"/>
+                          <a:sym typeface="arial"/>
+                        </a:rPr>
+                        <a:t>18 (13.4%)</a:t>
+                      </a:r>
+                    </a:p>
+                  </a:txBody>
+                  <a:tcPr anchor="ctr" marB="38100" marT="38100" marR="0" marL="0">
+                    <a:lnL algn="ctr" cmpd="sng" cap="flat" w="0">
+                      <a:noFill/>
+                      <a:prstDash val="solid"/>
+                    </a:lnL>
+                    <a:lnR algn="ctr" cmpd="sng" cap="flat" w="0">
+                      <a:noFill/>
+                      <a:prstDash val="solid"/>
+                    </a:lnR>
+                    <a:lnT algn="ctr" cmpd="sng" cap="flat" w="0">
+                      <a:noFill/>
+                      <a:prstDash val="solid"/>
+                    </a:lnT>
+                    <a:lnB algn="ctr" cmpd="sng" cap="flat" w="0">
+                      <a:noFill/>
+                      <a:prstDash val="solid"/>
+                    </a:lnB>
+                    <a:solidFill>
+                      <a:srgbClr val="FF7D29">
+                        <a:alpha val="100000"/>
+                      </a:srgbClr>
+                    </a:solidFill>
+                  </a:tcPr>
+                </a:tc>
+                <a:tc>
+                  <a:txBody>
+                    <a:bodyPr/>
+                    <a:lstStyle/>
+                    <a:p>
+                      <a:pPr algn="ctr" marL="63500" marR="63500">
+                        <a:lnSpc>
+                          <a:spcPct val="100000"/>
+                        </a:lnSpc>
+                        <a:spcBef>
+                          <a:spcPts val="300"/>
+                        </a:spcBef>
+                        <a:spcAft>
+                          <a:spcPts val="300"/>
+                        </a:spcAft>
+                        <a:buNone/>
+                      </a:pPr>
+                      <a:r>
+                        <a:rPr cap="none" sz="1200" i="0" b="0" u="none">
+                          <a:solidFill>
+                            <a:srgbClr val="000000">
+                              <a:alpha val="100000"/>
+                            </a:srgbClr>
+                          </a:solidFill>
+                          <a:latin typeface="arial"/>
+                          <a:cs typeface="arial"/>
+                          <a:ea typeface="arial"/>
+                          <a:sym typeface="arial"/>
+                        </a:rPr>
+                        <a:t>15 (11.4%)</a:t>
+                      </a:r>
+                    </a:p>
+                  </a:txBody>
+                  <a:tcPr anchor="ctr" marB="38100" marT="38100" marR="0" marL="0">
+                    <a:lnL algn="ctr" cmpd="sng" cap="flat" w="0">
+                      <a:noFill/>
+                      <a:prstDash val="solid"/>
+                    </a:lnL>
+                    <a:lnR algn="ctr" cmpd="sng" cap="flat" w="0">
+                      <a:noFill/>
+                      <a:prstDash val="solid"/>
+                    </a:lnR>
+                    <a:lnT algn="ctr" cmpd="sng" cap="flat" w="0">
+                      <a:noFill/>
+                      <a:prstDash val="solid"/>
+                    </a:lnT>
+                    <a:lnB algn="ctr" cmpd="sng" cap="flat" w="0">
+                      <a:noFill/>
+                      <a:prstDash val="solid"/>
+                    </a:lnB>
+                    <a:solidFill>
+                      <a:srgbClr val="FF7D29">
+                        <a:alpha val="100000"/>
+                      </a:srgbClr>
+                    </a:solidFill>
+                  </a:tcPr>
+                </a:tc>
+                <a:tc>
+                  <a:txBody>
+                    <a:bodyPr/>
+                    <a:lstStyle/>
+                    <a:p>
+                      <a:pPr algn="ctr" marL="63500" marR="63500">
+                        <a:lnSpc>
+                          <a:spcPct val="100000"/>
+                        </a:lnSpc>
+                        <a:spcBef>
+                          <a:spcPts val="300"/>
+                        </a:spcBef>
+                        <a:spcAft>
+                          <a:spcPts val="300"/>
+                        </a:spcAft>
+                        <a:buNone/>
+                      </a:pPr>
+                      <a:r>
+                        <a:rPr cap="none" sz="1200" i="0" b="0" u="none">
+                          <a:solidFill>
+                            <a:srgbClr val="000000">
+                              <a:alpha val="100000"/>
+                            </a:srgbClr>
+                          </a:solidFill>
+                          <a:latin typeface="arial"/>
+                          <a:cs typeface="arial"/>
+                          <a:ea typeface="arial"/>
+                          <a:sym typeface="arial"/>
+                        </a:rPr>
+                        <a:t>48 (12%)</a:t>
+                      </a:r>
+                    </a:p>
+                  </a:txBody>
+                  <a:tcPr anchor="ctr" marB="38100" marT="38100" marR="0" marL="0">
+                    <a:lnL algn="ctr" cmpd="sng" cap="flat" w="0">
+                      <a:noFill/>
+                      <a:prstDash val="solid"/>
+                    </a:lnL>
+                    <a:lnR algn="ctr" cmpd="sng" cap="flat" w="0">
+                      <a:noFill/>
+                      <a:prstDash val="solid"/>
+                    </a:lnR>
+                    <a:lnT algn="ctr" cmpd="sng" cap="flat" w="0">
+                      <a:noFill/>
+                      <a:prstDash val="solid"/>
+                    </a:lnT>
+                    <a:lnB algn="ctr" cmpd="sng" cap="flat" w="0">
+                      <a:noFill/>
+                      <a:prstDash val="solid"/>
+                    </a:lnB>
+                    <a:solidFill>
+                      <a:srgbClr val="FF7D29">
+                        <a:alpha val="100000"/>
+                      </a:srgbClr>
+                    </a:solidFill>
+                  </a:tcPr>
+                </a:tc>
+                <a:tc>
+                  <a:txBody>
+                    <a:bodyPr/>
+                    <a:lstStyle/>
+                    <a:p>
+                      <a:pPr algn="ctr" marL="63500" marR="63500">
+                        <a:lnSpc>
+                          <a:spcPct val="100000"/>
+                        </a:lnSpc>
+                        <a:spcBef>
+                          <a:spcPts val="300"/>
+                        </a:spcBef>
+                        <a:spcAft>
+                          <a:spcPts val="300"/>
+                        </a:spcAft>
+                        <a:buNone/>
+                      </a:pPr>
+                      <a:r>
+                        <a:rPr cap="none" sz="1200" i="0" b="0" u="none">
+                          <a:solidFill>
+                            <a:srgbClr val="000000">
+                              <a:alpha val="100000"/>
+                            </a:srgbClr>
+                          </a:solidFill>
+                          <a:latin typeface="arial"/>
+                          <a:cs typeface="arial"/>
+                          <a:ea typeface="arial"/>
+                          <a:sym typeface="arial"/>
+                        </a:rPr>
+                        <a:t>48 (12%)</a:t>
+                      </a:r>
+                    </a:p>
+                  </a:txBody>
+                  <a:tcPr anchor="ctr" marB="38100" marT="38100" marR="0" marL="0">
+                    <a:lnL algn="ctr" cmpd="sng" cap="flat" w="0">
+                      <a:noFill/>
+                      <a:prstDash val="solid"/>
+                    </a:lnL>
+                    <a:lnR algn="ctr" cmpd="sng" cap="flat" w="0">
+                      <a:noFill/>
+                      <a:prstDash val="solid"/>
+                    </a:lnR>
+                    <a:lnT algn="ctr" cmpd="sng" cap="flat" w="0">
+                      <a:noFill/>
+                      <a:prstDash val="solid"/>
+                    </a:lnT>
+                    <a:lnB algn="ctr" cmpd="sng" cap="flat" w="0">
+                      <a:noFill/>
+                      <a:prstDash val="solid"/>
+                    </a:lnB>
+                    <a:solidFill>
+                      <a:srgbClr val="FF7D29">
+                        <a:alpha val="100000"/>
+                      </a:srgbClr>
+                    </a:solidFill>
+                  </a:tcPr>
+                </a:tc>
+              </a:tr>
+              <a:tr h="243582">
+                <a:tc>
+                  <a:txBody>
+                    <a:bodyPr/>
+                    <a:lstStyle/>
+                    <a:p>
+                      <a:pPr algn="l" marL="127000" marR="63500">
+                        <a:lnSpc>
+                          <a:spcPct val="100000"/>
+                        </a:lnSpc>
+                        <a:spcBef>
+                          <a:spcPts val="300"/>
+                        </a:spcBef>
+                        <a:spcAft>
+                          <a:spcPts val="300"/>
+                        </a:spcAft>
+                        <a:buNone/>
+                      </a:pPr>
+                      <a:r>
+                        <a:rPr cap="none" sz="1200" i="0" b="0" u="none">
+                          <a:solidFill>
+                            <a:srgbClr val="000000">
+                              <a:alpha val="100000"/>
+                            </a:srgbClr>
+                          </a:solidFill>
+                          <a:latin typeface="arial"/>
+                          <a:cs typeface="arial"/>
+                          <a:ea typeface="arial"/>
+                          <a:sym typeface="arial"/>
+                        </a:rPr>
+                        <a:t>NOT HISPANIC OR LATINO</a:t>
+                      </a:r>
+                    </a:p>
+                  </a:txBody>
+                  <a:tcPr anchor="ctr" marB="38100" marT="38100" marR="0" marL="0">
+                    <a:lnL algn="ctr" cmpd="sng" cap="flat" w="0">
+                      <a:noFill/>
+                      <a:prstDash val="solid"/>
+                    </a:lnL>
+                    <a:lnR algn="ctr" cmpd="sng" cap="flat" w="0">
+                      <a:noFill/>
+                      <a:prstDash val="solid"/>
+                    </a:lnR>
+                    <a:lnT algn="ctr" cmpd="sng" cap="flat" w="0">
+                      <a:noFill/>
+                      <a:prstDash val="solid"/>
+                    </a:lnT>
+                    <a:lnB algn="ctr" cmpd="sng" cap="flat" w="0">
+                      <a:noFill/>
+                      <a:prstDash val="solid"/>
+                    </a:lnB>
+                    <a:solidFill>
+                      <a:srgbClr val="FFBD69">
+                        <a:alpha val="100000"/>
+                      </a:srgbClr>
+                    </a:solidFill>
+                  </a:tcPr>
+                </a:tc>
+                <a:tc>
+                  <a:txBody>
+                    <a:bodyPr/>
+                    <a:lstStyle/>
+                    <a:p>
+                      <a:pPr algn="ctr" marL="63500" marR="63500">
+                        <a:lnSpc>
+                          <a:spcPct val="100000"/>
+                        </a:lnSpc>
+                        <a:spcBef>
+                          <a:spcPts val="300"/>
+                        </a:spcBef>
+                        <a:spcAft>
+                          <a:spcPts val="300"/>
+                        </a:spcAft>
+                        <a:buNone/>
+                      </a:pPr>
+                      <a:r>
+                        <a:rPr cap="none" sz="1200" i="0" b="0" u="none">
+                          <a:solidFill>
+                            <a:srgbClr val="000000">
+                              <a:alpha val="100000"/>
+                            </a:srgbClr>
+                          </a:solidFill>
+                          <a:latin typeface="arial"/>
+                          <a:cs typeface="arial"/>
+                          <a:ea typeface="arial"/>
+                          <a:sym typeface="arial"/>
+                        </a:rPr>
+                        <a:t>104 (77.6%)</a:t>
+                      </a:r>
+                    </a:p>
+                  </a:txBody>
+                  <a:tcPr anchor="ctr" marB="38100" marT="38100" marR="0" marL="0">
+                    <a:lnL algn="ctr" cmpd="sng" cap="flat" w="0">
+                      <a:noFill/>
+                      <a:prstDash val="solid"/>
+                    </a:lnL>
+                    <a:lnR algn="ctr" cmpd="sng" cap="flat" w="0">
+                      <a:noFill/>
+                      <a:prstDash val="solid"/>
+                    </a:lnR>
+                    <a:lnT algn="ctr" cmpd="sng" cap="flat" w="0">
+                      <a:noFill/>
+                      <a:prstDash val="solid"/>
+                    </a:lnT>
+                    <a:lnB algn="ctr" cmpd="sng" cap="flat" w="0">
+                      <a:noFill/>
+                      <a:prstDash val="solid"/>
+                    </a:lnB>
+                    <a:solidFill>
+                      <a:srgbClr val="FFBD69">
+                        <a:alpha val="100000"/>
+                      </a:srgbClr>
+                    </a:solidFill>
+                  </a:tcPr>
+                </a:tc>
+                <a:tc>
+                  <a:txBody>
+                    <a:bodyPr/>
+                    <a:lstStyle/>
+                    <a:p>
+                      <a:pPr algn="ctr" marL="63500" marR="63500">
+                        <a:lnSpc>
+                          <a:spcPct val="100000"/>
+                        </a:lnSpc>
+                        <a:spcBef>
+                          <a:spcPts val="300"/>
+                        </a:spcBef>
+                        <a:spcAft>
+                          <a:spcPts val="300"/>
+                        </a:spcAft>
+                        <a:buNone/>
+                      </a:pPr>
+                      <a:r>
+                        <a:rPr cap="none" sz="1200" i="0" b="0" u="none">
+                          <a:solidFill>
+                            <a:srgbClr val="000000">
+                              <a:alpha val="100000"/>
+                            </a:srgbClr>
+                          </a:solidFill>
+                          <a:latin typeface="arial"/>
+                          <a:cs typeface="arial"/>
+                          <a:ea typeface="arial"/>
+                          <a:sym typeface="arial"/>
+                        </a:rPr>
+                        <a:t>103 (76.9%)</a:t>
+                      </a:r>
+                    </a:p>
+                  </a:txBody>
+                  <a:tcPr anchor="ctr" marB="38100" marT="38100" marR="0" marL="0">
+                    <a:lnL algn="ctr" cmpd="sng" cap="flat" w="0">
+                      <a:noFill/>
+                      <a:prstDash val="solid"/>
+                    </a:lnL>
+                    <a:lnR algn="ctr" cmpd="sng" cap="flat" w="0">
+                      <a:noFill/>
+                      <a:prstDash val="solid"/>
+                    </a:lnR>
+                    <a:lnT algn="ctr" cmpd="sng" cap="flat" w="0">
+                      <a:noFill/>
+                      <a:prstDash val="solid"/>
+                    </a:lnT>
+                    <a:lnB algn="ctr" cmpd="sng" cap="flat" w="0">
+                      <a:noFill/>
+                      <a:prstDash val="solid"/>
+                    </a:lnB>
+                    <a:solidFill>
+                      <a:srgbClr val="FFBD69">
+                        <a:alpha val="100000"/>
+                      </a:srgbClr>
+                    </a:solidFill>
+                  </a:tcPr>
+                </a:tc>
+                <a:tc>
+                  <a:txBody>
+                    <a:bodyPr/>
+                    <a:lstStyle/>
+                    <a:p>
+                      <a:pPr algn="ctr" marL="63500" marR="63500">
+                        <a:lnSpc>
+                          <a:spcPct val="100000"/>
+                        </a:lnSpc>
+                        <a:spcBef>
+                          <a:spcPts val="300"/>
+                        </a:spcBef>
+                        <a:spcAft>
+                          <a:spcPts val="300"/>
+                        </a:spcAft>
+                        <a:buNone/>
+                      </a:pPr>
+                      <a:r>
+                        <a:rPr cap="none" sz="1200" i="0" b="0" u="none">
+                          <a:solidFill>
+                            <a:srgbClr val="000000">
+                              <a:alpha val="100000"/>
+                            </a:srgbClr>
+                          </a:solidFill>
+                          <a:latin typeface="arial"/>
+                          <a:cs typeface="arial"/>
+                          <a:ea typeface="arial"/>
+                          <a:sym typeface="arial"/>
+                        </a:rPr>
+                        <a:t>101 (76.5%)</a:t>
+                      </a:r>
+                    </a:p>
+                  </a:txBody>
+                  <a:tcPr anchor="ctr" marB="38100" marT="38100" marR="0" marL="0">
+                    <a:lnL algn="ctr" cmpd="sng" cap="flat" w="0">
+                      <a:noFill/>
+                      <a:prstDash val="solid"/>
+                    </a:lnL>
+                    <a:lnR algn="ctr" cmpd="sng" cap="flat" w="0">
+                      <a:noFill/>
+                      <a:prstDash val="solid"/>
+                    </a:lnR>
+                    <a:lnT algn="ctr" cmpd="sng" cap="flat" w="0">
+                      <a:noFill/>
+                      <a:prstDash val="solid"/>
+                    </a:lnT>
+                    <a:lnB algn="ctr" cmpd="sng" cap="flat" w="0">
+                      <a:noFill/>
+                      <a:prstDash val="solid"/>
+                    </a:lnB>
+                    <a:solidFill>
+                      <a:srgbClr val="FFBD69">
+                        <a:alpha val="100000"/>
+                      </a:srgbClr>
+                    </a:solidFill>
+                  </a:tcPr>
+                </a:tc>
+                <a:tc>
+                  <a:txBody>
+                    <a:bodyPr/>
+                    <a:lstStyle/>
+                    <a:p>
+                      <a:pPr algn="ctr" marL="63500" marR="63500">
+                        <a:lnSpc>
+                          <a:spcPct val="100000"/>
+                        </a:lnSpc>
+                        <a:spcBef>
+                          <a:spcPts val="300"/>
+                        </a:spcBef>
+                        <a:spcAft>
+                          <a:spcPts val="300"/>
+                        </a:spcAft>
+                        <a:buNone/>
+                      </a:pPr>
+                      <a:r>
+                        <a:rPr cap="none" sz="1200" i="0" b="0" u="none">
+                          <a:solidFill>
+                            <a:srgbClr val="000000">
+                              <a:alpha val="100000"/>
+                            </a:srgbClr>
+                          </a:solidFill>
+                          <a:latin typeface="arial"/>
+                          <a:cs typeface="arial"/>
+                          <a:ea typeface="arial"/>
+                          <a:sym typeface="arial"/>
+                        </a:rPr>
+                        <a:t>308 (77%)</a:t>
+                      </a:r>
+                    </a:p>
+                  </a:txBody>
+                  <a:tcPr anchor="ctr" marB="38100" marT="38100" marR="0" marL="0">
+                    <a:lnL algn="ctr" cmpd="sng" cap="flat" w="0">
+                      <a:noFill/>
+                      <a:prstDash val="solid"/>
+                    </a:lnL>
+                    <a:lnR algn="ctr" cmpd="sng" cap="flat" w="0">
+                      <a:noFill/>
+                      <a:prstDash val="solid"/>
+                    </a:lnR>
+                    <a:lnT algn="ctr" cmpd="sng" cap="flat" w="0">
+                      <a:noFill/>
+                      <a:prstDash val="solid"/>
+                    </a:lnT>
+                    <a:lnB algn="ctr" cmpd="sng" cap="flat" w="0">
+                      <a:noFill/>
+                      <a:prstDash val="solid"/>
+                    </a:lnB>
+                    <a:solidFill>
+                      <a:srgbClr val="FFBD69">
+                        <a:alpha val="100000"/>
+                      </a:srgbClr>
+                    </a:solidFill>
+                  </a:tcPr>
+                </a:tc>
+                <a:tc>
+                  <a:txBody>
+                    <a:bodyPr/>
+                    <a:lstStyle/>
+                    <a:p>
+                      <a:pPr algn="ctr" marL="63500" marR="63500">
+                        <a:lnSpc>
+                          <a:spcPct val="100000"/>
+                        </a:lnSpc>
+                        <a:spcBef>
+                          <a:spcPts val="300"/>
+                        </a:spcBef>
+                        <a:spcAft>
+                          <a:spcPts val="300"/>
+                        </a:spcAft>
+                        <a:buNone/>
+                      </a:pPr>
+                      <a:r>
+                        <a:rPr cap="none" sz="1200" i="0" b="0" u="none">
+                          <a:solidFill>
+                            <a:srgbClr val="000000">
+                              <a:alpha val="100000"/>
+                            </a:srgbClr>
+                          </a:solidFill>
+                          <a:latin typeface="arial"/>
+                          <a:cs typeface="arial"/>
+                          <a:ea typeface="arial"/>
+                          <a:sym typeface="arial"/>
+                        </a:rPr>
+                        <a:t>308 (77%)</a:t>
+                      </a:r>
+                    </a:p>
+                  </a:txBody>
+                  <a:tcPr anchor="ctr" marB="38100" marT="38100" marR="0" marL="0">
+                    <a:lnL algn="ctr" cmpd="sng" cap="flat" w="0">
+                      <a:noFill/>
+                      <a:prstDash val="solid"/>
+                    </a:lnL>
+                    <a:lnR algn="ctr" cmpd="sng" cap="flat" w="0">
+                      <a:noFill/>
+                      <a:prstDash val="solid"/>
+                    </a:lnR>
+                    <a:lnT algn="ctr" cmpd="sng" cap="flat" w="0">
+                      <a:noFill/>
+                      <a:prstDash val="solid"/>
+                    </a:lnT>
+                    <a:lnB algn="ctr" cmpd="sng" cap="flat" w="0">
+                      <a:noFill/>
+                      <a:prstDash val="solid"/>
+                    </a:lnB>
+                    <a:solidFill>
+                      <a:srgbClr val="FFBD69">
+                        <a:alpha val="100000"/>
+                      </a:srgbClr>
+                    </a:solidFill>
+                  </a:tcPr>
+                </a:tc>
+              </a:tr>
+              <a:tr h="243582">
+                <a:tc>
+                  <a:txBody>
+                    <a:bodyPr/>
+                    <a:lstStyle/>
+                    <a:p>
+                      <a:pPr algn="l" marL="127000" marR="63500">
+                        <a:lnSpc>
+                          <a:spcPct val="100000"/>
+                        </a:lnSpc>
+                        <a:spcBef>
+                          <a:spcPts val="300"/>
+                        </a:spcBef>
+                        <a:spcAft>
+                          <a:spcPts val="300"/>
+                        </a:spcAft>
+                        <a:buNone/>
+                      </a:pPr>
+                      <a:r>
+                        <a:rPr cap="none" sz="1200" i="0" b="0" u="none">
+                          <a:solidFill>
+                            <a:srgbClr val="000000">
+                              <a:alpha val="100000"/>
+                            </a:srgbClr>
+                          </a:solidFill>
+                          <a:latin typeface="arial"/>
+                          <a:cs typeface="arial"/>
+                          <a:ea typeface="arial"/>
+                          <a:sym typeface="arial"/>
+                        </a:rPr>
+                        <a:t>UNKNOWN</a:t>
+                      </a:r>
+                    </a:p>
+                  </a:txBody>
+                  <a:tcPr anchor="ctr" marB="38100" marT="38100" marR="0" marL="0">
+                    <a:lnL algn="ctr" cmpd="sng" cap="flat" w="0">
+                      <a:noFill/>
+                      <a:prstDash val="solid"/>
+                    </a:lnL>
+                    <a:lnR algn="ctr" cmpd="sng" cap="flat" w="0">
+                      <a:noFill/>
+                      <a:prstDash val="solid"/>
+                    </a:lnR>
+                    <a:lnT algn="ctr" cmpd="sng" cap="flat" w="0">
+                      <a:noFill/>
+                      <a:prstDash val="solid"/>
+                    </a:lnT>
+                    <a:lnB algn="ctr" cmpd="sng" cap="flat" w="0">
+                      <a:noFill/>
+                      <a:prstDash val="solid"/>
+                    </a:lnB>
+                    <a:solidFill>
+                      <a:srgbClr val="FF7D29">
+                        <a:alpha val="100000"/>
+                      </a:srgbClr>
+                    </a:solidFill>
+                  </a:tcPr>
+                </a:tc>
+                <a:tc>
+                  <a:txBody>
+                    <a:bodyPr/>
+                    <a:lstStyle/>
+                    <a:p>
+                      <a:pPr algn="ctr" marL="63500" marR="63500">
+                        <a:lnSpc>
+                          <a:spcPct val="100000"/>
+                        </a:lnSpc>
+                        <a:spcBef>
+                          <a:spcPts val="300"/>
+                        </a:spcBef>
+                        <a:spcAft>
+                          <a:spcPts val="300"/>
+                        </a:spcAft>
+                        <a:buNone/>
+                      </a:pPr>
+                      <a:r>
+                        <a:rPr cap="none" sz="1200" i="0" b="0" u="none">
+                          <a:solidFill>
+                            <a:srgbClr val="000000">
+                              <a:alpha val="100000"/>
+                            </a:srgbClr>
+                          </a:solidFill>
+                          <a:latin typeface="arial"/>
+                          <a:cs typeface="arial"/>
+                          <a:ea typeface="arial"/>
+                          <a:sym typeface="arial"/>
+                        </a:rPr>
+                        <a:t>9 (6.7%)</a:t>
+                      </a:r>
+                    </a:p>
+                  </a:txBody>
+                  <a:tcPr anchor="ctr" marB="38100" marT="38100" marR="0" marL="0">
+                    <a:lnL algn="ctr" cmpd="sng" cap="flat" w="0">
+                      <a:noFill/>
+                      <a:prstDash val="solid"/>
+                    </a:lnL>
+                    <a:lnR algn="ctr" cmpd="sng" cap="flat" w="0">
+                      <a:noFill/>
+                      <a:prstDash val="solid"/>
+                    </a:lnR>
+                    <a:lnT algn="ctr" cmpd="sng" cap="flat" w="0">
+                      <a:noFill/>
+                      <a:prstDash val="solid"/>
+                    </a:lnT>
+                    <a:lnB algn="ctr" cmpd="sng" cap="flat" w="0">
+                      <a:noFill/>
+                      <a:prstDash val="solid"/>
+                    </a:lnB>
+                    <a:solidFill>
+                      <a:srgbClr val="FF7D29">
+                        <a:alpha val="100000"/>
+                      </a:srgbClr>
+                    </a:solidFill>
+                  </a:tcPr>
+                </a:tc>
+                <a:tc>
+                  <a:txBody>
+                    <a:bodyPr/>
+                    <a:lstStyle/>
+                    <a:p>
+                      <a:pPr algn="ctr" marL="63500" marR="63500">
+                        <a:lnSpc>
+                          <a:spcPct val="100000"/>
+                        </a:lnSpc>
+                        <a:spcBef>
+                          <a:spcPts val="300"/>
+                        </a:spcBef>
+                        <a:spcAft>
+                          <a:spcPts val="300"/>
+                        </a:spcAft>
+                        <a:buNone/>
+                      </a:pPr>
+                      <a:r>
+                        <a:rPr cap="none" sz="1200" i="0" b="0" u="none">
+                          <a:solidFill>
+                            <a:srgbClr val="000000">
+                              <a:alpha val="100000"/>
+                            </a:srgbClr>
+                          </a:solidFill>
+                          <a:latin typeface="arial"/>
+                          <a:cs typeface="arial"/>
+                          <a:ea typeface="arial"/>
+                          <a:sym typeface="arial"/>
+                        </a:rPr>
+                        <a:t>3 (2.2%)</a:t>
+                      </a:r>
+                    </a:p>
+                  </a:txBody>
+                  <a:tcPr anchor="ctr" marB="38100" marT="38100" marR="0" marL="0">
+                    <a:lnL algn="ctr" cmpd="sng" cap="flat" w="0">
+                      <a:noFill/>
+                      <a:prstDash val="solid"/>
+                    </a:lnL>
+                    <a:lnR algn="ctr" cmpd="sng" cap="flat" w="0">
+                      <a:noFill/>
+                      <a:prstDash val="solid"/>
+                    </a:lnR>
+                    <a:lnT algn="ctr" cmpd="sng" cap="flat" w="0">
+                      <a:noFill/>
+                      <a:prstDash val="solid"/>
+                    </a:lnT>
+                    <a:lnB algn="ctr" cmpd="sng" cap="flat" w="0">
+                      <a:noFill/>
+                      <a:prstDash val="solid"/>
+                    </a:lnB>
+                    <a:solidFill>
+                      <a:srgbClr val="FF7D29">
+                        <a:alpha val="100000"/>
+                      </a:srgbClr>
+                    </a:solidFill>
+                  </a:tcPr>
+                </a:tc>
+                <a:tc>
+                  <a:txBody>
+                    <a:bodyPr/>
+                    <a:lstStyle/>
+                    <a:p>
+                      <a:pPr algn="ctr" marL="63500" marR="63500">
+                        <a:lnSpc>
+                          <a:spcPct val="100000"/>
+                        </a:lnSpc>
+                        <a:spcBef>
+                          <a:spcPts val="300"/>
+                        </a:spcBef>
+                        <a:spcAft>
+                          <a:spcPts val="300"/>
+                        </a:spcAft>
+                        <a:buNone/>
+                      </a:pPr>
+                      <a:r>
+                        <a:rPr cap="none" sz="1200" i="0" b="0" u="none">
+                          <a:solidFill>
+                            <a:srgbClr val="000000">
+                              <a:alpha val="100000"/>
+                            </a:srgbClr>
+                          </a:solidFill>
+                          <a:latin typeface="arial"/>
+                          <a:cs typeface="arial"/>
+                          <a:ea typeface="arial"/>
+                          <a:sym typeface="arial"/>
+                        </a:rPr>
+                        <a:t>5 (3.8%)</a:t>
+                      </a:r>
+                    </a:p>
+                  </a:txBody>
+                  <a:tcPr anchor="ctr" marB="38100" marT="38100" marR="0" marL="0">
+                    <a:lnL algn="ctr" cmpd="sng" cap="flat" w="0">
+                      <a:noFill/>
+                      <a:prstDash val="solid"/>
+                    </a:lnL>
+                    <a:lnR algn="ctr" cmpd="sng" cap="flat" w="0">
+                      <a:noFill/>
+                      <a:prstDash val="solid"/>
+                    </a:lnR>
+                    <a:lnT algn="ctr" cmpd="sng" cap="flat" w="0">
+                      <a:noFill/>
+                      <a:prstDash val="solid"/>
+                    </a:lnT>
+                    <a:lnB algn="ctr" cmpd="sng" cap="flat" w="0">
+                      <a:noFill/>
+                      <a:prstDash val="solid"/>
+                    </a:lnB>
+                    <a:solidFill>
+                      <a:srgbClr val="FF7D29">
+                        <a:alpha val="100000"/>
+                      </a:srgbClr>
+                    </a:solidFill>
+                  </a:tcPr>
+                </a:tc>
+                <a:tc>
+                  <a:txBody>
+                    <a:bodyPr/>
+                    <a:lstStyle/>
+                    <a:p>
+                      <a:pPr algn="ctr" marL="63500" marR="63500">
+                        <a:lnSpc>
+                          <a:spcPct val="100000"/>
+                        </a:lnSpc>
+                        <a:spcBef>
+                          <a:spcPts val="300"/>
+                        </a:spcBef>
+                        <a:spcAft>
+                          <a:spcPts val="300"/>
+                        </a:spcAft>
+                        <a:buNone/>
+                      </a:pPr>
+                      <a:r>
+                        <a:rPr cap="none" sz="1200" i="0" b="0" u="none">
+                          <a:solidFill>
+                            <a:srgbClr val="000000">
+                              <a:alpha val="100000"/>
+                            </a:srgbClr>
+                          </a:solidFill>
+                          <a:latin typeface="arial"/>
+                          <a:cs typeface="arial"/>
+                          <a:ea typeface="arial"/>
+                          <a:sym typeface="arial"/>
+                        </a:rPr>
+                        <a:t>17 (4.2%)</a:t>
+                      </a:r>
+                    </a:p>
+                  </a:txBody>
+                  <a:tcPr anchor="ctr" marB="38100" marT="38100" marR="0" marL="0">
+                    <a:lnL algn="ctr" cmpd="sng" cap="flat" w="0">
+                      <a:noFill/>
+                      <a:prstDash val="solid"/>
+                    </a:lnL>
+                    <a:lnR algn="ctr" cmpd="sng" cap="flat" w="0">
+                      <a:noFill/>
+                      <a:prstDash val="solid"/>
+                    </a:lnR>
+                    <a:lnT algn="ctr" cmpd="sng" cap="flat" w="0">
+                      <a:noFill/>
+                      <a:prstDash val="solid"/>
+                    </a:lnT>
+                    <a:lnB algn="ctr" cmpd="sng" cap="flat" w="0">
+                      <a:noFill/>
+                      <a:prstDash val="solid"/>
+                    </a:lnB>
+                    <a:solidFill>
+                      <a:srgbClr val="FF7D29">
+                        <a:alpha val="100000"/>
+                      </a:srgbClr>
+                    </a:solidFill>
+                  </a:tcPr>
+                </a:tc>
+                <a:tc>
+                  <a:txBody>
+                    <a:bodyPr/>
+                    <a:lstStyle/>
+                    <a:p>
+                      <a:pPr algn="ctr" marL="63500" marR="63500">
+                        <a:lnSpc>
+                          <a:spcPct val="100000"/>
+                        </a:lnSpc>
+                        <a:spcBef>
+                          <a:spcPts val="300"/>
+                        </a:spcBef>
+                        <a:spcAft>
+                          <a:spcPts val="300"/>
+                        </a:spcAft>
+                        <a:buNone/>
+                      </a:pPr>
+                      <a:r>
+                        <a:rPr cap="none" sz="1200" i="0" b="0" u="none">
+                          <a:solidFill>
+                            <a:srgbClr val="000000">
+                              <a:alpha val="100000"/>
+                            </a:srgbClr>
+                          </a:solidFill>
+                          <a:latin typeface="arial"/>
+                          <a:cs typeface="arial"/>
+                          <a:ea typeface="arial"/>
+                          <a:sym typeface="arial"/>
+                        </a:rPr>
+                        <a:t>17 (4.2%)</a:t>
+                      </a:r>
+                    </a:p>
+                  </a:txBody>
+                  <a:tcPr anchor="ctr" marB="38100" marT="38100" marR="0" marL="0">
+                    <a:lnL algn="ctr" cmpd="sng" cap="flat" w="0">
+                      <a:noFill/>
+                      <a:prstDash val="solid"/>
+                    </a:lnL>
+                    <a:lnR algn="ctr" cmpd="sng" cap="flat" w="0">
+                      <a:noFill/>
+                      <a:prstDash val="solid"/>
+                    </a:lnR>
+                    <a:lnT algn="ctr" cmpd="sng" cap="flat" w="0">
+                      <a:noFill/>
+                      <a:prstDash val="solid"/>
+                    </a:lnT>
+                    <a:lnB algn="ctr" cmpd="sng" cap="flat" w="0">
+                      <a:noFill/>
+                      <a:prstDash val="solid"/>
+                    </a:lnB>
+                    <a:solidFill>
+                      <a:srgbClr val="FF7D29">
+                        <a:alpha val="100000"/>
+                      </a:srgbClr>
+                    </a:solidFill>
+                  </a:tcPr>
+                </a:tc>
+              </a:tr>
+              <a:tr h="239638">
+                <a:tc>
+                  <a:txBody>
+                    <a:bodyPr/>
+                    <a:lstStyle/>
+                    <a:p>
+                      <a:pPr algn="l" marL="127000" marR="63500">
+                        <a:lnSpc>
+                          <a:spcPct val="100000"/>
+                        </a:lnSpc>
+                        <a:spcBef>
+                          <a:spcPts val="300"/>
+                        </a:spcBef>
+                        <a:spcAft>
+                          <a:spcPts val="300"/>
+                        </a:spcAft>
+                        <a:buNone/>
+                      </a:pPr>
+                      <a:r>
+                        <a:rPr cap="none" sz="1200" i="0" b="0" u="none">
+                          <a:solidFill>
+                            <a:srgbClr val="000000">
+                              <a:alpha val="100000"/>
+                            </a:srgbClr>
+                          </a:solidFill>
+                          <a:latin typeface="arial"/>
+                          <a:cs typeface="arial"/>
+                          <a:ea typeface="arial"/>
+                          <a:sym typeface="arial"/>
+                        </a:rPr>
+                        <a:t>Country</a:t>
+                      </a:r>
+                    </a:p>
+                  </a:txBody>
+                  <a:tcPr anchor="ctr" marB="38100" marT="38100" marR="0" marL="0">
+                    <a:lnL algn="ctr" cmpd="sng" cap="flat" w="0">
+                      <a:noFill/>
+                      <a:prstDash val="solid"/>
+                    </a:lnL>
+                    <a:lnR algn="ctr" cmpd="sng" cap="flat" w="0">
+                      <a:noFill/>
+                      <a:prstDash val="solid"/>
+                    </a:lnR>
+                    <a:lnT algn="ctr" cmpd="sng" cap="flat" w="0">
+                      <a:noFill/>
+                      <a:prstDash val="solid"/>
+                    </a:lnT>
+                    <a:lnB algn="ctr" cmpd="sng" cap="flat" w="0">
+                      <a:noFill/>
+                      <a:prstDash val="solid"/>
+                    </a:lnB>
+                    <a:solidFill>
                       <a:srgbClr val="FFBD69">
                         <a:alpha val="100000"/>
                       </a:srgbClr>
@@ -10226,6 +13214,278 @@
                     </a:solidFill>
                   </a:tcPr>
                 </a:tc>
+                <a:tc>
+                  <a:txBody>
+                    <a:bodyPr/>
+                    <a:lstStyle/>
+                    <a:p>
+                      <a:pPr algn="ctr" marL="63500" marR="63500">
+                        <a:lnSpc>
+                          <a:spcPct val="100000"/>
+                        </a:lnSpc>
+                        <a:spcBef>
+                          <a:spcPts val="300"/>
+                        </a:spcBef>
+                        <a:spcAft>
+                          <a:spcPts val="300"/>
+                        </a:spcAft>
+                        <a:buNone/>
+                      </a:pPr>
+                      <a:endParaRPr cap="none" sz="1200" i="0" b="0" u="none">
+                        <a:solidFill>
+                          <a:srgbClr val="000000">
+                            <a:alpha val="100000"/>
+                          </a:srgbClr>
+                        </a:solidFill>
+                        <a:latin typeface="arial"/>
+                        <a:cs typeface="arial"/>
+                        <a:ea typeface="arial"/>
+                        <a:sym typeface="arial"/>
+                      </a:endParaRPr>
+                      <a:r>
+                        <a:rPr cap="none" sz="1200" i="0" b="0" u="none">
+                          <a:solidFill>
+                            <a:srgbClr val="000000">
+                              <a:alpha val="100000"/>
+                            </a:srgbClr>
+                          </a:solidFill>
+                          <a:latin typeface="arial"/>
+                          <a:cs typeface="arial"/>
+                          <a:ea typeface="arial"/>
+                          <a:sym typeface="arial"/>
+                        </a:rPr>
+                        <a:t/>
+                      </a:r>
+                    </a:p>
+                  </a:txBody>
+                  <a:tcPr anchor="ctr" marB="38100" marT="38100" marR="0" marL="0">
+                    <a:lnL algn="ctr" cmpd="sng" cap="flat" w="0">
+                      <a:noFill/>
+                      <a:prstDash val="solid"/>
+                    </a:lnL>
+                    <a:lnR algn="ctr" cmpd="sng" cap="flat" w="0">
+                      <a:noFill/>
+                      <a:prstDash val="solid"/>
+                    </a:lnR>
+                    <a:lnT algn="ctr" cmpd="sng" cap="flat" w="0">
+                      <a:noFill/>
+                      <a:prstDash val="solid"/>
+                    </a:lnT>
+                    <a:lnB algn="ctr" cmpd="sng" cap="flat" w="0">
+                      <a:noFill/>
+                      <a:prstDash val="solid"/>
+                    </a:lnB>
+                    <a:solidFill>
+                      <a:srgbClr val="FFBD69">
+                        <a:alpha val="100000"/>
+                      </a:srgbClr>
+                    </a:solidFill>
+                  </a:tcPr>
+                </a:tc>
+                <a:tc>
+                  <a:txBody>
+                    <a:bodyPr/>
+                    <a:lstStyle/>
+                    <a:p>
+                      <a:pPr algn="ctr" marL="63500" marR="63500">
+                        <a:lnSpc>
+                          <a:spcPct val="100000"/>
+                        </a:lnSpc>
+                        <a:spcBef>
+                          <a:spcPts val="300"/>
+                        </a:spcBef>
+                        <a:spcAft>
+                          <a:spcPts val="300"/>
+                        </a:spcAft>
+                        <a:buNone/>
+                      </a:pPr>
+                      <a:endParaRPr cap="none" sz="1200" i="0" b="0" u="none">
+                        <a:solidFill>
+                          <a:srgbClr val="000000">
+                            <a:alpha val="100000"/>
+                          </a:srgbClr>
+                        </a:solidFill>
+                        <a:latin typeface="arial"/>
+                        <a:cs typeface="arial"/>
+                        <a:ea typeface="arial"/>
+                        <a:sym typeface="arial"/>
+                      </a:endParaRPr>
+                      <a:r>
+                        <a:rPr cap="none" sz="1200" i="0" b="0" u="none">
+                          <a:solidFill>
+                            <a:srgbClr val="000000">
+                              <a:alpha val="100000"/>
+                            </a:srgbClr>
+                          </a:solidFill>
+                          <a:latin typeface="arial"/>
+                          <a:cs typeface="arial"/>
+                          <a:ea typeface="arial"/>
+                          <a:sym typeface="arial"/>
+                        </a:rPr>
+                        <a:t/>
+                      </a:r>
+                    </a:p>
+                  </a:txBody>
+                  <a:tcPr anchor="ctr" marB="38100" marT="38100" marR="0" marL="0">
+                    <a:lnL algn="ctr" cmpd="sng" cap="flat" w="0">
+                      <a:noFill/>
+                      <a:prstDash val="solid"/>
+                    </a:lnL>
+                    <a:lnR algn="ctr" cmpd="sng" cap="flat" w="0">
+                      <a:noFill/>
+                      <a:prstDash val="solid"/>
+                    </a:lnR>
+                    <a:lnT algn="ctr" cmpd="sng" cap="flat" w="0">
+                      <a:noFill/>
+                      <a:prstDash val="solid"/>
+                    </a:lnT>
+                    <a:lnB algn="ctr" cmpd="sng" cap="flat" w="0">
+                      <a:noFill/>
+                      <a:prstDash val="solid"/>
+                    </a:lnB>
+                    <a:solidFill>
+                      <a:srgbClr val="FFBD69">
+                        <a:alpha val="100000"/>
+                      </a:srgbClr>
+                    </a:solidFill>
+                  </a:tcPr>
+                </a:tc>
+                <a:tc>
+                  <a:txBody>
+                    <a:bodyPr/>
+                    <a:lstStyle/>
+                    <a:p>
+                      <a:pPr algn="ctr" marL="63500" marR="63500">
+                        <a:lnSpc>
+                          <a:spcPct val="100000"/>
+                        </a:lnSpc>
+                        <a:spcBef>
+                          <a:spcPts val="300"/>
+                        </a:spcBef>
+                        <a:spcAft>
+                          <a:spcPts val="300"/>
+                        </a:spcAft>
+                        <a:buNone/>
+                      </a:pPr>
+                      <a:endParaRPr cap="none" sz="1200" i="0" b="0" u="none">
+                        <a:solidFill>
+                          <a:srgbClr val="000000">
+                            <a:alpha val="100000"/>
+                          </a:srgbClr>
+                        </a:solidFill>
+                        <a:latin typeface="arial"/>
+                        <a:cs typeface="arial"/>
+                        <a:ea typeface="arial"/>
+                        <a:sym typeface="arial"/>
+                      </a:endParaRPr>
+                      <a:r>
+                        <a:rPr cap="none" sz="1200" i="0" b="0" u="none">
+                          <a:solidFill>
+                            <a:srgbClr val="000000">
+                              <a:alpha val="100000"/>
+                            </a:srgbClr>
+                          </a:solidFill>
+                          <a:latin typeface="arial"/>
+                          <a:cs typeface="arial"/>
+                          <a:ea typeface="arial"/>
+                          <a:sym typeface="arial"/>
+                        </a:rPr>
+                        <a:t/>
+                      </a:r>
+                    </a:p>
+                  </a:txBody>
+                  <a:tcPr anchor="ctr" marB="38100" marT="38100" marR="0" marL="0">
+                    <a:lnL algn="ctr" cmpd="sng" cap="flat" w="0">
+                      <a:noFill/>
+                      <a:prstDash val="solid"/>
+                    </a:lnL>
+                    <a:lnR algn="ctr" cmpd="sng" cap="flat" w="0">
+                      <a:noFill/>
+                      <a:prstDash val="solid"/>
+                    </a:lnR>
+                    <a:lnT algn="ctr" cmpd="sng" cap="flat" w="0">
+                      <a:noFill/>
+                      <a:prstDash val="solid"/>
+                    </a:lnT>
+                    <a:lnB algn="ctr" cmpd="sng" cap="flat" w="0">
+                      <a:noFill/>
+                      <a:prstDash val="solid"/>
+                    </a:lnB>
+                    <a:solidFill>
+                      <a:srgbClr val="FFBD69">
+                        <a:alpha val="100000"/>
+                      </a:srgbClr>
+                    </a:solidFill>
+                  </a:tcPr>
+                </a:tc>
+                <a:tc>
+                  <a:txBody>
+                    <a:bodyPr/>
+                    <a:lstStyle/>
+                    <a:p>
+                      <a:pPr algn="ctr" marL="63500" marR="63500">
+                        <a:lnSpc>
+                          <a:spcPct val="100000"/>
+                        </a:lnSpc>
+                        <a:spcBef>
+                          <a:spcPts val="300"/>
+                        </a:spcBef>
+                        <a:spcAft>
+                          <a:spcPts val="300"/>
+                        </a:spcAft>
+                        <a:buNone/>
+                      </a:pPr>
+                      <a:endParaRPr cap="none" sz="1200" i="0" b="0" u="none">
+                        <a:solidFill>
+                          <a:srgbClr val="000000">
+                            <a:alpha val="100000"/>
+                          </a:srgbClr>
+                        </a:solidFill>
+                        <a:latin typeface="arial"/>
+                        <a:cs typeface="arial"/>
+                        <a:ea typeface="arial"/>
+                        <a:sym typeface="arial"/>
+                      </a:endParaRPr>
+                      <a:r>
+                        <a:rPr cap="none" sz="1200" i="0" b="0" u="none">
+                          <a:solidFill>
+                            <a:srgbClr val="000000">
+                              <a:alpha val="100000"/>
+                            </a:srgbClr>
+                          </a:solidFill>
+                          <a:latin typeface="arial"/>
+                          <a:cs typeface="arial"/>
+                          <a:ea typeface="arial"/>
+                          <a:sym typeface="arial"/>
+                        </a:rPr>
+                        <a:t/>
+                      </a:r>
+                    </a:p>
+                  </a:txBody>
+                  <a:tcPr anchor="ctr" marB="38100" marT="38100" marR="0" marL="0">
+                    <a:lnL algn="ctr" cmpd="sng" cap="flat" w="0">
+                      <a:noFill/>
+                      <a:prstDash val="solid"/>
+                    </a:lnL>
+                    <a:lnR algn="ctr" cmpd="sng" cap="flat" w="0">
+                      <a:noFill/>
+                      <a:prstDash val="solid"/>
+                    </a:lnR>
+                    <a:lnT algn="ctr" cmpd="sng" cap="flat" w="0">
+                      <a:noFill/>
+                      <a:prstDash val="solid"/>
+                    </a:lnT>
+                    <a:lnB algn="ctr" cmpd="sng" cap="flat" w="0">
+                      <a:noFill/>
+                      <a:prstDash val="solid"/>
+                    </a:lnB>
+                    <a:solidFill>
+                      <a:srgbClr val="FFBD69">
+                        <a:alpha val="100000"/>
+                      </a:srgbClr>
+                    </a:solidFill>
+                  </a:tcPr>
+                </a:tc>
               </a:tr>
               <a:tr h="243582">
                 <a:tc>
@@ -10456,6 +13716,120 @@
                     </a:solidFill>
                   </a:tcPr>
                 </a:tc>
+                <a:tc>
+                  <a:txBody>
+                    <a:bodyPr/>
+                    <a:lstStyle/>
+                    <a:p>
+                      <a:pPr algn="ctr" marL="63500" marR="63500">
+                        <a:lnSpc>
+                          <a:spcPct val="100000"/>
+                        </a:lnSpc>
+                        <a:spcBef>
+                          <a:spcPts val="300"/>
+                        </a:spcBef>
+                        <a:spcAft>
+                          <a:spcPts val="300"/>
+                        </a:spcAft>
+                        <a:buNone/>
+                      </a:pPr>
+                      <a:r>
+                        <a:rPr cap="none" sz="1200" i="0" b="0" u="none">
+                          <a:solidFill>
+                            <a:srgbClr val="000000">
+                              <a:alpha val="100000"/>
+                            </a:srgbClr>
+                          </a:solidFill>
+                          <a:latin typeface="arial"/>
+                          <a:cs typeface="arial"/>
+                          <a:ea typeface="arial"/>
+                          <a:sym typeface="arial"/>
+                        </a:rPr>
+                        <a:t>219 (54.8%)</a:t>
+                      </a:r>
+                    </a:p>
+                  </a:txBody>
+                  <a:tcPr anchor="ctr" marB="38100" marT="38100" marR="0" marL="0">
+                    <a:lnL algn="ctr" cmpd="sng" cap="flat" w="0">
+                      <a:noFill/>
+                      <a:prstDash val="solid"/>
+                    </a:lnL>
+                    <a:lnR algn="ctr" cmpd="sng" cap="flat" w="0">
+                      <a:noFill/>
+                      <a:prstDash val="solid"/>
+                    </a:lnR>
+                    <a:lnT algn="ctr" cmpd="sng" cap="flat" w="0">
+                      <a:noFill/>
+                      <a:prstDash val="solid"/>
+                    </a:lnT>
+                    <a:lnB algn="ctr" cmpd="sng" cap="flat" w="0">
+                      <a:noFill/>
+                      <a:prstDash val="solid"/>
+                    </a:lnB>
+                    <a:solidFill>
+                      <a:srgbClr val="FF7D29">
+                        <a:alpha val="100000"/>
+                      </a:srgbClr>
+                    </a:solidFill>
+                  </a:tcPr>
+                </a:tc>
+                <a:tc>
+                  <a:txBody>
+                    <a:bodyPr/>
+                    <a:lstStyle/>
+                    <a:p>
+                      <a:pPr algn="ctr" marL="63500" marR="63500">
+                        <a:lnSpc>
+                          <a:spcPct val="100000"/>
+                        </a:lnSpc>
+                        <a:spcBef>
+                          <a:spcPts val="300"/>
+                        </a:spcBef>
+                        <a:spcAft>
+                          <a:spcPts val="300"/>
+                        </a:spcAft>
+                        <a:buNone/>
+                      </a:pPr>
+                      <a:r>
+                        <a:rPr cap="none" sz="1200" i="0" b="0" u="none">
+                          <a:solidFill>
+                            <a:srgbClr val="000000">
+                              <a:alpha val="100000"/>
+                            </a:srgbClr>
+                          </a:solidFill>
+                          <a:latin typeface="arial"/>
+                          <a:cs typeface="arial"/>
+                          <a:ea typeface="arial"/>
+                          <a:sym typeface="arial"/>
+                        </a:rPr>
+                        <a:t>219 (54.8%)</a:t>
+                      </a:r>
+                    </a:p>
+                  </a:txBody>
+                  <a:tcPr anchor="ctr" marB="38100" marT="38100" marR="0" marL="0">
+                    <a:lnL algn="ctr" cmpd="sng" cap="flat" w="0">
+                      <a:noFill/>
+                      <a:prstDash val="solid"/>
+                    </a:lnL>
+                    <a:lnR algn="ctr" cmpd="sng" cap="flat" w="0">
+                      <a:noFill/>
+                      <a:prstDash val="solid"/>
+                    </a:lnR>
+                    <a:lnT algn="ctr" cmpd="sng" cap="flat" w="0">
+                      <a:noFill/>
+                      <a:prstDash val="solid"/>
+                    </a:lnT>
+                    <a:lnB algn="ctr" cmpd="sng" cap="flat" w="0">
+                      <a:noFill/>
+                      <a:prstDash val="solid"/>
+                    </a:lnB>
+                    <a:solidFill>
+                      <a:srgbClr val="FF7D29">
+                        <a:alpha val="100000"/>
+                      </a:srgbClr>
+                    </a:solidFill>
+                  </a:tcPr>
+                </a:tc>
               </a:tr>
               <a:tr h="243582">
                 <a:tc>
@@ -10686,6 +14060,120 @@
                     </a:solidFill>
                   </a:tcPr>
                 </a:tc>
+                <a:tc>
+                  <a:txBody>
+                    <a:bodyPr/>
+                    <a:lstStyle/>
+                    <a:p>
+                      <a:pPr algn="ctr" marL="63500" marR="63500">
+                        <a:lnSpc>
+                          <a:spcPct val="100000"/>
+                        </a:lnSpc>
+                        <a:spcBef>
+                          <a:spcPts val="300"/>
+                        </a:spcBef>
+                        <a:spcAft>
+                          <a:spcPts val="300"/>
+                        </a:spcAft>
+                        <a:buNone/>
+                      </a:pPr>
+                      <a:r>
+                        <a:rPr cap="none" sz="1200" i="0" b="0" u="none">
+                          <a:solidFill>
+                            <a:srgbClr val="000000">
+                              <a:alpha val="100000"/>
+                            </a:srgbClr>
+                          </a:solidFill>
+                          <a:latin typeface="arial"/>
+                          <a:cs typeface="arial"/>
+                          <a:ea typeface="arial"/>
+                          <a:sym typeface="arial"/>
+                        </a:rPr>
+                        <a:t>40 (10%)</a:t>
+                      </a:r>
+                    </a:p>
+                  </a:txBody>
+                  <a:tcPr anchor="ctr" marB="38100" marT="38100" marR="0" marL="0">
+                    <a:lnL algn="ctr" cmpd="sng" cap="flat" w="0">
+                      <a:noFill/>
+                      <a:prstDash val="solid"/>
+                    </a:lnL>
+                    <a:lnR algn="ctr" cmpd="sng" cap="flat" w="0">
+                      <a:noFill/>
+                      <a:prstDash val="solid"/>
+                    </a:lnR>
+                    <a:lnT algn="ctr" cmpd="sng" cap="flat" w="0">
+                      <a:noFill/>
+                      <a:prstDash val="solid"/>
+                    </a:lnT>
+                    <a:lnB algn="ctr" cmpd="sng" cap="flat" w="0">
+                      <a:noFill/>
+                      <a:prstDash val="solid"/>
+                    </a:lnB>
+                    <a:solidFill>
+                      <a:srgbClr val="FFBD69">
+                        <a:alpha val="100000"/>
+                      </a:srgbClr>
+                    </a:solidFill>
+                  </a:tcPr>
+                </a:tc>
+                <a:tc>
+                  <a:txBody>
+                    <a:bodyPr/>
+                    <a:lstStyle/>
+                    <a:p>
+                      <a:pPr algn="ctr" marL="63500" marR="63500">
+                        <a:lnSpc>
+                          <a:spcPct val="100000"/>
+                        </a:lnSpc>
+                        <a:spcBef>
+                          <a:spcPts val="300"/>
+                        </a:spcBef>
+                        <a:spcAft>
+                          <a:spcPts val="300"/>
+                        </a:spcAft>
+                        <a:buNone/>
+                      </a:pPr>
+                      <a:r>
+                        <a:rPr cap="none" sz="1200" i="0" b="0" u="none">
+                          <a:solidFill>
+                            <a:srgbClr val="000000">
+                              <a:alpha val="100000"/>
+                            </a:srgbClr>
+                          </a:solidFill>
+                          <a:latin typeface="arial"/>
+                          <a:cs typeface="arial"/>
+                          <a:ea typeface="arial"/>
+                          <a:sym typeface="arial"/>
+                        </a:rPr>
+                        <a:t>40 (10%)</a:t>
+                      </a:r>
+                    </a:p>
+                  </a:txBody>
+                  <a:tcPr anchor="ctr" marB="38100" marT="38100" marR="0" marL="0">
+                    <a:lnL algn="ctr" cmpd="sng" cap="flat" w="0">
+                      <a:noFill/>
+                      <a:prstDash val="solid"/>
+                    </a:lnL>
+                    <a:lnR algn="ctr" cmpd="sng" cap="flat" w="0">
+                      <a:noFill/>
+                      <a:prstDash val="solid"/>
+                    </a:lnR>
+                    <a:lnT algn="ctr" cmpd="sng" cap="flat" w="0">
+                      <a:noFill/>
+                      <a:prstDash val="solid"/>
+                    </a:lnT>
+                    <a:lnB algn="ctr" cmpd="sng" cap="flat" w="0">
+                      <a:noFill/>
+                      <a:prstDash val="solid"/>
+                    </a:lnB>
+                    <a:solidFill>
+                      <a:srgbClr val="FFBD69">
+                        <a:alpha val="100000"/>
+                      </a:srgbClr>
+                    </a:solidFill>
+                  </a:tcPr>
+                </a:tc>
               </a:tr>
               <a:tr h="243582">
                 <a:tc>
@@ -10916,6 +14404,120 @@
                     </a:solidFill>
                   </a:tcPr>
                 </a:tc>
+                <a:tc>
+                  <a:txBody>
+                    <a:bodyPr/>
+                    <a:lstStyle/>
+                    <a:p>
+                      <a:pPr algn="ctr" marL="63500" marR="63500">
+                        <a:lnSpc>
+                          <a:spcPct val="100000"/>
+                        </a:lnSpc>
+                        <a:spcBef>
+                          <a:spcPts val="300"/>
+                        </a:spcBef>
+                        <a:spcAft>
+                          <a:spcPts val="300"/>
+                        </a:spcAft>
+                        <a:buNone/>
+                      </a:pPr>
+                      <a:r>
+                        <a:rPr cap="none" sz="1200" i="0" b="0" u="none">
+                          <a:solidFill>
+                            <a:srgbClr val="000000">
+                              <a:alpha val="100000"/>
+                            </a:srgbClr>
+                          </a:solidFill>
+                          <a:latin typeface="arial"/>
+                          <a:cs typeface="arial"/>
+                          <a:ea typeface="arial"/>
+                          <a:sym typeface="arial"/>
+                        </a:rPr>
+                        <a:t>30 (7.5%)</a:t>
+                      </a:r>
+                    </a:p>
+                  </a:txBody>
+                  <a:tcPr anchor="ctr" marB="38100" marT="38100" marR="0" marL="0">
+                    <a:lnL algn="ctr" cmpd="sng" cap="flat" w="0">
+                      <a:noFill/>
+                      <a:prstDash val="solid"/>
+                    </a:lnL>
+                    <a:lnR algn="ctr" cmpd="sng" cap="flat" w="0">
+                      <a:noFill/>
+                      <a:prstDash val="solid"/>
+                    </a:lnR>
+                    <a:lnT algn="ctr" cmpd="sng" cap="flat" w="0">
+                      <a:noFill/>
+                      <a:prstDash val="solid"/>
+                    </a:lnT>
+                    <a:lnB algn="ctr" cmpd="sng" cap="flat" w="0">
+                      <a:noFill/>
+                      <a:prstDash val="solid"/>
+                    </a:lnB>
+                    <a:solidFill>
+                      <a:srgbClr val="FF7D29">
+                        <a:alpha val="100000"/>
+                      </a:srgbClr>
+                    </a:solidFill>
+                  </a:tcPr>
+                </a:tc>
+                <a:tc>
+                  <a:txBody>
+                    <a:bodyPr/>
+                    <a:lstStyle/>
+                    <a:p>
+                      <a:pPr algn="ctr" marL="63500" marR="63500">
+                        <a:lnSpc>
+                          <a:spcPct val="100000"/>
+                        </a:lnSpc>
+                        <a:spcBef>
+                          <a:spcPts val="300"/>
+                        </a:spcBef>
+                        <a:spcAft>
+                          <a:spcPts val="300"/>
+                        </a:spcAft>
+                        <a:buNone/>
+                      </a:pPr>
+                      <a:r>
+                        <a:rPr cap="none" sz="1200" i="0" b="0" u="none">
+                          <a:solidFill>
+                            <a:srgbClr val="000000">
+                              <a:alpha val="100000"/>
+                            </a:srgbClr>
+                          </a:solidFill>
+                          <a:latin typeface="arial"/>
+                          <a:cs typeface="arial"/>
+                          <a:ea typeface="arial"/>
+                          <a:sym typeface="arial"/>
+                        </a:rPr>
+                        <a:t>30 (7.5%)</a:t>
+                      </a:r>
+                    </a:p>
+                  </a:txBody>
+                  <a:tcPr anchor="ctr" marB="38100" marT="38100" marR="0" marL="0">
+                    <a:lnL algn="ctr" cmpd="sng" cap="flat" w="0">
+                      <a:noFill/>
+                      <a:prstDash val="solid"/>
+                    </a:lnL>
+                    <a:lnR algn="ctr" cmpd="sng" cap="flat" w="0">
+                      <a:noFill/>
+                      <a:prstDash val="solid"/>
+                    </a:lnR>
+                    <a:lnT algn="ctr" cmpd="sng" cap="flat" w="0">
+                      <a:noFill/>
+                      <a:prstDash val="solid"/>
+                    </a:lnT>
+                    <a:lnB algn="ctr" cmpd="sng" cap="flat" w="0">
+                      <a:noFill/>
+                      <a:prstDash val="solid"/>
+                    </a:lnB>
+                    <a:solidFill>
+                      <a:srgbClr val="FF7D29">
+                        <a:alpha val="100000"/>
+                      </a:srgbClr>
+                    </a:solidFill>
+                  </a:tcPr>
+                </a:tc>
               </a:tr>
               <a:tr h="243582">
                 <a:tc>
@@ -11146,9 +14748,123 @@
                     </a:solidFill>
                   </a:tcPr>
                 </a:tc>
+                <a:tc>
+                  <a:txBody>
+                    <a:bodyPr/>
+                    <a:lstStyle/>
+                    <a:p>
+                      <a:pPr algn="ctr" marL="63500" marR="63500">
+                        <a:lnSpc>
+                          <a:spcPct val="100000"/>
+                        </a:lnSpc>
+                        <a:spcBef>
+                          <a:spcPts val="300"/>
+                        </a:spcBef>
+                        <a:spcAft>
+                          <a:spcPts val="300"/>
+                        </a:spcAft>
+                        <a:buNone/>
+                      </a:pPr>
+                      <a:r>
+                        <a:rPr cap="none" sz="1200" i="0" b="0" u="none">
+                          <a:solidFill>
+                            <a:srgbClr val="000000">
+                              <a:alpha val="100000"/>
+                            </a:srgbClr>
+                          </a:solidFill>
+                          <a:latin typeface="arial"/>
+                          <a:cs typeface="arial"/>
+                          <a:ea typeface="arial"/>
+                          <a:sym typeface="arial"/>
+                        </a:rPr>
+                        <a:t>31 (7.8%)</a:t>
+                      </a:r>
+                    </a:p>
+                  </a:txBody>
+                  <a:tcPr anchor="ctr" marB="38100" marT="38100" marR="0" marL="0">
+                    <a:lnL algn="ctr" cmpd="sng" cap="flat" w="0">
+                      <a:noFill/>
+                      <a:prstDash val="solid"/>
+                    </a:lnL>
+                    <a:lnR algn="ctr" cmpd="sng" cap="flat" w="0">
+                      <a:noFill/>
+                      <a:prstDash val="solid"/>
+                    </a:lnR>
+                    <a:lnT algn="ctr" cmpd="sng" cap="flat" w="0">
+                      <a:noFill/>
+                      <a:prstDash val="solid"/>
+                    </a:lnT>
+                    <a:lnB algn="ctr" cmpd="sng" cap="flat" w="0">
+                      <a:noFill/>
+                      <a:prstDash val="solid"/>
+                    </a:lnB>
+                    <a:solidFill>
+                      <a:srgbClr val="FFBD69">
+                        <a:alpha val="100000"/>
+                      </a:srgbClr>
+                    </a:solidFill>
+                  </a:tcPr>
+                </a:tc>
+                <a:tc>
+                  <a:txBody>
+                    <a:bodyPr/>
+                    <a:lstStyle/>
+                    <a:p>
+                      <a:pPr algn="ctr" marL="63500" marR="63500">
+                        <a:lnSpc>
+                          <a:spcPct val="100000"/>
+                        </a:lnSpc>
+                        <a:spcBef>
+                          <a:spcPts val="300"/>
+                        </a:spcBef>
+                        <a:spcAft>
+                          <a:spcPts val="300"/>
+                        </a:spcAft>
+                        <a:buNone/>
+                      </a:pPr>
+                      <a:r>
+                        <a:rPr cap="none" sz="1200" i="0" b="0" u="none">
+                          <a:solidFill>
+                            <a:srgbClr val="000000">
+                              <a:alpha val="100000"/>
+                            </a:srgbClr>
+                          </a:solidFill>
+                          <a:latin typeface="arial"/>
+                          <a:cs typeface="arial"/>
+                          <a:ea typeface="arial"/>
+                          <a:sym typeface="arial"/>
+                        </a:rPr>
+                        <a:t>31 (7.8%)</a:t>
+                      </a:r>
+                    </a:p>
+                  </a:txBody>
+                  <a:tcPr anchor="ctr" marB="38100" marT="38100" marR="0" marL="0">
+                    <a:lnL algn="ctr" cmpd="sng" cap="flat" w="0">
+                      <a:noFill/>
+                      <a:prstDash val="solid"/>
+                    </a:lnL>
+                    <a:lnR algn="ctr" cmpd="sng" cap="flat" w="0">
+                      <a:noFill/>
+                      <a:prstDash val="solid"/>
+                    </a:lnR>
+                    <a:lnT algn="ctr" cmpd="sng" cap="flat" w="0">
+                      <a:noFill/>
+                      <a:prstDash val="solid"/>
+                    </a:lnT>
+                    <a:lnB algn="ctr" cmpd="sng" cap="flat" w="0">
+                      <a:noFill/>
+                      <a:prstDash val="solid"/>
+                    </a:lnB>
+                    <a:solidFill>
+                      <a:srgbClr val="FFBD69">
+                        <a:alpha val="100000"/>
+                      </a:srgbClr>
+                    </a:solidFill>
+                  </a:tcPr>
+                </a:tc>
               </a:tr>
               <a:tr h="228600">
-                <a:tc gridSpan="4">
+                <a:tc gridSpan="6">
                   <a:txBody>
                     <a:bodyPr/>
                     <a:lstStyle/>
@@ -11220,6 +14936,142 @@
                           <a:sym typeface="DejaVu Sans"/>
                         </a:rPr>
                         <a:t>; </a:t>
+                      </a:r>
+                    </a:p>
+                  </a:txBody>
+                  <a:tcPr anchor="ctr" marB="63500" marT="63500" marR="0" marL="0">
+                    <a:lnL algn="ctr" cmpd="sng" cap="flat" w="0">
+                      <a:noFill/>
+                      <a:prstDash val="solid"/>
+                    </a:lnL>
+                    <a:lnR algn="ctr" cmpd="sng" cap="flat" w="0">
+                      <a:noFill/>
+                      <a:prstDash val="solid"/>
+                    </a:lnR>
+                    <a:lnT algn="ctr" cmpd="sng" cap="flat" w="0">
+                      <a:noFill/>
+                      <a:prstDash val="solid"/>
+                    </a:lnT>
+                    <a:lnB algn="ctr" cmpd="sng" cap="flat" w="0">
+                      <a:noFill/>
+                      <a:prstDash val="solid"/>
+                    </a:lnB>
+                    <a:solidFill>
+                      <a:srgbClr val="FFFFFF">
+                        <a:alpha val="0"/>
+                      </a:srgbClr>
+                    </a:solidFill>
+                  </a:tcPr>
+                </a:tc>
+                <a:tc hMerge="true">
+                  <a:txBody>
+                    <a:bodyPr/>
+                    <a:lstStyle/>
+                    <a:p>
+                      <a:pPr algn="l" marL="63500" marR="63500">
+                        <a:lnSpc>
+                          <a:spcPct val="100000"/>
+                        </a:lnSpc>
+                        <a:spcBef>
+                          <a:spcPts val="500"/>
+                        </a:spcBef>
+                        <a:spcAft>
+                          <a:spcPts val="500"/>
+                        </a:spcAft>
+                        <a:buNone/>
+                      </a:pPr>
+                      <a:endParaRPr cap="none" sz="1100" i="0" b="0" u="none">
+                        <a:solidFill>
+                          <a:srgbClr val="000000">
+                            <a:alpha val="100000"/>
+                          </a:srgbClr>
+                        </a:solidFill>
+                        <a:latin typeface="DejaVu Sans"/>
+                        <a:cs typeface="DejaVu Sans"/>
+                        <a:ea typeface="DejaVu Sans"/>
+                        <a:sym typeface="DejaVu Sans"/>
+                      </a:endParaRPr>
+                      <a:r>
+                        <a:rPr cap="none" sz="1100" i="0" b="0" u="none">
+                          <a:solidFill>
+                            <a:srgbClr val="000000">
+                              <a:alpha val="100000"/>
+                            </a:srgbClr>
+                          </a:solidFill>
+                          <a:latin typeface="DejaVu Sans"/>
+                          <a:cs typeface="DejaVu Sans"/>
+                          <a:ea typeface="DejaVu Sans"/>
+                          <a:sym typeface="DejaVu Sans"/>
+                        </a:rPr>
+                        <a:t/>
+                      </a:r>
+                    </a:p>
+                  </a:txBody>
+                  <a:tcPr anchor="ctr" marB="63500" marT="63500" marR="0" marL="0">
+                    <a:lnL algn="ctr" cmpd="sng" cap="flat" w="0">
+                      <a:noFill/>
+                      <a:prstDash val="solid"/>
+                    </a:lnL>
+                    <a:lnR algn="ctr" cmpd="sng" cap="flat" w="0">
+                      <a:noFill/>
+                      <a:prstDash val="solid"/>
+                    </a:lnR>
+                    <a:lnT algn="ctr" cmpd="sng" cap="flat" w="0">
+                      <a:noFill/>
+                      <a:prstDash val="solid"/>
+                    </a:lnT>
+                    <a:lnB algn="ctr" cmpd="sng" cap="flat" w="0">
+                      <a:noFill/>
+                      <a:prstDash val="solid"/>
+                    </a:lnB>
+                    <a:solidFill>
+                      <a:srgbClr val="FFFFFF">
+                        <a:alpha val="0"/>
+                      </a:srgbClr>
+                    </a:solidFill>
+                  </a:tcPr>
+                </a:tc>
+                <a:tc hMerge="true">
+                  <a:txBody>
+                    <a:bodyPr/>
+                    <a:lstStyle/>
+                    <a:p>
+                      <a:pPr algn="l" marL="63500" marR="63500">
+                        <a:lnSpc>
+                          <a:spcPct val="100000"/>
+                        </a:lnSpc>
+                        <a:spcBef>
+                          <a:spcPts val="500"/>
+                        </a:spcBef>
+                        <a:spcAft>
+                          <a:spcPts val="500"/>
+                        </a:spcAft>
+                        <a:buNone/>
+                      </a:pPr>
+                      <a:endParaRPr cap="none" sz="1100" i="0" b="0" u="none">
+                        <a:solidFill>
+                          <a:srgbClr val="000000">
+                            <a:alpha val="100000"/>
+                          </a:srgbClr>
+                        </a:solidFill>
+                        <a:latin typeface="DejaVu Sans"/>
+                        <a:cs typeface="DejaVu Sans"/>
+                        <a:ea typeface="DejaVu Sans"/>
+                        <a:sym typeface="DejaVu Sans"/>
+                      </a:endParaRPr>
+                      <a:r>
+                        <a:rPr cap="none" sz="1100" i="0" b="0" u="none">
+                          <a:solidFill>
+                            <a:srgbClr val="000000">
+                              <a:alpha val="100000"/>
+                            </a:srgbClr>
+                          </a:solidFill>
+                          <a:latin typeface="DejaVu Sans"/>
+                          <a:cs typeface="DejaVu Sans"/>
+                          <a:ea typeface="DejaVu Sans"/>
+                          <a:sym typeface="DejaVu Sans"/>
+                        </a:rPr>
+                        <a:t/>
                       </a:r>
                     </a:p>
                   </a:txBody>
@@ -11539,7 +15391,7 @@
           <p:nvPr/>
         </p:nvGraphicFramePr>
         <p:xfrm rot="0">
-          <a:off x="2180492" y="1165860"/>
+          <a:off x="1084720" y="1165860"/>
           <a:ext cx="3657600" cy="2743200"/>
         </p:xfrm>
         <a:graphic>
@@ -11547,10 +15399,12 @@
             <a:tbl>
               <a:tblPr/>
               <a:tblGrid>
-                <a:gridCol w="3986594"/>
-                <a:gridCol w="1281474"/>
-                <a:gridCol w="1281474"/>
-                <a:gridCol w="1281474"/>
+                <a:gridCol w="3720066"/>
+                <a:gridCol w="1260499"/>
+                <a:gridCol w="1260499"/>
+                <a:gridCol w="1260499"/>
+                <a:gridCol w="1260499"/>
+                <a:gridCol w="1260499"/>
               </a:tblGrid>
               <a:tr h="261603">
                 <a:tc>
@@ -11768,6 +15622,120 @@
                           <a:sym typeface="arial"/>
                         </a:rPr>
                         <a:t>C: Combination</a:t>
+                      </a:r>
+                    </a:p>
+                  </a:txBody>
+                  <a:tcPr anchor="ctr" marB="38100" marT="38100" marR="0" marL="0">
+                    <a:lnL algn="ctr" cmpd="sng" cap="flat" w="0">
+                      <a:noFill/>
+                      <a:prstDash val="solid"/>
+                    </a:lnL>
+                    <a:lnR algn="ctr" cmpd="sng" cap="flat" w="0">
+                      <a:noFill/>
+                      <a:prstDash val="solid"/>
+                    </a:lnR>
+                    <a:lnT algn="ctr" cmpd="sng" cap="flat" w="0">
+                      <a:noFill/>
+                      <a:prstDash val="solid"/>
+                    </a:lnT>
+                    <a:lnB algn="ctr" cmpd="sng" cap="flat" w="0">
+                      <a:noFill/>
+                      <a:prstDash val="solid"/>
+                    </a:lnB>
+                    <a:solidFill>
+                      <a:srgbClr val="ED4A0D">
+                        <a:alpha val="100000"/>
+                      </a:srgbClr>
+                    </a:solidFill>
+                  </a:tcPr>
+                </a:tc>
+                <a:tc>
+                  <a:txBody>
+                    <a:bodyPr/>
+                    <a:lstStyle/>
+                    <a:p>
+                      <a:pPr algn="ctr" marL="63500" marR="63500">
+                        <a:lnSpc>
+                          <a:spcPct val="100000"/>
+                        </a:lnSpc>
+                        <a:spcBef>
+                          <a:spcPts val="300"/>
+                        </a:spcBef>
+                        <a:spcAft>
+                          <a:spcPts val="300"/>
+                        </a:spcAft>
+                        <a:buNone/>
+                      </a:pPr>
+                      <a:r>
+                        <a:rPr cap="none" sz="1400" i="0" b="1" u="none">
+                          <a:solidFill>
+                            <a:srgbClr val="FFFFFF">
+                              <a:alpha val="100000"/>
+                            </a:srgbClr>
+                          </a:solidFill>
+                          <a:latin typeface="arial"/>
+                          <a:cs typeface="arial"/>
+                          <a:ea typeface="arial"/>
+                          <a:sym typeface="arial"/>
+                        </a:rPr>
+                        <a:t>All Patients</a:t>
+                      </a:r>
+                    </a:p>
+                  </a:txBody>
+                  <a:tcPr anchor="ctr" marB="38100" marT="38100" marR="0" marL="0">
+                    <a:lnL algn="ctr" cmpd="sng" cap="flat" w="0">
+                      <a:noFill/>
+                      <a:prstDash val="solid"/>
+                    </a:lnL>
+                    <a:lnR algn="ctr" cmpd="sng" cap="flat" w="0">
+                      <a:noFill/>
+                      <a:prstDash val="solid"/>
+                    </a:lnR>
+                    <a:lnT algn="ctr" cmpd="sng" cap="flat" w="0">
+                      <a:noFill/>
+                      <a:prstDash val="solid"/>
+                    </a:lnT>
+                    <a:lnB algn="ctr" cmpd="sng" cap="flat" w="0">
+                      <a:noFill/>
+                      <a:prstDash val="solid"/>
+                    </a:lnB>
+                    <a:solidFill>
+                      <a:srgbClr val="ED4A0D">
+                        <a:alpha val="100000"/>
+                      </a:srgbClr>
+                    </a:solidFill>
+                  </a:tcPr>
+                </a:tc>
+                <a:tc>
+                  <a:txBody>
+                    <a:bodyPr/>
+                    <a:lstStyle/>
+                    <a:p>
+                      <a:pPr algn="ctr" marL="63500" marR="63500">
+                        <a:lnSpc>
+                          <a:spcPct val="100000"/>
+                        </a:lnSpc>
+                        <a:spcBef>
+                          <a:spcPts val="300"/>
+                        </a:spcBef>
+                        <a:spcAft>
+                          <a:spcPts val="300"/>
+                        </a:spcAft>
+                        <a:buNone/>
+                      </a:pPr>
+                      <a:r>
+                        <a:rPr cap="none" sz="1400" i="0" b="1" u="none">
+                          <a:solidFill>
+                            <a:srgbClr val="FFFFFF">
+                              <a:alpha val="100000"/>
+                            </a:srgbClr>
+                          </a:solidFill>
+                          <a:latin typeface="arial"/>
+                          <a:cs typeface="arial"/>
+                          <a:ea typeface="arial"/>
+                          <a:sym typeface="arial"/>
+                        </a:rPr>
+                        <a:t>All Patients</a:t>
                       </a:r>
                     </a:p>
                   </a:txBody>
@@ -12058,6 +16026,142 @@
                     </a:solidFill>
                   </a:tcPr>
                 </a:tc>
+                <a:tc>
+                  <a:txBody>
+                    <a:bodyPr/>
+                    <a:lstStyle/>
+                    <a:p>
+                      <a:pPr algn="ctr" marL="63500" marR="63500">
+                        <a:lnSpc>
+                          <a:spcPct val="100000"/>
+                        </a:lnSpc>
+                        <a:spcBef>
+                          <a:spcPts val="300"/>
+                        </a:spcBef>
+                        <a:spcAft>
+                          <a:spcPts val="300"/>
+                        </a:spcAft>
+                        <a:buNone/>
+                      </a:pPr>
+                      <a:endParaRPr cap="none" sz="1200" i="0" b="0" u="none">
+                        <a:solidFill>
+                          <a:srgbClr val="000000">
+                            <a:alpha val="100000"/>
+                          </a:srgbClr>
+                        </a:solidFill>
+                        <a:latin typeface="arial"/>
+                        <a:cs typeface="arial"/>
+                        <a:ea typeface="arial"/>
+                        <a:sym typeface="arial"/>
+                      </a:endParaRPr>
+                      <a:r>
+                        <a:rPr cap="none" sz="1200" i="0" b="0" u="none">
+                          <a:solidFill>
+                            <a:srgbClr val="000000">
+                              <a:alpha val="100000"/>
+                            </a:srgbClr>
+                          </a:solidFill>
+                          <a:latin typeface="arial"/>
+                          <a:cs typeface="arial"/>
+                          <a:ea typeface="arial"/>
+                          <a:sym typeface="arial"/>
+                        </a:rPr>
+                        <a:t/>
+                      </a:r>
+                    </a:p>
+                  </a:txBody>
+                  <a:tcPr anchor="ctr" marB="38100" marT="38100" marR="0" marL="0">
+                    <a:lnL algn="ctr" cmpd="sng" cap="flat" w="0">
+                      <a:noFill/>
+                      <a:prstDash val="solid"/>
+                    </a:lnL>
+                    <a:lnR algn="ctr" cmpd="sng" cap="flat" w="0">
+                      <a:noFill/>
+                      <a:prstDash val="solid"/>
+                    </a:lnR>
+                    <a:lnT algn="ctr" cmpd="sng" cap="flat" w="0">
+                      <a:noFill/>
+                      <a:prstDash val="solid"/>
+                    </a:lnT>
+                    <a:lnB algn="ctr" cmpd="sng" cap="flat" w="0">
+                      <a:noFill/>
+                      <a:prstDash val="solid"/>
+                    </a:lnB>
+                    <a:solidFill>
+                      <a:srgbClr val="FF7D29">
+                        <a:alpha val="100000"/>
+                      </a:srgbClr>
+                    </a:solidFill>
+                  </a:tcPr>
+                </a:tc>
+                <a:tc>
+                  <a:txBody>
+                    <a:bodyPr/>
+                    <a:lstStyle/>
+                    <a:p>
+                      <a:pPr algn="ctr" marL="63500" marR="63500">
+                        <a:lnSpc>
+                          <a:spcPct val="100000"/>
+                        </a:lnSpc>
+                        <a:spcBef>
+                          <a:spcPts val="300"/>
+                        </a:spcBef>
+                        <a:spcAft>
+                          <a:spcPts val="300"/>
+                        </a:spcAft>
+                        <a:buNone/>
+                      </a:pPr>
+                      <a:endParaRPr cap="none" sz="1200" i="0" b="0" u="none">
+                        <a:solidFill>
+                          <a:srgbClr val="000000">
+                            <a:alpha val="100000"/>
+                          </a:srgbClr>
+                        </a:solidFill>
+                        <a:latin typeface="arial"/>
+                        <a:cs typeface="arial"/>
+                        <a:ea typeface="arial"/>
+                        <a:sym typeface="arial"/>
+                      </a:endParaRPr>
+                      <a:r>
+                        <a:rPr cap="none" sz="1200" i="0" b="0" u="none">
+                          <a:solidFill>
+                            <a:srgbClr val="000000">
+                              <a:alpha val="100000"/>
+                            </a:srgbClr>
+                          </a:solidFill>
+                          <a:latin typeface="arial"/>
+                          <a:cs typeface="arial"/>
+                          <a:ea typeface="arial"/>
+                          <a:sym typeface="arial"/>
+                        </a:rPr>
+                        <a:t/>
+                      </a:r>
+                    </a:p>
+                  </a:txBody>
+                  <a:tcPr anchor="ctr" marB="38100" marT="38100" marR="0" marL="0">
+                    <a:lnL algn="ctr" cmpd="sng" cap="flat" w="0">
+                      <a:noFill/>
+                      <a:prstDash val="solid"/>
+                    </a:lnL>
+                    <a:lnR algn="ctr" cmpd="sng" cap="flat" w="0">
+                      <a:noFill/>
+                      <a:prstDash val="solid"/>
+                    </a:lnR>
+                    <a:lnT algn="ctr" cmpd="sng" cap="flat" w="0">
+                      <a:noFill/>
+                      <a:prstDash val="solid"/>
+                    </a:lnT>
+                    <a:lnB algn="ctr" cmpd="sng" cap="flat" w="0">
+                      <a:noFill/>
+                      <a:prstDash val="solid"/>
+                    </a:lnB>
+                    <a:solidFill>
+                      <a:srgbClr val="FF7D29">
+                        <a:alpha val="100000"/>
+                      </a:srgbClr>
+                    </a:solidFill>
+                  </a:tcPr>
+                </a:tc>
               </a:tr>
               <a:tr h="243582">
                 <a:tc>
@@ -12288,6 +16392,120 @@
                     </a:solidFill>
                   </a:tcPr>
                 </a:tc>
+                <a:tc>
+                  <a:txBody>
+                    <a:bodyPr/>
+                    <a:lstStyle/>
+                    <a:p>
+                      <a:pPr algn="ctr" marL="63500" marR="63500">
+                        <a:lnSpc>
+                          <a:spcPct val="100000"/>
+                        </a:lnSpc>
+                        <a:spcBef>
+                          <a:spcPts val="300"/>
+                        </a:spcBef>
+                        <a:spcAft>
+                          <a:spcPts val="300"/>
+                        </a:spcAft>
+                        <a:buNone/>
+                      </a:pPr>
+                      <a:r>
+                        <a:rPr cap="none" sz="1200" i="0" b="0" u="none">
+                          <a:solidFill>
+                            <a:srgbClr val="000000">
+                              <a:alpha val="100000"/>
+                            </a:srgbClr>
+                          </a:solidFill>
+                          <a:latin typeface="arial"/>
+                          <a:cs typeface="arial"/>
+                          <a:ea typeface="arial"/>
+                          <a:sym typeface="arial"/>
+                        </a:rPr>
+                        <a:t>26 (6.5%)</a:t>
+                      </a:r>
+                    </a:p>
+                  </a:txBody>
+                  <a:tcPr anchor="ctr" marB="38100" marT="38100" marR="0" marL="0">
+                    <a:lnL algn="ctr" cmpd="sng" cap="flat" w="0">
+                      <a:noFill/>
+                      <a:prstDash val="solid"/>
+                    </a:lnL>
+                    <a:lnR algn="ctr" cmpd="sng" cap="flat" w="0">
+                      <a:noFill/>
+                      <a:prstDash val="solid"/>
+                    </a:lnR>
+                    <a:lnT algn="ctr" cmpd="sng" cap="flat" w="0">
+                      <a:noFill/>
+                      <a:prstDash val="solid"/>
+                    </a:lnT>
+                    <a:lnB algn="ctr" cmpd="sng" cap="flat" w="0">
+                      <a:noFill/>
+                      <a:prstDash val="solid"/>
+                    </a:lnB>
+                    <a:solidFill>
+                      <a:srgbClr val="FFBD69">
+                        <a:alpha val="100000"/>
+                      </a:srgbClr>
+                    </a:solidFill>
+                  </a:tcPr>
+                </a:tc>
+                <a:tc>
+                  <a:txBody>
+                    <a:bodyPr/>
+                    <a:lstStyle/>
+                    <a:p>
+                      <a:pPr algn="ctr" marL="63500" marR="63500">
+                        <a:lnSpc>
+                          <a:spcPct val="100000"/>
+                        </a:lnSpc>
+                        <a:spcBef>
+                          <a:spcPts val="300"/>
+                        </a:spcBef>
+                        <a:spcAft>
+                          <a:spcPts val="300"/>
+                        </a:spcAft>
+                        <a:buNone/>
+                      </a:pPr>
+                      <a:r>
+                        <a:rPr cap="none" sz="1200" i="0" b="0" u="none">
+                          <a:solidFill>
+                            <a:srgbClr val="000000">
+                              <a:alpha val="100000"/>
+                            </a:srgbClr>
+                          </a:solidFill>
+                          <a:latin typeface="arial"/>
+                          <a:cs typeface="arial"/>
+                          <a:ea typeface="arial"/>
+                          <a:sym typeface="arial"/>
+                        </a:rPr>
+                        <a:t>26 (6.5%)</a:t>
+                      </a:r>
+                    </a:p>
+                  </a:txBody>
+                  <a:tcPr anchor="ctr" marB="38100" marT="38100" marR="0" marL="0">
+                    <a:lnL algn="ctr" cmpd="sng" cap="flat" w="0">
+                      <a:noFill/>
+                      <a:prstDash val="solid"/>
+                    </a:lnL>
+                    <a:lnR algn="ctr" cmpd="sng" cap="flat" w="0">
+                      <a:noFill/>
+                      <a:prstDash val="solid"/>
+                    </a:lnR>
+                    <a:lnT algn="ctr" cmpd="sng" cap="flat" w="0">
+                      <a:noFill/>
+                      <a:prstDash val="solid"/>
+                    </a:lnT>
+                    <a:lnB algn="ctr" cmpd="sng" cap="flat" w="0">
+                      <a:noFill/>
+                      <a:prstDash val="solid"/>
+                    </a:lnB>
+                    <a:solidFill>
+                      <a:srgbClr val="FFBD69">
+                        <a:alpha val="100000"/>
+                      </a:srgbClr>
+                    </a:solidFill>
+                  </a:tcPr>
+                </a:tc>
               </a:tr>
               <a:tr h="243582">
                 <a:tc>
@@ -12518,6 +16736,120 @@
                     </a:solidFill>
                   </a:tcPr>
                 </a:tc>
+                <a:tc>
+                  <a:txBody>
+                    <a:bodyPr/>
+                    <a:lstStyle/>
+                    <a:p>
+                      <a:pPr algn="ctr" marL="63500" marR="63500">
+                        <a:lnSpc>
+                          <a:spcPct val="100000"/>
+                        </a:lnSpc>
+                        <a:spcBef>
+                          <a:spcPts val="300"/>
+                        </a:spcBef>
+                        <a:spcAft>
+                          <a:spcPts val="300"/>
+                        </a:spcAft>
+                        <a:buNone/>
+                      </a:pPr>
+                      <a:r>
+                        <a:rPr cap="none" sz="1200" i="0" b="0" u="none">
+                          <a:solidFill>
+                            <a:srgbClr val="000000">
+                              <a:alpha val="100000"/>
+                            </a:srgbClr>
+                          </a:solidFill>
+                          <a:latin typeface="arial"/>
+                          <a:cs typeface="arial"/>
+                          <a:ea typeface="arial"/>
+                          <a:sym typeface="arial"/>
+                        </a:rPr>
+                        <a:t>19 (4.8%)</a:t>
+                      </a:r>
+                    </a:p>
+                  </a:txBody>
+                  <a:tcPr anchor="ctr" marB="38100" marT="38100" marR="0" marL="0">
+                    <a:lnL algn="ctr" cmpd="sng" cap="flat" w="0">
+                      <a:noFill/>
+                      <a:prstDash val="solid"/>
+                    </a:lnL>
+                    <a:lnR algn="ctr" cmpd="sng" cap="flat" w="0">
+                      <a:noFill/>
+                      <a:prstDash val="solid"/>
+                    </a:lnR>
+                    <a:lnT algn="ctr" cmpd="sng" cap="flat" w="0">
+                      <a:noFill/>
+                      <a:prstDash val="solid"/>
+                    </a:lnT>
+                    <a:lnB algn="ctr" cmpd="sng" cap="flat" w="0">
+                      <a:noFill/>
+                      <a:prstDash val="solid"/>
+                    </a:lnB>
+                    <a:solidFill>
+                      <a:srgbClr val="FF7D29">
+                        <a:alpha val="100000"/>
+                      </a:srgbClr>
+                    </a:solidFill>
+                  </a:tcPr>
+                </a:tc>
+                <a:tc>
+                  <a:txBody>
+                    <a:bodyPr/>
+                    <a:lstStyle/>
+                    <a:p>
+                      <a:pPr algn="ctr" marL="63500" marR="63500">
+                        <a:lnSpc>
+                          <a:spcPct val="100000"/>
+                        </a:lnSpc>
+                        <a:spcBef>
+                          <a:spcPts val="300"/>
+                        </a:spcBef>
+                        <a:spcAft>
+                          <a:spcPts val="300"/>
+                        </a:spcAft>
+                        <a:buNone/>
+                      </a:pPr>
+                      <a:r>
+                        <a:rPr cap="none" sz="1200" i="0" b="0" u="none">
+                          <a:solidFill>
+                            <a:srgbClr val="000000">
+                              <a:alpha val="100000"/>
+                            </a:srgbClr>
+                          </a:solidFill>
+                          <a:latin typeface="arial"/>
+                          <a:cs typeface="arial"/>
+                          <a:ea typeface="arial"/>
+                          <a:sym typeface="arial"/>
+                        </a:rPr>
+                        <a:t>19 (4.8%)</a:t>
+                      </a:r>
+                    </a:p>
+                  </a:txBody>
+                  <a:tcPr anchor="ctr" marB="38100" marT="38100" marR="0" marL="0">
+                    <a:lnL algn="ctr" cmpd="sng" cap="flat" w="0">
+                      <a:noFill/>
+                      <a:prstDash val="solid"/>
+                    </a:lnL>
+                    <a:lnR algn="ctr" cmpd="sng" cap="flat" w="0">
+                      <a:noFill/>
+                      <a:prstDash val="solid"/>
+                    </a:lnR>
+                    <a:lnT algn="ctr" cmpd="sng" cap="flat" w="0">
+                      <a:noFill/>
+                      <a:prstDash val="solid"/>
+                    </a:lnT>
+                    <a:lnB algn="ctr" cmpd="sng" cap="flat" w="0">
+                      <a:noFill/>
+                      <a:prstDash val="solid"/>
+                    </a:lnB>
+                    <a:solidFill>
+                      <a:srgbClr val="FF7D29">
+                        <a:alpha val="100000"/>
+                      </a:srgbClr>
+                    </a:solidFill>
+                  </a:tcPr>
+                </a:tc>
               </a:tr>
               <a:tr h="243582">
                 <a:tc>
@@ -12748,6 +17080,120 @@
                     </a:solidFill>
                   </a:tcPr>
                 </a:tc>
+                <a:tc>
+                  <a:txBody>
+                    <a:bodyPr/>
+                    <a:lstStyle/>
+                    <a:p>
+                      <a:pPr algn="ctr" marL="63500" marR="63500">
+                        <a:lnSpc>
+                          <a:spcPct val="100000"/>
+                        </a:lnSpc>
+                        <a:spcBef>
+                          <a:spcPts val="300"/>
+                        </a:spcBef>
+                        <a:spcAft>
+                          <a:spcPts val="300"/>
+                        </a:spcAft>
+                        <a:buNone/>
+                      </a:pPr>
+                      <a:r>
+                        <a:rPr cap="none" sz="1200" i="0" b="0" u="none">
+                          <a:solidFill>
+                            <a:srgbClr val="000000">
+                              <a:alpha val="100000"/>
+                            </a:srgbClr>
+                          </a:solidFill>
+                          <a:latin typeface="arial"/>
+                          <a:cs typeface="arial"/>
+                          <a:ea typeface="arial"/>
+                          <a:sym typeface="arial"/>
+                        </a:rPr>
+                        <a:t>18 (4.5%)</a:t>
+                      </a:r>
+                    </a:p>
+                  </a:txBody>
+                  <a:tcPr anchor="ctr" marB="38100" marT="38100" marR="0" marL="0">
+                    <a:lnL algn="ctr" cmpd="sng" cap="flat" w="0">
+                      <a:noFill/>
+                      <a:prstDash val="solid"/>
+                    </a:lnL>
+                    <a:lnR algn="ctr" cmpd="sng" cap="flat" w="0">
+                      <a:noFill/>
+                      <a:prstDash val="solid"/>
+                    </a:lnR>
+                    <a:lnT algn="ctr" cmpd="sng" cap="flat" w="0">
+                      <a:noFill/>
+                      <a:prstDash val="solid"/>
+                    </a:lnT>
+                    <a:lnB algn="ctr" cmpd="sng" cap="flat" w="0">
+                      <a:noFill/>
+                      <a:prstDash val="solid"/>
+                    </a:lnB>
+                    <a:solidFill>
+                      <a:srgbClr val="FFBD69">
+                        <a:alpha val="100000"/>
+                      </a:srgbClr>
+                    </a:solidFill>
+                  </a:tcPr>
+                </a:tc>
+                <a:tc>
+                  <a:txBody>
+                    <a:bodyPr/>
+                    <a:lstStyle/>
+                    <a:p>
+                      <a:pPr algn="ctr" marL="63500" marR="63500">
+                        <a:lnSpc>
+                          <a:spcPct val="100000"/>
+                        </a:lnSpc>
+                        <a:spcBef>
+                          <a:spcPts val="300"/>
+                        </a:spcBef>
+                        <a:spcAft>
+                          <a:spcPts val="300"/>
+                        </a:spcAft>
+                        <a:buNone/>
+                      </a:pPr>
+                      <a:r>
+                        <a:rPr cap="none" sz="1200" i="0" b="0" u="none">
+                          <a:solidFill>
+                            <a:srgbClr val="000000">
+                              <a:alpha val="100000"/>
+                            </a:srgbClr>
+                          </a:solidFill>
+                          <a:latin typeface="arial"/>
+                          <a:cs typeface="arial"/>
+                          <a:ea typeface="arial"/>
+                          <a:sym typeface="arial"/>
+                        </a:rPr>
+                        <a:t>18 (4.5%)</a:t>
+                      </a:r>
+                    </a:p>
+                  </a:txBody>
+                  <a:tcPr anchor="ctr" marB="38100" marT="38100" marR="0" marL="0">
+                    <a:lnL algn="ctr" cmpd="sng" cap="flat" w="0">
+                      <a:noFill/>
+                      <a:prstDash val="solid"/>
+                    </a:lnL>
+                    <a:lnR algn="ctr" cmpd="sng" cap="flat" w="0">
+                      <a:noFill/>
+                      <a:prstDash val="solid"/>
+                    </a:lnR>
+                    <a:lnT algn="ctr" cmpd="sng" cap="flat" w="0">
+                      <a:noFill/>
+                      <a:prstDash val="solid"/>
+                    </a:lnT>
+                    <a:lnB algn="ctr" cmpd="sng" cap="flat" w="0">
+                      <a:noFill/>
+                      <a:prstDash val="solid"/>
+                    </a:lnB>
+                    <a:solidFill>
+                      <a:srgbClr val="FFBD69">
+                        <a:alpha val="100000"/>
+                      </a:srgbClr>
+                    </a:solidFill>
+                  </a:tcPr>
+                </a:tc>
               </a:tr>
               <a:tr h="243582">
                 <a:tc>
@@ -12978,6 +17424,120 @@
                     </a:solidFill>
                   </a:tcPr>
                 </a:tc>
+                <a:tc>
+                  <a:txBody>
+                    <a:bodyPr/>
+                    <a:lstStyle/>
+                    <a:p>
+                      <a:pPr algn="ctr" marL="63500" marR="63500">
+                        <a:lnSpc>
+                          <a:spcPct val="100000"/>
+                        </a:lnSpc>
+                        <a:spcBef>
+                          <a:spcPts val="300"/>
+                        </a:spcBef>
+                        <a:spcAft>
+                          <a:spcPts val="300"/>
+                        </a:spcAft>
+                        <a:buNone/>
+                      </a:pPr>
+                      <a:r>
+                        <a:rPr cap="none" sz="1200" i="0" b="0" u="none">
+                          <a:solidFill>
+                            <a:srgbClr val="000000">
+                              <a:alpha val="100000"/>
+                            </a:srgbClr>
+                          </a:solidFill>
+                          <a:latin typeface="arial"/>
+                          <a:cs typeface="arial"/>
+                          <a:ea typeface="arial"/>
+                          <a:sym typeface="arial"/>
+                        </a:rPr>
+                        <a:t>9 (2.2%)</a:t>
+                      </a:r>
+                    </a:p>
+                  </a:txBody>
+                  <a:tcPr anchor="ctr" marB="38100" marT="38100" marR="0" marL="0">
+                    <a:lnL algn="ctr" cmpd="sng" cap="flat" w="0">
+                      <a:noFill/>
+                      <a:prstDash val="solid"/>
+                    </a:lnL>
+                    <a:lnR algn="ctr" cmpd="sng" cap="flat" w="0">
+                      <a:noFill/>
+                      <a:prstDash val="solid"/>
+                    </a:lnR>
+                    <a:lnT algn="ctr" cmpd="sng" cap="flat" w="0">
+                      <a:noFill/>
+                      <a:prstDash val="solid"/>
+                    </a:lnT>
+                    <a:lnB algn="ctr" cmpd="sng" cap="flat" w="0">
+                      <a:noFill/>
+                      <a:prstDash val="solid"/>
+                    </a:lnB>
+                    <a:solidFill>
+                      <a:srgbClr val="FF7D29">
+                        <a:alpha val="100000"/>
+                      </a:srgbClr>
+                    </a:solidFill>
+                  </a:tcPr>
+                </a:tc>
+                <a:tc>
+                  <a:txBody>
+                    <a:bodyPr/>
+                    <a:lstStyle/>
+                    <a:p>
+                      <a:pPr algn="ctr" marL="63500" marR="63500">
+                        <a:lnSpc>
+                          <a:spcPct val="100000"/>
+                        </a:lnSpc>
+                        <a:spcBef>
+                          <a:spcPts val="300"/>
+                        </a:spcBef>
+                        <a:spcAft>
+                          <a:spcPts val="300"/>
+                        </a:spcAft>
+                        <a:buNone/>
+                      </a:pPr>
+                      <a:r>
+                        <a:rPr cap="none" sz="1200" i="0" b="0" u="none">
+                          <a:solidFill>
+                            <a:srgbClr val="000000">
+                              <a:alpha val="100000"/>
+                            </a:srgbClr>
+                          </a:solidFill>
+                          <a:latin typeface="arial"/>
+                          <a:cs typeface="arial"/>
+                          <a:ea typeface="arial"/>
+                          <a:sym typeface="arial"/>
+                        </a:rPr>
+                        <a:t>9 (2.2%)</a:t>
+                      </a:r>
+                    </a:p>
+                  </a:txBody>
+                  <a:tcPr anchor="ctr" marB="38100" marT="38100" marR="0" marL="0">
+                    <a:lnL algn="ctr" cmpd="sng" cap="flat" w="0">
+                      <a:noFill/>
+                      <a:prstDash val="solid"/>
+                    </a:lnL>
+                    <a:lnR algn="ctr" cmpd="sng" cap="flat" w="0">
+                      <a:noFill/>
+                      <a:prstDash val="solid"/>
+                    </a:lnR>
+                    <a:lnT algn="ctr" cmpd="sng" cap="flat" w="0">
+                      <a:noFill/>
+                      <a:prstDash val="solid"/>
+                    </a:lnT>
+                    <a:lnB algn="ctr" cmpd="sng" cap="flat" w="0">
+                      <a:noFill/>
+                      <a:prstDash val="solid"/>
+                    </a:lnB>
+                    <a:solidFill>
+                      <a:srgbClr val="FF7D29">
+                        <a:alpha val="100000"/>
+                      </a:srgbClr>
+                    </a:solidFill>
+                  </a:tcPr>
+                </a:tc>
               </a:tr>
               <a:tr h="243582">
                 <a:tc>
@@ -13208,6 +17768,120 @@
                     </a:solidFill>
                   </a:tcPr>
                 </a:tc>
+                <a:tc>
+                  <a:txBody>
+                    <a:bodyPr/>
+                    <a:lstStyle/>
+                    <a:p>
+                      <a:pPr algn="ctr" marL="63500" marR="63500">
+                        <a:lnSpc>
+                          <a:spcPct val="100000"/>
+                        </a:lnSpc>
+                        <a:spcBef>
+                          <a:spcPts val="300"/>
+                        </a:spcBef>
+                        <a:spcAft>
+                          <a:spcPts val="300"/>
+                        </a:spcAft>
+                        <a:buNone/>
+                      </a:pPr>
+                      <a:r>
+                        <a:rPr cap="none" sz="1200" i="0" b="0" u="none">
+                          <a:solidFill>
+                            <a:srgbClr val="000000">
+                              <a:alpha val="100000"/>
+                            </a:srgbClr>
+                          </a:solidFill>
+                          <a:latin typeface="arial"/>
+                          <a:cs typeface="arial"/>
+                          <a:ea typeface="arial"/>
+                          <a:sym typeface="arial"/>
+                        </a:rPr>
+                        <a:t>8 (2%)</a:t>
+                      </a:r>
+                    </a:p>
+                  </a:txBody>
+                  <a:tcPr anchor="ctr" marB="38100" marT="38100" marR="0" marL="0">
+                    <a:lnL algn="ctr" cmpd="sng" cap="flat" w="0">
+                      <a:noFill/>
+                      <a:prstDash val="solid"/>
+                    </a:lnL>
+                    <a:lnR algn="ctr" cmpd="sng" cap="flat" w="0">
+                      <a:noFill/>
+                      <a:prstDash val="solid"/>
+                    </a:lnR>
+                    <a:lnT algn="ctr" cmpd="sng" cap="flat" w="0">
+                      <a:noFill/>
+                      <a:prstDash val="solid"/>
+                    </a:lnT>
+                    <a:lnB algn="ctr" cmpd="sng" cap="flat" w="0">
+                      <a:noFill/>
+                      <a:prstDash val="solid"/>
+                    </a:lnB>
+                    <a:solidFill>
+                      <a:srgbClr val="FFBD69">
+                        <a:alpha val="100000"/>
+                      </a:srgbClr>
+                    </a:solidFill>
+                  </a:tcPr>
+                </a:tc>
+                <a:tc>
+                  <a:txBody>
+                    <a:bodyPr/>
+                    <a:lstStyle/>
+                    <a:p>
+                      <a:pPr algn="ctr" marL="63500" marR="63500">
+                        <a:lnSpc>
+                          <a:spcPct val="100000"/>
+                        </a:lnSpc>
+                        <a:spcBef>
+                          <a:spcPts val="300"/>
+                        </a:spcBef>
+                        <a:spcAft>
+                          <a:spcPts val="300"/>
+                        </a:spcAft>
+                        <a:buNone/>
+                      </a:pPr>
+                      <a:r>
+                        <a:rPr cap="none" sz="1200" i="0" b="0" u="none">
+                          <a:solidFill>
+                            <a:srgbClr val="000000">
+                              <a:alpha val="100000"/>
+                            </a:srgbClr>
+                          </a:solidFill>
+                          <a:latin typeface="arial"/>
+                          <a:cs typeface="arial"/>
+                          <a:ea typeface="arial"/>
+                          <a:sym typeface="arial"/>
+                        </a:rPr>
+                        <a:t>8 (2%)</a:t>
+                      </a:r>
+                    </a:p>
+                  </a:txBody>
+                  <a:tcPr anchor="ctr" marB="38100" marT="38100" marR="0" marL="0">
+                    <a:lnL algn="ctr" cmpd="sng" cap="flat" w="0">
+                      <a:noFill/>
+                      <a:prstDash val="solid"/>
+                    </a:lnL>
+                    <a:lnR algn="ctr" cmpd="sng" cap="flat" w="0">
+                      <a:noFill/>
+                      <a:prstDash val="solid"/>
+                    </a:lnR>
+                    <a:lnT algn="ctr" cmpd="sng" cap="flat" w="0">
+                      <a:noFill/>
+                      <a:prstDash val="solid"/>
+                    </a:lnT>
+                    <a:lnB algn="ctr" cmpd="sng" cap="flat" w="0">
+                      <a:noFill/>
+                      <a:prstDash val="solid"/>
+                    </a:lnB>
+                    <a:solidFill>
+                      <a:srgbClr val="FFBD69">
+                        <a:alpha val="100000"/>
+                      </a:srgbClr>
+                    </a:solidFill>
+                  </a:tcPr>
+                </a:tc>
               </a:tr>
               <a:tr h="209500">
                 <a:tc>
@@ -13438,9 +18112,123 @@
                     </a:solidFill>
                   </a:tcPr>
                 </a:tc>
+                <a:tc>
+                  <a:txBody>
+                    <a:bodyPr/>
+                    <a:lstStyle/>
+                    <a:p>
+                      <a:pPr algn="ctr" marL="63500" marR="63500">
+                        <a:lnSpc>
+                          <a:spcPct val="100000"/>
+                        </a:lnSpc>
+                        <a:spcBef>
+                          <a:spcPts val="300"/>
+                        </a:spcBef>
+                        <a:spcAft>
+                          <a:spcPts val="300"/>
+                        </a:spcAft>
+                        <a:buNone/>
+                      </a:pPr>
+                      <a:r>
+                        <a:rPr cap="none" sz="1200" i="0" b="0" u="none">
+                          <a:solidFill>
+                            <a:srgbClr val="000000">
+                              <a:alpha val="100000"/>
+                            </a:srgbClr>
+                          </a:solidFill>
+                          <a:latin typeface="arial"/>
+                          <a:cs typeface="arial"/>
+                          <a:ea typeface="arial"/>
+                          <a:sym typeface="arial"/>
+                        </a:rPr>
+                        <a:t>0</a:t>
+                      </a:r>
+                    </a:p>
+                  </a:txBody>
+                  <a:tcPr anchor="ctr" marB="38100" marT="38100" marR="0" marL="0">
+                    <a:lnL algn="ctr" cmpd="sng" cap="flat" w="0">
+                      <a:noFill/>
+                      <a:prstDash val="solid"/>
+                    </a:lnL>
+                    <a:lnR algn="ctr" cmpd="sng" cap="flat" w="0">
+                      <a:noFill/>
+                      <a:prstDash val="solid"/>
+                    </a:lnR>
+                    <a:lnT algn="ctr" cmpd="sng" cap="flat" w="0">
+                      <a:noFill/>
+                      <a:prstDash val="solid"/>
+                    </a:lnT>
+                    <a:lnB algn="ctr" cmpd="sng" cap="flat" w="0">
+                      <a:noFill/>
+                      <a:prstDash val="solid"/>
+                    </a:lnB>
+                    <a:solidFill>
+                      <a:srgbClr val="FF7D29">
+                        <a:alpha val="100000"/>
+                      </a:srgbClr>
+                    </a:solidFill>
+                  </a:tcPr>
+                </a:tc>
+                <a:tc>
+                  <a:txBody>
+                    <a:bodyPr/>
+                    <a:lstStyle/>
+                    <a:p>
+                      <a:pPr algn="ctr" marL="63500" marR="63500">
+                        <a:lnSpc>
+                          <a:spcPct val="100000"/>
+                        </a:lnSpc>
+                        <a:spcBef>
+                          <a:spcPts val="300"/>
+                        </a:spcBef>
+                        <a:spcAft>
+                          <a:spcPts val="300"/>
+                        </a:spcAft>
+                        <a:buNone/>
+                      </a:pPr>
+                      <a:r>
+                        <a:rPr cap="none" sz="1200" i="0" b="0" u="none">
+                          <a:solidFill>
+                            <a:srgbClr val="000000">
+                              <a:alpha val="100000"/>
+                            </a:srgbClr>
+                          </a:solidFill>
+                          <a:latin typeface="arial"/>
+                          <a:cs typeface="arial"/>
+                          <a:ea typeface="arial"/>
+                          <a:sym typeface="arial"/>
+                        </a:rPr>
+                        <a:t>0</a:t>
+                      </a:r>
+                    </a:p>
+                  </a:txBody>
+                  <a:tcPr anchor="ctr" marB="38100" marT="38100" marR="0" marL="0">
+                    <a:lnL algn="ctr" cmpd="sng" cap="flat" w="0">
+                      <a:noFill/>
+                      <a:prstDash val="solid"/>
+                    </a:lnL>
+                    <a:lnR algn="ctr" cmpd="sng" cap="flat" w="0">
+                      <a:noFill/>
+                      <a:prstDash val="solid"/>
+                    </a:lnR>
+                    <a:lnT algn="ctr" cmpd="sng" cap="flat" w="0">
+                      <a:noFill/>
+                      <a:prstDash val="solid"/>
+                    </a:lnT>
+                    <a:lnB algn="ctr" cmpd="sng" cap="flat" w="0">
+                      <a:noFill/>
+                      <a:prstDash val="solid"/>
+                    </a:lnB>
+                    <a:solidFill>
+                      <a:srgbClr val="FF7D29">
+                        <a:alpha val="100000"/>
+                      </a:srgbClr>
+                    </a:solidFill>
+                  </a:tcPr>
+                </a:tc>
               </a:tr>
               <a:tr h="228600">
-                <a:tc gridSpan="4">
+                <a:tc gridSpan="6">
                   <a:txBody>
                     <a:bodyPr/>
                     <a:lstStyle/>
@@ -13512,6 +18300,142 @@
                           <a:sym typeface="DejaVu Sans"/>
                         </a:rPr>
                         <a:t>; </a:t>
+                      </a:r>
+                    </a:p>
+                  </a:txBody>
+                  <a:tcPr anchor="ctr" marB="63500" marT="63500" marR="0" marL="0">
+                    <a:lnL algn="ctr" cmpd="sng" cap="flat" w="0">
+                      <a:noFill/>
+                      <a:prstDash val="solid"/>
+                    </a:lnL>
+                    <a:lnR algn="ctr" cmpd="sng" cap="flat" w="0">
+                      <a:noFill/>
+                      <a:prstDash val="solid"/>
+                    </a:lnR>
+                    <a:lnT algn="ctr" cmpd="sng" cap="flat" w="0">
+                      <a:noFill/>
+                      <a:prstDash val="solid"/>
+                    </a:lnT>
+                    <a:lnB algn="ctr" cmpd="sng" cap="flat" w="0">
+                      <a:noFill/>
+                      <a:prstDash val="solid"/>
+                    </a:lnB>
+                    <a:solidFill>
+                      <a:srgbClr val="FFFFFF">
+                        <a:alpha val="0"/>
+                      </a:srgbClr>
+                    </a:solidFill>
+                  </a:tcPr>
+                </a:tc>
+                <a:tc hMerge="true">
+                  <a:txBody>
+                    <a:bodyPr/>
+                    <a:lstStyle/>
+                    <a:p>
+                      <a:pPr algn="l" marL="63500" marR="63500">
+                        <a:lnSpc>
+                          <a:spcPct val="100000"/>
+                        </a:lnSpc>
+                        <a:spcBef>
+                          <a:spcPts val="500"/>
+                        </a:spcBef>
+                        <a:spcAft>
+                          <a:spcPts val="500"/>
+                        </a:spcAft>
+                        <a:buNone/>
+                      </a:pPr>
+                      <a:endParaRPr cap="none" sz="1100" i="0" b="0" u="none">
+                        <a:solidFill>
+                          <a:srgbClr val="000000">
+                            <a:alpha val="100000"/>
+                          </a:srgbClr>
+                        </a:solidFill>
+                        <a:latin typeface="DejaVu Sans"/>
+                        <a:cs typeface="DejaVu Sans"/>
+                        <a:ea typeface="DejaVu Sans"/>
+                        <a:sym typeface="DejaVu Sans"/>
+                      </a:endParaRPr>
+                      <a:r>
+                        <a:rPr cap="none" sz="1100" i="0" b="0" u="none">
+                          <a:solidFill>
+                            <a:srgbClr val="000000">
+                              <a:alpha val="100000"/>
+                            </a:srgbClr>
+                          </a:solidFill>
+                          <a:latin typeface="DejaVu Sans"/>
+                          <a:cs typeface="DejaVu Sans"/>
+                          <a:ea typeface="DejaVu Sans"/>
+                          <a:sym typeface="DejaVu Sans"/>
+                        </a:rPr>
+                        <a:t/>
+                      </a:r>
+                    </a:p>
+                  </a:txBody>
+                  <a:tcPr anchor="ctr" marB="63500" marT="63500" marR="0" marL="0">
+                    <a:lnL algn="ctr" cmpd="sng" cap="flat" w="0">
+                      <a:noFill/>
+                      <a:prstDash val="solid"/>
+                    </a:lnL>
+                    <a:lnR algn="ctr" cmpd="sng" cap="flat" w="0">
+                      <a:noFill/>
+                      <a:prstDash val="solid"/>
+                    </a:lnR>
+                    <a:lnT algn="ctr" cmpd="sng" cap="flat" w="0">
+                      <a:noFill/>
+                      <a:prstDash val="solid"/>
+                    </a:lnT>
+                    <a:lnB algn="ctr" cmpd="sng" cap="flat" w="0">
+                      <a:noFill/>
+                      <a:prstDash val="solid"/>
+                    </a:lnB>
+                    <a:solidFill>
+                      <a:srgbClr val="FFFFFF">
+                        <a:alpha val="0"/>
+                      </a:srgbClr>
+                    </a:solidFill>
+                  </a:tcPr>
+                </a:tc>
+                <a:tc hMerge="true">
+                  <a:txBody>
+                    <a:bodyPr/>
+                    <a:lstStyle/>
+                    <a:p>
+                      <a:pPr algn="l" marL="63500" marR="63500">
+                        <a:lnSpc>
+                          <a:spcPct val="100000"/>
+                        </a:lnSpc>
+                        <a:spcBef>
+                          <a:spcPts val="500"/>
+                        </a:spcBef>
+                        <a:spcAft>
+                          <a:spcPts val="500"/>
+                        </a:spcAft>
+                        <a:buNone/>
+                      </a:pPr>
+                      <a:endParaRPr cap="none" sz="1100" i="0" b="0" u="none">
+                        <a:solidFill>
+                          <a:srgbClr val="000000">
+                            <a:alpha val="100000"/>
+                          </a:srgbClr>
+                        </a:solidFill>
+                        <a:latin typeface="DejaVu Sans"/>
+                        <a:cs typeface="DejaVu Sans"/>
+                        <a:ea typeface="DejaVu Sans"/>
+                        <a:sym typeface="DejaVu Sans"/>
+                      </a:endParaRPr>
+                      <a:r>
+                        <a:rPr cap="none" sz="1100" i="0" b="0" u="none">
+                          <a:solidFill>
+                            <a:srgbClr val="000000">
+                              <a:alpha val="100000"/>
+                            </a:srgbClr>
+                          </a:solidFill>
+                          <a:latin typeface="DejaVu Sans"/>
+                          <a:cs typeface="DejaVu Sans"/>
+                          <a:ea typeface="DejaVu Sans"/>
+                          <a:sym typeface="DejaVu Sans"/>
+                        </a:rPr>
+                        <a:t/>
                       </a:r>
                     </a:p>
                   </a:txBody>

--- a/main/reference/dm.pptx
+++ b/main/reference/dm.pptx
@@ -3414,7 +3414,7 @@
           <p:nvPr/>
         </p:nvGraphicFramePr>
         <p:xfrm rot="0">
-          <a:off x="1084720" y="1165860"/>
+          <a:off x="1565974" y="1165860"/>
           <a:ext cx="3657600" cy="2743200"/>
         </p:xfrm>
         <a:graphic>
@@ -3422,12 +3422,11 @@
             <a:tbl>
               <a:tblPr/>
               <a:tblGrid>
-                <a:gridCol w="3720066"/>
-                <a:gridCol w="1260499"/>
-                <a:gridCol w="1260499"/>
-                <a:gridCol w="1260499"/>
-                <a:gridCol w="1260499"/>
-                <a:gridCol w="1260499"/>
+                <a:gridCol w="3986594"/>
+                <a:gridCol w="1268365"/>
+                <a:gridCol w="1268365"/>
+                <a:gridCol w="1268365"/>
+                <a:gridCol w="1268365"/>
               </a:tblGrid>
               <a:tr h="261603">
                 <a:tc>
@@ -3645,63 +3644,6 @@
                           <a:sym typeface="arial"/>
                         </a:rPr>
                         <a:t>C: Combination</a:t>
-                      </a:r>
-                    </a:p>
-                  </a:txBody>
-                  <a:tcPr anchor="ctr" marB="38100" marT="38100" marR="0" marL="0">
-                    <a:lnL algn="ctr" cmpd="sng" cap="flat" w="0">
-                      <a:noFill/>
-                      <a:prstDash val="solid"/>
-                    </a:lnL>
-                    <a:lnR algn="ctr" cmpd="sng" cap="flat" w="0">
-                      <a:noFill/>
-                      <a:prstDash val="solid"/>
-                    </a:lnR>
-                    <a:lnT algn="ctr" cmpd="sng" cap="flat" w="0">
-                      <a:noFill/>
-                      <a:prstDash val="solid"/>
-                    </a:lnT>
-                    <a:lnB algn="ctr" cmpd="sng" cap="flat" w="0">
-                      <a:noFill/>
-                      <a:prstDash val="solid"/>
-                    </a:lnB>
-                    <a:solidFill>
-                      <a:srgbClr val="ED4A0D">
-                        <a:alpha val="100000"/>
-                      </a:srgbClr>
-                    </a:solidFill>
-                  </a:tcPr>
-                </a:tc>
-                <a:tc>
-                  <a:txBody>
-                    <a:bodyPr/>
-                    <a:lstStyle/>
-                    <a:p>
-                      <a:pPr algn="ctr" marL="63500" marR="63500">
-                        <a:lnSpc>
-                          <a:spcPct val="100000"/>
-                        </a:lnSpc>
-                        <a:spcBef>
-                          <a:spcPts val="300"/>
-                        </a:spcBef>
-                        <a:spcAft>
-                          <a:spcPts val="300"/>
-                        </a:spcAft>
-                        <a:buNone/>
-                      </a:pPr>
-                      <a:r>
-                        <a:rPr cap="none" sz="1400" i="0" b="1" u="none">
-                          <a:solidFill>
-                            <a:srgbClr val="FFFFFF">
-                              <a:alpha val="100000"/>
-                            </a:srgbClr>
-                          </a:solidFill>
-                          <a:latin typeface="arial"/>
-                          <a:cs typeface="arial"/>
-                          <a:ea typeface="arial"/>
-                          <a:sym typeface="arial"/>
-                        </a:rPr>
-                        <a:t>All Patients</a:t>
                       </a:r>
                     </a:p>
                   </a:txBody>
@@ -4117,6 +4059,639 @@
                     </a:solidFill>
                   </a:tcPr>
                 </a:tc>
+              </a:tr>
+              <a:tr h="243582">
+                <a:tc>
+                  <a:txBody>
+                    <a:bodyPr/>
+                    <a:lstStyle/>
+                    <a:p>
+                      <a:pPr algn="l" marL="127000" marR="63500">
+                        <a:lnSpc>
+                          <a:spcPct val="100000"/>
+                        </a:lnSpc>
+                        <a:spcBef>
+                          <a:spcPts val="300"/>
+                        </a:spcBef>
+                        <a:spcAft>
+                          <a:spcPts val="300"/>
+                        </a:spcAft>
+                        <a:buNone/>
+                      </a:pPr>
+                      <a:r>
+                        <a:rPr cap="none" sz="1200" i="0" b="0" u="none">
+                          <a:solidFill>
+                            <a:srgbClr val="000000">
+                              <a:alpha val="100000"/>
+                            </a:srgbClr>
+                          </a:solidFill>
+                          <a:latin typeface="arial"/>
+                          <a:cs typeface="arial"/>
+                          <a:ea typeface="arial"/>
+                          <a:sym typeface="arial"/>
+                        </a:rPr>
+                        <a:t>F</a:t>
+                      </a:r>
+                    </a:p>
+                  </a:txBody>
+                  <a:tcPr anchor="ctr" marB="38100" marT="38100" marR="0" marL="0">
+                    <a:lnL algn="ctr" cmpd="sng" cap="flat" w="0">
+                      <a:noFill/>
+                      <a:prstDash val="solid"/>
+                    </a:lnL>
+                    <a:lnR algn="ctr" cmpd="sng" cap="flat" w="0">
+                      <a:noFill/>
+                      <a:prstDash val="solid"/>
+                    </a:lnR>
+                    <a:lnT algn="ctr" cmpd="sng" cap="flat" w="0">
+                      <a:noFill/>
+                      <a:prstDash val="solid"/>
+                    </a:lnT>
+                    <a:lnB algn="ctr" cmpd="sng" cap="flat" w="0">
+                      <a:noFill/>
+                      <a:prstDash val="solid"/>
+                    </a:lnB>
+                    <a:solidFill>
+                      <a:srgbClr val="FFBD69">
+                        <a:alpha val="100000"/>
+                      </a:srgbClr>
+                    </a:solidFill>
+                  </a:tcPr>
+                </a:tc>
+                <a:tc>
+                  <a:txBody>
+                    <a:bodyPr/>
+                    <a:lstStyle/>
+                    <a:p>
+                      <a:pPr algn="ctr" marL="63500" marR="63500">
+                        <a:lnSpc>
+                          <a:spcPct val="100000"/>
+                        </a:lnSpc>
+                        <a:spcBef>
+                          <a:spcPts val="300"/>
+                        </a:spcBef>
+                        <a:spcAft>
+                          <a:spcPts val="300"/>
+                        </a:spcAft>
+                        <a:buNone/>
+                      </a:pPr>
+                      <a:r>
+                        <a:rPr cap="none" sz="1200" i="0" b="0" u="none">
+                          <a:solidFill>
+                            <a:srgbClr val="000000">
+                              <a:alpha val="100000"/>
+                            </a:srgbClr>
+                          </a:solidFill>
+                          <a:latin typeface="arial"/>
+                          <a:cs typeface="arial"/>
+                          <a:ea typeface="arial"/>
+                          <a:sym typeface="arial"/>
+                        </a:rPr>
+                        <a:t>79 (59%)</a:t>
+                      </a:r>
+                    </a:p>
+                  </a:txBody>
+                  <a:tcPr anchor="ctr" marB="38100" marT="38100" marR="0" marL="0">
+                    <a:lnL algn="ctr" cmpd="sng" cap="flat" w="0">
+                      <a:noFill/>
+                      <a:prstDash val="solid"/>
+                    </a:lnL>
+                    <a:lnR algn="ctr" cmpd="sng" cap="flat" w="0">
+                      <a:noFill/>
+                      <a:prstDash val="solid"/>
+                    </a:lnR>
+                    <a:lnT algn="ctr" cmpd="sng" cap="flat" w="0">
+                      <a:noFill/>
+                      <a:prstDash val="solid"/>
+                    </a:lnT>
+                    <a:lnB algn="ctr" cmpd="sng" cap="flat" w="0">
+                      <a:noFill/>
+                      <a:prstDash val="solid"/>
+                    </a:lnB>
+                    <a:solidFill>
+                      <a:srgbClr val="FFBD69">
+                        <a:alpha val="100000"/>
+                      </a:srgbClr>
+                    </a:solidFill>
+                  </a:tcPr>
+                </a:tc>
+                <a:tc>
+                  <a:txBody>
+                    <a:bodyPr/>
+                    <a:lstStyle/>
+                    <a:p>
+                      <a:pPr algn="ctr" marL="63500" marR="63500">
+                        <a:lnSpc>
+                          <a:spcPct val="100000"/>
+                        </a:lnSpc>
+                        <a:spcBef>
+                          <a:spcPts val="300"/>
+                        </a:spcBef>
+                        <a:spcAft>
+                          <a:spcPts val="300"/>
+                        </a:spcAft>
+                        <a:buNone/>
+                      </a:pPr>
+                      <a:r>
+                        <a:rPr cap="none" sz="1200" i="0" b="0" u="none">
+                          <a:solidFill>
+                            <a:srgbClr val="000000">
+                              <a:alpha val="100000"/>
+                            </a:srgbClr>
+                          </a:solidFill>
+                          <a:latin typeface="arial"/>
+                          <a:cs typeface="arial"/>
+                          <a:ea typeface="arial"/>
+                          <a:sym typeface="arial"/>
+                        </a:rPr>
+                        <a:t>82 (61.2%)</a:t>
+                      </a:r>
+                    </a:p>
+                  </a:txBody>
+                  <a:tcPr anchor="ctr" marB="38100" marT="38100" marR="0" marL="0">
+                    <a:lnL algn="ctr" cmpd="sng" cap="flat" w="0">
+                      <a:noFill/>
+                      <a:prstDash val="solid"/>
+                    </a:lnL>
+                    <a:lnR algn="ctr" cmpd="sng" cap="flat" w="0">
+                      <a:noFill/>
+                      <a:prstDash val="solid"/>
+                    </a:lnR>
+                    <a:lnT algn="ctr" cmpd="sng" cap="flat" w="0">
+                      <a:noFill/>
+                      <a:prstDash val="solid"/>
+                    </a:lnT>
+                    <a:lnB algn="ctr" cmpd="sng" cap="flat" w="0">
+                      <a:noFill/>
+                      <a:prstDash val="solid"/>
+                    </a:lnB>
+                    <a:solidFill>
+                      <a:srgbClr val="FFBD69">
+                        <a:alpha val="100000"/>
+                      </a:srgbClr>
+                    </a:solidFill>
+                  </a:tcPr>
+                </a:tc>
+                <a:tc>
+                  <a:txBody>
+                    <a:bodyPr/>
+                    <a:lstStyle/>
+                    <a:p>
+                      <a:pPr algn="ctr" marL="63500" marR="63500">
+                        <a:lnSpc>
+                          <a:spcPct val="100000"/>
+                        </a:lnSpc>
+                        <a:spcBef>
+                          <a:spcPts val="300"/>
+                        </a:spcBef>
+                        <a:spcAft>
+                          <a:spcPts val="300"/>
+                        </a:spcAft>
+                        <a:buNone/>
+                      </a:pPr>
+                      <a:r>
+                        <a:rPr cap="none" sz="1200" i="0" b="0" u="none">
+                          <a:solidFill>
+                            <a:srgbClr val="000000">
+                              <a:alpha val="100000"/>
+                            </a:srgbClr>
+                          </a:solidFill>
+                          <a:latin typeface="arial"/>
+                          <a:cs typeface="arial"/>
+                          <a:ea typeface="arial"/>
+                          <a:sym typeface="arial"/>
+                        </a:rPr>
+                        <a:t>70 (53%)</a:t>
+                      </a:r>
+                    </a:p>
+                  </a:txBody>
+                  <a:tcPr anchor="ctr" marB="38100" marT="38100" marR="0" marL="0">
+                    <a:lnL algn="ctr" cmpd="sng" cap="flat" w="0">
+                      <a:noFill/>
+                      <a:prstDash val="solid"/>
+                    </a:lnL>
+                    <a:lnR algn="ctr" cmpd="sng" cap="flat" w="0">
+                      <a:noFill/>
+                      <a:prstDash val="solid"/>
+                    </a:lnR>
+                    <a:lnT algn="ctr" cmpd="sng" cap="flat" w="0">
+                      <a:noFill/>
+                      <a:prstDash val="solid"/>
+                    </a:lnT>
+                    <a:lnB algn="ctr" cmpd="sng" cap="flat" w="0">
+                      <a:noFill/>
+                      <a:prstDash val="solid"/>
+                    </a:lnB>
+                    <a:solidFill>
+                      <a:srgbClr val="FFBD69">
+                        <a:alpha val="100000"/>
+                      </a:srgbClr>
+                    </a:solidFill>
+                  </a:tcPr>
+                </a:tc>
+                <a:tc>
+                  <a:txBody>
+                    <a:bodyPr/>
+                    <a:lstStyle/>
+                    <a:p>
+                      <a:pPr algn="ctr" marL="63500" marR="63500">
+                        <a:lnSpc>
+                          <a:spcPct val="100000"/>
+                        </a:lnSpc>
+                        <a:spcBef>
+                          <a:spcPts val="300"/>
+                        </a:spcBef>
+                        <a:spcAft>
+                          <a:spcPts val="300"/>
+                        </a:spcAft>
+                        <a:buNone/>
+                      </a:pPr>
+                      <a:r>
+                        <a:rPr cap="none" sz="1200" i="0" b="0" u="none">
+                          <a:solidFill>
+                            <a:srgbClr val="000000">
+                              <a:alpha val="100000"/>
+                            </a:srgbClr>
+                          </a:solidFill>
+                          <a:latin typeface="arial"/>
+                          <a:cs typeface="arial"/>
+                          <a:ea typeface="arial"/>
+                          <a:sym typeface="arial"/>
+                        </a:rPr>
+                        <a:t>231 (57.8%)</a:t>
+                      </a:r>
+                    </a:p>
+                  </a:txBody>
+                  <a:tcPr anchor="ctr" marB="38100" marT="38100" marR="0" marL="0">
+                    <a:lnL algn="ctr" cmpd="sng" cap="flat" w="0">
+                      <a:noFill/>
+                      <a:prstDash val="solid"/>
+                    </a:lnL>
+                    <a:lnR algn="ctr" cmpd="sng" cap="flat" w="0">
+                      <a:noFill/>
+                      <a:prstDash val="solid"/>
+                    </a:lnR>
+                    <a:lnT algn="ctr" cmpd="sng" cap="flat" w="0">
+                      <a:noFill/>
+                      <a:prstDash val="solid"/>
+                    </a:lnT>
+                    <a:lnB algn="ctr" cmpd="sng" cap="flat" w="0">
+                      <a:noFill/>
+                      <a:prstDash val="solid"/>
+                    </a:lnB>
+                    <a:solidFill>
+                      <a:srgbClr val="FFBD69">
+                        <a:alpha val="100000"/>
+                      </a:srgbClr>
+                    </a:solidFill>
+                  </a:tcPr>
+                </a:tc>
+              </a:tr>
+              <a:tr h="243582">
+                <a:tc>
+                  <a:txBody>
+                    <a:bodyPr/>
+                    <a:lstStyle/>
+                    <a:p>
+                      <a:pPr algn="l" marL="127000" marR="63500">
+                        <a:lnSpc>
+                          <a:spcPct val="100000"/>
+                        </a:lnSpc>
+                        <a:spcBef>
+                          <a:spcPts val="300"/>
+                        </a:spcBef>
+                        <a:spcAft>
+                          <a:spcPts val="300"/>
+                        </a:spcAft>
+                        <a:buNone/>
+                      </a:pPr>
+                      <a:r>
+                        <a:rPr cap="none" sz="1200" i="0" b="0" u="none">
+                          <a:solidFill>
+                            <a:srgbClr val="000000">
+                              <a:alpha val="100000"/>
+                            </a:srgbClr>
+                          </a:solidFill>
+                          <a:latin typeface="arial"/>
+                          <a:cs typeface="arial"/>
+                          <a:ea typeface="arial"/>
+                          <a:sym typeface="arial"/>
+                        </a:rPr>
+                        <a:t>M</a:t>
+                      </a:r>
+                    </a:p>
+                  </a:txBody>
+                  <a:tcPr anchor="ctr" marB="38100" marT="38100" marR="0" marL="0">
+                    <a:lnL algn="ctr" cmpd="sng" cap="flat" w="0">
+                      <a:noFill/>
+                      <a:prstDash val="solid"/>
+                    </a:lnL>
+                    <a:lnR algn="ctr" cmpd="sng" cap="flat" w="0">
+                      <a:noFill/>
+                      <a:prstDash val="solid"/>
+                    </a:lnR>
+                    <a:lnT algn="ctr" cmpd="sng" cap="flat" w="0">
+                      <a:noFill/>
+                      <a:prstDash val="solid"/>
+                    </a:lnT>
+                    <a:lnB algn="ctr" cmpd="sng" cap="flat" w="0">
+                      <a:noFill/>
+                      <a:prstDash val="solid"/>
+                    </a:lnB>
+                    <a:solidFill>
+                      <a:srgbClr val="FF7D29">
+                        <a:alpha val="100000"/>
+                      </a:srgbClr>
+                    </a:solidFill>
+                  </a:tcPr>
+                </a:tc>
+                <a:tc>
+                  <a:txBody>
+                    <a:bodyPr/>
+                    <a:lstStyle/>
+                    <a:p>
+                      <a:pPr algn="ctr" marL="63500" marR="63500">
+                        <a:lnSpc>
+                          <a:spcPct val="100000"/>
+                        </a:lnSpc>
+                        <a:spcBef>
+                          <a:spcPts val="300"/>
+                        </a:spcBef>
+                        <a:spcAft>
+                          <a:spcPts val="300"/>
+                        </a:spcAft>
+                        <a:buNone/>
+                      </a:pPr>
+                      <a:r>
+                        <a:rPr cap="none" sz="1200" i="0" b="0" u="none">
+                          <a:solidFill>
+                            <a:srgbClr val="000000">
+                              <a:alpha val="100000"/>
+                            </a:srgbClr>
+                          </a:solidFill>
+                          <a:latin typeface="arial"/>
+                          <a:cs typeface="arial"/>
+                          <a:ea typeface="arial"/>
+                          <a:sym typeface="arial"/>
+                        </a:rPr>
+                        <a:t>55 (41%)</a:t>
+                      </a:r>
+                    </a:p>
+                  </a:txBody>
+                  <a:tcPr anchor="ctr" marB="38100" marT="38100" marR="0" marL="0">
+                    <a:lnL algn="ctr" cmpd="sng" cap="flat" w="0">
+                      <a:noFill/>
+                      <a:prstDash val="solid"/>
+                    </a:lnL>
+                    <a:lnR algn="ctr" cmpd="sng" cap="flat" w="0">
+                      <a:noFill/>
+                      <a:prstDash val="solid"/>
+                    </a:lnR>
+                    <a:lnT algn="ctr" cmpd="sng" cap="flat" w="0">
+                      <a:noFill/>
+                      <a:prstDash val="solid"/>
+                    </a:lnT>
+                    <a:lnB algn="ctr" cmpd="sng" cap="flat" w="0">
+                      <a:noFill/>
+                      <a:prstDash val="solid"/>
+                    </a:lnB>
+                    <a:solidFill>
+                      <a:srgbClr val="FF7D29">
+                        <a:alpha val="100000"/>
+                      </a:srgbClr>
+                    </a:solidFill>
+                  </a:tcPr>
+                </a:tc>
+                <a:tc>
+                  <a:txBody>
+                    <a:bodyPr/>
+                    <a:lstStyle/>
+                    <a:p>
+                      <a:pPr algn="ctr" marL="63500" marR="63500">
+                        <a:lnSpc>
+                          <a:spcPct val="100000"/>
+                        </a:lnSpc>
+                        <a:spcBef>
+                          <a:spcPts val="300"/>
+                        </a:spcBef>
+                        <a:spcAft>
+                          <a:spcPts val="300"/>
+                        </a:spcAft>
+                        <a:buNone/>
+                      </a:pPr>
+                      <a:r>
+                        <a:rPr cap="none" sz="1200" i="0" b="0" u="none">
+                          <a:solidFill>
+                            <a:srgbClr val="000000">
+                              <a:alpha val="100000"/>
+                            </a:srgbClr>
+                          </a:solidFill>
+                          <a:latin typeface="arial"/>
+                          <a:cs typeface="arial"/>
+                          <a:ea typeface="arial"/>
+                          <a:sym typeface="arial"/>
+                        </a:rPr>
+                        <a:t>52 (38.8%)</a:t>
+                      </a:r>
+                    </a:p>
+                  </a:txBody>
+                  <a:tcPr anchor="ctr" marB="38100" marT="38100" marR="0" marL="0">
+                    <a:lnL algn="ctr" cmpd="sng" cap="flat" w="0">
+                      <a:noFill/>
+                      <a:prstDash val="solid"/>
+                    </a:lnL>
+                    <a:lnR algn="ctr" cmpd="sng" cap="flat" w="0">
+                      <a:noFill/>
+                      <a:prstDash val="solid"/>
+                    </a:lnR>
+                    <a:lnT algn="ctr" cmpd="sng" cap="flat" w="0">
+                      <a:noFill/>
+                      <a:prstDash val="solid"/>
+                    </a:lnT>
+                    <a:lnB algn="ctr" cmpd="sng" cap="flat" w="0">
+                      <a:noFill/>
+                      <a:prstDash val="solid"/>
+                    </a:lnB>
+                    <a:solidFill>
+                      <a:srgbClr val="FF7D29">
+                        <a:alpha val="100000"/>
+                      </a:srgbClr>
+                    </a:solidFill>
+                  </a:tcPr>
+                </a:tc>
+                <a:tc>
+                  <a:txBody>
+                    <a:bodyPr/>
+                    <a:lstStyle/>
+                    <a:p>
+                      <a:pPr algn="ctr" marL="63500" marR="63500">
+                        <a:lnSpc>
+                          <a:spcPct val="100000"/>
+                        </a:lnSpc>
+                        <a:spcBef>
+                          <a:spcPts val="300"/>
+                        </a:spcBef>
+                        <a:spcAft>
+                          <a:spcPts val="300"/>
+                        </a:spcAft>
+                        <a:buNone/>
+                      </a:pPr>
+                      <a:r>
+                        <a:rPr cap="none" sz="1200" i="0" b="0" u="none">
+                          <a:solidFill>
+                            <a:srgbClr val="000000">
+                              <a:alpha val="100000"/>
+                            </a:srgbClr>
+                          </a:solidFill>
+                          <a:latin typeface="arial"/>
+                          <a:cs typeface="arial"/>
+                          <a:ea typeface="arial"/>
+                          <a:sym typeface="arial"/>
+                        </a:rPr>
+                        <a:t>62 (47%)</a:t>
+                      </a:r>
+                    </a:p>
+                  </a:txBody>
+                  <a:tcPr anchor="ctr" marB="38100" marT="38100" marR="0" marL="0">
+                    <a:lnL algn="ctr" cmpd="sng" cap="flat" w="0">
+                      <a:noFill/>
+                      <a:prstDash val="solid"/>
+                    </a:lnL>
+                    <a:lnR algn="ctr" cmpd="sng" cap="flat" w="0">
+                      <a:noFill/>
+                      <a:prstDash val="solid"/>
+                    </a:lnR>
+                    <a:lnT algn="ctr" cmpd="sng" cap="flat" w="0">
+                      <a:noFill/>
+                      <a:prstDash val="solid"/>
+                    </a:lnT>
+                    <a:lnB algn="ctr" cmpd="sng" cap="flat" w="0">
+                      <a:noFill/>
+                      <a:prstDash val="solid"/>
+                    </a:lnB>
+                    <a:solidFill>
+                      <a:srgbClr val="FF7D29">
+                        <a:alpha val="100000"/>
+                      </a:srgbClr>
+                    </a:solidFill>
+                  </a:tcPr>
+                </a:tc>
+                <a:tc>
+                  <a:txBody>
+                    <a:bodyPr/>
+                    <a:lstStyle/>
+                    <a:p>
+                      <a:pPr algn="ctr" marL="63500" marR="63500">
+                        <a:lnSpc>
+                          <a:spcPct val="100000"/>
+                        </a:lnSpc>
+                        <a:spcBef>
+                          <a:spcPts val="300"/>
+                        </a:spcBef>
+                        <a:spcAft>
+                          <a:spcPts val="300"/>
+                        </a:spcAft>
+                        <a:buNone/>
+                      </a:pPr>
+                      <a:r>
+                        <a:rPr cap="none" sz="1200" i="0" b="0" u="none">
+                          <a:solidFill>
+                            <a:srgbClr val="000000">
+                              <a:alpha val="100000"/>
+                            </a:srgbClr>
+                          </a:solidFill>
+                          <a:latin typeface="arial"/>
+                          <a:cs typeface="arial"/>
+                          <a:ea typeface="arial"/>
+                          <a:sym typeface="arial"/>
+                        </a:rPr>
+                        <a:t>169 (42.2%)</a:t>
+                      </a:r>
+                    </a:p>
+                  </a:txBody>
+                  <a:tcPr anchor="ctr" marB="38100" marT="38100" marR="0" marL="0">
+                    <a:lnL algn="ctr" cmpd="sng" cap="flat" w="0">
+                      <a:noFill/>
+                      <a:prstDash val="solid"/>
+                    </a:lnL>
+                    <a:lnR algn="ctr" cmpd="sng" cap="flat" w="0">
+                      <a:noFill/>
+                      <a:prstDash val="solid"/>
+                    </a:lnR>
+                    <a:lnT algn="ctr" cmpd="sng" cap="flat" w="0">
+                      <a:noFill/>
+                      <a:prstDash val="solid"/>
+                    </a:lnT>
+                    <a:lnB algn="ctr" cmpd="sng" cap="flat" w="0">
+                      <a:noFill/>
+                      <a:prstDash val="solid"/>
+                    </a:lnB>
+                    <a:solidFill>
+                      <a:srgbClr val="FF7D29">
+                        <a:alpha val="100000"/>
+                      </a:srgbClr>
+                    </a:solidFill>
+                  </a:tcPr>
+                </a:tc>
+              </a:tr>
+              <a:tr h="238075">
+                <a:tc>
+                  <a:txBody>
+                    <a:bodyPr/>
+                    <a:lstStyle/>
+                    <a:p>
+                      <a:pPr algn="l" marL="127000" marR="63500">
+                        <a:lnSpc>
+                          <a:spcPct val="100000"/>
+                        </a:lnSpc>
+                        <a:spcBef>
+                          <a:spcPts val="300"/>
+                        </a:spcBef>
+                        <a:spcAft>
+                          <a:spcPts val="300"/>
+                        </a:spcAft>
+                        <a:buNone/>
+                      </a:pPr>
+                      <a:r>
+                        <a:rPr cap="none" sz="1200" i="0" b="0" u="none">
+                          <a:solidFill>
+                            <a:srgbClr val="000000">
+                              <a:alpha val="100000"/>
+                            </a:srgbClr>
+                          </a:solidFill>
+                          <a:latin typeface="arial"/>
+                          <a:cs typeface="arial"/>
+                          <a:ea typeface="arial"/>
+                          <a:sym typeface="arial"/>
+                        </a:rPr>
+                        <a:t>Age</a:t>
+                      </a:r>
+                    </a:p>
+                  </a:txBody>
+                  <a:tcPr anchor="ctr" marB="38100" marT="38100" marR="0" marL="0">
+                    <a:lnL algn="ctr" cmpd="sng" cap="flat" w="0">
+                      <a:noFill/>
+                      <a:prstDash val="solid"/>
+                    </a:lnL>
+                    <a:lnR algn="ctr" cmpd="sng" cap="flat" w="0">
+                      <a:noFill/>
+                      <a:prstDash val="solid"/>
+                    </a:lnR>
+                    <a:lnT algn="ctr" cmpd="sng" cap="flat" w="0">
+                      <a:noFill/>
+                      <a:prstDash val="solid"/>
+                    </a:lnT>
+                    <a:lnB algn="ctr" cmpd="sng" cap="flat" w="0">
+                      <a:noFill/>
+                      <a:prstDash val="solid"/>
+                    </a:lnB>
+                    <a:solidFill>
+                      <a:srgbClr val="FFBD69">
+                        <a:alpha val="100000"/>
+                      </a:srgbClr>
+                    </a:solidFill>
+                  </a:tcPr>
+                </a:tc>
                 <a:tc>
                   <a:txBody>
                     <a:bodyPr/>
@@ -4179,753 +4754,6 @@
                       <a:prstDash val="solid"/>
                     </a:lnB>
                     <a:solidFill>
-                      <a:srgbClr val="FF7D29">
-                        <a:alpha val="100000"/>
-                      </a:srgbClr>
-                    </a:solidFill>
-                  </a:tcPr>
-                </a:tc>
-              </a:tr>
-              <a:tr h="243582">
-                <a:tc>
-                  <a:txBody>
-                    <a:bodyPr/>
-                    <a:lstStyle/>
-                    <a:p>
-                      <a:pPr algn="l" marL="127000" marR="63500">
-                        <a:lnSpc>
-                          <a:spcPct val="100000"/>
-                        </a:lnSpc>
-                        <a:spcBef>
-                          <a:spcPts val="300"/>
-                        </a:spcBef>
-                        <a:spcAft>
-                          <a:spcPts val="300"/>
-                        </a:spcAft>
-                        <a:buNone/>
-                      </a:pPr>
-                      <a:r>
-                        <a:rPr cap="none" sz="1200" i="0" b="0" u="none">
-                          <a:solidFill>
-                            <a:srgbClr val="000000">
-                              <a:alpha val="100000"/>
-                            </a:srgbClr>
-                          </a:solidFill>
-                          <a:latin typeface="arial"/>
-                          <a:cs typeface="arial"/>
-                          <a:ea typeface="arial"/>
-                          <a:sym typeface="arial"/>
-                        </a:rPr>
-                        <a:t>F</a:t>
-                      </a:r>
-                    </a:p>
-                  </a:txBody>
-                  <a:tcPr anchor="ctr" marB="38100" marT="38100" marR="0" marL="0">
-                    <a:lnL algn="ctr" cmpd="sng" cap="flat" w="0">
-                      <a:noFill/>
-                      <a:prstDash val="solid"/>
-                    </a:lnL>
-                    <a:lnR algn="ctr" cmpd="sng" cap="flat" w="0">
-                      <a:noFill/>
-                      <a:prstDash val="solid"/>
-                    </a:lnR>
-                    <a:lnT algn="ctr" cmpd="sng" cap="flat" w="0">
-                      <a:noFill/>
-                      <a:prstDash val="solid"/>
-                    </a:lnT>
-                    <a:lnB algn="ctr" cmpd="sng" cap="flat" w="0">
-                      <a:noFill/>
-                      <a:prstDash val="solid"/>
-                    </a:lnB>
-                    <a:solidFill>
-                      <a:srgbClr val="FFBD69">
-                        <a:alpha val="100000"/>
-                      </a:srgbClr>
-                    </a:solidFill>
-                  </a:tcPr>
-                </a:tc>
-                <a:tc>
-                  <a:txBody>
-                    <a:bodyPr/>
-                    <a:lstStyle/>
-                    <a:p>
-                      <a:pPr algn="ctr" marL="63500" marR="63500">
-                        <a:lnSpc>
-                          <a:spcPct val="100000"/>
-                        </a:lnSpc>
-                        <a:spcBef>
-                          <a:spcPts val="300"/>
-                        </a:spcBef>
-                        <a:spcAft>
-                          <a:spcPts val="300"/>
-                        </a:spcAft>
-                        <a:buNone/>
-                      </a:pPr>
-                      <a:r>
-                        <a:rPr cap="none" sz="1200" i="0" b="0" u="none">
-                          <a:solidFill>
-                            <a:srgbClr val="000000">
-                              <a:alpha val="100000"/>
-                            </a:srgbClr>
-                          </a:solidFill>
-                          <a:latin typeface="arial"/>
-                          <a:cs typeface="arial"/>
-                          <a:ea typeface="arial"/>
-                          <a:sym typeface="arial"/>
-                        </a:rPr>
-                        <a:t>79 (59%)</a:t>
-                      </a:r>
-                    </a:p>
-                  </a:txBody>
-                  <a:tcPr anchor="ctr" marB="38100" marT="38100" marR="0" marL="0">
-                    <a:lnL algn="ctr" cmpd="sng" cap="flat" w="0">
-                      <a:noFill/>
-                      <a:prstDash val="solid"/>
-                    </a:lnL>
-                    <a:lnR algn="ctr" cmpd="sng" cap="flat" w="0">
-                      <a:noFill/>
-                      <a:prstDash val="solid"/>
-                    </a:lnR>
-                    <a:lnT algn="ctr" cmpd="sng" cap="flat" w="0">
-                      <a:noFill/>
-                      <a:prstDash val="solid"/>
-                    </a:lnT>
-                    <a:lnB algn="ctr" cmpd="sng" cap="flat" w="0">
-                      <a:noFill/>
-                      <a:prstDash val="solid"/>
-                    </a:lnB>
-                    <a:solidFill>
-                      <a:srgbClr val="FFBD69">
-                        <a:alpha val="100000"/>
-                      </a:srgbClr>
-                    </a:solidFill>
-                  </a:tcPr>
-                </a:tc>
-                <a:tc>
-                  <a:txBody>
-                    <a:bodyPr/>
-                    <a:lstStyle/>
-                    <a:p>
-                      <a:pPr algn="ctr" marL="63500" marR="63500">
-                        <a:lnSpc>
-                          <a:spcPct val="100000"/>
-                        </a:lnSpc>
-                        <a:spcBef>
-                          <a:spcPts val="300"/>
-                        </a:spcBef>
-                        <a:spcAft>
-                          <a:spcPts val="300"/>
-                        </a:spcAft>
-                        <a:buNone/>
-                      </a:pPr>
-                      <a:r>
-                        <a:rPr cap="none" sz="1200" i="0" b="0" u="none">
-                          <a:solidFill>
-                            <a:srgbClr val="000000">
-                              <a:alpha val="100000"/>
-                            </a:srgbClr>
-                          </a:solidFill>
-                          <a:latin typeface="arial"/>
-                          <a:cs typeface="arial"/>
-                          <a:ea typeface="arial"/>
-                          <a:sym typeface="arial"/>
-                        </a:rPr>
-                        <a:t>82 (61.2%)</a:t>
-                      </a:r>
-                    </a:p>
-                  </a:txBody>
-                  <a:tcPr anchor="ctr" marB="38100" marT="38100" marR="0" marL="0">
-                    <a:lnL algn="ctr" cmpd="sng" cap="flat" w="0">
-                      <a:noFill/>
-                      <a:prstDash val="solid"/>
-                    </a:lnL>
-                    <a:lnR algn="ctr" cmpd="sng" cap="flat" w="0">
-                      <a:noFill/>
-                      <a:prstDash val="solid"/>
-                    </a:lnR>
-                    <a:lnT algn="ctr" cmpd="sng" cap="flat" w="0">
-                      <a:noFill/>
-                      <a:prstDash val="solid"/>
-                    </a:lnT>
-                    <a:lnB algn="ctr" cmpd="sng" cap="flat" w="0">
-                      <a:noFill/>
-                      <a:prstDash val="solid"/>
-                    </a:lnB>
-                    <a:solidFill>
-                      <a:srgbClr val="FFBD69">
-                        <a:alpha val="100000"/>
-                      </a:srgbClr>
-                    </a:solidFill>
-                  </a:tcPr>
-                </a:tc>
-                <a:tc>
-                  <a:txBody>
-                    <a:bodyPr/>
-                    <a:lstStyle/>
-                    <a:p>
-                      <a:pPr algn="ctr" marL="63500" marR="63500">
-                        <a:lnSpc>
-                          <a:spcPct val="100000"/>
-                        </a:lnSpc>
-                        <a:spcBef>
-                          <a:spcPts val="300"/>
-                        </a:spcBef>
-                        <a:spcAft>
-                          <a:spcPts val="300"/>
-                        </a:spcAft>
-                        <a:buNone/>
-                      </a:pPr>
-                      <a:r>
-                        <a:rPr cap="none" sz="1200" i="0" b="0" u="none">
-                          <a:solidFill>
-                            <a:srgbClr val="000000">
-                              <a:alpha val="100000"/>
-                            </a:srgbClr>
-                          </a:solidFill>
-                          <a:latin typeface="arial"/>
-                          <a:cs typeface="arial"/>
-                          <a:ea typeface="arial"/>
-                          <a:sym typeface="arial"/>
-                        </a:rPr>
-                        <a:t>70 (53%)</a:t>
-                      </a:r>
-                    </a:p>
-                  </a:txBody>
-                  <a:tcPr anchor="ctr" marB="38100" marT="38100" marR="0" marL="0">
-                    <a:lnL algn="ctr" cmpd="sng" cap="flat" w="0">
-                      <a:noFill/>
-                      <a:prstDash val="solid"/>
-                    </a:lnL>
-                    <a:lnR algn="ctr" cmpd="sng" cap="flat" w="0">
-                      <a:noFill/>
-                      <a:prstDash val="solid"/>
-                    </a:lnR>
-                    <a:lnT algn="ctr" cmpd="sng" cap="flat" w="0">
-                      <a:noFill/>
-                      <a:prstDash val="solid"/>
-                    </a:lnT>
-                    <a:lnB algn="ctr" cmpd="sng" cap="flat" w="0">
-                      <a:noFill/>
-                      <a:prstDash val="solid"/>
-                    </a:lnB>
-                    <a:solidFill>
-                      <a:srgbClr val="FFBD69">
-                        <a:alpha val="100000"/>
-                      </a:srgbClr>
-                    </a:solidFill>
-                  </a:tcPr>
-                </a:tc>
-                <a:tc>
-                  <a:txBody>
-                    <a:bodyPr/>
-                    <a:lstStyle/>
-                    <a:p>
-                      <a:pPr algn="ctr" marL="63500" marR="63500">
-                        <a:lnSpc>
-                          <a:spcPct val="100000"/>
-                        </a:lnSpc>
-                        <a:spcBef>
-                          <a:spcPts val="300"/>
-                        </a:spcBef>
-                        <a:spcAft>
-                          <a:spcPts val="300"/>
-                        </a:spcAft>
-                        <a:buNone/>
-                      </a:pPr>
-                      <a:r>
-                        <a:rPr cap="none" sz="1200" i="0" b="0" u="none">
-                          <a:solidFill>
-                            <a:srgbClr val="000000">
-                              <a:alpha val="100000"/>
-                            </a:srgbClr>
-                          </a:solidFill>
-                          <a:latin typeface="arial"/>
-                          <a:cs typeface="arial"/>
-                          <a:ea typeface="arial"/>
-                          <a:sym typeface="arial"/>
-                        </a:rPr>
-                        <a:t>231 (57.8%)</a:t>
-                      </a:r>
-                    </a:p>
-                  </a:txBody>
-                  <a:tcPr anchor="ctr" marB="38100" marT="38100" marR="0" marL="0">
-                    <a:lnL algn="ctr" cmpd="sng" cap="flat" w="0">
-                      <a:noFill/>
-                      <a:prstDash val="solid"/>
-                    </a:lnL>
-                    <a:lnR algn="ctr" cmpd="sng" cap="flat" w="0">
-                      <a:noFill/>
-                      <a:prstDash val="solid"/>
-                    </a:lnR>
-                    <a:lnT algn="ctr" cmpd="sng" cap="flat" w="0">
-                      <a:noFill/>
-                      <a:prstDash val="solid"/>
-                    </a:lnT>
-                    <a:lnB algn="ctr" cmpd="sng" cap="flat" w="0">
-                      <a:noFill/>
-                      <a:prstDash val="solid"/>
-                    </a:lnB>
-                    <a:solidFill>
-                      <a:srgbClr val="FFBD69">
-                        <a:alpha val="100000"/>
-                      </a:srgbClr>
-                    </a:solidFill>
-                  </a:tcPr>
-                </a:tc>
-                <a:tc>
-                  <a:txBody>
-                    <a:bodyPr/>
-                    <a:lstStyle/>
-                    <a:p>
-                      <a:pPr algn="ctr" marL="63500" marR="63500">
-                        <a:lnSpc>
-                          <a:spcPct val="100000"/>
-                        </a:lnSpc>
-                        <a:spcBef>
-                          <a:spcPts val="300"/>
-                        </a:spcBef>
-                        <a:spcAft>
-                          <a:spcPts val="300"/>
-                        </a:spcAft>
-                        <a:buNone/>
-                      </a:pPr>
-                      <a:r>
-                        <a:rPr cap="none" sz="1200" i="0" b="0" u="none">
-                          <a:solidFill>
-                            <a:srgbClr val="000000">
-                              <a:alpha val="100000"/>
-                            </a:srgbClr>
-                          </a:solidFill>
-                          <a:latin typeface="arial"/>
-                          <a:cs typeface="arial"/>
-                          <a:ea typeface="arial"/>
-                          <a:sym typeface="arial"/>
-                        </a:rPr>
-                        <a:t>231 (57.8%)</a:t>
-                      </a:r>
-                    </a:p>
-                  </a:txBody>
-                  <a:tcPr anchor="ctr" marB="38100" marT="38100" marR="0" marL="0">
-                    <a:lnL algn="ctr" cmpd="sng" cap="flat" w="0">
-                      <a:noFill/>
-                      <a:prstDash val="solid"/>
-                    </a:lnL>
-                    <a:lnR algn="ctr" cmpd="sng" cap="flat" w="0">
-                      <a:noFill/>
-                      <a:prstDash val="solid"/>
-                    </a:lnR>
-                    <a:lnT algn="ctr" cmpd="sng" cap="flat" w="0">
-                      <a:noFill/>
-                      <a:prstDash val="solid"/>
-                    </a:lnT>
-                    <a:lnB algn="ctr" cmpd="sng" cap="flat" w="0">
-                      <a:noFill/>
-                      <a:prstDash val="solid"/>
-                    </a:lnB>
-                    <a:solidFill>
-                      <a:srgbClr val="FFBD69">
-                        <a:alpha val="100000"/>
-                      </a:srgbClr>
-                    </a:solidFill>
-                  </a:tcPr>
-                </a:tc>
-              </a:tr>
-              <a:tr h="243582">
-                <a:tc>
-                  <a:txBody>
-                    <a:bodyPr/>
-                    <a:lstStyle/>
-                    <a:p>
-                      <a:pPr algn="l" marL="127000" marR="63500">
-                        <a:lnSpc>
-                          <a:spcPct val="100000"/>
-                        </a:lnSpc>
-                        <a:spcBef>
-                          <a:spcPts val="300"/>
-                        </a:spcBef>
-                        <a:spcAft>
-                          <a:spcPts val="300"/>
-                        </a:spcAft>
-                        <a:buNone/>
-                      </a:pPr>
-                      <a:r>
-                        <a:rPr cap="none" sz="1200" i="0" b="0" u="none">
-                          <a:solidFill>
-                            <a:srgbClr val="000000">
-                              <a:alpha val="100000"/>
-                            </a:srgbClr>
-                          </a:solidFill>
-                          <a:latin typeface="arial"/>
-                          <a:cs typeface="arial"/>
-                          <a:ea typeface="arial"/>
-                          <a:sym typeface="arial"/>
-                        </a:rPr>
-                        <a:t>M</a:t>
-                      </a:r>
-                    </a:p>
-                  </a:txBody>
-                  <a:tcPr anchor="ctr" marB="38100" marT="38100" marR="0" marL="0">
-                    <a:lnL algn="ctr" cmpd="sng" cap="flat" w="0">
-                      <a:noFill/>
-                      <a:prstDash val="solid"/>
-                    </a:lnL>
-                    <a:lnR algn="ctr" cmpd="sng" cap="flat" w="0">
-                      <a:noFill/>
-                      <a:prstDash val="solid"/>
-                    </a:lnR>
-                    <a:lnT algn="ctr" cmpd="sng" cap="flat" w="0">
-                      <a:noFill/>
-                      <a:prstDash val="solid"/>
-                    </a:lnT>
-                    <a:lnB algn="ctr" cmpd="sng" cap="flat" w="0">
-                      <a:noFill/>
-                      <a:prstDash val="solid"/>
-                    </a:lnB>
-                    <a:solidFill>
-                      <a:srgbClr val="FF7D29">
-                        <a:alpha val="100000"/>
-                      </a:srgbClr>
-                    </a:solidFill>
-                  </a:tcPr>
-                </a:tc>
-                <a:tc>
-                  <a:txBody>
-                    <a:bodyPr/>
-                    <a:lstStyle/>
-                    <a:p>
-                      <a:pPr algn="ctr" marL="63500" marR="63500">
-                        <a:lnSpc>
-                          <a:spcPct val="100000"/>
-                        </a:lnSpc>
-                        <a:spcBef>
-                          <a:spcPts val="300"/>
-                        </a:spcBef>
-                        <a:spcAft>
-                          <a:spcPts val="300"/>
-                        </a:spcAft>
-                        <a:buNone/>
-                      </a:pPr>
-                      <a:r>
-                        <a:rPr cap="none" sz="1200" i="0" b="0" u="none">
-                          <a:solidFill>
-                            <a:srgbClr val="000000">
-                              <a:alpha val="100000"/>
-                            </a:srgbClr>
-                          </a:solidFill>
-                          <a:latin typeface="arial"/>
-                          <a:cs typeface="arial"/>
-                          <a:ea typeface="arial"/>
-                          <a:sym typeface="arial"/>
-                        </a:rPr>
-                        <a:t>55 (41%)</a:t>
-                      </a:r>
-                    </a:p>
-                  </a:txBody>
-                  <a:tcPr anchor="ctr" marB="38100" marT="38100" marR="0" marL="0">
-                    <a:lnL algn="ctr" cmpd="sng" cap="flat" w="0">
-                      <a:noFill/>
-                      <a:prstDash val="solid"/>
-                    </a:lnL>
-                    <a:lnR algn="ctr" cmpd="sng" cap="flat" w="0">
-                      <a:noFill/>
-                      <a:prstDash val="solid"/>
-                    </a:lnR>
-                    <a:lnT algn="ctr" cmpd="sng" cap="flat" w="0">
-                      <a:noFill/>
-                      <a:prstDash val="solid"/>
-                    </a:lnT>
-                    <a:lnB algn="ctr" cmpd="sng" cap="flat" w="0">
-                      <a:noFill/>
-                      <a:prstDash val="solid"/>
-                    </a:lnB>
-                    <a:solidFill>
-                      <a:srgbClr val="FF7D29">
-                        <a:alpha val="100000"/>
-                      </a:srgbClr>
-                    </a:solidFill>
-                  </a:tcPr>
-                </a:tc>
-                <a:tc>
-                  <a:txBody>
-                    <a:bodyPr/>
-                    <a:lstStyle/>
-                    <a:p>
-                      <a:pPr algn="ctr" marL="63500" marR="63500">
-                        <a:lnSpc>
-                          <a:spcPct val="100000"/>
-                        </a:lnSpc>
-                        <a:spcBef>
-                          <a:spcPts val="300"/>
-                        </a:spcBef>
-                        <a:spcAft>
-                          <a:spcPts val="300"/>
-                        </a:spcAft>
-                        <a:buNone/>
-                      </a:pPr>
-                      <a:r>
-                        <a:rPr cap="none" sz="1200" i="0" b="0" u="none">
-                          <a:solidFill>
-                            <a:srgbClr val="000000">
-                              <a:alpha val="100000"/>
-                            </a:srgbClr>
-                          </a:solidFill>
-                          <a:latin typeface="arial"/>
-                          <a:cs typeface="arial"/>
-                          <a:ea typeface="arial"/>
-                          <a:sym typeface="arial"/>
-                        </a:rPr>
-                        <a:t>52 (38.8%)</a:t>
-                      </a:r>
-                    </a:p>
-                  </a:txBody>
-                  <a:tcPr anchor="ctr" marB="38100" marT="38100" marR="0" marL="0">
-                    <a:lnL algn="ctr" cmpd="sng" cap="flat" w="0">
-                      <a:noFill/>
-                      <a:prstDash val="solid"/>
-                    </a:lnL>
-                    <a:lnR algn="ctr" cmpd="sng" cap="flat" w="0">
-                      <a:noFill/>
-                      <a:prstDash val="solid"/>
-                    </a:lnR>
-                    <a:lnT algn="ctr" cmpd="sng" cap="flat" w="0">
-                      <a:noFill/>
-                      <a:prstDash val="solid"/>
-                    </a:lnT>
-                    <a:lnB algn="ctr" cmpd="sng" cap="flat" w="0">
-                      <a:noFill/>
-                      <a:prstDash val="solid"/>
-                    </a:lnB>
-                    <a:solidFill>
-                      <a:srgbClr val="FF7D29">
-                        <a:alpha val="100000"/>
-                      </a:srgbClr>
-                    </a:solidFill>
-                  </a:tcPr>
-                </a:tc>
-                <a:tc>
-                  <a:txBody>
-                    <a:bodyPr/>
-                    <a:lstStyle/>
-                    <a:p>
-                      <a:pPr algn="ctr" marL="63500" marR="63500">
-                        <a:lnSpc>
-                          <a:spcPct val="100000"/>
-                        </a:lnSpc>
-                        <a:spcBef>
-                          <a:spcPts val="300"/>
-                        </a:spcBef>
-                        <a:spcAft>
-                          <a:spcPts val="300"/>
-                        </a:spcAft>
-                        <a:buNone/>
-                      </a:pPr>
-                      <a:r>
-                        <a:rPr cap="none" sz="1200" i="0" b="0" u="none">
-                          <a:solidFill>
-                            <a:srgbClr val="000000">
-                              <a:alpha val="100000"/>
-                            </a:srgbClr>
-                          </a:solidFill>
-                          <a:latin typeface="arial"/>
-                          <a:cs typeface="arial"/>
-                          <a:ea typeface="arial"/>
-                          <a:sym typeface="arial"/>
-                        </a:rPr>
-                        <a:t>62 (47%)</a:t>
-                      </a:r>
-                    </a:p>
-                  </a:txBody>
-                  <a:tcPr anchor="ctr" marB="38100" marT="38100" marR="0" marL="0">
-                    <a:lnL algn="ctr" cmpd="sng" cap="flat" w="0">
-                      <a:noFill/>
-                      <a:prstDash val="solid"/>
-                    </a:lnL>
-                    <a:lnR algn="ctr" cmpd="sng" cap="flat" w="0">
-                      <a:noFill/>
-                      <a:prstDash val="solid"/>
-                    </a:lnR>
-                    <a:lnT algn="ctr" cmpd="sng" cap="flat" w="0">
-                      <a:noFill/>
-                      <a:prstDash val="solid"/>
-                    </a:lnT>
-                    <a:lnB algn="ctr" cmpd="sng" cap="flat" w="0">
-                      <a:noFill/>
-                      <a:prstDash val="solid"/>
-                    </a:lnB>
-                    <a:solidFill>
-                      <a:srgbClr val="FF7D29">
-                        <a:alpha val="100000"/>
-                      </a:srgbClr>
-                    </a:solidFill>
-                  </a:tcPr>
-                </a:tc>
-                <a:tc>
-                  <a:txBody>
-                    <a:bodyPr/>
-                    <a:lstStyle/>
-                    <a:p>
-                      <a:pPr algn="ctr" marL="63500" marR="63500">
-                        <a:lnSpc>
-                          <a:spcPct val="100000"/>
-                        </a:lnSpc>
-                        <a:spcBef>
-                          <a:spcPts val="300"/>
-                        </a:spcBef>
-                        <a:spcAft>
-                          <a:spcPts val="300"/>
-                        </a:spcAft>
-                        <a:buNone/>
-                      </a:pPr>
-                      <a:r>
-                        <a:rPr cap="none" sz="1200" i="0" b="0" u="none">
-                          <a:solidFill>
-                            <a:srgbClr val="000000">
-                              <a:alpha val="100000"/>
-                            </a:srgbClr>
-                          </a:solidFill>
-                          <a:latin typeface="arial"/>
-                          <a:cs typeface="arial"/>
-                          <a:ea typeface="arial"/>
-                          <a:sym typeface="arial"/>
-                        </a:rPr>
-                        <a:t>169 (42.2%)</a:t>
-                      </a:r>
-                    </a:p>
-                  </a:txBody>
-                  <a:tcPr anchor="ctr" marB="38100" marT="38100" marR="0" marL="0">
-                    <a:lnL algn="ctr" cmpd="sng" cap="flat" w="0">
-                      <a:noFill/>
-                      <a:prstDash val="solid"/>
-                    </a:lnL>
-                    <a:lnR algn="ctr" cmpd="sng" cap="flat" w="0">
-                      <a:noFill/>
-                      <a:prstDash val="solid"/>
-                    </a:lnR>
-                    <a:lnT algn="ctr" cmpd="sng" cap="flat" w="0">
-                      <a:noFill/>
-                      <a:prstDash val="solid"/>
-                    </a:lnT>
-                    <a:lnB algn="ctr" cmpd="sng" cap="flat" w="0">
-                      <a:noFill/>
-                      <a:prstDash val="solid"/>
-                    </a:lnB>
-                    <a:solidFill>
-                      <a:srgbClr val="FF7D29">
-                        <a:alpha val="100000"/>
-                      </a:srgbClr>
-                    </a:solidFill>
-                  </a:tcPr>
-                </a:tc>
-                <a:tc>
-                  <a:txBody>
-                    <a:bodyPr/>
-                    <a:lstStyle/>
-                    <a:p>
-                      <a:pPr algn="ctr" marL="63500" marR="63500">
-                        <a:lnSpc>
-                          <a:spcPct val="100000"/>
-                        </a:lnSpc>
-                        <a:spcBef>
-                          <a:spcPts val="300"/>
-                        </a:spcBef>
-                        <a:spcAft>
-                          <a:spcPts val="300"/>
-                        </a:spcAft>
-                        <a:buNone/>
-                      </a:pPr>
-                      <a:r>
-                        <a:rPr cap="none" sz="1200" i="0" b="0" u="none">
-                          <a:solidFill>
-                            <a:srgbClr val="000000">
-                              <a:alpha val="100000"/>
-                            </a:srgbClr>
-                          </a:solidFill>
-                          <a:latin typeface="arial"/>
-                          <a:cs typeface="arial"/>
-                          <a:ea typeface="arial"/>
-                          <a:sym typeface="arial"/>
-                        </a:rPr>
-                        <a:t>169 (42.2%)</a:t>
-                      </a:r>
-                    </a:p>
-                  </a:txBody>
-                  <a:tcPr anchor="ctr" marB="38100" marT="38100" marR="0" marL="0">
-                    <a:lnL algn="ctr" cmpd="sng" cap="flat" w="0">
-                      <a:noFill/>
-                      <a:prstDash val="solid"/>
-                    </a:lnL>
-                    <a:lnR algn="ctr" cmpd="sng" cap="flat" w="0">
-                      <a:noFill/>
-                      <a:prstDash val="solid"/>
-                    </a:lnR>
-                    <a:lnT algn="ctr" cmpd="sng" cap="flat" w="0">
-                      <a:noFill/>
-                      <a:prstDash val="solid"/>
-                    </a:lnT>
-                    <a:lnB algn="ctr" cmpd="sng" cap="flat" w="0">
-                      <a:noFill/>
-                      <a:prstDash val="solid"/>
-                    </a:lnB>
-                    <a:solidFill>
-                      <a:srgbClr val="FF7D29">
-                        <a:alpha val="100000"/>
-                      </a:srgbClr>
-                    </a:solidFill>
-                  </a:tcPr>
-                </a:tc>
-              </a:tr>
-              <a:tr h="238075">
-                <a:tc>
-                  <a:txBody>
-                    <a:bodyPr/>
-                    <a:lstStyle/>
-                    <a:p>
-                      <a:pPr algn="l" marL="127000" marR="63500">
-                        <a:lnSpc>
-                          <a:spcPct val="100000"/>
-                        </a:lnSpc>
-                        <a:spcBef>
-                          <a:spcPts val="300"/>
-                        </a:spcBef>
-                        <a:spcAft>
-                          <a:spcPts val="300"/>
-                        </a:spcAft>
-                        <a:buNone/>
-                      </a:pPr>
-                      <a:r>
-                        <a:rPr cap="none" sz="1200" i="0" b="0" u="none">
-                          <a:solidFill>
-                            <a:srgbClr val="000000">
-                              <a:alpha val="100000"/>
-                            </a:srgbClr>
-                          </a:solidFill>
-                          <a:latin typeface="arial"/>
-                          <a:cs typeface="arial"/>
-                          <a:ea typeface="arial"/>
-                          <a:sym typeface="arial"/>
-                        </a:rPr>
-                        <a:t>Age</a:t>
-                      </a:r>
-                    </a:p>
-                  </a:txBody>
-                  <a:tcPr anchor="ctr" marB="38100" marT="38100" marR="0" marL="0">
-                    <a:lnL algn="ctr" cmpd="sng" cap="flat" w="0">
-                      <a:noFill/>
-                      <a:prstDash val="solid"/>
-                    </a:lnL>
-                    <a:lnR algn="ctr" cmpd="sng" cap="flat" w="0">
-                      <a:noFill/>
-                      <a:prstDash val="solid"/>
-                    </a:lnR>
-                    <a:lnT algn="ctr" cmpd="sng" cap="flat" w="0">
-                      <a:noFill/>
-                      <a:prstDash val="solid"/>
-                    </a:lnT>
-                    <a:lnB algn="ctr" cmpd="sng" cap="flat" w="0">
-                      <a:noFill/>
-                      <a:prstDash val="solid"/>
-                    </a:lnB>
-                    <a:solidFill>
                       <a:srgbClr val="FFBD69">
                         <a:alpha val="100000"/>
                       </a:srgbClr>
@@ -5136,6 +4964,639 @@
                     </a:solidFill>
                   </a:tcPr>
                 </a:tc>
+              </a:tr>
+              <a:tr h="213519">
+                <a:tc>
+                  <a:txBody>
+                    <a:bodyPr/>
+                    <a:lstStyle/>
+                    <a:p>
+                      <a:pPr algn="l" marL="127000" marR="63500">
+                        <a:lnSpc>
+                          <a:spcPct val="100000"/>
+                        </a:lnSpc>
+                        <a:spcBef>
+                          <a:spcPts val="300"/>
+                        </a:spcBef>
+                        <a:spcAft>
+                          <a:spcPts val="300"/>
+                        </a:spcAft>
+                        <a:buNone/>
+                      </a:pPr>
+                      <a:r>
+                        <a:rPr cap="none" sz="1200" i="0" b="0" u="none">
+                          <a:solidFill>
+                            <a:srgbClr val="000000">
+                              <a:alpha val="100000"/>
+                            </a:srgbClr>
+                          </a:solidFill>
+                          <a:latin typeface="arial"/>
+                          <a:cs typeface="arial"/>
+                          <a:ea typeface="arial"/>
+                          <a:sym typeface="arial"/>
+                        </a:rPr>
+                        <a:t>Median</a:t>
+                      </a:r>
+                    </a:p>
+                  </a:txBody>
+                  <a:tcPr anchor="ctr" marB="38100" marT="38100" marR="0" marL="0">
+                    <a:lnL algn="ctr" cmpd="sng" cap="flat" w="0">
+                      <a:noFill/>
+                      <a:prstDash val="solid"/>
+                    </a:lnL>
+                    <a:lnR algn="ctr" cmpd="sng" cap="flat" w="0">
+                      <a:noFill/>
+                      <a:prstDash val="solid"/>
+                    </a:lnR>
+                    <a:lnT algn="ctr" cmpd="sng" cap="flat" w="0">
+                      <a:noFill/>
+                      <a:prstDash val="solid"/>
+                    </a:lnT>
+                    <a:lnB algn="ctr" cmpd="sng" cap="flat" w="0">
+                      <a:noFill/>
+                      <a:prstDash val="solid"/>
+                    </a:lnB>
+                    <a:solidFill>
+                      <a:srgbClr val="FF7D29">
+                        <a:alpha val="100000"/>
+                      </a:srgbClr>
+                    </a:solidFill>
+                  </a:tcPr>
+                </a:tc>
+                <a:tc>
+                  <a:txBody>
+                    <a:bodyPr/>
+                    <a:lstStyle/>
+                    <a:p>
+                      <a:pPr algn="ctr" marL="63500" marR="63500">
+                        <a:lnSpc>
+                          <a:spcPct val="100000"/>
+                        </a:lnSpc>
+                        <a:spcBef>
+                          <a:spcPts val="300"/>
+                        </a:spcBef>
+                        <a:spcAft>
+                          <a:spcPts val="300"/>
+                        </a:spcAft>
+                        <a:buNone/>
+                      </a:pPr>
+                      <a:r>
+                        <a:rPr cap="none" sz="1200" i="0" b="0" u="none">
+                          <a:solidFill>
+                            <a:srgbClr val="000000">
+                              <a:alpha val="100000"/>
+                            </a:srgbClr>
+                          </a:solidFill>
+                          <a:latin typeface="arial"/>
+                          <a:cs typeface="arial"/>
+                          <a:ea typeface="arial"/>
+                          <a:sym typeface="arial"/>
+                        </a:rPr>
+                        <a:t>33.00</a:t>
+                      </a:r>
+                    </a:p>
+                  </a:txBody>
+                  <a:tcPr anchor="ctr" marB="38100" marT="38100" marR="0" marL="0">
+                    <a:lnL algn="ctr" cmpd="sng" cap="flat" w="0">
+                      <a:noFill/>
+                      <a:prstDash val="solid"/>
+                    </a:lnL>
+                    <a:lnR algn="ctr" cmpd="sng" cap="flat" w="0">
+                      <a:noFill/>
+                      <a:prstDash val="solid"/>
+                    </a:lnR>
+                    <a:lnT algn="ctr" cmpd="sng" cap="flat" w="0">
+                      <a:noFill/>
+                      <a:prstDash val="solid"/>
+                    </a:lnT>
+                    <a:lnB algn="ctr" cmpd="sng" cap="flat" w="0">
+                      <a:noFill/>
+                      <a:prstDash val="solid"/>
+                    </a:lnB>
+                    <a:solidFill>
+                      <a:srgbClr val="FF7D29">
+                        <a:alpha val="100000"/>
+                      </a:srgbClr>
+                    </a:solidFill>
+                  </a:tcPr>
+                </a:tc>
+                <a:tc>
+                  <a:txBody>
+                    <a:bodyPr/>
+                    <a:lstStyle/>
+                    <a:p>
+                      <a:pPr algn="ctr" marL="63500" marR="63500">
+                        <a:lnSpc>
+                          <a:spcPct val="100000"/>
+                        </a:lnSpc>
+                        <a:spcBef>
+                          <a:spcPts val="300"/>
+                        </a:spcBef>
+                        <a:spcAft>
+                          <a:spcPts val="300"/>
+                        </a:spcAft>
+                        <a:buNone/>
+                      </a:pPr>
+                      <a:r>
+                        <a:rPr cap="none" sz="1200" i="0" b="0" u="none">
+                          <a:solidFill>
+                            <a:srgbClr val="000000">
+                              <a:alpha val="100000"/>
+                            </a:srgbClr>
+                          </a:solidFill>
+                          <a:latin typeface="arial"/>
+                          <a:cs typeface="arial"/>
+                          <a:ea typeface="arial"/>
+                          <a:sym typeface="arial"/>
+                        </a:rPr>
+                        <a:t>35.00</a:t>
+                      </a:r>
+                    </a:p>
+                  </a:txBody>
+                  <a:tcPr anchor="ctr" marB="38100" marT="38100" marR="0" marL="0">
+                    <a:lnL algn="ctr" cmpd="sng" cap="flat" w="0">
+                      <a:noFill/>
+                      <a:prstDash val="solid"/>
+                    </a:lnL>
+                    <a:lnR algn="ctr" cmpd="sng" cap="flat" w="0">
+                      <a:noFill/>
+                      <a:prstDash val="solid"/>
+                    </a:lnR>
+                    <a:lnT algn="ctr" cmpd="sng" cap="flat" w="0">
+                      <a:noFill/>
+                      <a:prstDash val="solid"/>
+                    </a:lnT>
+                    <a:lnB algn="ctr" cmpd="sng" cap="flat" w="0">
+                      <a:noFill/>
+                      <a:prstDash val="solid"/>
+                    </a:lnB>
+                    <a:solidFill>
+                      <a:srgbClr val="FF7D29">
+                        <a:alpha val="100000"/>
+                      </a:srgbClr>
+                    </a:solidFill>
+                  </a:tcPr>
+                </a:tc>
+                <a:tc>
+                  <a:txBody>
+                    <a:bodyPr/>
+                    <a:lstStyle/>
+                    <a:p>
+                      <a:pPr algn="ctr" marL="63500" marR="63500">
+                        <a:lnSpc>
+                          <a:spcPct val="100000"/>
+                        </a:lnSpc>
+                        <a:spcBef>
+                          <a:spcPts val="300"/>
+                        </a:spcBef>
+                        <a:spcAft>
+                          <a:spcPts val="300"/>
+                        </a:spcAft>
+                        <a:buNone/>
+                      </a:pPr>
+                      <a:r>
+                        <a:rPr cap="none" sz="1200" i="0" b="0" u="none">
+                          <a:solidFill>
+                            <a:srgbClr val="000000">
+                              <a:alpha val="100000"/>
+                            </a:srgbClr>
+                          </a:solidFill>
+                          <a:latin typeface="arial"/>
+                          <a:cs typeface="arial"/>
+                          <a:ea typeface="arial"/>
+                          <a:sym typeface="arial"/>
+                        </a:rPr>
+                        <a:t>35.00</a:t>
+                      </a:r>
+                    </a:p>
+                  </a:txBody>
+                  <a:tcPr anchor="ctr" marB="38100" marT="38100" marR="0" marL="0">
+                    <a:lnL algn="ctr" cmpd="sng" cap="flat" w="0">
+                      <a:noFill/>
+                      <a:prstDash val="solid"/>
+                    </a:lnL>
+                    <a:lnR algn="ctr" cmpd="sng" cap="flat" w="0">
+                      <a:noFill/>
+                      <a:prstDash val="solid"/>
+                    </a:lnR>
+                    <a:lnT algn="ctr" cmpd="sng" cap="flat" w="0">
+                      <a:noFill/>
+                      <a:prstDash val="solid"/>
+                    </a:lnT>
+                    <a:lnB algn="ctr" cmpd="sng" cap="flat" w="0">
+                      <a:noFill/>
+                      <a:prstDash val="solid"/>
+                    </a:lnB>
+                    <a:solidFill>
+                      <a:srgbClr val="FF7D29">
+                        <a:alpha val="100000"/>
+                      </a:srgbClr>
+                    </a:solidFill>
+                  </a:tcPr>
+                </a:tc>
+                <a:tc>
+                  <a:txBody>
+                    <a:bodyPr/>
+                    <a:lstStyle/>
+                    <a:p>
+                      <a:pPr algn="ctr" marL="63500" marR="63500">
+                        <a:lnSpc>
+                          <a:spcPct val="100000"/>
+                        </a:lnSpc>
+                        <a:spcBef>
+                          <a:spcPts val="300"/>
+                        </a:spcBef>
+                        <a:spcAft>
+                          <a:spcPts val="300"/>
+                        </a:spcAft>
+                        <a:buNone/>
+                      </a:pPr>
+                      <a:r>
+                        <a:rPr cap="none" sz="1200" i="0" b="0" u="none">
+                          <a:solidFill>
+                            <a:srgbClr val="000000">
+                              <a:alpha val="100000"/>
+                            </a:srgbClr>
+                          </a:solidFill>
+                          <a:latin typeface="arial"/>
+                          <a:cs typeface="arial"/>
+                          <a:ea typeface="arial"/>
+                          <a:sym typeface="arial"/>
+                        </a:rPr>
+                        <a:t>34.00</a:t>
+                      </a:r>
+                    </a:p>
+                  </a:txBody>
+                  <a:tcPr anchor="ctr" marB="38100" marT="38100" marR="0" marL="0">
+                    <a:lnL algn="ctr" cmpd="sng" cap="flat" w="0">
+                      <a:noFill/>
+                      <a:prstDash val="solid"/>
+                    </a:lnL>
+                    <a:lnR algn="ctr" cmpd="sng" cap="flat" w="0">
+                      <a:noFill/>
+                      <a:prstDash val="solid"/>
+                    </a:lnR>
+                    <a:lnT algn="ctr" cmpd="sng" cap="flat" w="0">
+                      <a:noFill/>
+                      <a:prstDash val="solid"/>
+                    </a:lnT>
+                    <a:lnB algn="ctr" cmpd="sng" cap="flat" w="0">
+                      <a:noFill/>
+                      <a:prstDash val="solid"/>
+                    </a:lnB>
+                    <a:solidFill>
+                      <a:srgbClr val="FF7D29">
+                        <a:alpha val="100000"/>
+                      </a:srgbClr>
+                    </a:solidFill>
+                  </a:tcPr>
+                </a:tc>
+              </a:tr>
+              <a:tr h="213519">
+                <a:tc>
+                  <a:txBody>
+                    <a:bodyPr/>
+                    <a:lstStyle/>
+                    <a:p>
+                      <a:pPr algn="l" marL="127000" marR="63500">
+                        <a:lnSpc>
+                          <a:spcPct val="100000"/>
+                        </a:lnSpc>
+                        <a:spcBef>
+                          <a:spcPts val="300"/>
+                        </a:spcBef>
+                        <a:spcAft>
+                          <a:spcPts val="300"/>
+                        </a:spcAft>
+                        <a:buNone/>
+                      </a:pPr>
+                      <a:r>
+                        <a:rPr cap="none" sz="1200" i="0" b="0" u="none">
+                          <a:solidFill>
+                            <a:srgbClr val="000000">
+                              <a:alpha val="100000"/>
+                            </a:srgbClr>
+                          </a:solidFill>
+                          <a:latin typeface="arial"/>
+                          <a:cs typeface="arial"/>
+                          <a:ea typeface="arial"/>
+                          <a:sym typeface="arial"/>
+                        </a:rPr>
+                        <a:t>Min - Max</a:t>
+                      </a:r>
+                    </a:p>
+                  </a:txBody>
+                  <a:tcPr anchor="ctr" marB="38100" marT="38100" marR="0" marL="0">
+                    <a:lnL algn="ctr" cmpd="sng" cap="flat" w="0">
+                      <a:noFill/>
+                      <a:prstDash val="solid"/>
+                    </a:lnL>
+                    <a:lnR algn="ctr" cmpd="sng" cap="flat" w="0">
+                      <a:noFill/>
+                      <a:prstDash val="solid"/>
+                    </a:lnR>
+                    <a:lnT algn="ctr" cmpd="sng" cap="flat" w="0">
+                      <a:noFill/>
+                      <a:prstDash val="solid"/>
+                    </a:lnT>
+                    <a:lnB algn="ctr" cmpd="sng" cap="flat" w="0">
+                      <a:noFill/>
+                      <a:prstDash val="solid"/>
+                    </a:lnB>
+                    <a:solidFill>
+                      <a:srgbClr val="FFBD69">
+                        <a:alpha val="100000"/>
+                      </a:srgbClr>
+                    </a:solidFill>
+                  </a:tcPr>
+                </a:tc>
+                <a:tc>
+                  <a:txBody>
+                    <a:bodyPr/>
+                    <a:lstStyle/>
+                    <a:p>
+                      <a:pPr algn="ctr" marL="63500" marR="63500">
+                        <a:lnSpc>
+                          <a:spcPct val="100000"/>
+                        </a:lnSpc>
+                        <a:spcBef>
+                          <a:spcPts val="300"/>
+                        </a:spcBef>
+                        <a:spcAft>
+                          <a:spcPts val="300"/>
+                        </a:spcAft>
+                        <a:buNone/>
+                      </a:pPr>
+                      <a:r>
+                        <a:rPr cap="none" sz="1200" i="0" b="0" u="none">
+                          <a:solidFill>
+                            <a:srgbClr val="000000">
+                              <a:alpha val="100000"/>
+                            </a:srgbClr>
+                          </a:solidFill>
+                          <a:latin typeface="arial"/>
+                          <a:cs typeface="arial"/>
+                          <a:ea typeface="arial"/>
+                          <a:sym typeface="arial"/>
+                        </a:rPr>
+                        <a:t>21.0 - 50.0</a:t>
+                      </a:r>
+                    </a:p>
+                  </a:txBody>
+                  <a:tcPr anchor="ctr" marB="38100" marT="38100" marR="0" marL="0">
+                    <a:lnL algn="ctr" cmpd="sng" cap="flat" w="0">
+                      <a:noFill/>
+                      <a:prstDash val="solid"/>
+                    </a:lnL>
+                    <a:lnR algn="ctr" cmpd="sng" cap="flat" w="0">
+                      <a:noFill/>
+                      <a:prstDash val="solid"/>
+                    </a:lnR>
+                    <a:lnT algn="ctr" cmpd="sng" cap="flat" w="0">
+                      <a:noFill/>
+                      <a:prstDash val="solid"/>
+                    </a:lnT>
+                    <a:lnB algn="ctr" cmpd="sng" cap="flat" w="0">
+                      <a:noFill/>
+                      <a:prstDash val="solid"/>
+                    </a:lnB>
+                    <a:solidFill>
+                      <a:srgbClr val="FFBD69">
+                        <a:alpha val="100000"/>
+                      </a:srgbClr>
+                    </a:solidFill>
+                  </a:tcPr>
+                </a:tc>
+                <a:tc>
+                  <a:txBody>
+                    <a:bodyPr/>
+                    <a:lstStyle/>
+                    <a:p>
+                      <a:pPr algn="ctr" marL="63500" marR="63500">
+                        <a:lnSpc>
+                          <a:spcPct val="100000"/>
+                        </a:lnSpc>
+                        <a:spcBef>
+                          <a:spcPts val="300"/>
+                        </a:spcBef>
+                        <a:spcAft>
+                          <a:spcPts val="300"/>
+                        </a:spcAft>
+                        <a:buNone/>
+                      </a:pPr>
+                      <a:r>
+                        <a:rPr cap="none" sz="1200" i="0" b="0" u="none">
+                          <a:solidFill>
+                            <a:srgbClr val="000000">
+                              <a:alpha val="100000"/>
+                            </a:srgbClr>
+                          </a:solidFill>
+                          <a:latin typeface="arial"/>
+                          <a:cs typeface="arial"/>
+                          <a:ea typeface="arial"/>
+                          <a:sym typeface="arial"/>
+                        </a:rPr>
+                        <a:t>21.0 - 62.0</a:t>
+                      </a:r>
+                    </a:p>
+                  </a:txBody>
+                  <a:tcPr anchor="ctr" marB="38100" marT="38100" marR="0" marL="0">
+                    <a:lnL algn="ctr" cmpd="sng" cap="flat" w="0">
+                      <a:noFill/>
+                      <a:prstDash val="solid"/>
+                    </a:lnL>
+                    <a:lnR algn="ctr" cmpd="sng" cap="flat" w="0">
+                      <a:noFill/>
+                      <a:prstDash val="solid"/>
+                    </a:lnR>
+                    <a:lnT algn="ctr" cmpd="sng" cap="flat" w="0">
+                      <a:noFill/>
+                      <a:prstDash val="solid"/>
+                    </a:lnT>
+                    <a:lnB algn="ctr" cmpd="sng" cap="flat" w="0">
+                      <a:noFill/>
+                      <a:prstDash val="solid"/>
+                    </a:lnB>
+                    <a:solidFill>
+                      <a:srgbClr val="FFBD69">
+                        <a:alpha val="100000"/>
+                      </a:srgbClr>
+                    </a:solidFill>
+                  </a:tcPr>
+                </a:tc>
+                <a:tc>
+                  <a:txBody>
+                    <a:bodyPr/>
+                    <a:lstStyle/>
+                    <a:p>
+                      <a:pPr algn="ctr" marL="63500" marR="63500">
+                        <a:lnSpc>
+                          <a:spcPct val="100000"/>
+                        </a:lnSpc>
+                        <a:spcBef>
+                          <a:spcPts val="300"/>
+                        </a:spcBef>
+                        <a:spcAft>
+                          <a:spcPts val="300"/>
+                        </a:spcAft>
+                        <a:buNone/>
+                      </a:pPr>
+                      <a:r>
+                        <a:rPr cap="none" sz="1200" i="0" b="0" u="none">
+                          <a:solidFill>
+                            <a:srgbClr val="000000">
+                              <a:alpha val="100000"/>
+                            </a:srgbClr>
+                          </a:solidFill>
+                          <a:latin typeface="arial"/>
+                          <a:cs typeface="arial"/>
+                          <a:ea typeface="arial"/>
+                          <a:sym typeface="arial"/>
+                        </a:rPr>
+                        <a:t>20.0 - 69.0</a:t>
+                      </a:r>
+                    </a:p>
+                  </a:txBody>
+                  <a:tcPr anchor="ctr" marB="38100" marT="38100" marR="0" marL="0">
+                    <a:lnL algn="ctr" cmpd="sng" cap="flat" w="0">
+                      <a:noFill/>
+                      <a:prstDash val="solid"/>
+                    </a:lnL>
+                    <a:lnR algn="ctr" cmpd="sng" cap="flat" w="0">
+                      <a:noFill/>
+                      <a:prstDash val="solid"/>
+                    </a:lnR>
+                    <a:lnT algn="ctr" cmpd="sng" cap="flat" w="0">
+                      <a:noFill/>
+                      <a:prstDash val="solid"/>
+                    </a:lnT>
+                    <a:lnB algn="ctr" cmpd="sng" cap="flat" w="0">
+                      <a:noFill/>
+                      <a:prstDash val="solid"/>
+                    </a:lnB>
+                    <a:solidFill>
+                      <a:srgbClr val="FFBD69">
+                        <a:alpha val="100000"/>
+                      </a:srgbClr>
+                    </a:solidFill>
+                  </a:tcPr>
+                </a:tc>
+                <a:tc>
+                  <a:txBody>
+                    <a:bodyPr/>
+                    <a:lstStyle/>
+                    <a:p>
+                      <a:pPr algn="ctr" marL="63500" marR="63500">
+                        <a:lnSpc>
+                          <a:spcPct val="100000"/>
+                        </a:lnSpc>
+                        <a:spcBef>
+                          <a:spcPts val="300"/>
+                        </a:spcBef>
+                        <a:spcAft>
+                          <a:spcPts val="300"/>
+                        </a:spcAft>
+                        <a:buNone/>
+                      </a:pPr>
+                      <a:r>
+                        <a:rPr cap="none" sz="1200" i="0" b="0" u="none">
+                          <a:solidFill>
+                            <a:srgbClr val="000000">
+                              <a:alpha val="100000"/>
+                            </a:srgbClr>
+                          </a:solidFill>
+                          <a:latin typeface="arial"/>
+                          <a:cs typeface="arial"/>
+                          <a:ea typeface="arial"/>
+                          <a:sym typeface="arial"/>
+                        </a:rPr>
+                        <a:t>20.0 - 69.0</a:t>
+                      </a:r>
+                    </a:p>
+                  </a:txBody>
+                  <a:tcPr anchor="ctr" marB="38100" marT="38100" marR="0" marL="0">
+                    <a:lnL algn="ctr" cmpd="sng" cap="flat" w="0">
+                      <a:noFill/>
+                      <a:prstDash val="solid"/>
+                    </a:lnL>
+                    <a:lnR algn="ctr" cmpd="sng" cap="flat" w="0">
+                      <a:noFill/>
+                      <a:prstDash val="solid"/>
+                    </a:lnR>
+                    <a:lnT algn="ctr" cmpd="sng" cap="flat" w="0">
+                      <a:noFill/>
+                      <a:prstDash val="solid"/>
+                    </a:lnT>
+                    <a:lnB algn="ctr" cmpd="sng" cap="flat" w="0">
+                      <a:noFill/>
+                      <a:prstDash val="solid"/>
+                    </a:lnB>
+                    <a:solidFill>
+                      <a:srgbClr val="FFBD69">
+                        <a:alpha val="100000"/>
+                      </a:srgbClr>
+                    </a:solidFill>
+                  </a:tcPr>
+                </a:tc>
+              </a:tr>
+              <a:tr h="207938">
+                <a:tc>
+                  <a:txBody>
+                    <a:bodyPr/>
+                    <a:lstStyle/>
+                    <a:p>
+                      <a:pPr algn="l" marL="127000" marR="63500">
+                        <a:lnSpc>
+                          <a:spcPct val="100000"/>
+                        </a:lnSpc>
+                        <a:spcBef>
+                          <a:spcPts val="300"/>
+                        </a:spcBef>
+                        <a:spcAft>
+                          <a:spcPts val="300"/>
+                        </a:spcAft>
+                        <a:buNone/>
+                      </a:pPr>
+                      <a:r>
+                        <a:rPr cap="none" sz="1200" i="0" b="0" u="none">
+                          <a:solidFill>
+                            <a:srgbClr val="000000">
+                              <a:alpha val="100000"/>
+                            </a:srgbClr>
+                          </a:solidFill>
+                          <a:latin typeface="arial"/>
+                          <a:cs typeface="arial"/>
+                          <a:ea typeface="arial"/>
+                          <a:sym typeface="arial"/>
+                        </a:rPr>
+                        <a:t>Race</a:t>
+                      </a:r>
+                    </a:p>
+                  </a:txBody>
+                  <a:tcPr anchor="ctr" marB="38100" marT="38100" marR="0" marL="0">
+                    <a:lnL algn="ctr" cmpd="sng" cap="flat" w="0">
+                      <a:noFill/>
+                      <a:prstDash val="solid"/>
+                    </a:lnL>
+                    <a:lnR algn="ctr" cmpd="sng" cap="flat" w="0">
+                      <a:noFill/>
+                      <a:prstDash val="solid"/>
+                    </a:lnR>
+                    <a:lnT algn="ctr" cmpd="sng" cap="flat" w="0">
+                      <a:noFill/>
+                      <a:prstDash val="solid"/>
+                    </a:lnT>
+                    <a:lnB algn="ctr" cmpd="sng" cap="flat" w="0">
+                      <a:noFill/>
+                      <a:prstDash val="solid"/>
+                    </a:lnB>
+                    <a:solidFill>
+                      <a:srgbClr val="FF7D29">
+                        <a:alpha val="100000"/>
+                      </a:srgbClr>
+                    </a:solidFill>
+                  </a:tcPr>
+                </a:tc>
                 <a:tc>
                   <a:txBody>
                     <a:bodyPr/>
@@ -5198,7 +5659,7 @@
                       <a:prstDash val="solid"/>
                     </a:lnB>
                     <a:solidFill>
-                      <a:srgbClr val="FFBD69">
+                      <a:srgbClr val="FF7D29">
                         <a:alpha val="100000"/>
                       </a:srgbClr>
                     </a:solidFill>
@@ -5266,753 +5727,6 @@
                       <a:prstDash val="solid"/>
                     </a:lnB>
                     <a:solidFill>
-                      <a:srgbClr val="FFBD69">
-                        <a:alpha val="100000"/>
-                      </a:srgbClr>
-                    </a:solidFill>
-                  </a:tcPr>
-                </a:tc>
-              </a:tr>
-              <a:tr h="213519">
-                <a:tc>
-                  <a:txBody>
-                    <a:bodyPr/>
-                    <a:lstStyle/>
-                    <a:p>
-                      <a:pPr algn="l" marL="127000" marR="63500">
-                        <a:lnSpc>
-                          <a:spcPct val="100000"/>
-                        </a:lnSpc>
-                        <a:spcBef>
-                          <a:spcPts val="300"/>
-                        </a:spcBef>
-                        <a:spcAft>
-                          <a:spcPts val="300"/>
-                        </a:spcAft>
-                        <a:buNone/>
-                      </a:pPr>
-                      <a:r>
-                        <a:rPr cap="none" sz="1200" i="0" b="0" u="none">
-                          <a:solidFill>
-                            <a:srgbClr val="000000">
-                              <a:alpha val="100000"/>
-                            </a:srgbClr>
-                          </a:solidFill>
-                          <a:latin typeface="arial"/>
-                          <a:cs typeface="arial"/>
-                          <a:ea typeface="arial"/>
-                          <a:sym typeface="arial"/>
-                        </a:rPr>
-                        <a:t>Median</a:t>
-                      </a:r>
-                    </a:p>
-                  </a:txBody>
-                  <a:tcPr anchor="ctr" marB="38100" marT="38100" marR="0" marL="0">
-                    <a:lnL algn="ctr" cmpd="sng" cap="flat" w="0">
-                      <a:noFill/>
-                      <a:prstDash val="solid"/>
-                    </a:lnL>
-                    <a:lnR algn="ctr" cmpd="sng" cap="flat" w="0">
-                      <a:noFill/>
-                      <a:prstDash val="solid"/>
-                    </a:lnR>
-                    <a:lnT algn="ctr" cmpd="sng" cap="flat" w="0">
-                      <a:noFill/>
-                      <a:prstDash val="solid"/>
-                    </a:lnT>
-                    <a:lnB algn="ctr" cmpd="sng" cap="flat" w="0">
-                      <a:noFill/>
-                      <a:prstDash val="solid"/>
-                    </a:lnB>
-                    <a:solidFill>
-                      <a:srgbClr val="FF7D29">
-                        <a:alpha val="100000"/>
-                      </a:srgbClr>
-                    </a:solidFill>
-                  </a:tcPr>
-                </a:tc>
-                <a:tc>
-                  <a:txBody>
-                    <a:bodyPr/>
-                    <a:lstStyle/>
-                    <a:p>
-                      <a:pPr algn="ctr" marL="63500" marR="63500">
-                        <a:lnSpc>
-                          <a:spcPct val="100000"/>
-                        </a:lnSpc>
-                        <a:spcBef>
-                          <a:spcPts val="300"/>
-                        </a:spcBef>
-                        <a:spcAft>
-                          <a:spcPts val="300"/>
-                        </a:spcAft>
-                        <a:buNone/>
-                      </a:pPr>
-                      <a:r>
-                        <a:rPr cap="none" sz="1200" i="0" b="0" u="none">
-                          <a:solidFill>
-                            <a:srgbClr val="000000">
-                              <a:alpha val="100000"/>
-                            </a:srgbClr>
-                          </a:solidFill>
-                          <a:latin typeface="arial"/>
-                          <a:cs typeface="arial"/>
-                          <a:ea typeface="arial"/>
-                          <a:sym typeface="arial"/>
-                        </a:rPr>
-                        <a:t>33.00</a:t>
-                      </a:r>
-                    </a:p>
-                  </a:txBody>
-                  <a:tcPr anchor="ctr" marB="38100" marT="38100" marR="0" marL="0">
-                    <a:lnL algn="ctr" cmpd="sng" cap="flat" w="0">
-                      <a:noFill/>
-                      <a:prstDash val="solid"/>
-                    </a:lnL>
-                    <a:lnR algn="ctr" cmpd="sng" cap="flat" w="0">
-                      <a:noFill/>
-                      <a:prstDash val="solid"/>
-                    </a:lnR>
-                    <a:lnT algn="ctr" cmpd="sng" cap="flat" w="0">
-                      <a:noFill/>
-                      <a:prstDash val="solid"/>
-                    </a:lnT>
-                    <a:lnB algn="ctr" cmpd="sng" cap="flat" w="0">
-                      <a:noFill/>
-                      <a:prstDash val="solid"/>
-                    </a:lnB>
-                    <a:solidFill>
-                      <a:srgbClr val="FF7D29">
-                        <a:alpha val="100000"/>
-                      </a:srgbClr>
-                    </a:solidFill>
-                  </a:tcPr>
-                </a:tc>
-                <a:tc>
-                  <a:txBody>
-                    <a:bodyPr/>
-                    <a:lstStyle/>
-                    <a:p>
-                      <a:pPr algn="ctr" marL="63500" marR="63500">
-                        <a:lnSpc>
-                          <a:spcPct val="100000"/>
-                        </a:lnSpc>
-                        <a:spcBef>
-                          <a:spcPts val="300"/>
-                        </a:spcBef>
-                        <a:spcAft>
-                          <a:spcPts val="300"/>
-                        </a:spcAft>
-                        <a:buNone/>
-                      </a:pPr>
-                      <a:r>
-                        <a:rPr cap="none" sz="1200" i="0" b="0" u="none">
-                          <a:solidFill>
-                            <a:srgbClr val="000000">
-                              <a:alpha val="100000"/>
-                            </a:srgbClr>
-                          </a:solidFill>
-                          <a:latin typeface="arial"/>
-                          <a:cs typeface="arial"/>
-                          <a:ea typeface="arial"/>
-                          <a:sym typeface="arial"/>
-                        </a:rPr>
-                        <a:t>35.00</a:t>
-                      </a:r>
-                    </a:p>
-                  </a:txBody>
-                  <a:tcPr anchor="ctr" marB="38100" marT="38100" marR="0" marL="0">
-                    <a:lnL algn="ctr" cmpd="sng" cap="flat" w="0">
-                      <a:noFill/>
-                      <a:prstDash val="solid"/>
-                    </a:lnL>
-                    <a:lnR algn="ctr" cmpd="sng" cap="flat" w="0">
-                      <a:noFill/>
-                      <a:prstDash val="solid"/>
-                    </a:lnR>
-                    <a:lnT algn="ctr" cmpd="sng" cap="flat" w="0">
-                      <a:noFill/>
-                      <a:prstDash val="solid"/>
-                    </a:lnT>
-                    <a:lnB algn="ctr" cmpd="sng" cap="flat" w="0">
-                      <a:noFill/>
-                      <a:prstDash val="solid"/>
-                    </a:lnB>
-                    <a:solidFill>
-                      <a:srgbClr val="FF7D29">
-                        <a:alpha val="100000"/>
-                      </a:srgbClr>
-                    </a:solidFill>
-                  </a:tcPr>
-                </a:tc>
-                <a:tc>
-                  <a:txBody>
-                    <a:bodyPr/>
-                    <a:lstStyle/>
-                    <a:p>
-                      <a:pPr algn="ctr" marL="63500" marR="63500">
-                        <a:lnSpc>
-                          <a:spcPct val="100000"/>
-                        </a:lnSpc>
-                        <a:spcBef>
-                          <a:spcPts val="300"/>
-                        </a:spcBef>
-                        <a:spcAft>
-                          <a:spcPts val="300"/>
-                        </a:spcAft>
-                        <a:buNone/>
-                      </a:pPr>
-                      <a:r>
-                        <a:rPr cap="none" sz="1200" i="0" b="0" u="none">
-                          <a:solidFill>
-                            <a:srgbClr val="000000">
-                              <a:alpha val="100000"/>
-                            </a:srgbClr>
-                          </a:solidFill>
-                          <a:latin typeface="arial"/>
-                          <a:cs typeface="arial"/>
-                          <a:ea typeface="arial"/>
-                          <a:sym typeface="arial"/>
-                        </a:rPr>
-                        <a:t>35.00</a:t>
-                      </a:r>
-                    </a:p>
-                  </a:txBody>
-                  <a:tcPr anchor="ctr" marB="38100" marT="38100" marR="0" marL="0">
-                    <a:lnL algn="ctr" cmpd="sng" cap="flat" w="0">
-                      <a:noFill/>
-                      <a:prstDash val="solid"/>
-                    </a:lnL>
-                    <a:lnR algn="ctr" cmpd="sng" cap="flat" w="0">
-                      <a:noFill/>
-                      <a:prstDash val="solid"/>
-                    </a:lnR>
-                    <a:lnT algn="ctr" cmpd="sng" cap="flat" w="0">
-                      <a:noFill/>
-                      <a:prstDash val="solid"/>
-                    </a:lnT>
-                    <a:lnB algn="ctr" cmpd="sng" cap="flat" w="0">
-                      <a:noFill/>
-                      <a:prstDash val="solid"/>
-                    </a:lnB>
-                    <a:solidFill>
-                      <a:srgbClr val="FF7D29">
-                        <a:alpha val="100000"/>
-                      </a:srgbClr>
-                    </a:solidFill>
-                  </a:tcPr>
-                </a:tc>
-                <a:tc>
-                  <a:txBody>
-                    <a:bodyPr/>
-                    <a:lstStyle/>
-                    <a:p>
-                      <a:pPr algn="ctr" marL="63500" marR="63500">
-                        <a:lnSpc>
-                          <a:spcPct val="100000"/>
-                        </a:lnSpc>
-                        <a:spcBef>
-                          <a:spcPts val="300"/>
-                        </a:spcBef>
-                        <a:spcAft>
-                          <a:spcPts val="300"/>
-                        </a:spcAft>
-                        <a:buNone/>
-                      </a:pPr>
-                      <a:r>
-                        <a:rPr cap="none" sz="1200" i="0" b="0" u="none">
-                          <a:solidFill>
-                            <a:srgbClr val="000000">
-                              <a:alpha val="100000"/>
-                            </a:srgbClr>
-                          </a:solidFill>
-                          <a:latin typeface="arial"/>
-                          <a:cs typeface="arial"/>
-                          <a:ea typeface="arial"/>
-                          <a:sym typeface="arial"/>
-                        </a:rPr>
-                        <a:t>34.00</a:t>
-                      </a:r>
-                    </a:p>
-                  </a:txBody>
-                  <a:tcPr anchor="ctr" marB="38100" marT="38100" marR="0" marL="0">
-                    <a:lnL algn="ctr" cmpd="sng" cap="flat" w="0">
-                      <a:noFill/>
-                      <a:prstDash val="solid"/>
-                    </a:lnL>
-                    <a:lnR algn="ctr" cmpd="sng" cap="flat" w="0">
-                      <a:noFill/>
-                      <a:prstDash val="solid"/>
-                    </a:lnR>
-                    <a:lnT algn="ctr" cmpd="sng" cap="flat" w="0">
-                      <a:noFill/>
-                      <a:prstDash val="solid"/>
-                    </a:lnT>
-                    <a:lnB algn="ctr" cmpd="sng" cap="flat" w="0">
-                      <a:noFill/>
-                      <a:prstDash val="solid"/>
-                    </a:lnB>
-                    <a:solidFill>
-                      <a:srgbClr val="FF7D29">
-                        <a:alpha val="100000"/>
-                      </a:srgbClr>
-                    </a:solidFill>
-                  </a:tcPr>
-                </a:tc>
-                <a:tc>
-                  <a:txBody>
-                    <a:bodyPr/>
-                    <a:lstStyle/>
-                    <a:p>
-                      <a:pPr algn="ctr" marL="63500" marR="63500">
-                        <a:lnSpc>
-                          <a:spcPct val="100000"/>
-                        </a:lnSpc>
-                        <a:spcBef>
-                          <a:spcPts val="300"/>
-                        </a:spcBef>
-                        <a:spcAft>
-                          <a:spcPts val="300"/>
-                        </a:spcAft>
-                        <a:buNone/>
-                      </a:pPr>
-                      <a:r>
-                        <a:rPr cap="none" sz="1200" i="0" b="0" u="none">
-                          <a:solidFill>
-                            <a:srgbClr val="000000">
-                              <a:alpha val="100000"/>
-                            </a:srgbClr>
-                          </a:solidFill>
-                          <a:latin typeface="arial"/>
-                          <a:cs typeface="arial"/>
-                          <a:ea typeface="arial"/>
-                          <a:sym typeface="arial"/>
-                        </a:rPr>
-                        <a:t>34.00</a:t>
-                      </a:r>
-                    </a:p>
-                  </a:txBody>
-                  <a:tcPr anchor="ctr" marB="38100" marT="38100" marR="0" marL="0">
-                    <a:lnL algn="ctr" cmpd="sng" cap="flat" w="0">
-                      <a:noFill/>
-                      <a:prstDash val="solid"/>
-                    </a:lnL>
-                    <a:lnR algn="ctr" cmpd="sng" cap="flat" w="0">
-                      <a:noFill/>
-                      <a:prstDash val="solid"/>
-                    </a:lnR>
-                    <a:lnT algn="ctr" cmpd="sng" cap="flat" w="0">
-                      <a:noFill/>
-                      <a:prstDash val="solid"/>
-                    </a:lnT>
-                    <a:lnB algn="ctr" cmpd="sng" cap="flat" w="0">
-                      <a:noFill/>
-                      <a:prstDash val="solid"/>
-                    </a:lnB>
-                    <a:solidFill>
-                      <a:srgbClr val="FF7D29">
-                        <a:alpha val="100000"/>
-                      </a:srgbClr>
-                    </a:solidFill>
-                  </a:tcPr>
-                </a:tc>
-              </a:tr>
-              <a:tr h="213519">
-                <a:tc>
-                  <a:txBody>
-                    <a:bodyPr/>
-                    <a:lstStyle/>
-                    <a:p>
-                      <a:pPr algn="l" marL="127000" marR="63500">
-                        <a:lnSpc>
-                          <a:spcPct val="100000"/>
-                        </a:lnSpc>
-                        <a:spcBef>
-                          <a:spcPts val="300"/>
-                        </a:spcBef>
-                        <a:spcAft>
-                          <a:spcPts val="300"/>
-                        </a:spcAft>
-                        <a:buNone/>
-                      </a:pPr>
-                      <a:r>
-                        <a:rPr cap="none" sz="1200" i="0" b="0" u="none">
-                          <a:solidFill>
-                            <a:srgbClr val="000000">
-                              <a:alpha val="100000"/>
-                            </a:srgbClr>
-                          </a:solidFill>
-                          <a:latin typeface="arial"/>
-                          <a:cs typeface="arial"/>
-                          <a:ea typeface="arial"/>
-                          <a:sym typeface="arial"/>
-                        </a:rPr>
-                        <a:t>Min - Max</a:t>
-                      </a:r>
-                    </a:p>
-                  </a:txBody>
-                  <a:tcPr anchor="ctr" marB="38100" marT="38100" marR="0" marL="0">
-                    <a:lnL algn="ctr" cmpd="sng" cap="flat" w="0">
-                      <a:noFill/>
-                      <a:prstDash val="solid"/>
-                    </a:lnL>
-                    <a:lnR algn="ctr" cmpd="sng" cap="flat" w="0">
-                      <a:noFill/>
-                      <a:prstDash val="solid"/>
-                    </a:lnR>
-                    <a:lnT algn="ctr" cmpd="sng" cap="flat" w="0">
-                      <a:noFill/>
-                      <a:prstDash val="solid"/>
-                    </a:lnT>
-                    <a:lnB algn="ctr" cmpd="sng" cap="flat" w="0">
-                      <a:noFill/>
-                      <a:prstDash val="solid"/>
-                    </a:lnB>
-                    <a:solidFill>
-                      <a:srgbClr val="FFBD69">
-                        <a:alpha val="100000"/>
-                      </a:srgbClr>
-                    </a:solidFill>
-                  </a:tcPr>
-                </a:tc>
-                <a:tc>
-                  <a:txBody>
-                    <a:bodyPr/>
-                    <a:lstStyle/>
-                    <a:p>
-                      <a:pPr algn="ctr" marL="63500" marR="63500">
-                        <a:lnSpc>
-                          <a:spcPct val="100000"/>
-                        </a:lnSpc>
-                        <a:spcBef>
-                          <a:spcPts val="300"/>
-                        </a:spcBef>
-                        <a:spcAft>
-                          <a:spcPts val="300"/>
-                        </a:spcAft>
-                        <a:buNone/>
-                      </a:pPr>
-                      <a:r>
-                        <a:rPr cap="none" sz="1200" i="0" b="0" u="none">
-                          <a:solidFill>
-                            <a:srgbClr val="000000">
-                              <a:alpha val="100000"/>
-                            </a:srgbClr>
-                          </a:solidFill>
-                          <a:latin typeface="arial"/>
-                          <a:cs typeface="arial"/>
-                          <a:ea typeface="arial"/>
-                          <a:sym typeface="arial"/>
-                        </a:rPr>
-                        <a:t>21.0 - 50.0</a:t>
-                      </a:r>
-                    </a:p>
-                  </a:txBody>
-                  <a:tcPr anchor="ctr" marB="38100" marT="38100" marR="0" marL="0">
-                    <a:lnL algn="ctr" cmpd="sng" cap="flat" w="0">
-                      <a:noFill/>
-                      <a:prstDash val="solid"/>
-                    </a:lnL>
-                    <a:lnR algn="ctr" cmpd="sng" cap="flat" w="0">
-                      <a:noFill/>
-                      <a:prstDash val="solid"/>
-                    </a:lnR>
-                    <a:lnT algn="ctr" cmpd="sng" cap="flat" w="0">
-                      <a:noFill/>
-                      <a:prstDash val="solid"/>
-                    </a:lnT>
-                    <a:lnB algn="ctr" cmpd="sng" cap="flat" w="0">
-                      <a:noFill/>
-                      <a:prstDash val="solid"/>
-                    </a:lnB>
-                    <a:solidFill>
-                      <a:srgbClr val="FFBD69">
-                        <a:alpha val="100000"/>
-                      </a:srgbClr>
-                    </a:solidFill>
-                  </a:tcPr>
-                </a:tc>
-                <a:tc>
-                  <a:txBody>
-                    <a:bodyPr/>
-                    <a:lstStyle/>
-                    <a:p>
-                      <a:pPr algn="ctr" marL="63500" marR="63500">
-                        <a:lnSpc>
-                          <a:spcPct val="100000"/>
-                        </a:lnSpc>
-                        <a:spcBef>
-                          <a:spcPts val="300"/>
-                        </a:spcBef>
-                        <a:spcAft>
-                          <a:spcPts val="300"/>
-                        </a:spcAft>
-                        <a:buNone/>
-                      </a:pPr>
-                      <a:r>
-                        <a:rPr cap="none" sz="1200" i="0" b="0" u="none">
-                          <a:solidFill>
-                            <a:srgbClr val="000000">
-                              <a:alpha val="100000"/>
-                            </a:srgbClr>
-                          </a:solidFill>
-                          <a:latin typeface="arial"/>
-                          <a:cs typeface="arial"/>
-                          <a:ea typeface="arial"/>
-                          <a:sym typeface="arial"/>
-                        </a:rPr>
-                        <a:t>21.0 - 62.0</a:t>
-                      </a:r>
-                    </a:p>
-                  </a:txBody>
-                  <a:tcPr anchor="ctr" marB="38100" marT="38100" marR="0" marL="0">
-                    <a:lnL algn="ctr" cmpd="sng" cap="flat" w="0">
-                      <a:noFill/>
-                      <a:prstDash val="solid"/>
-                    </a:lnL>
-                    <a:lnR algn="ctr" cmpd="sng" cap="flat" w="0">
-                      <a:noFill/>
-                      <a:prstDash val="solid"/>
-                    </a:lnR>
-                    <a:lnT algn="ctr" cmpd="sng" cap="flat" w="0">
-                      <a:noFill/>
-                      <a:prstDash val="solid"/>
-                    </a:lnT>
-                    <a:lnB algn="ctr" cmpd="sng" cap="flat" w="0">
-                      <a:noFill/>
-                      <a:prstDash val="solid"/>
-                    </a:lnB>
-                    <a:solidFill>
-                      <a:srgbClr val="FFBD69">
-                        <a:alpha val="100000"/>
-                      </a:srgbClr>
-                    </a:solidFill>
-                  </a:tcPr>
-                </a:tc>
-                <a:tc>
-                  <a:txBody>
-                    <a:bodyPr/>
-                    <a:lstStyle/>
-                    <a:p>
-                      <a:pPr algn="ctr" marL="63500" marR="63500">
-                        <a:lnSpc>
-                          <a:spcPct val="100000"/>
-                        </a:lnSpc>
-                        <a:spcBef>
-                          <a:spcPts val="300"/>
-                        </a:spcBef>
-                        <a:spcAft>
-                          <a:spcPts val="300"/>
-                        </a:spcAft>
-                        <a:buNone/>
-                      </a:pPr>
-                      <a:r>
-                        <a:rPr cap="none" sz="1200" i="0" b="0" u="none">
-                          <a:solidFill>
-                            <a:srgbClr val="000000">
-                              <a:alpha val="100000"/>
-                            </a:srgbClr>
-                          </a:solidFill>
-                          <a:latin typeface="arial"/>
-                          <a:cs typeface="arial"/>
-                          <a:ea typeface="arial"/>
-                          <a:sym typeface="arial"/>
-                        </a:rPr>
-                        <a:t>20.0 - 69.0</a:t>
-                      </a:r>
-                    </a:p>
-                  </a:txBody>
-                  <a:tcPr anchor="ctr" marB="38100" marT="38100" marR="0" marL="0">
-                    <a:lnL algn="ctr" cmpd="sng" cap="flat" w="0">
-                      <a:noFill/>
-                      <a:prstDash val="solid"/>
-                    </a:lnL>
-                    <a:lnR algn="ctr" cmpd="sng" cap="flat" w="0">
-                      <a:noFill/>
-                      <a:prstDash val="solid"/>
-                    </a:lnR>
-                    <a:lnT algn="ctr" cmpd="sng" cap="flat" w="0">
-                      <a:noFill/>
-                      <a:prstDash val="solid"/>
-                    </a:lnT>
-                    <a:lnB algn="ctr" cmpd="sng" cap="flat" w="0">
-                      <a:noFill/>
-                      <a:prstDash val="solid"/>
-                    </a:lnB>
-                    <a:solidFill>
-                      <a:srgbClr val="FFBD69">
-                        <a:alpha val="100000"/>
-                      </a:srgbClr>
-                    </a:solidFill>
-                  </a:tcPr>
-                </a:tc>
-                <a:tc>
-                  <a:txBody>
-                    <a:bodyPr/>
-                    <a:lstStyle/>
-                    <a:p>
-                      <a:pPr algn="ctr" marL="63500" marR="63500">
-                        <a:lnSpc>
-                          <a:spcPct val="100000"/>
-                        </a:lnSpc>
-                        <a:spcBef>
-                          <a:spcPts val="300"/>
-                        </a:spcBef>
-                        <a:spcAft>
-                          <a:spcPts val="300"/>
-                        </a:spcAft>
-                        <a:buNone/>
-                      </a:pPr>
-                      <a:r>
-                        <a:rPr cap="none" sz="1200" i="0" b="0" u="none">
-                          <a:solidFill>
-                            <a:srgbClr val="000000">
-                              <a:alpha val="100000"/>
-                            </a:srgbClr>
-                          </a:solidFill>
-                          <a:latin typeface="arial"/>
-                          <a:cs typeface="arial"/>
-                          <a:ea typeface="arial"/>
-                          <a:sym typeface="arial"/>
-                        </a:rPr>
-                        <a:t>20.0 - 69.0</a:t>
-                      </a:r>
-                    </a:p>
-                  </a:txBody>
-                  <a:tcPr anchor="ctr" marB="38100" marT="38100" marR="0" marL="0">
-                    <a:lnL algn="ctr" cmpd="sng" cap="flat" w="0">
-                      <a:noFill/>
-                      <a:prstDash val="solid"/>
-                    </a:lnL>
-                    <a:lnR algn="ctr" cmpd="sng" cap="flat" w="0">
-                      <a:noFill/>
-                      <a:prstDash val="solid"/>
-                    </a:lnR>
-                    <a:lnT algn="ctr" cmpd="sng" cap="flat" w="0">
-                      <a:noFill/>
-                      <a:prstDash val="solid"/>
-                    </a:lnT>
-                    <a:lnB algn="ctr" cmpd="sng" cap="flat" w="0">
-                      <a:noFill/>
-                      <a:prstDash val="solid"/>
-                    </a:lnB>
-                    <a:solidFill>
-                      <a:srgbClr val="FFBD69">
-                        <a:alpha val="100000"/>
-                      </a:srgbClr>
-                    </a:solidFill>
-                  </a:tcPr>
-                </a:tc>
-                <a:tc>
-                  <a:txBody>
-                    <a:bodyPr/>
-                    <a:lstStyle/>
-                    <a:p>
-                      <a:pPr algn="ctr" marL="63500" marR="63500">
-                        <a:lnSpc>
-                          <a:spcPct val="100000"/>
-                        </a:lnSpc>
-                        <a:spcBef>
-                          <a:spcPts val="300"/>
-                        </a:spcBef>
-                        <a:spcAft>
-                          <a:spcPts val="300"/>
-                        </a:spcAft>
-                        <a:buNone/>
-                      </a:pPr>
-                      <a:r>
-                        <a:rPr cap="none" sz="1200" i="0" b="0" u="none">
-                          <a:solidFill>
-                            <a:srgbClr val="000000">
-                              <a:alpha val="100000"/>
-                            </a:srgbClr>
-                          </a:solidFill>
-                          <a:latin typeface="arial"/>
-                          <a:cs typeface="arial"/>
-                          <a:ea typeface="arial"/>
-                          <a:sym typeface="arial"/>
-                        </a:rPr>
-                        <a:t>20.0 - 69.0</a:t>
-                      </a:r>
-                    </a:p>
-                  </a:txBody>
-                  <a:tcPr anchor="ctr" marB="38100" marT="38100" marR="0" marL="0">
-                    <a:lnL algn="ctr" cmpd="sng" cap="flat" w="0">
-                      <a:noFill/>
-                      <a:prstDash val="solid"/>
-                    </a:lnL>
-                    <a:lnR algn="ctr" cmpd="sng" cap="flat" w="0">
-                      <a:noFill/>
-                      <a:prstDash val="solid"/>
-                    </a:lnR>
-                    <a:lnT algn="ctr" cmpd="sng" cap="flat" w="0">
-                      <a:noFill/>
-                      <a:prstDash val="solid"/>
-                    </a:lnT>
-                    <a:lnB algn="ctr" cmpd="sng" cap="flat" w="0">
-                      <a:noFill/>
-                      <a:prstDash val="solid"/>
-                    </a:lnB>
-                    <a:solidFill>
-                      <a:srgbClr val="FFBD69">
-                        <a:alpha val="100000"/>
-                      </a:srgbClr>
-                    </a:solidFill>
-                  </a:tcPr>
-                </a:tc>
-              </a:tr>
-              <a:tr h="207938">
-                <a:tc>
-                  <a:txBody>
-                    <a:bodyPr/>
-                    <a:lstStyle/>
-                    <a:p>
-                      <a:pPr algn="l" marL="127000" marR="63500">
-                        <a:lnSpc>
-                          <a:spcPct val="100000"/>
-                        </a:lnSpc>
-                        <a:spcBef>
-                          <a:spcPts val="300"/>
-                        </a:spcBef>
-                        <a:spcAft>
-                          <a:spcPts val="300"/>
-                        </a:spcAft>
-                        <a:buNone/>
-                      </a:pPr>
-                      <a:r>
-                        <a:rPr cap="none" sz="1200" i="0" b="0" u="none">
-                          <a:solidFill>
-                            <a:srgbClr val="000000">
-                              <a:alpha val="100000"/>
-                            </a:srgbClr>
-                          </a:solidFill>
-                          <a:latin typeface="arial"/>
-                          <a:cs typeface="arial"/>
-                          <a:ea typeface="arial"/>
-                          <a:sym typeface="arial"/>
-                        </a:rPr>
-                        <a:t>Race</a:t>
-                      </a:r>
-                    </a:p>
-                  </a:txBody>
-                  <a:tcPr anchor="ctr" marB="38100" marT="38100" marR="0" marL="0">
-                    <a:lnL algn="ctr" cmpd="sng" cap="flat" w="0">
-                      <a:noFill/>
-                      <a:prstDash val="solid"/>
-                    </a:lnL>
-                    <a:lnR algn="ctr" cmpd="sng" cap="flat" w="0">
-                      <a:noFill/>
-                      <a:prstDash val="solid"/>
-                    </a:lnR>
-                    <a:lnT algn="ctr" cmpd="sng" cap="flat" w="0">
-                      <a:noFill/>
-                      <a:prstDash val="solid"/>
-                    </a:lnT>
-                    <a:lnB algn="ctr" cmpd="sng" cap="flat" w="0">
-                      <a:noFill/>
-                      <a:prstDash val="solid"/>
-                    </a:lnB>
-                    <a:solidFill>
                       <a:srgbClr val="FF7D29">
                         <a:alpha val="100000"/>
                       </a:srgbClr>
@@ -6155,210 +5869,6 @@
                     </a:solidFill>
                   </a:tcPr>
                 </a:tc>
-                <a:tc>
-                  <a:txBody>
-                    <a:bodyPr/>
-                    <a:lstStyle/>
-                    <a:p>
-                      <a:pPr algn="ctr" marL="63500" marR="63500">
-                        <a:lnSpc>
-                          <a:spcPct val="100000"/>
-                        </a:lnSpc>
-                        <a:spcBef>
-                          <a:spcPts val="300"/>
-                        </a:spcBef>
-                        <a:spcAft>
-                          <a:spcPts val="300"/>
-                        </a:spcAft>
-                        <a:buNone/>
-                      </a:pPr>
-                      <a:endParaRPr cap="none" sz="1200" i="0" b="0" u="none">
-                        <a:solidFill>
-                          <a:srgbClr val="000000">
-                            <a:alpha val="100000"/>
-                          </a:srgbClr>
-                        </a:solidFill>
-                        <a:latin typeface="arial"/>
-                        <a:cs typeface="arial"/>
-                        <a:ea typeface="arial"/>
-                        <a:sym typeface="arial"/>
-                      </a:endParaRPr>
-                      <a:r>
-                        <a:rPr cap="none" sz="1200" i="0" b="0" u="none">
-                          <a:solidFill>
-                            <a:srgbClr val="000000">
-                              <a:alpha val="100000"/>
-                            </a:srgbClr>
-                          </a:solidFill>
-                          <a:latin typeface="arial"/>
-                          <a:cs typeface="arial"/>
-                          <a:ea typeface="arial"/>
-                          <a:sym typeface="arial"/>
-                        </a:rPr>
-                        <a:t/>
-                      </a:r>
-                    </a:p>
-                  </a:txBody>
-                  <a:tcPr anchor="ctr" marB="38100" marT="38100" marR="0" marL="0">
-                    <a:lnL algn="ctr" cmpd="sng" cap="flat" w="0">
-                      <a:noFill/>
-                      <a:prstDash val="solid"/>
-                    </a:lnL>
-                    <a:lnR algn="ctr" cmpd="sng" cap="flat" w="0">
-                      <a:noFill/>
-                      <a:prstDash val="solid"/>
-                    </a:lnR>
-                    <a:lnT algn="ctr" cmpd="sng" cap="flat" w="0">
-                      <a:noFill/>
-                      <a:prstDash val="solid"/>
-                    </a:lnT>
-                    <a:lnB algn="ctr" cmpd="sng" cap="flat" w="0">
-                      <a:noFill/>
-                      <a:prstDash val="solid"/>
-                    </a:lnB>
-                    <a:solidFill>
-                      <a:srgbClr val="FF7D29">
-                        <a:alpha val="100000"/>
-                      </a:srgbClr>
-                    </a:solidFill>
-                  </a:tcPr>
-                </a:tc>
-                <a:tc>
-                  <a:txBody>
-                    <a:bodyPr/>
-                    <a:lstStyle/>
-                    <a:p>
-                      <a:pPr algn="ctr" marL="63500" marR="63500">
-                        <a:lnSpc>
-                          <a:spcPct val="100000"/>
-                        </a:lnSpc>
-                        <a:spcBef>
-                          <a:spcPts val="300"/>
-                        </a:spcBef>
-                        <a:spcAft>
-                          <a:spcPts val="300"/>
-                        </a:spcAft>
-                        <a:buNone/>
-                      </a:pPr>
-                      <a:endParaRPr cap="none" sz="1200" i="0" b="0" u="none">
-                        <a:solidFill>
-                          <a:srgbClr val="000000">
-                            <a:alpha val="100000"/>
-                          </a:srgbClr>
-                        </a:solidFill>
-                        <a:latin typeface="arial"/>
-                        <a:cs typeface="arial"/>
-                        <a:ea typeface="arial"/>
-                        <a:sym typeface="arial"/>
-                      </a:endParaRPr>
-                      <a:r>
-                        <a:rPr cap="none" sz="1200" i="0" b="0" u="none">
-                          <a:solidFill>
-                            <a:srgbClr val="000000">
-                              <a:alpha val="100000"/>
-                            </a:srgbClr>
-                          </a:solidFill>
-                          <a:latin typeface="arial"/>
-                          <a:cs typeface="arial"/>
-                          <a:ea typeface="arial"/>
-                          <a:sym typeface="arial"/>
-                        </a:rPr>
-                        <a:t/>
-                      </a:r>
-                    </a:p>
-                  </a:txBody>
-                  <a:tcPr anchor="ctr" marB="38100" marT="38100" marR="0" marL="0">
-                    <a:lnL algn="ctr" cmpd="sng" cap="flat" w="0">
-                      <a:noFill/>
-                      <a:prstDash val="solid"/>
-                    </a:lnL>
-                    <a:lnR algn="ctr" cmpd="sng" cap="flat" w="0">
-                      <a:noFill/>
-                      <a:prstDash val="solid"/>
-                    </a:lnR>
-                    <a:lnT algn="ctr" cmpd="sng" cap="flat" w="0">
-                      <a:noFill/>
-                      <a:prstDash val="solid"/>
-                    </a:lnT>
-                    <a:lnB algn="ctr" cmpd="sng" cap="flat" w="0">
-                      <a:noFill/>
-                      <a:prstDash val="solid"/>
-                    </a:lnB>
-                    <a:solidFill>
-                      <a:srgbClr val="FF7D29">
-                        <a:alpha val="100000"/>
-                      </a:srgbClr>
-                    </a:solidFill>
-                  </a:tcPr>
-                </a:tc>
-                <a:tc>
-                  <a:txBody>
-                    <a:bodyPr/>
-                    <a:lstStyle/>
-                    <a:p>
-                      <a:pPr algn="ctr" marL="63500" marR="63500">
-                        <a:lnSpc>
-                          <a:spcPct val="100000"/>
-                        </a:lnSpc>
-                        <a:spcBef>
-                          <a:spcPts val="300"/>
-                        </a:spcBef>
-                        <a:spcAft>
-                          <a:spcPts val="300"/>
-                        </a:spcAft>
-                        <a:buNone/>
-                      </a:pPr>
-                      <a:endParaRPr cap="none" sz="1200" i="0" b="0" u="none">
-                        <a:solidFill>
-                          <a:srgbClr val="000000">
-                            <a:alpha val="100000"/>
-                          </a:srgbClr>
-                        </a:solidFill>
-                        <a:latin typeface="arial"/>
-                        <a:cs typeface="arial"/>
-                        <a:ea typeface="arial"/>
-                        <a:sym typeface="arial"/>
-                      </a:endParaRPr>
-                      <a:r>
-                        <a:rPr cap="none" sz="1200" i="0" b="0" u="none">
-                          <a:solidFill>
-                            <a:srgbClr val="000000">
-                              <a:alpha val="100000"/>
-                            </a:srgbClr>
-                          </a:solidFill>
-                          <a:latin typeface="arial"/>
-                          <a:cs typeface="arial"/>
-                          <a:ea typeface="arial"/>
-                          <a:sym typeface="arial"/>
-                        </a:rPr>
-                        <a:t/>
-                      </a:r>
-                    </a:p>
-                  </a:txBody>
-                  <a:tcPr anchor="ctr" marB="38100" marT="38100" marR="0" marL="0">
-                    <a:lnL algn="ctr" cmpd="sng" cap="flat" w="0">
-                      <a:noFill/>
-                      <a:prstDash val="solid"/>
-                    </a:lnL>
-                    <a:lnR algn="ctr" cmpd="sng" cap="flat" w="0">
-                      <a:noFill/>
-                      <a:prstDash val="solid"/>
-                    </a:lnR>
-                    <a:lnT algn="ctr" cmpd="sng" cap="flat" w="0">
-                      <a:noFill/>
-                      <a:prstDash val="solid"/>
-                    </a:lnT>
-                    <a:lnB algn="ctr" cmpd="sng" cap="flat" w="0">
-                      <a:noFill/>
-                      <a:prstDash val="solid"/>
-                    </a:lnB>
-                    <a:solidFill>
-                      <a:srgbClr val="FF7D29">
-                        <a:alpha val="100000"/>
-                      </a:srgbClr>
-                    </a:solidFill>
-                  </a:tcPr>
-                </a:tc>
               </a:tr>
               <a:tr h="243582">
                 <a:tc>
@@ -6646,63 +6156,6 @@
                     </a:solidFill>
                   </a:tcPr>
                 </a:tc>
-                <a:tc>
-                  <a:txBody>
-                    <a:bodyPr/>
-                    <a:lstStyle/>
-                    <a:p>
-                      <a:pPr algn="ctr" marL="63500" marR="63500">
-                        <a:lnSpc>
-                          <a:spcPct val="100000"/>
-                        </a:lnSpc>
-                        <a:spcBef>
-                          <a:spcPts val="300"/>
-                        </a:spcBef>
-                        <a:spcAft>
-                          <a:spcPts val="300"/>
-                        </a:spcAft>
-                        <a:buNone/>
-                      </a:pPr>
-                      <a:r>
-                        <a:rPr cap="none" sz="1200" i="0" b="0" u="none">
-                          <a:solidFill>
-                            <a:srgbClr val="000000">
-                              <a:alpha val="100000"/>
-                            </a:srgbClr>
-                          </a:solidFill>
-                          <a:latin typeface="arial"/>
-                          <a:cs typeface="arial"/>
-                          <a:ea typeface="arial"/>
-                          <a:sym typeface="arial"/>
-                        </a:rPr>
-                        <a:t>208 (52%)</a:t>
-                      </a:r>
-                    </a:p>
-                  </a:txBody>
-                  <a:tcPr anchor="ctr" marB="38100" marT="38100" marR="0" marL="0">
-                    <a:lnL algn="ctr" cmpd="sng" cap="flat" w="0">
-                      <a:noFill/>
-                      <a:prstDash val="solid"/>
-                    </a:lnL>
-                    <a:lnR algn="ctr" cmpd="sng" cap="flat" w="0">
-                      <a:noFill/>
-                      <a:prstDash val="solid"/>
-                    </a:lnR>
-                    <a:lnT algn="ctr" cmpd="sng" cap="flat" w="0">
-                      <a:noFill/>
-                      <a:prstDash val="solid"/>
-                    </a:lnT>
-                    <a:lnB algn="ctr" cmpd="sng" cap="flat" w="0">
-                      <a:noFill/>
-                      <a:prstDash val="solid"/>
-                    </a:lnB>
-                    <a:solidFill>
-                      <a:srgbClr val="FFBD69">
-                        <a:alpha val="100000"/>
-                      </a:srgbClr>
-                    </a:solidFill>
-                  </a:tcPr>
-                </a:tc>
               </a:tr>
               <a:tr h="243582">
                 <a:tc>
@@ -6990,63 +6443,6 @@
                     </a:solidFill>
                   </a:tcPr>
                 </a:tc>
-                <a:tc>
-                  <a:txBody>
-                    <a:bodyPr/>
-                    <a:lstStyle/>
-                    <a:p>
-                      <a:pPr algn="ctr" marL="63500" marR="63500">
-                        <a:lnSpc>
-                          <a:spcPct val="100000"/>
-                        </a:lnSpc>
-                        <a:spcBef>
-                          <a:spcPts val="300"/>
-                        </a:spcBef>
-                        <a:spcAft>
-                          <a:spcPts val="300"/>
-                        </a:spcAft>
-                        <a:buNone/>
-                      </a:pPr>
-                      <a:r>
-                        <a:rPr cap="none" sz="1200" i="0" b="0" u="none">
-                          <a:solidFill>
-                            <a:srgbClr val="000000">
-                              <a:alpha val="100000"/>
-                            </a:srgbClr>
-                          </a:solidFill>
-                          <a:latin typeface="arial"/>
-                          <a:cs typeface="arial"/>
-                          <a:ea typeface="arial"/>
-                          <a:sym typeface="arial"/>
-                        </a:rPr>
-                        <a:t>91 (22.8%)</a:t>
-                      </a:r>
-                    </a:p>
-                  </a:txBody>
-                  <a:tcPr anchor="ctr" marB="38100" marT="38100" marR="0" marL="0">
-                    <a:lnL algn="ctr" cmpd="sng" cap="flat" w="0">
-                      <a:noFill/>
-                      <a:prstDash val="solid"/>
-                    </a:lnL>
-                    <a:lnR algn="ctr" cmpd="sng" cap="flat" w="0">
-                      <a:noFill/>
-                      <a:prstDash val="solid"/>
-                    </a:lnR>
-                    <a:lnT algn="ctr" cmpd="sng" cap="flat" w="0">
-                      <a:noFill/>
-                      <a:prstDash val="solid"/>
-                    </a:lnT>
-                    <a:lnB algn="ctr" cmpd="sng" cap="flat" w="0">
-                      <a:noFill/>
-                      <a:prstDash val="solid"/>
-                    </a:lnB>
-                    <a:solidFill>
-                      <a:srgbClr val="FF7D29">
-                        <a:alpha val="100000"/>
-                      </a:srgbClr>
-                    </a:solidFill>
-                  </a:tcPr>
-                </a:tc>
               </a:tr>
               <a:tr h="243582">
                 <a:tc>
@@ -7334,66 +6730,9 @@
                     </a:solidFill>
                   </a:tcPr>
                 </a:tc>
-                <a:tc>
-                  <a:txBody>
-                    <a:bodyPr/>
-                    <a:lstStyle/>
-                    <a:p>
-                      <a:pPr algn="ctr" marL="63500" marR="63500">
-                        <a:lnSpc>
-                          <a:spcPct val="100000"/>
-                        </a:lnSpc>
-                        <a:spcBef>
-                          <a:spcPts val="300"/>
-                        </a:spcBef>
-                        <a:spcAft>
-                          <a:spcPts val="300"/>
-                        </a:spcAft>
-                        <a:buNone/>
-                      </a:pPr>
-                      <a:r>
-                        <a:rPr cap="none" sz="1200" i="0" b="0" u="none">
-                          <a:solidFill>
-                            <a:srgbClr val="000000">
-                              <a:alpha val="100000"/>
-                            </a:srgbClr>
-                          </a:solidFill>
-                          <a:latin typeface="arial"/>
-                          <a:cs typeface="arial"/>
-                          <a:ea typeface="arial"/>
-                          <a:sym typeface="arial"/>
-                        </a:rPr>
-                        <a:t>74 (18.5%)</a:t>
-                      </a:r>
-                    </a:p>
-                  </a:txBody>
-                  <a:tcPr anchor="ctr" marB="38100" marT="38100" marR="0" marL="0">
-                    <a:lnL algn="ctr" cmpd="sng" cap="flat" w="0">
-                      <a:noFill/>
-                      <a:prstDash val="solid"/>
-                    </a:lnL>
-                    <a:lnR algn="ctr" cmpd="sng" cap="flat" w="0">
-                      <a:noFill/>
-                      <a:prstDash val="solid"/>
-                    </a:lnR>
-                    <a:lnT algn="ctr" cmpd="sng" cap="flat" w="0">
-                      <a:noFill/>
-                      <a:prstDash val="solid"/>
-                    </a:lnT>
-                    <a:lnB algn="ctr" cmpd="sng" cap="flat" w="0">
-                      <a:noFill/>
-                      <a:prstDash val="solid"/>
-                    </a:lnB>
-                    <a:solidFill>
-                      <a:srgbClr val="FFBD69">
-                        <a:alpha val="100000"/>
-                      </a:srgbClr>
-                    </a:solidFill>
-                  </a:tcPr>
-                </a:tc>
               </a:tr>
               <a:tr h="228600">
-                <a:tc gridSpan="6">
+                <a:tc gridSpan="5">
                   <a:txBody>
                     <a:bodyPr/>
                     <a:lstStyle/>
@@ -7465,74 +6804,6 @@
                           <a:sym typeface="DejaVu Sans"/>
                         </a:rPr>
                         <a:t>; </a:t>
-                      </a:r>
-                    </a:p>
-                  </a:txBody>
-                  <a:tcPr anchor="ctr" marB="63500" marT="63500" marR="0" marL="0">
-                    <a:lnL algn="ctr" cmpd="sng" cap="flat" w="0">
-                      <a:noFill/>
-                      <a:prstDash val="solid"/>
-                    </a:lnL>
-                    <a:lnR algn="ctr" cmpd="sng" cap="flat" w="0">
-                      <a:noFill/>
-                      <a:prstDash val="solid"/>
-                    </a:lnR>
-                    <a:lnT algn="ctr" cmpd="sng" cap="flat" w="0">
-                      <a:noFill/>
-                      <a:prstDash val="solid"/>
-                    </a:lnT>
-                    <a:lnB algn="ctr" cmpd="sng" cap="flat" w="0">
-                      <a:noFill/>
-                      <a:prstDash val="solid"/>
-                    </a:lnB>
-                    <a:solidFill>
-                      <a:srgbClr val="FFFFFF">
-                        <a:alpha val="0"/>
-                      </a:srgbClr>
-                    </a:solidFill>
-                  </a:tcPr>
-                </a:tc>
-                <a:tc hMerge="true">
-                  <a:txBody>
-                    <a:bodyPr/>
-                    <a:lstStyle/>
-                    <a:p>
-                      <a:pPr algn="l" marL="63500" marR="63500">
-                        <a:lnSpc>
-                          <a:spcPct val="100000"/>
-                        </a:lnSpc>
-                        <a:spcBef>
-                          <a:spcPts val="500"/>
-                        </a:spcBef>
-                        <a:spcAft>
-                          <a:spcPts val="500"/>
-                        </a:spcAft>
-                        <a:buNone/>
-                      </a:pPr>
-                      <a:endParaRPr cap="none" sz="1100" i="0" b="0" u="none">
-                        <a:solidFill>
-                          <a:srgbClr val="000000">
-                            <a:alpha val="100000"/>
-                          </a:srgbClr>
-                        </a:solidFill>
-                        <a:latin typeface="DejaVu Sans"/>
-                        <a:cs typeface="DejaVu Sans"/>
-                        <a:ea typeface="DejaVu Sans"/>
-                        <a:sym typeface="DejaVu Sans"/>
-                      </a:endParaRPr>
-                      <a:r>
-                        <a:rPr cap="none" sz="1100" i="0" b="0" u="none">
-                          <a:solidFill>
-                            <a:srgbClr val="000000">
-                              <a:alpha val="100000"/>
-                            </a:srgbClr>
-                          </a:solidFill>
-                          <a:latin typeface="DejaVu Sans"/>
-                          <a:cs typeface="DejaVu Sans"/>
-                          <a:ea typeface="DejaVu Sans"/>
-                          <a:sym typeface="DejaVu Sans"/>
-                        </a:rPr>
-                        <a:t/>
                       </a:r>
                     </a:p>
                   </a:txBody>
@@ -7920,7 +7191,7 @@
           <p:nvPr/>
         </p:nvGraphicFramePr>
         <p:xfrm rot="0">
-          <a:off x="1295400" y="1165860"/>
+          <a:off x="1565974" y="1165860"/>
           <a:ext cx="3657600" cy="2743200"/>
         </p:xfrm>
         <a:graphic>
@@ -7928,12 +7199,11 @@
             <a:tbl>
               <a:tblPr/>
               <a:tblGrid>
-                <a:gridCol w="3720066"/>
-                <a:gridCol w="1176227"/>
-                <a:gridCol w="1176227"/>
-                <a:gridCol w="1176227"/>
-                <a:gridCol w="1176227"/>
-                <a:gridCol w="1176227"/>
+                <a:gridCol w="3986594"/>
+                <a:gridCol w="1268365"/>
+                <a:gridCol w="1268365"/>
+                <a:gridCol w="1268365"/>
+                <a:gridCol w="1268365"/>
               </a:tblGrid>
               <a:tr h="261603">
                 <a:tc>
@@ -8151,63 +7421,6 @@
                           <a:sym typeface="arial"/>
                         </a:rPr>
                         <a:t>C: Combination</a:t>
-                      </a:r>
-                    </a:p>
-                  </a:txBody>
-                  <a:tcPr anchor="ctr" marB="38100" marT="38100" marR="0" marL="0">
-                    <a:lnL algn="ctr" cmpd="sng" cap="flat" w="0">
-                      <a:noFill/>
-                      <a:prstDash val="solid"/>
-                    </a:lnL>
-                    <a:lnR algn="ctr" cmpd="sng" cap="flat" w="0">
-                      <a:noFill/>
-                      <a:prstDash val="solid"/>
-                    </a:lnR>
-                    <a:lnT algn="ctr" cmpd="sng" cap="flat" w="0">
-                      <a:noFill/>
-                      <a:prstDash val="solid"/>
-                    </a:lnT>
-                    <a:lnB algn="ctr" cmpd="sng" cap="flat" w="0">
-                      <a:noFill/>
-                      <a:prstDash val="solid"/>
-                    </a:lnB>
-                    <a:solidFill>
-                      <a:srgbClr val="ED4A0D">
-                        <a:alpha val="100000"/>
-                      </a:srgbClr>
-                    </a:solidFill>
-                  </a:tcPr>
-                </a:tc>
-                <a:tc>
-                  <a:txBody>
-                    <a:bodyPr/>
-                    <a:lstStyle/>
-                    <a:p>
-                      <a:pPr algn="ctr" marL="63500" marR="63500">
-                        <a:lnSpc>
-                          <a:spcPct val="100000"/>
-                        </a:lnSpc>
-                        <a:spcBef>
-                          <a:spcPts val="300"/>
-                        </a:spcBef>
-                        <a:spcAft>
-                          <a:spcPts val="300"/>
-                        </a:spcAft>
-                        <a:buNone/>
-                      </a:pPr>
-                      <a:r>
-                        <a:rPr cap="none" sz="1400" i="0" b="1" u="none">
-                          <a:solidFill>
-                            <a:srgbClr val="FFFFFF">
-                              <a:alpha val="100000"/>
-                            </a:srgbClr>
-                          </a:solidFill>
-                          <a:latin typeface="arial"/>
-                          <a:cs typeface="arial"/>
-                          <a:ea typeface="arial"/>
-                          <a:sym typeface="arial"/>
-                        </a:rPr>
-                        <a:t>All Patients</a:t>
                       </a:r>
                     </a:p>
                   </a:txBody>
@@ -8623,74 +7836,6 @@
                     </a:solidFill>
                   </a:tcPr>
                 </a:tc>
-                <a:tc>
-                  <a:txBody>
-                    <a:bodyPr/>
-                    <a:lstStyle/>
-                    <a:p>
-                      <a:pPr algn="ctr" marL="63500" marR="63500">
-                        <a:lnSpc>
-                          <a:spcPct val="100000"/>
-                        </a:lnSpc>
-                        <a:spcBef>
-                          <a:spcPts val="300"/>
-                        </a:spcBef>
-                        <a:spcAft>
-                          <a:spcPts val="300"/>
-                        </a:spcAft>
-                        <a:buNone/>
-                      </a:pPr>
-                      <a:endParaRPr cap="none" sz="1200" i="0" b="0" u="none">
-                        <a:solidFill>
-                          <a:srgbClr val="000000">
-                            <a:alpha val="100000"/>
-                          </a:srgbClr>
-                        </a:solidFill>
-                        <a:latin typeface="arial"/>
-                        <a:cs typeface="arial"/>
-                        <a:ea typeface="arial"/>
-                        <a:sym typeface="arial"/>
-                      </a:endParaRPr>
-                      <a:r>
-                        <a:rPr cap="none" sz="1200" i="0" b="0" u="none">
-                          <a:solidFill>
-                            <a:srgbClr val="000000">
-                              <a:alpha val="100000"/>
-                            </a:srgbClr>
-                          </a:solidFill>
-                          <a:latin typeface="arial"/>
-                          <a:cs typeface="arial"/>
-                          <a:ea typeface="arial"/>
-                          <a:sym typeface="arial"/>
-                        </a:rPr>
-                        <a:t/>
-                      </a:r>
-                    </a:p>
-                  </a:txBody>
-                  <a:tcPr anchor="ctr" marB="38100" marT="38100" marR="0" marL="0">
-                    <a:lnL algn="ctr" cmpd="sng" cap="flat" w="0">
-                      <a:noFill/>
-                      <a:prstDash val="solid"/>
-                    </a:lnL>
-                    <a:lnR algn="ctr" cmpd="sng" cap="flat" w="0">
-                      <a:noFill/>
-                      <a:prstDash val="solid"/>
-                    </a:lnR>
-                    <a:lnT algn="ctr" cmpd="sng" cap="flat" w="0">
-                      <a:noFill/>
-                      <a:prstDash val="solid"/>
-                    </a:lnT>
-                    <a:lnB algn="ctr" cmpd="sng" cap="flat" w="0">
-                      <a:noFill/>
-                      <a:prstDash val="solid"/>
-                    </a:lnB>
-                    <a:solidFill>
-                      <a:srgbClr val="FF7D29">
-                        <a:alpha val="100000"/>
-                      </a:srgbClr>
-                    </a:solidFill>
-                  </a:tcPr>
-                </a:tc>
               </a:tr>
               <a:tr h="243582">
                 <a:tc>
@@ -8978,63 +8123,6 @@
                     </a:solidFill>
                   </a:tcPr>
                 </a:tc>
-                <a:tc>
-                  <a:txBody>
-                    <a:bodyPr/>
-                    <a:lstStyle/>
-                    <a:p>
-                      <a:pPr algn="ctr" marL="63500" marR="63500">
-                        <a:lnSpc>
-                          <a:spcPct val="100000"/>
-                        </a:lnSpc>
-                        <a:spcBef>
-                          <a:spcPts val="300"/>
-                        </a:spcBef>
-                        <a:spcAft>
-                          <a:spcPts val="300"/>
-                        </a:spcAft>
-                        <a:buNone/>
-                      </a:pPr>
-                      <a:r>
-                        <a:rPr cap="none" sz="1200" i="0" b="0" u="none">
-                          <a:solidFill>
-                            <a:srgbClr val="000000">
-                              <a:alpha val="100000"/>
-                            </a:srgbClr>
-                          </a:solidFill>
-                          <a:latin typeface="arial"/>
-                          <a:cs typeface="arial"/>
-                          <a:ea typeface="arial"/>
-                          <a:sym typeface="arial"/>
-                        </a:rPr>
-                        <a:t>25 (6.2%)</a:t>
-                      </a:r>
-                    </a:p>
-                  </a:txBody>
-                  <a:tcPr anchor="ctr" marB="38100" marT="38100" marR="0" marL="0">
-                    <a:lnL algn="ctr" cmpd="sng" cap="flat" w="0">
-                      <a:noFill/>
-                      <a:prstDash val="solid"/>
-                    </a:lnL>
-                    <a:lnR algn="ctr" cmpd="sng" cap="flat" w="0">
-                      <a:noFill/>
-                      <a:prstDash val="solid"/>
-                    </a:lnR>
-                    <a:lnT algn="ctr" cmpd="sng" cap="flat" w="0">
-                      <a:noFill/>
-                      <a:prstDash val="solid"/>
-                    </a:lnT>
-                    <a:lnB algn="ctr" cmpd="sng" cap="flat" w="0">
-                      <a:noFill/>
-                      <a:prstDash val="solid"/>
-                    </a:lnB>
-                    <a:solidFill>
-                      <a:srgbClr val="FFBD69">
-                        <a:alpha val="100000"/>
-                      </a:srgbClr>
-                    </a:solidFill>
-                  </a:tcPr>
-                </a:tc>
               </a:tr>
               <a:tr h="243582">
                 <a:tc>
@@ -9322,63 +8410,6 @@
                     </a:solidFill>
                   </a:tcPr>
                 </a:tc>
-                <a:tc>
-                  <a:txBody>
-                    <a:bodyPr/>
-                    <a:lstStyle/>
-                    <a:p>
-                      <a:pPr algn="ctr" marL="63500" marR="63500">
-                        <a:lnSpc>
-                          <a:spcPct val="100000"/>
-                        </a:lnSpc>
-                        <a:spcBef>
-                          <a:spcPts val="300"/>
-                        </a:spcBef>
-                        <a:spcAft>
-                          <a:spcPts val="300"/>
-                        </a:spcAft>
-                        <a:buNone/>
-                      </a:pPr>
-                      <a:r>
-                        <a:rPr cap="none" sz="1200" i="0" b="0" u="none">
-                          <a:solidFill>
-                            <a:srgbClr val="000000">
-                              <a:alpha val="100000"/>
-                            </a:srgbClr>
-                          </a:solidFill>
-                          <a:latin typeface="arial"/>
-                          <a:cs typeface="arial"/>
-                          <a:ea typeface="arial"/>
-                          <a:sym typeface="arial"/>
-                        </a:rPr>
-                        <a:t>1 (0.2%)</a:t>
-                      </a:r>
-                    </a:p>
-                  </a:txBody>
-                  <a:tcPr anchor="ctr" marB="38100" marT="38100" marR="0" marL="0">
-                    <a:lnL algn="ctr" cmpd="sng" cap="flat" w="0">
-                      <a:noFill/>
-                      <a:prstDash val="solid"/>
-                    </a:lnL>
-                    <a:lnR algn="ctr" cmpd="sng" cap="flat" w="0">
-                      <a:noFill/>
-                      <a:prstDash val="solid"/>
-                    </a:lnR>
-                    <a:lnT algn="ctr" cmpd="sng" cap="flat" w="0">
-                      <a:noFill/>
-                      <a:prstDash val="solid"/>
-                    </a:lnT>
-                    <a:lnB algn="ctr" cmpd="sng" cap="flat" w="0">
-                      <a:noFill/>
-                      <a:prstDash val="solid"/>
-                    </a:lnB>
-                    <a:solidFill>
-                      <a:srgbClr val="FF7D29">
-                        <a:alpha val="100000"/>
-                      </a:srgbClr>
-                    </a:solidFill>
-                  </a:tcPr>
-                </a:tc>
               </a:tr>
               <a:tr h="243582">
                 <a:tc>
@@ -9666,63 +8697,6 @@
                     </a:solidFill>
                   </a:tcPr>
                 </a:tc>
-                <a:tc>
-                  <a:txBody>
-                    <a:bodyPr/>
-                    <a:lstStyle/>
-                    <a:p>
-                      <a:pPr algn="ctr" marL="63500" marR="63500">
-                        <a:lnSpc>
-                          <a:spcPct val="100000"/>
-                        </a:lnSpc>
-                        <a:spcBef>
-                          <a:spcPts val="300"/>
-                        </a:spcBef>
-                        <a:spcAft>
-                          <a:spcPts val="300"/>
-                        </a:spcAft>
-                        <a:buNone/>
-                      </a:pPr>
-                      <a:r>
-                        <a:rPr cap="none" sz="1200" i="0" b="0" u="none">
-                          <a:solidFill>
-                            <a:srgbClr val="000000">
-                              <a:alpha val="100000"/>
-                            </a:srgbClr>
-                          </a:solidFill>
-                          <a:latin typeface="arial"/>
-                          <a:cs typeface="arial"/>
-                          <a:ea typeface="arial"/>
-                          <a:sym typeface="arial"/>
-                        </a:rPr>
-                        <a:t>1 (0.2%)</a:t>
-                      </a:r>
-                    </a:p>
-                  </a:txBody>
-                  <a:tcPr anchor="ctr" marB="38100" marT="38100" marR="0" marL="0">
-                    <a:lnL algn="ctr" cmpd="sng" cap="flat" w="0">
-                      <a:noFill/>
-                      <a:prstDash val="solid"/>
-                    </a:lnL>
-                    <a:lnR algn="ctr" cmpd="sng" cap="flat" w="0">
-                      <a:noFill/>
-                      <a:prstDash val="solid"/>
-                    </a:lnR>
-                    <a:lnT algn="ctr" cmpd="sng" cap="flat" w="0">
-                      <a:noFill/>
-                      <a:prstDash val="solid"/>
-                    </a:lnT>
-                    <a:lnB algn="ctr" cmpd="sng" cap="flat" w="0">
-                      <a:noFill/>
-                      <a:prstDash val="solid"/>
-                    </a:lnB>
-                    <a:solidFill>
-                      <a:srgbClr val="FFBD69">
-                        <a:alpha val="100000"/>
-                      </a:srgbClr>
-                    </a:solidFill>
-                  </a:tcPr>
-                </a:tc>
               </a:tr>
               <a:tr h="209500">
                 <a:tc>
@@ -10010,63 +8984,6 @@
                     </a:solidFill>
                   </a:tcPr>
                 </a:tc>
-                <a:tc>
-                  <a:txBody>
-                    <a:bodyPr/>
-                    <a:lstStyle/>
-                    <a:p>
-                      <a:pPr algn="ctr" marL="63500" marR="63500">
-                        <a:lnSpc>
-                          <a:spcPct val="100000"/>
-                        </a:lnSpc>
-                        <a:spcBef>
-                          <a:spcPts val="300"/>
-                        </a:spcBef>
-                        <a:spcAft>
-                          <a:spcPts val="300"/>
-                        </a:spcAft>
-                        <a:buNone/>
-                      </a:pPr>
-                      <a:r>
-                        <a:rPr cap="none" sz="1200" i="0" b="0" u="none">
-                          <a:solidFill>
-                            <a:srgbClr val="000000">
-                              <a:alpha val="100000"/>
-                            </a:srgbClr>
-                          </a:solidFill>
-                          <a:latin typeface="arial"/>
-                          <a:cs typeface="arial"/>
-                          <a:ea typeface="arial"/>
-                          <a:sym typeface="arial"/>
-                        </a:rPr>
-                        <a:t>0</a:t>
-                      </a:r>
-                    </a:p>
-                  </a:txBody>
-                  <a:tcPr anchor="ctr" marB="38100" marT="38100" marR="0" marL="0">
-                    <a:lnL algn="ctr" cmpd="sng" cap="flat" w="0">
-                      <a:noFill/>
-                      <a:prstDash val="solid"/>
-                    </a:lnL>
-                    <a:lnR algn="ctr" cmpd="sng" cap="flat" w="0">
-                      <a:noFill/>
-                      <a:prstDash val="solid"/>
-                    </a:lnR>
-                    <a:lnT algn="ctr" cmpd="sng" cap="flat" w="0">
-                      <a:noFill/>
-                      <a:prstDash val="solid"/>
-                    </a:lnT>
-                    <a:lnB algn="ctr" cmpd="sng" cap="flat" w="0">
-                      <a:noFill/>
-                      <a:prstDash val="solid"/>
-                    </a:lnB>
-                    <a:solidFill>
-                      <a:srgbClr val="FF7D29">
-                        <a:alpha val="100000"/>
-                      </a:srgbClr>
-                    </a:solidFill>
-                  </a:tcPr>
-                </a:tc>
               </a:tr>
               <a:tr h="209500">
                 <a:tc>
@@ -10354,66 +9271,9 @@
                     </a:solidFill>
                   </a:tcPr>
                 </a:tc>
-                <a:tc>
-                  <a:txBody>
-                    <a:bodyPr/>
-                    <a:lstStyle/>
-                    <a:p>
-                      <a:pPr algn="ctr" marL="63500" marR="63500">
-                        <a:lnSpc>
-                          <a:spcPct val="100000"/>
-                        </a:lnSpc>
-                        <a:spcBef>
-                          <a:spcPts val="300"/>
-                        </a:spcBef>
-                        <a:spcAft>
-                          <a:spcPts val="300"/>
-                        </a:spcAft>
-                        <a:buNone/>
-                      </a:pPr>
-                      <a:r>
-                        <a:rPr cap="none" sz="1200" i="0" b="0" u="none">
-                          <a:solidFill>
-                            <a:srgbClr val="000000">
-                              <a:alpha val="100000"/>
-                            </a:srgbClr>
-                          </a:solidFill>
-                          <a:latin typeface="arial"/>
-                          <a:cs typeface="arial"/>
-                          <a:ea typeface="arial"/>
-                          <a:sym typeface="arial"/>
-                        </a:rPr>
-                        <a:t>0</a:t>
-                      </a:r>
-                    </a:p>
-                  </a:txBody>
-                  <a:tcPr anchor="ctr" marB="38100" marT="38100" marR="0" marL="0">
-                    <a:lnL algn="ctr" cmpd="sng" cap="flat" w="0">
-                      <a:noFill/>
-                      <a:prstDash val="solid"/>
-                    </a:lnL>
-                    <a:lnR algn="ctr" cmpd="sng" cap="flat" w="0">
-                      <a:noFill/>
-                      <a:prstDash val="solid"/>
-                    </a:lnR>
-                    <a:lnT algn="ctr" cmpd="sng" cap="flat" w="0">
-                      <a:noFill/>
-                      <a:prstDash val="solid"/>
-                    </a:lnT>
-                    <a:lnB algn="ctr" cmpd="sng" cap="flat" w="0">
-                      <a:noFill/>
-                      <a:prstDash val="solid"/>
-                    </a:lnB>
-                    <a:solidFill>
-                      <a:srgbClr val="FFBD69">
-                        <a:alpha val="100000"/>
-                      </a:srgbClr>
-                    </a:solidFill>
-                  </a:tcPr>
-                </a:tc>
               </a:tr>
               <a:tr h="228600">
-                <a:tc gridSpan="6">
+                <a:tc gridSpan="5">
                   <a:txBody>
                     <a:bodyPr/>
                     <a:lstStyle/>
@@ -10485,74 +9345,6 @@
                           <a:sym typeface="DejaVu Sans"/>
                         </a:rPr>
                         <a:t>; </a:t>
-                      </a:r>
-                    </a:p>
-                  </a:txBody>
-                  <a:tcPr anchor="ctr" marB="63500" marT="63500" marR="0" marL="0">
-                    <a:lnL algn="ctr" cmpd="sng" cap="flat" w="0">
-                      <a:noFill/>
-                      <a:prstDash val="solid"/>
-                    </a:lnL>
-                    <a:lnR algn="ctr" cmpd="sng" cap="flat" w="0">
-                      <a:noFill/>
-                      <a:prstDash val="solid"/>
-                    </a:lnR>
-                    <a:lnT algn="ctr" cmpd="sng" cap="flat" w="0">
-                      <a:noFill/>
-                      <a:prstDash val="solid"/>
-                    </a:lnT>
-                    <a:lnB algn="ctr" cmpd="sng" cap="flat" w="0">
-                      <a:noFill/>
-                      <a:prstDash val="solid"/>
-                    </a:lnB>
-                    <a:solidFill>
-                      <a:srgbClr val="FFFFFF">
-                        <a:alpha val="0"/>
-                      </a:srgbClr>
-                    </a:solidFill>
-                  </a:tcPr>
-                </a:tc>
-                <a:tc hMerge="true">
-                  <a:txBody>
-                    <a:bodyPr/>
-                    <a:lstStyle/>
-                    <a:p>
-                      <a:pPr algn="l" marL="63500" marR="63500">
-                        <a:lnSpc>
-                          <a:spcPct val="100000"/>
-                        </a:lnSpc>
-                        <a:spcBef>
-                          <a:spcPts val="500"/>
-                        </a:spcBef>
-                        <a:spcAft>
-                          <a:spcPts val="500"/>
-                        </a:spcAft>
-                        <a:buNone/>
-                      </a:pPr>
-                      <a:endParaRPr cap="none" sz="1100" i="0" b="0" u="none">
-                        <a:solidFill>
-                          <a:srgbClr val="000000">
-                            <a:alpha val="100000"/>
-                          </a:srgbClr>
-                        </a:solidFill>
-                        <a:latin typeface="DejaVu Sans"/>
-                        <a:cs typeface="DejaVu Sans"/>
-                        <a:ea typeface="DejaVu Sans"/>
-                        <a:sym typeface="DejaVu Sans"/>
-                      </a:endParaRPr>
-                      <a:r>
-                        <a:rPr cap="none" sz="1100" i="0" b="0" u="none">
-                          <a:solidFill>
-                            <a:srgbClr val="000000">
-                              <a:alpha val="100000"/>
-                            </a:srgbClr>
-                          </a:solidFill>
-                          <a:latin typeface="DejaVu Sans"/>
-                          <a:cs typeface="DejaVu Sans"/>
-                          <a:ea typeface="DejaVu Sans"/>
-                          <a:sym typeface="DejaVu Sans"/>
-                        </a:rPr>
-                        <a:t/>
                       </a:r>
                     </a:p>
                   </a:txBody>
@@ -10940,7 +9732,7 @@
           <p:nvPr/>
         </p:nvGraphicFramePr>
         <p:xfrm rot="0">
-          <a:off x="1079504" y="1165860"/>
+          <a:off x="1560758" y="1165860"/>
           <a:ext cx="3657600" cy="2743200"/>
         </p:xfrm>
         <a:graphic>
@@ -10948,12 +9740,11 @@
             <a:tbl>
               <a:tblPr/>
               <a:tblGrid>
-                <a:gridCol w="3720066"/>
-                <a:gridCol w="1262585"/>
-                <a:gridCol w="1262585"/>
-                <a:gridCol w="1262585"/>
-                <a:gridCol w="1262585"/>
-                <a:gridCol w="1262585"/>
+                <a:gridCol w="3986594"/>
+                <a:gridCol w="1270972"/>
+                <a:gridCol w="1270972"/>
+                <a:gridCol w="1270972"/>
+                <a:gridCol w="1270972"/>
               </a:tblGrid>
               <a:tr h="261603">
                 <a:tc>
@@ -11171,63 +9962,6 @@
                           <a:sym typeface="arial"/>
                         </a:rPr>
                         <a:t>C: Combination</a:t>
-                      </a:r>
-                    </a:p>
-                  </a:txBody>
-                  <a:tcPr anchor="ctr" marB="38100" marT="38100" marR="0" marL="0">
-                    <a:lnL algn="ctr" cmpd="sng" cap="flat" w="0">
-                      <a:noFill/>
-                      <a:prstDash val="solid"/>
-                    </a:lnL>
-                    <a:lnR algn="ctr" cmpd="sng" cap="flat" w="0">
-                      <a:noFill/>
-                      <a:prstDash val="solid"/>
-                    </a:lnR>
-                    <a:lnT algn="ctr" cmpd="sng" cap="flat" w="0">
-                      <a:noFill/>
-                      <a:prstDash val="solid"/>
-                    </a:lnT>
-                    <a:lnB algn="ctr" cmpd="sng" cap="flat" w="0">
-                      <a:noFill/>
-                      <a:prstDash val="solid"/>
-                    </a:lnB>
-                    <a:solidFill>
-                      <a:srgbClr val="ED4A0D">
-                        <a:alpha val="100000"/>
-                      </a:srgbClr>
-                    </a:solidFill>
-                  </a:tcPr>
-                </a:tc>
-                <a:tc>
-                  <a:txBody>
-                    <a:bodyPr/>
-                    <a:lstStyle/>
-                    <a:p>
-                      <a:pPr algn="ctr" marL="63500" marR="63500">
-                        <a:lnSpc>
-                          <a:spcPct val="100000"/>
-                        </a:lnSpc>
-                        <a:spcBef>
-                          <a:spcPts val="300"/>
-                        </a:spcBef>
-                        <a:spcAft>
-                          <a:spcPts val="300"/>
-                        </a:spcAft>
-                        <a:buNone/>
-                      </a:pPr>
-                      <a:r>
-                        <a:rPr cap="none" sz="1400" i="0" b="1" u="none">
-                          <a:solidFill>
-                            <a:srgbClr val="FFFFFF">
-                              <a:alpha val="100000"/>
-                            </a:srgbClr>
-                          </a:solidFill>
-                          <a:latin typeface="arial"/>
-                          <a:cs typeface="arial"/>
-                          <a:ea typeface="arial"/>
-                          <a:sym typeface="arial"/>
-                        </a:rPr>
-                        <a:t>All Patients</a:t>
                       </a:r>
                     </a:p>
                   </a:txBody>
@@ -11643,6 +10377,1213 @@
                     </a:solidFill>
                   </a:tcPr>
                 </a:tc>
+              </a:tr>
+              <a:tr h="243582">
+                <a:tc>
+                  <a:txBody>
+                    <a:bodyPr/>
+                    <a:lstStyle/>
+                    <a:p>
+                      <a:pPr algn="l" marL="127000" marR="63500">
+                        <a:lnSpc>
+                          <a:spcPct val="100000"/>
+                        </a:lnSpc>
+                        <a:spcBef>
+                          <a:spcPts val="300"/>
+                        </a:spcBef>
+                        <a:spcAft>
+                          <a:spcPts val="300"/>
+                        </a:spcAft>
+                        <a:buNone/>
+                      </a:pPr>
+                      <a:r>
+                        <a:rPr cap="none" sz="1200" i="0" b="0" u="none">
+                          <a:solidFill>
+                            <a:srgbClr val="000000">
+                              <a:alpha val="100000"/>
+                            </a:srgbClr>
+                          </a:solidFill>
+                          <a:latin typeface="arial"/>
+                          <a:cs typeface="arial"/>
+                          <a:ea typeface="arial"/>
+                          <a:sym typeface="arial"/>
+                        </a:rPr>
+                        <a:t> NOT REPORTED</a:t>
+                      </a:r>
+                    </a:p>
+                  </a:txBody>
+                  <a:tcPr anchor="ctr" marB="38100" marT="38100" marR="0" marL="0">
+                    <a:lnL algn="ctr" cmpd="sng" cap="flat" w="0">
+                      <a:noFill/>
+                      <a:prstDash val="solid"/>
+                    </a:lnL>
+                    <a:lnR algn="ctr" cmpd="sng" cap="flat" w="0">
+                      <a:noFill/>
+                      <a:prstDash val="solid"/>
+                    </a:lnR>
+                    <a:lnT algn="ctr" cmpd="sng" cap="flat" w="0">
+                      <a:noFill/>
+                      <a:prstDash val="solid"/>
+                    </a:lnT>
+                    <a:lnB algn="ctr" cmpd="sng" cap="flat" w="0">
+                      <a:noFill/>
+                      <a:prstDash val="solid"/>
+                    </a:lnB>
+                    <a:solidFill>
+                      <a:srgbClr val="FFBD69">
+                        <a:alpha val="100000"/>
+                      </a:srgbClr>
+                    </a:solidFill>
+                  </a:tcPr>
+                </a:tc>
+                <a:tc>
+                  <a:txBody>
+                    <a:bodyPr/>
+                    <a:lstStyle/>
+                    <a:p>
+                      <a:pPr algn="ctr" marL="63500" marR="63500">
+                        <a:lnSpc>
+                          <a:spcPct val="100000"/>
+                        </a:lnSpc>
+                        <a:spcBef>
+                          <a:spcPts val="300"/>
+                        </a:spcBef>
+                        <a:spcAft>
+                          <a:spcPts val="300"/>
+                        </a:spcAft>
+                        <a:buNone/>
+                      </a:pPr>
+                      <a:r>
+                        <a:rPr cap="none" sz="1200" i="0" b="0" u="none">
+                          <a:solidFill>
+                            <a:srgbClr val="000000">
+                              <a:alpha val="100000"/>
+                            </a:srgbClr>
+                          </a:solidFill>
+                          <a:latin typeface="arial"/>
+                          <a:cs typeface="arial"/>
+                          <a:ea typeface="arial"/>
+                          <a:sym typeface="arial"/>
+                        </a:rPr>
+                        <a:t>6 (4.5%)</a:t>
+                      </a:r>
+                    </a:p>
+                  </a:txBody>
+                  <a:tcPr anchor="ctr" marB="38100" marT="38100" marR="0" marL="0">
+                    <a:lnL algn="ctr" cmpd="sng" cap="flat" w="0">
+                      <a:noFill/>
+                      <a:prstDash val="solid"/>
+                    </a:lnL>
+                    <a:lnR algn="ctr" cmpd="sng" cap="flat" w="0">
+                      <a:noFill/>
+                      <a:prstDash val="solid"/>
+                    </a:lnR>
+                    <a:lnT algn="ctr" cmpd="sng" cap="flat" w="0">
+                      <a:noFill/>
+                      <a:prstDash val="solid"/>
+                    </a:lnT>
+                    <a:lnB algn="ctr" cmpd="sng" cap="flat" w="0">
+                      <a:noFill/>
+                      <a:prstDash val="solid"/>
+                    </a:lnB>
+                    <a:solidFill>
+                      <a:srgbClr val="FFBD69">
+                        <a:alpha val="100000"/>
+                      </a:srgbClr>
+                    </a:solidFill>
+                  </a:tcPr>
+                </a:tc>
+                <a:tc>
+                  <a:txBody>
+                    <a:bodyPr/>
+                    <a:lstStyle/>
+                    <a:p>
+                      <a:pPr algn="ctr" marL="63500" marR="63500">
+                        <a:lnSpc>
+                          <a:spcPct val="100000"/>
+                        </a:lnSpc>
+                        <a:spcBef>
+                          <a:spcPts val="300"/>
+                        </a:spcBef>
+                        <a:spcAft>
+                          <a:spcPts val="300"/>
+                        </a:spcAft>
+                        <a:buNone/>
+                      </a:pPr>
+                      <a:r>
+                        <a:rPr cap="none" sz="1200" i="0" b="0" u="none">
+                          <a:solidFill>
+                            <a:srgbClr val="000000">
+                              <a:alpha val="100000"/>
+                            </a:srgbClr>
+                          </a:solidFill>
+                          <a:latin typeface="arial"/>
+                          <a:cs typeface="arial"/>
+                          <a:ea typeface="arial"/>
+                          <a:sym typeface="arial"/>
+                        </a:rPr>
+                        <a:t>10 (7.5%)</a:t>
+                      </a:r>
+                    </a:p>
+                  </a:txBody>
+                  <a:tcPr anchor="ctr" marB="38100" marT="38100" marR="0" marL="0">
+                    <a:lnL algn="ctr" cmpd="sng" cap="flat" w="0">
+                      <a:noFill/>
+                      <a:prstDash val="solid"/>
+                    </a:lnL>
+                    <a:lnR algn="ctr" cmpd="sng" cap="flat" w="0">
+                      <a:noFill/>
+                      <a:prstDash val="solid"/>
+                    </a:lnR>
+                    <a:lnT algn="ctr" cmpd="sng" cap="flat" w="0">
+                      <a:noFill/>
+                      <a:prstDash val="solid"/>
+                    </a:lnT>
+                    <a:lnB algn="ctr" cmpd="sng" cap="flat" w="0">
+                      <a:noFill/>
+                      <a:prstDash val="solid"/>
+                    </a:lnB>
+                    <a:solidFill>
+                      <a:srgbClr val="FFBD69">
+                        <a:alpha val="100000"/>
+                      </a:srgbClr>
+                    </a:solidFill>
+                  </a:tcPr>
+                </a:tc>
+                <a:tc>
+                  <a:txBody>
+                    <a:bodyPr/>
+                    <a:lstStyle/>
+                    <a:p>
+                      <a:pPr algn="ctr" marL="63500" marR="63500">
+                        <a:lnSpc>
+                          <a:spcPct val="100000"/>
+                        </a:lnSpc>
+                        <a:spcBef>
+                          <a:spcPts val="300"/>
+                        </a:spcBef>
+                        <a:spcAft>
+                          <a:spcPts val="300"/>
+                        </a:spcAft>
+                        <a:buNone/>
+                      </a:pPr>
+                      <a:r>
+                        <a:rPr cap="none" sz="1200" i="0" b="0" u="none">
+                          <a:solidFill>
+                            <a:srgbClr val="000000">
+                              <a:alpha val="100000"/>
+                            </a:srgbClr>
+                          </a:solidFill>
+                          <a:latin typeface="arial"/>
+                          <a:cs typeface="arial"/>
+                          <a:ea typeface="arial"/>
+                          <a:sym typeface="arial"/>
+                        </a:rPr>
+                        <a:t>11 (8.3%)</a:t>
+                      </a:r>
+                    </a:p>
+                  </a:txBody>
+                  <a:tcPr anchor="ctr" marB="38100" marT="38100" marR="0" marL="0">
+                    <a:lnL algn="ctr" cmpd="sng" cap="flat" w="0">
+                      <a:noFill/>
+                      <a:prstDash val="solid"/>
+                    </a:lnL>
+                    <a:lnR algn="ctr" cmpd="sng" cap="flat" w="0">
+                      <a:noFill/>
+                      <a:prstDash val="solid"/>
+                    </a:lnR>
+                    <a:lnT algn="ctr" cmpd="sng" cap="flat" w="0">
+                      <a:noFill/>
+                      <a:prstDash val="solid"/>
+                    </a:lnT>
+                    <a:lnB algn="ctr" cmpd="sng" cap="flat" w="0">
+                      <a:noFill/>
+                      <a:prstDash val="solid"/>
+                    </a:lnB>
+                    <a:solidFill>
+                      <a:srgbClr val="FFBD69">
+                        <a:alpha val="100000"/>
+                      </a:srgbClr>
+                    </a:solidFill>
+                  </a:tcPr>
+                </a:tc>
+                <a:tc>
+                  <a:txBody>
+                    <a:bodyPr/>
+                    <a:lstStyle/>
+                    <a:p>
+                      <a:pPr algn="ctr" marL="63500" marR="63500">
+                        <a:lnSpc>
+                          <a:spcPct val="100000"/>
+                        </a:lnSpc>
+                        <a:spcBef>
+                          <a:spcPts val="300"/>
+                        </a:spcBef>
+                        <a:spcAft>
+                          <a:spcPts val="300"/>
+                        </a:spcAft>
+                        <a:buNone/>
+                      </a:pPr>
+                      <a:r>
+                        <a:rPr cap="none" sz="1200" i="0" b="0" u="none">
+                          <a:solidFill>
+                            <a:srgbClr val="000000">
+                              <a:alpha val="100000"/>
+                            </a:srgbClr>
+                          </a:solidFill>
+                          <a:latin typeface="arial"/>
+                          <a:cs typeface="arial"/>
+                          <a:ea typeface="arial"/>
+                          <a:sym typeface="arial"/>
+                        </a:rPr>
+                        <a:t>27 (6.8%)</a:t>
+                      </a:r>
+                    </a:p>
+                  </a:txBody>
+                  <a:tcPr anchor="ctr" marB="38100" marT="38100" marR="0" marL="0">
+                    <a:lnL algn="ctr" cmpd="sng" cap="flat" w="0">
+                      <a:noFill/>
+                      <a:prstDash val="solid"/>
+                    </a:lnL>
+                    <a:lnR algn="ctr" cmpd="sng" cap="flat" w="0">
+                      <a:noFill/>
+                      <a:prstDash val="solid"/>
+                    </a:lnR>
+                    <a:lnT algn="ctr" cmpd="sng" cap="flat" w="0">
+                      <a:noFill/>
+                      <a:prstDash val="solid"/>
+                    </a:lnT>
+                    <a:lnB algn="ctr" cmpd="sng" cap="flat" w="0">
+                      <a:noFill/>
+                      <a:prstDash val="solid"/>
+                    </a:lnB>
+                    <a:solidFill>
+                      <a:srgbClr val="FFBD69">
+                        <a:alpha val="100000"/>
+                      </a:srgbClr>
+                    </a:solidFill>
+                  </a:tcPr>
+                </a:tc>
+              </a:tr>
+              <a:tr h="243582">
+                <a:tc>
+                  <a:txBody>
+                    <a:bodyPr/>
+                    <a:lstStyle/>
+                    <a:p>
+                      <a:pPr algn="l" marL="127000" marR="63500">
+                        <a:lnSpc>
+                          <a:spcPct val="100000"/>
+                        </a:lnSpc>
+                        <a:spcBef>
+                          <a:spcPts val="300"/>
+                        </a:spcBef>
+                        <a:spcAft>
+                          <a:spcPts val="300"/>
+                        </a:spcAft>
+                        <a:buNone/>
+                      </a:pPr>
+                      <a:r>
+                        <a:rPr cap="none" sz="1200" i="0" b="0" u="none">
+                          <a:solidFill>
+                            <a:srgbClr val="000000">
+                              <a:alpha val="100000"/>
+                            </a:srgbClr>
+                          </a:solidFill>
+                          <a:latin typeface="arial"/>
+                          <a:cs typeface="arial"/>
+                          <a:ea typeface="arial"/>
+                          <a:sym typeface="arial"/>
+                        </a:rPr>
+                        <a:t>HISPANIC OR LATINO</a:t>
+                      </a:r>
+                    </a:p>
+                  </a:txBody>
+                  <a:tcPr anchor="ctr" marB="38100" marT="38100" marR="0" marL="0">
+                    <a:lnL algn="ctr" cmpd="sng" cap="flat" w="0">
+                      <a:noFill/>
+                      <a:prstDash val="solid"/>
+                    </a:lnL>
+                    <a:lnR algn="ctr" cmpd="sng" cap="flat" w="0">
+                      <a:noFill/>
+                      <a:prstDash val="solid"/>
+                    </a:lnR>
+                    <a:lnT algn="ctr" cmpd="sng" cap="flat" w="0">
+                      <a:noFill/>
+                      <a:prstDash val="solid"/>
+                    </a:lnT>
+                    <a:lnB algn="ctr" cmpd="sng" cap="flat" w="0">
+                      <a:noFill/>
+                      <a:prstDash val="solid"/>
+                    </a:lnB>
+                    <a:solidFill>
+                      <a:srgbClr val="FF7D29">
+                        <a:alpha val="100000"/>
+                      </a:srgbClr>
+                    </a:solidFill>
+                  </a:tcPr>
+                </a:tc>
+                <a:tc>
+                  <a:txBody>
+                    <a:bodyPr/>
+                    <a:lstStyle/>
+                    <a:p>
+                      <a:pPr algn="ctr" marL="63500" marR="63500">
+                        <a:lnSpc>
+                          <a:spcPct val="100000"/>
+                        </a:lnSpc>
+                        <a:spcBef>
+                          <a:spcPts val="300"/>
+                        </a:spcBef>
+                        <a:spcAft>
+                          <a:spcPts val="300"/>
+                        </a:spcAft>
+                        <a:buNone/>
+                      </a:pPr>
+                      <a:r>
+                        <a:rPr cap="none" sz="1200" i="0" b="0" u="none">
+                          <a:solidFill>
+                            <a:srgbClr val="000000">
+                              <a:alpha val="100000"/>
+                            </a:srgbClr>
+                          </a:solidFill>
+                          <a:latin typeface="arial"/>
+                          <a:cs typeface="arial"/>
+                          <a:ea typeface="arial"/>
+                          <a:sym typeface="arial"/>
+                        </a:rPr>
+                        <a:t>15 (11.2%)</a:t>
+                      </a:r>
+                    </a:p>
+                  </a:txBody>
+                  <a:tcPr anchor="ctr" marB="38100" marT="38100" marR="0" marL="0">
+                    <a:lnL algn="ctr" cmpd="sng" cap="flat" w="0">
+                      <a:noFill/>
+                      <a:prstDash val="solid"/>
+                    </a:lnL>
+                    <a:lnR algn="ctr" cmpd="sng" cap="flat" w="0">
+                      <a:noFill/>
+                      <a:prstDash val="solid"/>
+                    </a:lnR>
+                    <a:lnT algn="ctr" cmpd="sng" cap="flat" w="0">
+                      <a:noFill/>
+                      <a:prstDash val="solid"/>
+                    </a:lnT>
+                    <a:lnB algn="ctr" cmpd="sng" cap="flat" w="0">
+                      <a:noFill/>
+                      <a:prstDash val="solid"/>
+                    </a:lnB>
+                    <a:solidFill>
+                      <a:srgbClr val="FF7D29">
+                        <a:alpha val="100000"/>
+                      </a:srgbClr>
+                    </a:solidFill>
+                  </a:tcPr>
+                </a:tc>
+                <a:tc>
+                  <a:txBody>
+                    <a:bodyPr/>
+                    <a:lstStyle/>
+                    <a:p>
+                      <a:pPr algn="ctr" marL="63500" marR="63500">
+                        <a:lnSpc>
+                          <a:spcPct val="100000"/>
+                        </a:lnSpc>
+                        <a:spcBef>
+                          <a:spcPts val="300"/>
+                        </a:spcBef>
+                        <a:spcAft>
+                          <a:spcPts val="300"/>
+                        </a:spcAft>
+                        <a:buNone/>
+                      </a:pPr>
+                      <a:r>
+                        <a:rPr cap="none" sz="1200" i="0" b="0" u="none">
+                          <a:solidFill>
+                            <a:srgbClr val="000000">
+                              <a:alpha val="100000"/>
+                            </a:srgbClr>
+                          </a:solidFill>
+                          <a:latin typeface="arial"/>
+                          <a:cs typeface="arial"/>
+                          <a:ea typeface="arial"/>
+                          <a:sym typeface="arial"/>
+                        </a:rPr>
+                        <a:t>18 (13.4%)</a:t>
+                      </a:r>
+                    </a:p>
+                  </a:txBody>
+                  <a:tcPr anchor="ctr" marB="38100" marT="38100" marR="0" marL="0">
+                    <a:lnL algn="ctr" cmpd="sng" cap="flat" w="0">
+                      <a:noFill/>
+                      <a:prstDash val="solid"/>
+                    </a:lnL>
+                    <a:lnR algn="ctr" cmpd="sng" cap="flat" w="0">
+                      <a:noFill/>
+                      <a:prstDash val="solid"/>
+                    </a:lnR>
+                    <a:lnT algn="ctr" cmpd="sng" cap="flat" w="0">
+                      <a:noFill/>
+                      <a:prstDash val="solid"/>
+                    </a:lnT>
+                    <a:lnB algn="ctr" cmpd="sng" cap="flat" w="0">
+                      <a:noFill/>
+                      <a:prstDash val="solid"/>
+                    </a:lnB>
+                    <a:solidFill>
+                      <a:srgbClr val="FF7D29">
+                        <a:alpha val="100000"/>
+                      </a:srgbClr>
+                    </a:solidFill>
+                  </a:tcPr>
+                </a:tc>
+                <a:tc>
+                  <a:txBody>
+                    <a:bodyPr/>
+                    <a:lstStyle/>
+                    <a:p>
+                      <a:pPr algn="ctr" marL="63500" marR="63500">
+                        <a:lnSpc>
+                          <a:spcPct val="100000"/>
+                        </a:lnSpc>
+                        <a:spcBef>
+                          <a:spcPts val="300"/>
+                        </a:spcBef>
+                        <a:spcAft>
+                          <a:spcPts val="300"/>
+                        </a:spcAft>
+                        <a:buNone/>
+                      </a:pPr>
+                      <a:r>
+                        <a:rPr cap="none" sz="1200" i="0" b="0" u="none">
+                          <a:solidFill>
+                            <a:srgbClr val="000000">
+                              <a:alpha val="100000"/>
+                            </a:srgbClr>
+                          </a:solidFill>
+                          <a:latin typeface="arial"/>
+                          <a:cs typeface="arial"/>
+                          <a:ea typeface="arial"/>
+                          <a:sym typeface="arial"/>
+                        </a:rPr>
+                        <a:t>15 (11.4%)</a:t>
+                      </a:r>
+                    </a:p>
+                  </a:txBody>
+                  <a:tcPr anchor="ctr" marB="38100" marT="38100" marR="0" marL="0">
+                    <a:lnL algn="ctr" cmpd="sng" cap="flat" w="0">
+                      <a:noFill/>
+                      <a:prstDash val="solid"/>
+                    </a:lnL>
+                    <a:lnR algn="ctr" cmpd="sng" cap="flat" w="0">
+                      <a:noFill/>
+                      <a:prstDash val="solid"/>
+                    </a:lnR>
+                    <a:lnT algn="ctr" cmpd="sng" cap="flat" w="0">
+                      <a:noFill/>
+                      <a:prstDash val="solid"/>
+                    </a:lnT>
+                    <a:lnB algn="ctr" cmpd="sng" cap="flat" w="0">
+                      <a:noFill/>
+                      <a:prstDash val="solid"/>
+                    </a:lnB>
+                    <a:solidFill>
+                      <a:srgbClr val="FF7D29">
+                        <a:alpha val="100000"/>
+                      </a:srgbClr>
+                    </a:solidFill>
+                  </a:tcPr>
+                </a:tc>
+                <a:tc>
+                  <a:txBody>
+                    <a:bodyPr/>
+                    <a:lstStyle/>
+                    <a:p>
+                      <a:pPr algn="ctr" marL="63500" marR="63500">
+                        <a:lnSpc>
+                          <a:spcPct val="100000"/>
+                        </a:lnSpc>
+                        <a:spcBef>
+                          <a:spcPts val="300"/>
+                        </a:spcBef>
+                        <a:spcAft>
+                          <a:spcPts val="300"/>
+                        </a:spcAft>
+                        <a:buNone/>
+                      </a:pPr>
+                      <a:r>
+                        <a:rPr cap="none" sz="1200" i="0" b="0" u="none">
+                          <a:solidFill>
+                            <a:srgbClr val="000000">
+                              <a:alpha val="100000"/>
+                            </a:srgbClr>
+                          </a:solidFill>
+                          <a:latin typeface="arial"/>
+                          <a:cs typeface="arial"/>
+                          <a:ea typeface="arial"/>
+                          <a:sym typeface="arial"/>
+                        </a:rPr>
+                        <a:t>48 (12%)</a:t>
+                      </a:r>
+                    </a:p>
+                  </a:txBody>
+                  <a:tcPr anchor="ctr" marB="38100" marT="38100" marR="0" marL="0">
+                    <a:lnL algn="ctr" cmpd="sng" cap="flat" w="0">
+                      <a:noFill/>
+                      <a:prstDash val="solid"/>
+                    </a:lnL>
+                    <a:lnR algn="ctr" cmpd="sng" cap="flat" w="0">
+                      <a:noFill/>
+                      <a:prstDash val="solid"/>
+                    </a:lnR>
+                    <a:lnT algn="ctr" cmpd="sng" cap="flat" w="0">
+                      <a:noFill/>
+                      <a:prstDash val="solid"/>
+                    </a:lnT>
+                    <a:lnB algn="ctr" cmpd="sng" cap="flat" w="0">
+                      <a:noFill/>
+                      <a:prstDash val="solid"/>
+                    </a:lnB>
+                    <a:solidFill>
+                      <a:srgbClr val="FF7D29">
+                        <a:alpha val="100000"/>
+                      </a:srgbClr>
+                    </a:solidFill>
+                  </a:tcPr>
+                </a:tc>
+              </a:tr>
+              <a:tr h="243582">
+                <a:tc>
+                  <a:txBody>
+                    <a:bodyPr/>
+                    <a:lstStyle/>
+                    <a:p>
+                      <a:pPr algn="l" marL="127000" marR="63500">
+                        <a:lnSpc>
+                          <a:spcPct val="100000"/>
+                        </a:lnSpc>
+                        <a:spcBef>
+                          <a:spcPts val="300"/>
+                        </a:spcBef>
+                        <a:spcAft>
+                          <a:spcPts val="300"/>
+                        </a:spcAft>
+                        <a:buNone/>
+                      </a:pPr>
+                      <a:r>
+                        <a:rPr cap="none" sz="1200" i="0" b="0" u="none">
+                          <a:solidFill>
+                            <a:srgbClr val="000000">
+                              <a:alpha val="100000"/>
+                            </a:srgbClr>
+                          </a:solidFill>
+                          <a:latin typeface="arial"/>
+                          <a:cs typeface="arial"/>
+                          <a:ea typeface="arial"/>
+                          <a:sym typeface="arial"/>
+                        </a:rPr>
+                        <a:t>NOT HISPANIC OR LATINO</a:t>
+                      </a:r>
+                    </a:p>
+                  </a:txBody>
+                  <a:tcPr anchor="ctr" marB="38100" marT="38100" marR="0" marL="0">
+                    <a:lnL algn="ctr" cmpd="sng" cap="flat" w="0">
+                      <a:noFill/>
+                      <a:prstDash val="solid"/>
+                    </a:lnL>
+                    <a:lnR algn="ctr" cmpd="sng" cap="flat" w="0">
+                      <a:noFill/>
+                      <a:prstDash val="solid"/>
+                    </a:lnR>
+                    <a:lnT algn="ctr" cmpd="sng" cap="flat" w="0">
+                      <a:noFill/>
+                      <a:prstDash val="solid"/>
+                    </a:lnT>
+                    <a:lnB algn="ctr" cmpd="sng" cap="flat" w="0">
+                      <a:noFill/>
+                      <a:prstDash val="solid"/>
+                    </a:lnB>
+                    <a:solidFill>
+                      <a:srgbClr val="FFBD69">
+                        <a:alpha val="100000"/>
+                      </a:srgbClr>
+                    </a:solidFill>
+                  </a:tcPr>
+                </a:tc>
+                <a:tc>
+                  <a:txBody>
+                    <a:bodyPr/>
+                    <a:lstStyle/>
+                    <a:p>
+                      <a:pPr algn="ctr" marL="63500" marR="63500">
+                        <a:lnSpc>
+                          <a:spcPct val="100000"/>
+                        </a:lnSpc>
+                        <a:spcBef>
+                          <a:spcPts val="300"/>
+                        </a:spcBef>
+                        <a:spcAft>
+                          <a:spcPts val="300"/>
+                        </a:spcAft>
+                        <a:buNone/>
+                      </a:pPr>
+                      <a:r>
+                        <a:rPr cap="none" sz="1200" i="0" b="0" u="none">
+                          <a:solidFill>
+                            <a:srgbClr val="000000">
+                              <a:alpha val="100000"/>
+                            </a:srgbClr>
+                          </a:solidFill>
+                          <a:latin typeface="arial"/>
+                          <a:cs typeface="arial"/>
+                          <a:ea typeface="arial"/>
+                          <a:sym typeface="arial"/>
+                        </a:rPr>
+                        <a:t>104 (77.6%)</a:t>
+                      </a:r>
+                    </a:p>
+                  </a:txBody>
+                  <a:tcPr anchor="ctr" marB="38100" marT="38100" marR="0" marL="0">
+                    <a:lnL algn="ctr" cmpd="sng" cap="flat" w="0">
+                      <a:noFill/>
+                      <a:prstDash val="solid"/>
+                    </a:lnL>
+                    <a:lnR algn="ctr" cmpd="sng" cap="flat" w="0">
+                      <a:noFill/>
+                      <a:prstDash val="solid"/>
+                    </a:lnR>
+                    <a:lnT algn="ctr" cmpd="sng" cap="flat" w="0">
+                      <a:noFill/>
+                      <a:prstDash val="solid"/>
+                    </a:lnT>
+                    <a:lnB algn="ctr" cmpd="sng" cap="flat" w="0">
+                      <a:noFill/>
+                      <a:prstDash val="solid"/>
+                    </a:lnB>
+                    <a:solidFill>
+                      <a:srgbClr val="FFBD69">
+                        <a:alpha val="100000"/>
+                      </a:srgbClr>
+                    </a:solidFill>
+                  </a:tcPr>
+                </a:tc>
+                <a:tc>
+                  <a:txBody>
+                    <a:bodyPr/>
+                    <a:lstStyle/>
+                    <a:p>
+                      <a:pPr algn="ctr" marL="63500" marR="63500">
+                        <a:lnSpc>
+                          <a:spcPct val="100000"/>
+                        </a:lnSpc>
+                        <a:spcBef>
+                          <a:spcPts val="300"/>
+                        </a:spcBef>
+                        <a:spcAft>
+                          <a:spcPts val="300"/>
+                        </a:spcAft>
+                        <a:buNone/>
+                      </a:pPr>
+                      <a:r>
+                        <a:rPr cap="none" sz="1200" i="0" b="0" u="none">
+                          <a:solidFill>
+                            <a:srgbClr val="000000">
+                              <a:alpha val="100000"/>
+                            </a:srgbClr>
+                          </a:solidFill>
+                          <a:latin typeface="arial"/>
+                          <a:cs typeface="arial"/>
+                          <a:ea typeface="arial"/>
+                          <a:sym typeface="arial"/>
+                        </a:rPr>
+                        <a:t>103 (76.9%)</a:t>
+                      </a:r>
+                    </a:p>
+                  </a:txBody>
+                  <a:tcPr anchor="ctr" marB="38100" marT="38100" marR="0" marL="0">
+                    <a:lnL algn="ctr" cmpd="sng" cap="flat" w="0">
+                      <a:noFill/>
+                      <a:prstDash val="solid"/>
+                    </a:lnL>
+                    <a:lnR algn="ctr" cmpd="sng" cap="flat" w="0">
+                      <a:noFill/>
+                      <a:prstDash val="solid"/>
+                    </a:lnR>
+                    <a:lnT algn="ctr" cmpd="sng" cap="flat" w="0">
+                      <a:noFill/>
+                      <a:prstDash val="solid"/>
+                    </a:lnT>
+                    <a:lnB algn="ctr" cmpd="sng" cap="flat" w="0">
+                      <a:noFill/>
+                      <a:prstDash val="solid"/>
+                    </a:lnB>
+                    <a:solidFill>
+                      <a:srgbClr val="FFBD69">
+                        <a:alpha val="100000"/>
+                      </a:srgbClr>
+                    </a:solidFill>
+                  </a:tcPr>
+                </a:tc>
+                <a:tc>
+                  <a:txBody>
+                    <a:bodyPr/>
+                    <a:lstStyle/>
+                    <a:p>
+                      <a:pPr algn="ctr" marL="63500" marR="63500">
+                        <a:lnSpc>
+                          <a:spcPct val="100000"/>
+                        </a:lnSpc>
+                        <a:spcBef>
+                          <a:spcPts val="300"/>
+                        </a:spcBef>
+                        <a:spcAft>
+                          <a:spcPts val="300"/>
+                        </a:spcAft>
+                        <a:buNone/>
+                      </a:pPr>
+                      <a:r>
+                        <a:rPr cap="none" sz="1200" i="0" b="0" u="none">
+                          <a:solidFill>
+                            <a:srgbClr val="000000">
+                              <a:alpha val="100000"/>
+                            </a:srgbClr>
+                          </a:solidFill>
+                          <a:latin typeface="arial"/>
+                          <a:cs typeface="arial"/>
+                          <a:ea typeface="arial"/>
+                          <a:sym typeface="arial"/>
+                        </a:rPr>
+                        <a:t>101 (76.5%)</a:t>
+                      </a:r>
+                    </a:p>
+                  </a:txBody>
+                  <a:tcPr anchor="ctr" marB="38100" marT="38100" marR="0" marL="0">
+                    <a:lnL algn="ctr" cmpd="sng" cap="flat" w="0">
+                      <a:noFill/>
+                      <a:prstDash val="solid"/>
+                    </a:lnL>
+                    <a:lnR algn="ctr" cmpd="sng" cap="flat" w="0">
+                      <a:noFill/>
+                      <a:prstDash val="solid"/>
+                    </a:lnR>
+                    <a:lnT algn="ctr" cmpd="sng" cap="flat" w="0">
+                      <a:noFill/>
+                      <a:prstDash val="solid"/>
+                    </a:lnT>
+                    <a:lnB algn="ctr" cmpd="sng" cap="flat" w="0">
+                      <a:noFill/>
+                      <a:prstDash val="solid"/>
+                    </a:lnB>
+                    <a:solidFill>
+                      <a:srgbClr val="FFBD69">
+                        <a:alpha val="100000"/>
+                      </a:srgbClr>
+                    </a:solidFill>
+                  </a:tcPr>
+                </a:tc>
+                <a:tc>
+                  <a:txBody>
+                    <a:bodyPr/>
+                    <a:lstStyle/>
+                    <a:p>
+                      <a:pPr algn="ctr" marL="63500" marR="63500">
+                        <a:lnSpc>
+                          <a:spcPct val="100000"/>
+                        </a:lnSpc>
+                        <a:spcBef>
+                          <a:spcPts val="300"/>
+                        </a:spcBef>
+                        <a:spcAft>
+                          <a:spcPts val="300"/>
+                        </a:spcAft>
+                        <a:buNone/>
+                      </a:pPr>
+                      <a:r>
+                        <a:rPr cap="none" sz="1200" i="0" b="0" u="none">
+                          <a:solidFill>
+                            <a:srgbClr val="000000">
+                              <a:alpha val="100000"/>
+                            </a:srgbClr>
+                          </a:solidFill>
+                          <a:latin typeface="arial"/>
+                          <a:cs typeface="arial"/>
+                          <a:ea typeface="arial"/>
+                          <a:sym typeface="arial"/>
+                        </a:rPr>
+                        <a:t>308 (77%)</a:t>
+                      </a:r>
+                    </a:p>
+                  </a:txBody>
+                  <a:tcPr anchor="ctr" marB="38100" marT="38100" marR="0" marL="0">
+                    <a:lnL algn="ctr" cmpd="sng" cap="flat" w="0">
+                      <a:noFill/>
+                      <a:prstDash val="solid"/>
+                    </a:lnL>
+                    <a:lnR algn="ctr" cmpd="sng" cap="flat" w="0">
+                      <a:noFill/>
+                      <a:prstDash val="solid"/>
+                    </a:lnR>
+                    <a:lnT algn="ctr" cmpd="sng" cap="flat" w="0">
+                      <a:noFill/>
+                      <a:prstDash val="solid"/>
+                    </a:lnT>
+                    <a:lnB algn="ctr" cmpd="sng" cap="flat" w="0">
+                      <a:noFill/>
+                      <a:prstDash val="solid"/>
+                    </a:lnB>
+                    <a:solidFill>
+                      <a:srgbClr val="FFBD69">
+                        <a:alpha val="100000"/>
+                      </a:srgbClr>
+                    </a:solidFill>
+                  </a:tcPr>
+                </a:tc>
+              </a:tr>
+              <a:tr h="243582">
+                <a:tc>
+                  <a:txBody>
+                    <a:bodyPr/>
+                    <a:lstStyle/>
+                    <a:p>
+                      <a:pPr algn="l" marL="127000" marR="63500">
+                        <a:lnSpc>
+                          <a:spcPct val="100000"/>
+                        </a:lnSpc>
+                        <a:spcBef>
+                          <a:spcPts val="300"/>
+                        </a:spcBef>
+                        <a:spcAft>
+                          <a:spcPts val="300"/>
+                        </a:spcAft>
+                        <a:buNone/>
+                      </a:pPr>
+                      <a:r>
+                        <a:rPr cap="none" sz="1200" i="0" b="0" u="none">
+                          <a:solidFill>
+                            <a:srgbClr val="000000">
+                              <a:alpha val="100000"/>
+                            </a:srgbClr>
+                          </a:solidFill>
+                          <a:latin typeface="arial"/>
+                          <a:cs typeface="arial"/>
+                          <a:ea typeface="arial"/>
+                          <a:sym typeface="arial"/>
+                        </a:rPr>
+                        <a:t>UNKNOWN</a:t>
+                      </a:r>
+                    </a:p>
+                  </a:txBody>
+                  <a:tcPr anchor="ctr" marB="38100" marT="38100" marR="0" marL="0">
+                    <a:lnL algn="ctr" cmpd="sng" cap="flat" w="0">
+                      <a:noFill/>
+                      <a:prstDash val="solid"/>
+                    </a:lnL>
+                    <a:lnR algn="ctr" cmpd="sng" cap="flat" w="0">
+                      <a:noFill/>
+                      <a:prstDash val="solid"/>
+                    </a:lnR>
+                    <a:lnT algn="ctr" cmpd="sng" cap="flat" w="0">
+                      <a:noFill/>
+                      <a:prstDash val="solid"/>
+                    </a:lnT>
+                    <a:lnB algn="ctr" cmpd="sng" cap="flat" w="0">
+                      <a:noFill/>
+                      <a:prstDash val="solid"/>
+                    </a:lnB>
+                    <a:solidFill>
+                      <a:srgbClr val="FF7D29">
+                        <a:alpha val="100000"/>
+                      </a:srgbClr>
+                    </a:solidFill>
+                  </a:tcPr>
+                </a:tc>
+                <a:tc>
+                  <a:txBody>
+                    <a:bodyPr/>
+                    <a:lstStyle/>
+                    <a:p>
+                      <a:pPr algn="ctr" marL="63500" marR="63500">
+                        <a:lnSpc>
+                          <a:spcPct val="100000"/>
+                        </a:lnSpc>
+                        <a:spcBef>
+                          <a:spcPts val="300"/>
+                        </a:spcBef>
+                        <a:spcAft>
+                          <a:spcPts val="300"/>
+                        </a:spcAft>
+                        <a:buNone/>
+                      </a:pPr>
+                      <a:r>
+                        <a:rPr cap="none" sz="1200" i="0" b="0" u="none">
+                          <a:solidFill>
+                            <a:srgbClr val="000000">
+                              <a:alpha val="100000"/>
+                            </a:srgbClr>
+                          </a:solidFill>
+                          <a:latin typeface="arial"/>
+                          <a:cs typeface="arial"/>
+                          <a:ea typeface="arial"/>
+                          <a:sym typeface="arial"/>
+                        </a:rPr>
+                        <a:t>9 (6.7%)</a:t>
+                      </a:r>
+                    </a:p>
+                  </a:txBody>
+                  <a:tcPr anchor="ctr" marB="38100" marT="38100" marR="0" marL="0">
+                    <a:lnL algn="ctr" cmpd="sng" cap="flat" w="0">
+                      <a:noFill/>
+                      <a:prstDash val="solid"/>
+                    </a:lnL>
+                    <a:lnR algn="ctr" cmpd="sng" cap="flat" w="0">
+                      <a:noFill/>
+                      <a:prstDash val="solid"/>
+                    </a:lnR>
+                    <a:lnT algn="ctr" cmpd="sng" cap="flat" w="0">
+                      <a:noFill/>
+                      <a:prstDash val="solid"/>
+                    </a:lnT>
+                    <a:lnB algn="ctr" cmpd="sng" cap="flat" w="0">
+                      <a:noFill/>
+                      <a:prstDash val="solid"/>
+                    </a:lnB>
+                    <a:solidFill>
+                      <a:srgbClr val="FF7D29">
+                        <a:alpha val="100000"/>
+                      </a:srgbClr>
+                    </a:solidFill>
+                  </a:tcPr>
+                </a:tc>
+                <a:tc>
+                  <a:txBody>
+                    <a:bodyPr/>
+                    <a:lstStyle/>
+                    <a:p>
+                      <a:pPr algn="ctr" marL="63500" marR="63500">
+                        <a:lnSpc>
+                          <a:spcPct val="100000"/>
+                        </a:lnSpc>
+                        <a:spcBef>
+                          <a:spcPts val="300"/>
+                        </a:spcBef>
+                        <a:spcAft>
+                          <a:spcPts val="300"/>
+                        </a:spcAft>
+                        <a:buNone/>
+                      </a:pPr>
+                      <a:r>
+                        <a:rPr cap="none" sz="1200" i="0" b="0" u="none">
+                          <a:solidFill>
+                            <a:srgbClr val="000000">
+                              <a:alpha val="100000"/>
+                            </a:srgbClr>
+                          </a:solidFill>
+                          <a:latin typeface="arial"/>
+                          <a:cs typeface="arial"/>
+                          <a:ea typeface="arial"/>
+                          <a:sym typeface="arial"/>
+                        </a:rPr>
+                        <a:t>3 (2.2%)</a:t>
+                      </a:r>
+                    </a:p>
+                  </a:txBody>
+                  <a:tcPr anchor="ctr" marB="38100" marT="38100" marR="0" marL="0">
+                    <a:lnL algn="ctr" cmpd="sng" cap="flat" w="0">
+                      <a:noFill/>
+                      <a:prstDash val="solid"/>
+                    </a:lnL>
+                    <a:lnR algn="ctr" cmpd="sng" cap="flat" w="0">
+                      <a:noFill/>
+                      <a:prstDash val="solid"/>
+                    </a:lnR>
+                    <a:lnT algn="ctr" cmpd="sng" cap="flat" w="0">
+                      <a:noFill/>
+                      <a:prstDash val="solid"/>
+                    </a:lnT>
+                    <a:lnB algn="ctr" cmpd="sng" cap="flat" w="0">
+                      <a:noFill/>
+                      <a:prstDash val="solid"/>
+                    </a:lnB>
+                    <a:solidFill>
+                      <a:srgbClr val="FF7D29">
+                        <a:alpha val="100000"/>
+                      </a:srgbClr>
+                    </a:solidFill>
+                  </a:tcPr>
+                </a:tc>
+                <a:tc>
+                  <a:txBody>
+                    <a:bodyPr/>
+                    <a:lstStyle/>
+                    <a:p>
+                      <a:pPr algn="ctr" marL="63500" marR="63500">
+                        <a:lnSpc>
+                          <a:spcPct val="100000"/>
+                        </a:lnSpc>
+                        <a:spcBef>
+                          <a:spcPts val="300"/>
+                        </a:spcBef>
+                        <a:spcAft>
+                          <a:spcPts val="300"/>
+                        </a:spcAft>
+                        <a:buNone/>
+                      </a:pPr>
+                      <a:r>
+                        <a:rPr cap="none" sz="1200" i="0" b="0" u="none">
+                          <a:solidFill>
+                            <a:srgbClr val="000000">
+                              <a:alpha val="100000"/>
+                            </a:srgbClr>
+                          </a:solidFill>
+                          <a:latin typeface="arial"/>
+                          <a:cs typeface="arial"/>
+                          <a:ea typeface="arial"/>
+                          <a:sym typeface="arial"/>
+                        </a:rPr>
+                        <a:t>5 (3.8%)</a:t>
+                      </a:r>
+                    </a:p>
+                  </a:txBody>
+                  <a:tcPr anchor="ctr" marB="38100" marT="38100" marR="0" marL="0">
+                    <a:lnL algn="ctr" cmpd="sng" cap="flat" w="0">
+                      <a:noFill/>
+                      <a:prstDash val="solid"/>
+                    </a:lnL>
+                    <a:lnR algn="ctr" cmpd="sng" cap="flat" w="0">
+                      <a:noFill/>
+                      <a:prstDash val="solid"/>
+                    </a:lnR>
+                    <a:lnT algn="ctr" cmpd="sng" cap="flat" w="0">
+                      <a:noFill/>
+                      <a:prstDash val="solid"/>
+                    </a:lnT>
+                    <a:lnB algn="ctr" cmpd="sng" cap="flat" w="0">
+                      <a:noFill/>
+                      <a:prstDash val="solid"/>
+                    </a:lnB>
+                    <a:solidFill>
+                      <a:srgbClr val="FF7D29">
+                        <a:alpha val="100000"/>
+                      </a:srgbClr>
+                    </a:solidFill>
+                  </a:tcPr>
+                </a:tc>
+                <a:tc>
+                  <a:txBody>
+                    <a:bodyPr/>
+                    <a:lstStyle/>
+                    <a:p>
+                      <a:pPr algn="ctr" marL="63500" marR="63500">
+                        <a:lnSpc>
+                          <a:spcPct val="100000"/>
+                        </a:lnSpc>
+                        <a:spcBef>
+                          <a:spcPts val="300"/>
+                        </a:spcBef>
+                        <a:spcAft>
+                          <a:spcPts val="300"/>
+                        </a:spcAft>
+                        <a:buNone/>
+                      </a:pPr>
+                      <a:r>
+                        <a:rPr cap="none" sz="1200" i="0" b="0" u="none">
+                          <a:solidFill>
+                            <a:srgbClr val="000000">
+                              <a:alpha val="100000"/>
+                            </a:srgbClr>
+                          </a:solidFill>
+                          <a:latin typeface="arial"/>
+                          <a:cs typeface="arial"/>
+                          <a:ea typeface="arial"/>
+                          <a:sym typeface="arial"/>
+                        </a:rPr>
+                        <a:t>17 (4.2%)</a:t>
+                      </a:r>
+                    </a:p>
+                  </a:txBody>
+                  <a:tcPr anchor="ctr" marB="38100" marT="38100" marR="0" marL="0">
+                    <a:lnL algn="ctr" cmpd="sng" cap="flat" w="0">
+                      <a:noFill/>
+                      <a:prstDash val="solid"/>
+                    </a:lnL>
+                    <a:lnR algn="ctr" cmpd="sng" cap="flat" w="0">
+                      <a:noFill/>
+                      <a:prstDash val="solid"/>
+                    </a:lnR>
+                    <a:lnT algn="ctr" cmpd="sng" cap="flat" w="0">
+                      <a:noFill/>
+                      <a:prstDash val="solid"/>
+                    </a:lnT>
+                    <a:lnB algn="ctr" cmpd="sng" cap="flat" w="0">
+                      <a:noFill/>
+                      <a:prstDash val="solid"/>
+                    </a:lnB>
+                    <a:solidFill>
+                      <a:srgbClr val="FF7D29">
+                        <a:alpha val="100000"/>
+                      </a:srgbClr>
+                    </a:solidFill>
+                  </a:tcPr>
+                </a:tc>
+              </a:tr>
+              <a:tr h="239638">
+                <a:tc>
+                  <a:txBody>
+                    <a:bodyPr/>
+                    <a:lstStyle/>
+                    <a:p>
+                      <a:pPr algn="l" marL="127000" marR="63500">
+                        <a:lnSpc>
+                          <a:spcPct val="100000"/>
+                        </a:lnSpc>
+                        <a:spcBef>
+                          <a:spcPts val="300"/>
+                        </a:spcBef>
+                        <a:spcAft>
+                          <a:spcPts val="300"/>
+                        </a:spcAft>
+                        <a:buNone/>
+                      </a:pPr>
+                      <a:r>
+                        <a:rPr cap="none" sz="1200" i="0" b="0" u="none">
+                          <a:solidFill>
+                            <a:srgbClr val="000000">
+                              <a:alpha val="100000"/>
+                            </a:srgbClr>
+                          </a:solidFill>
+                          <a:latin typeface="arial"/>
+                          <a:cs typeface="arial"/>
+                          <a:ea typeface="arial"/>
+                          <a:sym typeface="arial"/>
+                        </a:rPr>
+                        <a:t>Country</a:t>
+                      </a:r>
+                    </a:p>
+                  </a:txBody>
+                  <a:tcPr anchor="ctr" marB="38100" marT="38100" marR="0" marL="0">
+                    <a:lnL algn="ctr" cmpd="sng" cap="flat" w="0">
+                      <a:noFill/>
+                      <a:prstDash val="solid"/>
+                    </a:lnL>
+                    <a:lnR algn="ctr" cmpd="sng" cap="flat" w="0">
+                      <a:noFill/>
+                      <a:prstDash val="solid"/>
+                    </a:lnR>
+                    <a:lnT algn="ctr" cmpd="sng" cap="flat" w="0">
+                      <a:noFill/>
+                      <a:prstDash val="solid"/>
+                    </a:lnT>
+                    <a:lnB algn="ctr" cmpd="sng" cap="flat" w="0">
+                      <a:noFill/>
+                      <a:prstDash val="solid"/>
+                    </a:lnB>
+                    <a:solidFill>
+                      <a:srgbClr val="FFBD69">
+                        <a:alpha val="100000"/>
+                      </a:srgbClr>
+                    </a:solidFill>
+                  </a:tcPr>
+                </a:tc>
                 <a:tc>
                   <a:txBody>
                     <a:bodyPr/>
@@ -11705,1441 +11646,6 @@
                       <a:prstDash val="solid"/>
                     </a:lnB>
                     <a:solidFill>
-                      <a:srgbClr val="FF7D29">
-                        <a:alpha val="100000"/>
-                      </a:srgbClr>
-                    </a:solidFill>
-                  </a:tcPr>
-                </a:tc>
-              </a:tr>
-              <a:tr h="243582">
-                <a:tc>
-                  <a:txBody>
-                    <a:bodyPr/>
-                    <a:lstStyle/>
-                    <a:p>
-                      <a:pPr algn="l" marL="127000" marR="63500">
-                        <a:lnSpc>
-                          <a:spcPct val="100000"/>
-                        </a:lnSpc>
-                        <a:spcBef>
-                          <a:spcPts val="300"/>
-                        </a:spcBef>
-                        <a:spcAft>
-                          <a:spcPts val="300"/>
-                        </a:spcAft>
-                        <a:buNone/>
-                      </a:pPr>
-                      <a:r>
-                        <a:rPr cap="none" sz="1200" i="0" b="0" u="none">
-                          <a:solidFill>
-                            <a:srgbClr val="000000">
-                              <a:alpha val="100000"/>
-                            </a:srgbClr>
-                          </a:solidFill>
-                          <a:latin typeface="arial"/>
-                          <a:cs typeface="arial"/>
-                          <a:ea typeface="arial"/>
-                          <a:sym typeface="arial"/>
-                        </a:rPr>
-                        <a:t> NOT REPORTED</a:t>
-                      </a:r>
-                    </a:p>
-                  </a:txBody>
-                  <a:tcPr anchor="ctr" marB="38100" marT="38100" marR="0" marL="0">
-                    <a:lnL algn="ctr" cmpd="sng" cap="flat" w="0">
-                      <a:noFill/>
-                      <a:prstDash val="solid"/>
-                    </a:lnL>
-                    <a:lnR algn="ctr" cmpd="sng" cap="flat" w="0">
-                      <a:noFill/>
-                      <a:prstDash val="solid"/>
-                    </a:lnR>
-                    <a:lnT algn="ctr" cmpd="sng" cap="flat" w="0">
-                      <a:noFill/>
-                      <a:prstDash val="solid"/>
-                    </a:lnT>
-                    <a:lnB algn="ctr" cmpd="sng" cap="flat" w="0">
-                      <a:noFill/>
-                      <a:prstDash val="solid"/>
-                    </a:lnB>
-                    <a:solidFill>
-                      <a:srgbClr val="FFBD69">
-                        <a:alpha val="100000"/>
-                      </a:srgbClr>
-                    </a:solidFill>
-                  </a:tcPr>
-                </a:tc>
-                <a:tc>
-                  <a:txBody>
-                    <a:bodyPr/>
-                    <a:lstStyle/>
-                    <a:p>
-                      <a:pPr algn="ctr" marL="63500" marR="63500">
-                        <a:lnSpc>
-                          <a:spcPct val="100000"/>
-                        </a:lnSpc>
-                        <a:spcBef>
-                          <a:spcPts val="300"/>
-                        </a:spcBef>
-                        <a:spcAft>
-                          <a:spcPts val="300"/>
-                        </a:spcAft>
-                        <a:buNone/>
-                      </a:pPr>
-                      <a:r>
-                        <a:rPr cap="none" sz="1200" i="0" b="0" u="none">
-                          <a:solidFill>
-                            <a:srgbClr val="000000">
-                              <a:alpha val="100000"/>
-                            </a:srgbClr>
-                          </a:solidFill>
-                          <a:latin typeface="arial"/>
-                          <a:cs typeface="arial"/>
-                          <a:ea typeface="arial"/>
-                          <a:sym typeface="arial"/>
-                        </a:rPr>
-                        <a:t>6 (4.5%)</a:t>
-                      </a:r>
-                    </a:p>
-                  </a:txBody>
-                  <a:tcPr anchor="ctr" marB="38100" marT="38100" marR="0" marL="0">
-                    <a:lnL algn="ctr" cmpd="sng" cap="flat" w="0">
-                      <a:noFill/>
-                      <a:prstDash val="solid"/>
-                    </a:lnL>
-                    <a:lnR algn="ctr" cmpd="sng" cap="flat" w="0">
-                      <a:noFill/>
-                      <a:prstDash val="solid"/>
-                    </a:lnR>
-                    <a:lnT algn="ctr" cmpd="sng" cap="flat" w="0">
-                      <a:noFill/>
-                      <a:prstDash val="solid"/>
-                    </a:lnT>
-                    <a:lnB algn="ctr" cmpd="sng" cap="flat" w="0">
-                      <a:noFill/>
-                      <a:prstDash val="solid"/>
-                    </a:lnB>
-                    <a:solidFill>
-                      <a:srgbClr val="FFBD69">
-                        <a:alpha val="100000"/>
-                      </a:srgbClr>
-                    </a:solidFill>
-                  </a:tcPr>
-                </a:tc>
-                <a:tc>
-                  <a:txBody>
-                    <a:bodyPr/>
-                    <a:lstStyle/>
-                    <a:p>
-                      <a:pPr algn="ctr" marL="63500" marR="63500">
-                        <a:lnSpc>
-                          <a:spcPct val="100000"/>
-                        </a:lnSpc>
-                        <a:spcBef>
-                          <a:spcPts val="300"/>
-                        </a:spcBef>
-                        <a:spcAft>
-                          <a:spcPts val="300"/>
-                        </a:spcAft>
-                        <a:buNone/>
-                      </a:pPr>
-                      <a:r>
-                        <a:rPr cap="none" sz="1200" i="0" b="0" u="none">
-                          <a:solidFill>
-                            <a:srgbClr val="000000">
-                              <a:alpha val="100000"/>
-                            </a:srgbClr>
-                          </a:solidFill>
-                          <a:latin typeface="arial"/>
-                          <a:cs typeface="arial"/>
-                          <a:ea typeface="arial"/>
-                          <a:sym typeface="arial"/>
-                        </a:rPr>
-                        <a:t>10 (7.5%)</a:t>
-                      </a:r>
-                    </a:p>
-                  </a:txBody>
-                  <a:tcPr anchor="ctr" marB="38100" marT="38100" marR="0" marL="0">
-                    <a:lnL algn="ctr" cmpd="sng" cap="flat" w="0">
-                      <a:noFill/>
-                      <a:prstDash val="solid"/>
-                    </a:lnL>
-                    <a:lnR algn="ctr" cmpd="sng" cap="flat" w="0">
-                      <a:noFill/>
-                      <a:prstDash val="solid"/>
-                    </a:lnR>
-                    <a:lnT algn="ctr" cmpd="sng" cap="flat" w="0">
-                      <a:noFill/>
-                      <a:prstDash val="solid"/>
-                    </a:lnT>
-                    <a:lnB algn="ctr" cmpd="sng" cap="flat" w="0">
-                      <a:noFill/>
-                      <a:prstDash val="solid"/>
-                    </a:lnB>
-                    <a:solidFill>
-                      <a:srgbClr val="FFBD69">
-                        <a:alpha val="100000"/>
-                      </a:srgbClr>
-                    </a:solidFill>
-                  </a:tcPr>
-                </a:tc>
-                <a:tc>
-                  <a:txBody>
-                    <a:bodyPr/>
-                    <a:lstStyle/>
-                    <a:p>
-                      <a:pPr algn="ctr" marL="63500" marR="63500">
-                        <a:lnSpc>
-                          <a:spcPct val="100000"/>
-                        </a:lnSpc>
-                        <a:spcBef>
-                          <a:spcPts val="300"/>
-                        </a:spcBef>
-                        <a:spcAft>
-                          <a:spcPts val="300"/>
-                        </a:spcAft>
-                        <a:buNone/>
-                      </a:pPr>
-                      <a:r>
-                        <a:rPr cap="none" sz="1200" i="0" b="0" u="none">
-                          <a:solidFill>
-                            <a:srgbClr val="000000">
-                              <a:alpha val="100000"/>
-                            </a:srgbClr>
-                          </a:solidFill>
-                          <a:latin typeface="arial"/>
-                          <a:cs typeface="arial"/>
-                          <a:ea typeface="arial"/>
-                          <a:sym typeface="arial"/>
-                        </a:rPr>
-                        <a:t>11 (8.3%)</a:t>
-                      </a:r>
-                    </a:p>
-                  </a:txBody>
-                  <a:tcPr anchor="ctr" marB="38100" marT="38100" marR="0" marL="0">
-                    <a:lnL algn="ctr" cmpd="sng" cap="flat" w="0">
-                      <a:noFill/>
-                      <a:prstDash val="solid"/>
-                    </a:lnL>
-                    <a:lnR algn="ctr" cmpd="sng" cap="flat" w="0">
-                      <a:noFill/>
-                      <a:prstDash val="solid"/>
-                    </a:lnR>
-                    <a:lnT algn="ctr" cmpd="sng" cap="flat" w="0">
-                      <a:noFill/>
-                      <a:prstDash val="solid"/>
-                    </a:lnT>
-                    <a:lnB algn="ctr" cmpd="sng" cap="flat" w="0">
-                      <a:noFill/>
-                      <a:prstDash val="solid"/>
-                    </a:lnB>
-                    <a:solidFill>
-                      <a:srgbClr val="FFBD69">
-                        <a:alpha val="100000"/>
-                      </a:srgbClr>
-                    </a:solidFill>
-                  </a:tcPr>
-                </a:tc>
-                <a:tc>
-                  <a:txBody>
-                    <a:bodyPr/>
-                    <a:lstStyle/>
-                    <a:p>
-                      <a:pPr algn="ctr" marL="63500" marR="63500">
-                        <a:lnSpc>
-                          <a:spcPct val="100000"/>
-                        </a:lnSpc>
-                        <a:spcBef>
-                          <a:spcPts val="300"/>
-                        </a:spcBef>
-                        <a:spcAft>
-                          <a:spcPts val="300"/>
-                        </a:spcAft>
-                        <a:buNone/>
-                      </a:pPr>
-                      <a:r>
-                        <a:rPr cap="none" sz="1200" i="0" b="0" u="none">
-                          <a:solidFill>
-                            <a:srgbClr val="000000">
-                              <a:alpha val="100000"/>
-                            </a:srgbClr>
-                          </a:solidFill>
-                          <a:latin typeface="arial"/>
-                          <a:cs typeface="arial"/>
-                          <a:ea typeface="arial"/>
-                          <a:sym typeface="arial"/>
-                        </a:rPr>
-                        <a:t>27 (6.8%)</a:t>
-                      </a:r>
-                    </a:p>
-                  </a:txBody>
-                  <a:tcPr anchor="ctr" marB="38100" marT="38100" marR="0" marL="0">
-                    <a:lnL algn="ctr" cmpd="sng" cap="flat" w="0">
-                      <a:noFill/>
-                      <a:prstDash val="solid"/>
-                    </a:lnL>
-                    <a:lnR algn="ctr" cmpd="sng" cap="flat" w="0">
-                      <a:noFill/>
-                      <a:prstDash val="solid"/>
-                    </a:lnR>
-                    <a:lnT algn="ctr" cmpd="sng" cap="flat" w="0">
-                      <a:noFill/>
-                      <a:prstDash val="solid"/>
-                    </a:lnT>
-                    <a:lnB algn="ctr" cmpd="sng" cap="flat" w="0">
-                      <a:noFill/>
-                      <a:prstDash val="solid"/>
-                    </a:lnB>
-                    <a:solidFill>
-                      <a:srgbClr val="FFBD69">
-                        <a:alpha val="100000"/>
-                      </a:srgbClr>
-                    </a:solidFill>
-                  </a:tcPr>
-                </a:tc>
-                <a:tc>
-                  <a:txBody>
-                    <a:bodyPr/>
-                    <a:lstStyle/>
-                    <a:p>
-                      <a:pPr algn="ctr" marL="63500" marR="63500">
-                        <a:lnSpc>
-                          <a:spcPct val="100000"/>
-                        </a:lnSpc>
-                        <a:spcBef>
-                          <a:spcPts val="300"/>
-                        </a:spcBef>
-                        <a:spcAft>
-                          <a:spcPts val="300"/>
-                        </a:spcAft>
-                        <a:buNone/>
-                      </a:pPr>
-                      <a:r>
-                        <a:rPr cap="none" sz="1200" i="0" b="0" u="none">
-                          <a:solidFill>
-                            <a:srgbClr val="000000">
-                              <a:alpha val="100000"/>
-                            </a:srgbClr>
-                          </a:solidFill>
-                          <a:latin typeface="arial"/>
-                          <a:cs typeface="arial"/>
-                          <a:ea typeface="arial"/>
-                          <a:sym typeface="arial"/>
-                        </a:rPr>
-                        <a:t>27 (6.8%)</a:t>
-                      </a:r>
-                    </a:p>
-                  </a:txBody>
-                  <a:tcPr anchor="ctr" marB="38100" marT="38100" marR="0" marL="0">
-                    <a:lnL algn="ctr" cmpd="sng" cap="flat" w="0">
-                      <a:noFill/>
-                      <a:prstDash val="solid"/>
-                    </a:lnL>
-                    <a:lnR algn="ctr" cmpd="sng" cap="flat" w="0">
-                      <a:noFill/>
-                      <a:prstDash val="solid"/>
-                    </a:lnR>
-                    <a:lnT algn="ctr" cmpd="sng" cap="flat" w="0">
-                      <a:noFill/>
-                      <a:prstDash val="solid"/>
-                    </a:lnT>
-                    <a:lnB algn="ctr" cmpd="sng" cap="flat" w="0">
-                      <a:noFill/>
-                      <a:prstDash val="solid"/>
-                    </a:lnB>
-                    <a:solidFill>
-                      <a:srgbClr val="FFBD69">
-                        <a:alpha val="100000"/>
-                      </a:srgbClr>
-                    </a:solidFill>
-                  </a:tcPr>
-                </a:tc>
-              </a:tr>
-              <a:tr h="243582">
-                <a:tc>
-                  <a:txBody>
-                    <a:bodyPr/>
-                    <a:lstStyle/>
-                    <a:p>
-                      <a:pPr algn="l" marL="127000" marR="63500">
-                        <a:lnSpc>
-                          <a:spcPct val="100000"/>
-                        </a:lnSpc>
-                        <a:spcBef>
-                          <a:spcPts val="300"/>
-                        </a:spcBef>
-                        <a:spcAft>
-                          <a:spcPts val="300"/>
-                        </a:spcAft>
-                        <a:buNone/>
-                      </a:pPr>
-                      <a:r>
-                        <a:rPr cap="none" sz="1200" i="0" b="0" u="none">
-                          <a:solidFill>
-                            <a:srgbClr val="000000">
-                              <a:alpha val="100000"/>
-                            </a:srgbClr>
-                          </a:solidFill>
-                          <a:latin typeface="arial"/>
-                          <a:cs typeface="arial"/>
-                          <a:ea typeface="arial"/>
-                          <a:sym typeface="arial"/>
-                        </a:rPr>
-                        <a:t>HISPANIC OR LATINO</a:t>
-                      </a:r>
-                    </a:p>
-                  </a:txBody>
-                  <a:tcPr anchor="ctr" marB="38100" marT="38100" marR="0" marL="0">
-                    <a:lnL algn="ctr" cmpd="sng" cap="flat" w="0">
-                      <a:noFill/>
-                      <a:prstDash val="solid"/>
-                    </a:lnL>
-                    <a:lnR algn="ctr" cmpd="sng" cap="flat" w="0">
-                      <a:noFill/>
-                      <a:prstDash val="solid"/>
-                    </a:lnR>
-                    <a:lnT algn="ctr" cmpd="sng" cap="flat" w="0">
-                      <a:noFill/>
-                      <a:prstDash val="solid"/>
-                    </a:lnT>
-                    <a:lnB algn="ctr" cmpd="sng" cap="flat" w="0">
-                      <a:noFill/>
-                      <a:prstDash val="solid"/>
-                    </a:lnB>
-                    <a:solidFill>
-                      <a:srgbClr val="FF7D29">
-                        <a:alpha val="100000"/>
-                      </a:srgbClr>
-                    </a:solidFill>
-                  </a:tcPr>
-                </a:tc>
-                <a:tc>
-                  <a:txBody>
-                    <a:bodyPr/>
-                    <a:lstStyle/>
-                    <a:p>
-                      <a:pPr algn="ctr" marL="63500" marR="63500">
-                        <a:lnSpc>
-                          <a:spcPct val="100000"/>
-                        </a:lnSpc>
-                        <a:spcBef>
-                          <a:spcPts val="300"/>
-                        </a:spcBef>
-                        <a:spcAft>
-                          <a:spcPts val="300"/>
-                        </a:spcAft>
-                        <a:buNone/>
-                      </a:pPr>
-                      <a:r>
-                        <a:rPr cap="none" sz="1200" i="0" b="0" u="none">
-                          <a:solidFill>
-                            <a:srgbClr val="000000">
-                              <a:alpha val="100000"/>
-                            </a:srgbClr>
-                          </a:solidFill>
-                          <a:latin typeface="arial"/>
-                          <a:cs typeface="arial"/>
-                          <a:ea typeface="arial"/>
-                          <a:sym typeface="arial"/>
-                        </a:rPr>
-                        <a:t>15 (11.2%)</a:t>
-                      </a:r>
-                    </a:p>
-                  </a:txBody>
-                  <a:tcPr anchor="ctr" marB="38100" marT="38100" marR="0" marL="0">
-                    <a:lnL algn="ctr" cmpd="sng" cap="flat" w="0">
-                      <a:noFill/>
-                      <a:prstDash val="solid"/>
-                    </a:lnL>
-                    <a:lnR algn="ctr" cmpd="sng" cap="flat" w="0">
-                      <a:noFill/>
-                      <a:prstDash val="solid"/>
-                    </a:lnR>
-                    <a:lnT algn="ctr" cmpd="sng" cap="flat" w="0">
-                      <a:noFill/>
-                      <a:prstDash val="solid"/>
-                    </a:lnT>
-                    <a:lnB algn="ctr" cmpd="sng" cap="flat" w="0">
-                      <a:noFill/>
-                      <a:prstDash val="solid"/>
-                    </a:lnB>
-                    <a:solidFill>
-                      <a:srgbClr val="FF7D29">
-                        <a:alpha val="100000"/>
-                      </a:srgbClr>
-                    </a:solidFill>
-                  </a:tcPr>
-                </a:tc>
-                <a:tc>
-                  <a:txBody>
-                    <a:bodyPr/>
-                    <a:lstStyle/>
-                    <a:p>
-                      <a:pPr algn="ctr" marL="63500" marR="63500">
-                        <a:lnSpc>
-                          <a:spcPct val="100000"/>
-                        </a:lnSpc>
-                        <a:spcBef>
-                          <a:spcPts val="300"/>
-                        </a:spcBef>
-                        <a:spcAft>
-                          <a:spcPts val="300"/>
-                        </a:spcAft>
-                        <a:buNone/>
-                      </a:pPr>
-                      <a:r>
-                        <a:rPr cap="none" sz="1200" i="0" b="0" u="none">
-                          <a:solidFill>
-                            <a:srgbClr val="000000">
-                              <a:alpha val="100000"/>
-                            </a:srgbClr>
-                          </a:solidFill>
-                          <a:latin typeface="arial"/>
-                          <a:cs typeface="arial"/>
-                          <a:ea typeface="arial"/>
-                          <a:sym typeface="arial"/>
-                        </a:rPr>
-                        <a:t>18 (13.4%)</a:t>
-                      </a:r>
-                    </a:p>
-                  </a:txBody>
-                  <a:tcPr anchor="ctr" marB="38100" marT="38100" marR="0" marL="0">
-                    <a:lnL algn="ctr" cmpd="sng" cap="flat" w="0">
-                      <a:noFill/>
-                      <a:prstDash val="solid"/>
-                    </a:lnL>
-                    <a:lnR algn="ctr" cmpd="sng" cap="flat" w="0">
-                      <a:noFill/>
-                      <a:prstDash val="solid"/>
-                    </a:lnR>
-                    <a:lnT algn="ctr" cmpd="sng" cap="flat" w="0">
-                      <a:noFill/>
-                      <a:prstDash val="solid"/>
-                    </a:lnT>
-                    <a:lnB algn="ctr" cmpd="sng" cap="flat" w="0">
-                      <a:noFill/>
-                      <a:prstDash val="solid"/>
-                    </a:lnB>
-                    <a:solidFill>
-                      <a:srgbClr val="FF7D29">
-                        <a:alpha val="100000"/>
-                      </a:srgbClr>
-                    </a:solidFill>
-                  </a:tcPr>
-                </a:tc>
-                <a:tc>
-                  <a:txBody>
-                    <a:bodyPr/>
-                    <a:lstStyle/>
-                    <a:p>
-                      <a:pPr algn="ctr" marL="63500" marR="63500">
-                        <a:lnSpc>
-                          <a:spcPct val="100000"/>
-                        </a:lnSpc>
-                        <a:spcBef>
-                          <a:spcPts val="300"/>
-                        </a:spcBef>
-                        <a:spcAft>
-                          <a:spcPts val="300"/>
-                        </a:spcAft>
-                        <a:buNone/>
-                      </a:pPr>
-                      <a:r>
-                        <a:rPr cap="none" sz="1200" i="0" b="0" u="none">
-                          <a:solidFill>
-                            <a:srgbClr val="000000">
-                              <a:alpha val="100000"/>
-                            </a:srgbClr>
-                          </a:solidFill>
-                          <a:latin typeface="arial"/>
-                          <a:cs typeface="arial"/>
-                          <a:ea typeface="arial"/>
-                          <a:sym typeface="arial"/>
-                        </a:rPr>
-                        <a:t>15 (11.4%)</a:t>
-                      </a:r>
-                    </a:p>
-                  </a:txBody>
-                  <a:tcPr anchor="ctr" marB="38100" marT="38100" marR="0" marL="0">
-                    <a:lnL algn="ctr" cmpd="sng" cap="flat" w="0">
-                      <a:noFill/>
-                      <a:prstDash val="solid"/>
-                    </a:lnL>
-                    <a:lnR algn="ctr" cmpd="sng" cap="flat" w="0">
-                      <a:noFill/>
-                      <a:prstDash val="solid"/>
-                    </a:lnR>
-                    <a:lnT algn="ctr" cmpd="sng" cap="flat" w="0">
-                      <a:noFill/>
-                      <a:prstDash val="solid"/>
-                    </a:lnT>
-                    <a:lnB algn="ctr" cmpd="sng" cap="flat" w="0">
-                      <a:noFill/>
-                      <a:prstDash val="solid"/>
-                    </a:lnB>
-                    <a:solidFill>
-                      <a:srgbClr val="FF7D29">
-                        <a:alpha val="100000"/>
-                      </a:srgbClr>
-                    </a:solidFill>
-                  </a:tcPr>
-                </a:tc>
-                <a:tc>
-                  <a:txBody>
-                    <a:bodyPr/>
-                    <a:lstStyle/>
-                    <a:p>
-                      <a:pPr algn="ctr" marL="63500" marR="63500">
-                        <a:lnSpc>
-                          <a:spcPct val="100000"/>
-                        </a:lnSpc>
-                        <a:spcBef>
-                          <a:spcPts val="300"/>
-                        </a:spcBef>
-                        <a:spcAft>
-                          <a:spcPts val="300"/>
-                        </a:spcAft>
-                        <a:buNone/>
-                      </a:pPr>
-                      <a:r>
-                        <a:rPr cap="none" sz="1200" i="0" b="0" u="none">
-                          <a:solidFill>
-                            <a:srgbClr val="000000">
-                              <a:alpha val="100000"/>
-                            </a:srgbClr>
-                          </a:solidFill>
-                          <a:latin typeface="arial"/>
-                          <a:cs typeface="arial"/>
-                          <a:ea typeface="arial"/>
-                          <a:sym typeface="arial"/>
-                        </a:rPr>
-                        <a:t>48 (12%)</a:t>
-                      </a:r>
-                    </a:p>
-                  </a:txBody>
-                  <a:tcPr anchor="ctr" marB="38100" marT="38100" marR="0" marL="0">
-                    <a:lnL algn="ctr" cmpd="sng" cap="flat" w="0">
-                      <a:noFill/>
-                      <a:prstDash val="solid"/>
-                    </a:lnL>
-                    <a:lnR algn="ctr" cmpd="sng" cap="flat" w="0">
-                      <a:noFill/>
-                      <a:prstDash val="solid"/>
-                    </a:lnR>
-                    <a:lnT algn="ctr" cmpd="sng" cap="flat" w="0">
-                      <a:noFill/>
-                      <a:prstDash val="solid"/>
-                    </a:lnT>
-                    <a:lnB algn="ctr" cmpd="sng" cap="flat" w="0">
-                      <a:noFill/>
-                      <a:prstDash val="solid"/>
-                    </a:lnB>
-                    <a:solidFill>
-                      <a:srgbClr val="FF7D29">
-                        <a:alpha val="100000"/>
-                      </a:srgbClr>
-                    </a:solidFill>
-                  </a:tcPr>
-                </a:tc>
-                <a:tc>
-                  <a:txBody>
-                    <a:bodyPr/>
-                    <a:lstStyle/>
-                    <a:p>
-                      <a:pPr algn="ctr" marL="63500" marR="63500">
-                        <a:lnSpc>
-                          <a:spcPct val="100000"/>
-                        </a:lnSpc>
-                        <a:spcBef>
-                          <a:spcPts val="300"/>
-                        </a:spcBef>
-                        <a:spcAft>
-                          <a:spcPts val="300"/>
-                        </a:spcAft>
-                        <a:buNone/>
-                      </a:pPr>
-                      <a:r>
-                        <a:rPr cap="none" sz="1200" i="0" b="0" u="none">
-                          <a:solidFill>
-                            <a:srgbClr val="000000">
-                              <a:alpha val="100000"/>
-                            </a:srgbClr>
-                          </a:solidFill>
-                          <a:latin typeface="arial"/>
-                          <a:cs typeface="arial"/>
-                          <a:ea typeface="arial"/>
-                          <a:sym typeface="arial"/>
-                        </a:rPr>
-                        <a:t>48 (12%)</a:t>
-                      </a:r>
-                    </a:p>
-                  </a:txBody>
-                  <a:tcPr anchor="ctr" marB="38100" marT="38100" marR="0" marL="0">
-                    <a:lnL algn="ctr" cmpd="sng" cap="flat" w="0">
-                      <a:noFill/>
-                      <a:prstDash val="solid"/>
-                    </a:lnL>
-                    <a:lnR algn="ctr" cmpd="sng" cap="flat" w="0">
-                      <a:noFill/>
-                      <a:prstDash val="solid"/>
-                    </a:lnR>
-                    <a:lnT algn="ctr" cmpd="sng" cap="flat" w="0">
-                      <a:noFill/>
-                      <a:prstDash val="solid"/>
-                    </a:lnT>
-                    <a:lnB algn="ctr" cmpd="sng" cap="flat" w="0">
-                      <a:noFill/>
-                      <a:prstDash val="solid"/>
-                    </a:lnB>
-                    <a:solidFill>
-                      <a:srgbClr val="FF7D29">
-                        <a:alpha val="100000"/>
-                      </a:srgbClr>
-                    </a:solidFill>
-                  </a:tcPr>
-                </a:tc>
-              </a:tr>
-              <a:tr h="243582">
-                <a:tc>
-                  <a:txBody>
-                    <a:bodyPr/>
-                    <a:lstStyle/>
-                    <a:p>
-                      <a:pPr algn="l" marL="127000" marR="63500">
-                        <a:lnSpc>
-                          <a:spcPct val="100000"/>
-                        </a:lnSpc>
-                        <a:spcBef>
-                          <a:spcPts val="300"/>
-                        </a:spcBef>
-                        <a:spcAft>
-                          <a:spcPts val="300"/>
-                        </a:spcAft>
-                        <a:buNone/>
-                      </a:pPr>
-                      <a:r>
-                        <a:rPr cap="none" sz="1200" i="0" b="0" u="none">
-                          <a:solidFill>
-                            <a:srgbClr val="000000">
-                              <a:alpha val="100000"/>
-                            </a:srgbClr>
-                          </a:solidFill>
-                          <a:latin typeface="arial"/>
-                          <a:cs typeface="arial"/>
-                          <a:ea typeface="arial"/>
-                          <a:sym typeface="arial"/>
-                        </a:rPr>
-                        <a:t>NOT HISPANIC OR LATINO</a:t>
-                      </a:r>
-                    </a:p>
-                  </a:txBody>
-                  <a:tcPr anchor="ctr" marB="38100" marT="38100" marR="0" marL="0">
-                    <a:lnL algn="ctr" cmpd="sng" cap="flat" w="0">
-                      <a:noFill/>
-                      <a:prstDash val="solid"/>
-                    </a:lnL>
-                    <a:lnR algn="ctr" cmpd="sng" cap="flat" w="0">
-                      <a:noFill/>
-                      <a:prstDash val="solid"/>
-                    </a:lnR>
-                    <a:lnT algn="ctr" cmpd="sng" cap="flat" w="0">
-                      <a:noFill/>
-                      <a:prstDash val="solid"/>
-                    </a:lnT>
-                    <a:lnB algn="ctr" cmpd="sng" cap="flat" w="0">
-                      <a:noFill/>
-                      <a:prstDash val="solid"/>
-                    </a:lnB>
-                    <a:solidFill>
-                      <a:srgbClr val="FFBD69">
-                        <a:alpha val="100000"/>
-                      </a:srgbClr>
-                    </a:solidFill>
-                  </a:tcPr>
-                </a:tc>
-                <a:tc>
-                  <a:txBody>
-                    <a:bodyPr/>
-                    <a:lstStyle/>
-                    <a:p>
-                      <a:pPr algn="ctr" marL="63500" marR="63500">
-                        <a:lnSpc>
-                          <a:spcPct val="100000"/>
-                        </a:lnSpc>
-                        <a:spcBef>
-                          <a:spcPts val="300"/>
-                        </a:spcBef>
-                        <a:spcAft>
-                          <a:spcPts val="300"/>
-                        </a:spcAft>
-                        <a:buNone/>
-                      </a:pPr>
-                      <a:r>
-                        <a:rPr cap="none" sz="1200" i="0" b="0" u="none">
-                          <a:solidFill>
-                            <a:srgbClr val="000000">
-                              <a:alpha val="100000"/>
-                            </a:srgbClr>
-                          </a:solidFill>
-                          <a:latin typeface="arial"/>
-                          <a:cs typeface="arial"/>
-                          <a:ea typeface="arial"/>
-                          <a:sym typeface="arial"/>
-                        </a:rPr>
-                        <a:t>104 (77.6%)</a:t>
-                      </a:r>
-                    </a:p>
-                  </a:txBody>
-                  <a:tcPr anchor="ctr" marB="38100" marT="38100" marR="0" marL="0">
-                    <a:lnL algn="ctr" cmpd="sng" cap="flat" w="0">
-                      <a:noFill/>
-                      <a:prstDash val="solid"/>
-                    </a:lnL>
-                    <a:lnR algn="ctr" cmpd="sng" cap="flat" w="0">
-                      <a:noFill/>
-                      <a:prstDash val="solid"/>
-                    </a:lnR>
-                    <a:lnT algn="ctr" cmpd="sng" cap="flat" w="0">
-                      <a:noFill/>
-                      <a:prstDash val="solid"/>
-                    </a:lnT>
-                    <a:lnB algn="ctr" cmpd="sng" cap="flat" w="0">
-                      <a:noFill/>
-                      <a:prstDash val="solid"/>
-                    </a:lnB>
-                    <a:solidFill>
-                      <a:srgbClr val="FFBD69">
-                        <a:alpha val="100000"/>
-                      </a:srgbClr>
-                    </a:solidFill>
-                  </a:tcPr>
-                </a:tc>
-                <a:tc>
-                  <a:txBody>
-                    <a:bodyPr/>
-                    <a:lstStyle/>
-                    <a:p>
-                      <a:pPr algn="ctr" marL="63500" marR="63500">
-                        <a:lnSpc>
-                          <a:spcPct val="100000"/>
-                        </a:lnSpc>
-                        <a:spcBef>
-                          <a:spcPts val="300"/>
-                        </a:spcBef>
-                        <a:spcAft>
-                          <a:spcPts val="300"/>
-                        </a:spcAft>
-                        <a:buNone/>
-                      </a:pPr>
-                      <a:r>
-                        <a:rPr cap="none" sz="1200" i="0" b="0" u="none">
-                          <a:solidFill>
-                            <a:srgbClr val="000000">
-                              <a:alpha val="100000"/>
-                            </a:srgbClr>
-                          </a:solidFill>
-                          <a:latin typeface="arial"/>
-                          <a:cs typeface="arial"/>
-                          <a:ea typeface="arial"/>
-                          <a:sym typeface="arial"/>
-                        </a:rPr>
-                        <a:t>103 (76.9%)</a:t>
-                      </a:r>
-                    </a:p>
-                  </a:txBody>
-                  <a:tcPr anchor="ctr" marB="38100" marT="38100" marR="0" marL="0">
-                    <a:lnL algn="ctr" cmpd="sng" cap="flat" w="0">
-                      <a:noFill/>
-                      <a:prstDash val="solid"/>
-                    </a:lnL>
-                    <a:lnR algn="ctr" cmpd="sng" cap="flat" w="0">
-                      <a:noFill/>
-                      <a:prstDash val="solid"/>
-                    </a:lnR>
-                    <a:lnT algn="ctr" cmpd="sng" cap="flat" w="0">
-                      <a:noFill/>
-                      <a:prstDash val="solid"/>
-                    </a:lnT>
-                    <a:lnB algn="ctr" cmpd="sng" cap="flat" w="0">
-                      <a:noFill/>
-                      <a:prstDash val="solid"/>
-                    </a:lnB>
-                    <a:solidFill>
-                      <a:srgbClr val="FFBD69">
-                        <a:alpha val="100000"/>
-                      </a:srgbClr>
-                    </a:solidFill>
-                  </a:tcPr>
-                </a:tc>
-                <a:tc>
-                  <a:txBody>
-                    <a:bodyPr/>
-                    <a:lstStyle/>
-                    <a:p>
-                      <a:pPr algn="ctr" marL="63500" marR="63500">
-                        <a:lnSpc>
-                          <a:spcPct val="100000"/>
-                        </a:lnSpc>
-                        <a:spcBef>
-                          <a:spcPts val="300"/>
-                        </a:spcBef>
-                        <a:spcAft>
-                          <a:spcPts val="300"/>
-                        </a:spcAft>
-                        <a:buNone/>
-                      </a:pPr>
-                      <a:r>
-                        <a:rPr cap="none" sz="1200" i="0" b="0" u="none">
-                          <a:solidFill>
-                            <a:srgbClr val="000000">
-                              <a:alpha val="100000"/>
-                            </a:srgbClr>
-                          </a:solidFill>
-                          <a:latin typeface="arial"/>
-                          <a:cs typeface="arial"/>
-                          <a:ea typeface="arial"/>
-                          <a:sym typeface="arial"/>
-                        </a:rPr>
-                        <a:t>101 (76.5%)</a:t>
-                      </a:r>
-                    </a:p>
-                  </a:txBody>
-                  <a:tcPr anchor="ctr" marB="38100" marT="38100" marR="0" marL="0">
-                    <a:lnL algn="ctr" cmpd="sng" cap="flat" w="0">
-                      <a:noFill/>
-                      <a:prstDash val="solid"/>
-                    </a:lnL>
-                    <a:lnR algn="ctr" cmpd="sng" cap="flat" w="0">
-                      <a:noFill/>
-                      <a:prstDash val="solid"/>
-                    </a:lnR>
-                    <a:lnT algn="ctr" cmpd="sng" cap="flat" w="0">
-                      <a:noFill/>
-                      <a:prstDash val="solid"/>
-                    </a:lnT>
-                    <a:lnB algn="ctr" cmpd="sng" cap="flat" w="0">
-                      <a:noFill/>
-                      <a:prstDash val="solid"/>
-                    </a:lnB>
-                    <a:solidFill>
-                      <a:srgbClr val="FFBD69">
-                        <a:alpha val="100000"/>
-                      </a:srgbClr>
-                    </a:solidFill>
-                  </a:tcPr>
-                </a:tc>
-                <a:tc>
-                  <a:txBody>
-                    <a:bodyPr/>
-                    <a:lstStyle/>
-                    <a:p>
-                      <a:pPr algn="ctr" marL="63500" marR="63500">
-                        <a:lnSpc>
-                          <a:spcPct val="100000"/>
-                        </a:lnSpc>
-                        <a:spcBef>
-                          <a:spcPts val="300"/>
-                        </a:spcBef>
-                        <a:spcAft>
-                          <a:spcPts val="300"/>
-                        </a:spcAft>
-                        <a:buNone/>
-                      </a:pPr>
-                      <a:r>
-                        <a:rPr cap="none" sz="1200" i="0" b="0" u="none">
-                          <a:solidFill>
-                            <a:srgbClr val="000000">
-                              <a:alpha val="100000"/>
-                            </a:srgbClr>
-                          </a:solidFill>
-                          <a:latin typeface="arial"/>
-                          <a:cs typeface="arial"/>
-                          <a:ea typeface="arial"/>
-                          <a:sym typeface="arial"/>
-                        </a:rPr>
-                        <a:t>308 (77%)</a:t>
-                      </a:r>
-                    </a:p>
-                  </a:txBody>
-                  <a:tcPr anchor="ctr" marB="38100" marT="38100" marR="0" marL="0">
-                    <a:lnL algn="ctr" cmpd="sng" cap="flat" w="0">
-                      <a:noFill/>
-                      <a:prstDash val="solid"/>
-                    </a:lnL>
-                    <a:lnR algn="ctr" cmpd="sng" cap="flat" w="0">
-                      <a:noFill/>
-                      <a:prstDash val="solid"/>
-                    </a:lnR>
-                    <a:lnT algn="ctr" cmpd="sng" cap="flat" w="0">
-                      <a:noFill/>
-                      <a:prstDash val="solid"/>
-                    </a:lnT>
-                    <a:lnB algn="ctr" cmpd="sng" cap="flat" w="0">
-                      <a:noFill/>
-                      <a:prstDash val="solid"/>
-                    </a:lnB>
-                    <a:solidFill>
-                      <a:srgbClr val="FFBD69">
-                        <a:alpha val="100000"/>
-                      </a:srgbClr>
-                    </a:solidFill>
-                  </a:tcPr>
-                </a:tc>
-                <a:tc>
-                  <a:txBody>
-                    <a:bodyPr/>
-                    <a:lstStyle/>
-                    <a:p>
-                      <a:pPr algn="ctr" marL="63500" marR="63500">
-                        <a:lnSpc>
-                          <a:spcPct val="100000"/>
-                        </a:lnSpc>
-                        <a:spcBef>
-                          <a:spcPts val="300"/>
-                        </a:spcBef>
-                        <a:spcAft>
-                          <a:spcPts val="300"/>
-                        </a:spcAft>
-                        <a:buNone/>
-                      </a:pPr>
-                      <a:r>
-                        <a:rPr cap="none" sz="1200" i="0" b="0" u="none">
-                          <a:solidFill>
-                            <a:srgbClr val="000000">
-                              <a:alpha val="100000"/>
-                            </a:srgbClr>
-                          </a:solidFill>
-                          <a:latin typeface="arial"/>
-                          <a:cs typeface="arial"/>
-                          <a:ea typeface="arial"/>
-                          <a:sym typeface="arial"/>
-                        </a:rPr>
-                        <a:t>308 (77%)</a:t>
-                      </a:r>
-                    </a:p>
-                  </a:txBody>
-                  <a:tcPr anchor="ctr" marB="38100" marT="38100" marR="0" marL="0">
-                    <a:lnL algn="ctr" cmpd="sng" cap="flat" w="0">
-                      <a:noFill/>
-                      <a:prstDash val="solid"/>
-                    </a:lnL>
-                    <a:lnR algn="ctr" cmpd="sng" cap="flat" w="0">
-                      <a:noFill/>
-                      <a:prstDash val="solid"/>
-                    </a:lnR>
-                    <a:lnT algn="ctr" cmpd="sng" cap="flat" w="0">
-                      <a:noFill/>
-                      <a:prstDash val="solid"/>
-                    </a:lnT>
-                    <a:lnB algn="ctr" cmpd="sng" cap="flat" w="0">
-                      <a:noFill/>
-                      <a:prstDash val="solid"/>
-                    </a:lnB>
-                    <a:solidFill>
-                      <a:srgbClr val="FFBD69">
-                        <a:alpha val="100000"/>
-                      </a:srgbClr>
-                    </a:solidFill>
-                  </a:tcPr>
-                </a:tc>
-              </a:tr>
-              <a:tr h="243582">
-                <a:tc>
-                  <a:txBody>
-                    <a:bodyPr/>
-                    <a:lstStyle/>
-                    <a:p>
-                      <a:pPr algn="l" marL="127000" marR="63500">
-                        <a:lnSpc>
-                          <a:spcPct val="100000"/>
-                        </a:lnSpc>
-                        <a:spcBef>
-                          <a:spcPts val="300"/>
-                        </a:spcBef>
-                        <a:spcAft>
-                          <a:spcPts val="300"/>
-                        </a:spcAft>
-                        <a:buNone/>
-                      </a:pPr>
-                      <a:r>
-                        <a:rPr cap="none" sz="1200" i="0" b="0" u="none">
-                          <a:solidFill>
-                            <a:srgbClr val="000000">
-                              <a:alpha val="100000"/>
-                            </a:srgbClr>
-                          </a:solidFill>
-                          <a:latin typeface="arial"/>
-                          <a:cs typeface="arial"/>
-                          <a:ea typeface="arial"/>
-                          <a:sym typeface="arial"/>
-                        </a:rPr>
-                        <a:t>UNKNOWN</a:t>
-                      </a:r>
-                    </a:p>
-                  </a:txBody>
-                  <a:tcPr anchor="ctr" marB="38100" marT="38100" marR="0" marL="0">
-                    <a:lnL algn="ctr" cmpd="sng" cap="flat" w="0">
-                      <a:noFill/>
-                      <a:prstDash val="solid"/>
-                    </a:lnL>
-                    <a:lnR algn="ctr" cmpd="sng" cap="flat" w="0">
-                      <a:noFill/>
-                      <a:prstDash val="solid"/>
-                    </a:lnR>
-                    <a:lnT algn="ctr" cmpd="sng" cap="flat" w="0">
-                      <a:noFill/>
-                      <a:prstDash val="solid"/>
-                    </a:lnT>
-                    <a:lnB algn="ctr" cmpd="sng" cap="flat" w="0">
-                      <a:noFill/>
-                      <a:prstDash val="solid"/>
-                    </a:lnB>
-                    <a:solidFill>
-                      <a:srgbClr val="FF7D29">
-                        <a:alpha val="100000"/>
-                      </a:srgbClr>
-                    </a:solidFill>
-                  </a:tcPr>
-                </a:tc>
-                <a:tc>
-                  <a:txBody>
-                    <a:bodyPr/>
-                    <a:lstStyle/>
-                    <a:p>
-                      <a:pPr algn="ctr" marL="63500" marR="63500">
-                        <a:lnSpc>
-                          <a:spcPct val="100000"/>
-                        </a:lnSpc>
-                        <a:spcBef>
-                          <a:spcPts val="300"/>
-                        </a:spcBef>
-                        <a:spcAft>
-                          <a:spcPts val="300"/>
-                        </a:spcAft>
-                        <a:buNone/>
-                      </a:pPr>
-                      <a:r>
-                        <a:rPr cap="none" sz="1200" i="0" b="0" u="none">
-                          <a:solidFill>
-                            <a:srgbClr val="000000">
-                              <a:alpha val="100000"/>
-                            </a:srgbClr>
-                          </a:solidFill>
-                          <a:latin typeface="arial"/>
-                          <a:cs typeface="arial"/>
-                          <a:ea typeface="arial"/>
-                          <a:sym typeface="arial"/>
-                        </a:rPr>
-                        <a:t>9 (6.7%)</a:t>
-                      </a:r>
-                    </a:p>
-                  </a:txBody>
-                  <a:tcPr anchor="ctr" marB="38100" marT="38100" marR="0" marL="0">
-                    <a:lnL algn="ctr" cmpd="sng" cap="flat" w="0">
-                      <a:noFill/>
-                      <a:prstDash val="solid"/>
-                    </a:lnL>
-                    <a:lnR algn="ctr" cmpd="sng" cap="flat" w="0">
-                      <a:noFill/>
-                      <a:prstDash val="solid"/>
-                    </a:lnR>
-                    <a:lnT algn="ctr" cmpd="sng" cap="flat" w="0">
-                      <a:noFill/>
-                      <a:prstDash val="solid"/>
-                    </a:lnT>
-                    <a:lnB algn="ctr" cmpd="sng" cap="flat" w="0">
-                      <a:noFill/>
-                      <a:prstDash val="solid"/>
-                    </a:lnB>
-                    <a:solidFill>
-                      <a:srgbClr val="FF7D29">
-                        <a:alpha val="100000"/>
-                      </a:srgbClr>
-                    </a:solidFill>
-                  </a:tcPr>
-                </a:tc>
-                <a:tc>
-                  <a:txBody>
-                    <a:bodyPr/>
-                    <a:lstStyle/>
-                    <a:p>
-                      <a:pPr algn="ctr" marL="63500" marR="63500">
-                        <a:lnSpc>
-                          <a:spcPct val="100000"/>
-                        </a:lnSpc>
-                        <a:spcBef>
-                          <a:spcPts val="300"/>
-                        </a:spcBef>
-                        <a:spcAft>
-                          <a:spcPts val="300"/>
-                        </a:spcAft>
-                        <a:buNone/>
-                      </a:pPr>
-                      <a:r>
-                        <a:rPr cap="none" sz="1200" i="0" b="0" u="none">
-                          <a:solidFill>
-                            <a:srgbClr val="000000">
-                              <a:alpha val="100000"/>
-                            </a:srgbClr>
-                          </a:solidFill>
-                          <a:latin typeface="arial"/>
-                          <a:cs typeface="arial"/>
-                          <a:ea typeface="arial"/>
-                          <a:sym typeface="arial"/>
-                        </a:rPr>
-                        <a:t>3 (2.2%)</a:t>
-                      </a:r>
-                    </a:p>
-                  </a:txBody>
-                  <a:tcPr anchor="ctr" marB="38100" marT="38100" marR="0" marL="0">
-                    <a:lnL algn="ctr" cmpd="sng" cap="flat" w="0">
-                      <a:noFill/>
-                      <a:prstDash val="solid"/>
-                    </a:lnL>
-                    <a:lnR algn="ctr" cmpd="sng" cap="flat" w="0">
-                      <a:noFill/>
-                      <a:prstDash val="solid"/>
-                    </a:lnR>
-                    <a:lnT algn="ctr" cmpd="sng" cap="flat" w="0">
-                      <a:noFill/>
-                      <a:prstDash val="solid"/>
-                    </a:lnT>
-                    <a:lnB algn="ctr" cmpd="sng" cap="flat" w="0">
-                      <a:noFill/>
-                      <a:prstDash val="solid"/>
-                    </a:lnB>
-                    <a:solidFill>
-                      <a:srgbClr val="FF7D29">
-                        <a:alpha val="100000"/>
-                      </a:srgbClr>
-                    </a:solidFill>
-                  </a:tcPr>
-                </a:tc>
-                <a:tc>
-                  <a:txBody>
-                    <a:bodyPr/>
-                    <a:lstStyle/>
-                    <a:p>
-                      <a:pPr algn="ctr" marL="63500" marR="63500">
-                        <a:lnSpc>
-                          <a:spcPct val="100000"/>
-                        </a:lnSpc>
-                        <a:spcBef>
-                          <a:spcPts val="300"/>
-                        </a:spcBef>
-                        <a:spcAft>
-                          <a:spcPts val="300"/>
-                        </a:spcAft>
-                        <a:buNone/>
-                      </a:pPr>
-                      <a:r>
-                        <a:rPr cap="none" sz="1200" i="0" b="0" u="none">
-                          <a:solidFill>
-                            <a:srgbClr val="000000">
-                              <a:alpha val="100000"/>
-                            </a:srgbClr>
-                          </a:solidFill>
-                          <a:latin typeface="arial"/>
-                          <a:cs typeface="arial"/>
-                          <a:ea typeface="arial"/>
-                          <a:sym typeface="arial"/>
-                        </a:rPr>
-                        <a:t>5 (3.8%)</a:t>
-                      </a:r>
-                    </a:p>
-                  </a:txBody>
-                  <a:tcPr anchor="ctr" marB="38100" marT="38100" marR="0" marL="0">
-                    <a:lnL algn="ctr" cmpd="sng" cap="flat" w="0">
-                      <a:noFill/>
-                      <a:prstDash val="solid"/>
-                    </a:lnL>
-                    <a:lnR algn="ctr" cmpd="sng" cap="flat" w="0">
-                      <a:noFill/>
-                      <a:prstDash val="solid"/>
-                    </a:lnR>
-                    <a:lnT algn="ctr" cmpd="sng" cap="flat" w="0">
-                      <a:noFill/>
-                      <a:prstDash val="solid"/>
-                    </a:lnT>
-                    <a:lnB algn="ctr" cmpd="sng" cap="flat" w="0">
-                      <a:noFill/>
-                      <a:prstDash val="solid"/>
-                    </a:lnB>
-                    <a:solidFill>
-                      <a:srgbClr val="FF7D29">
-                        <a:alpha val="100000"/>
-                      </a:srgbClr>
-                    </a:solidFill>
-                  </a:tcPr>
-                </a:tc>
-                <a:tc>
-                  <a:txBody>
-                    <a:bodyPr/>
-                    <a:lstStyle/>
-                    <a:p>
-                      <a:pPr algn="ctr" marL="63500" marR="63500">
-                        <a:lnSpc>
-                          <a:spcPct val="100000"/>
-                        </a:lnSpc>
-                        <a:spcBef>
-                          <a:spcPts val="300"/>
-                        </a:spcBef>
-                        <a:spcAft>
-                          <a:spcPts val="300"/>
-                        </a:spcAft>
-                        <a:buNone/>
-                      </a:pPr>
-                      <a:r>
-                        <a:rPr cap="none" sz="1200" i="0" b="0" u="none">
-                          <a:solidFill>
-                            <a:srgbClr val="000000">
-                              <a:alpha val="100000"/>
-                            </a:srgbClr>
-                          </a:solidFill>
-                          <a:latin typeface="arial"/>
-                          <a:cs typeface="arial"/>
-                          <a:ea typeface="arial"/>
-                          <a:sym typeface="arial"/>
-                        </a:rPr>
-                        <a:t>17 (4.2%)</a:t>
-                      </a:r>
-                    </a:p>
-                  </a:txBody>
-                  <a:tcPr anchor="ctr" marB="38100" marT="38100" marR="0" marL="0">
-                    <a:lnL algn="ctr" cmpd="sng" cap="flat" w="0">
-                      <a:noFill/>
-                      <a:prstDash val="solid"/>
-                    </a:lnL>
-                    <a:lnR algn="ctr" cmpd="sng" cap="flat" w="0">
-                      <a:noFill/>
-                      <a:prstDash val="solid"/>
-                    </a:lnR>
-                    <a:lnT algn="ctr" cmpd="sng" cap="flat" w="0">
-                      <a:noFill/>
-                      <a:prstDash val="solid"/>
-                    </a:lnT>
-                    <a:lnB algn="ctr" cmpd="sng" cap="flat" w="0">
-                      <a:noFill/>
-                      <a:prstDash val="solid"/>
-                    </a:lnB>
-                    <a:solidFill>
-                      <a:srgbClr val="FF7D29">
-                        <a:alpha val="100000"/>
-                      </a:srgbClr>
-                    </a:solidFill>
-                  </a:tcPr>
-                </a:tc>
-                <a:tc>
-                  <a:txBody>
-                    <a:bodyPr/>
-                    <a:lstStyle/>
-                    <a:p>
-                      <a:pPr algn="ctr" marL="63500" marR="63500">
-                        <a:lnSpc>
-                          <a:spcPct val="100000"/>
-                        </a:lnSpc>
-                        <a:spcBef>
-                          <a:spcPts val="300"/>
-                        </a:spcBef>
-                        <a:spcAft>
-                          <a:spcPts val="300"/>
-                        </a:spcAft>
-                        <a:buNone/>
-                      </a:pPr>
-                      <a:r>
-                        <a:rPr cap="none" sz="1200" i="0" b="0" u="none">
-                          <a:solidFill>
-                            <a:srgbClr val="000000">
-                              <a:alpha val="100000"/>
-                            </a:srgbClr>
-                          </a:solidFill>
-                          <a:latin typeface="arial"/>
-                          <a:cs typeface="arial"/>
-                          <a:ea typeface="arial"/>
-                          <a:sym typeface="arial"/>
-                        </a:rPr>
-                        <a:t>17 (4.2%)</a:t>
-                      </a:r>
-                    </a:p>
-                  </a:txBody>
-                  <a:tcPr anchor="ctr" marB="38100" marT="38100" marR="0" marL="0">
-                    <a:lnL algn="ctr" cmpd="sng" cap="flat" w="0">
-                      <a:noFill/>
-                      <a:prstDash val="solid"/>
-                    </a:lnL>
-                    <a:lnR algn="ctr" cmpd="sng" cap="flat" w="0">
-                      <a:noFill/>
-                      <a:prstDash val="solid"/>
-                    </a:lnR>
-                    <a:lnT algn="ctr" cmpd="sng" cap="flat" w="0">
-                      <a:noFill/>
-                      <a:prstDash val="solid"/>
-                    </a:lnT>
-                    <a:lnB algn="ctr" cmpd="sng" cap="flat" w="0">
-                      <a:noFill/>
-                      <a:prstDash val="solid"/>
-                    </a:lnB>
-                    <a:solidFill>
-                      <a:srgbClr val="FF7D29">
-                        <a:alpha val="100000"/>
-                      </a:srgbClr>
-                    </a:solidFill>
-                  </a:tcPr>
-                </a:tc>
-              </a:tr>
-              <a:tr h="239638">
-                <a:tc>
-                  <a:txBody>
-                    <a:bodyPr/>
-                    <a:lstStyle/>
-                    <a:p>
-                      <a:pPr algn="l" marL="127000" marR="63500">
-                        <a:lnSpc>
-                          <a:spcPct val="100000"/>
-                        </a:lnSpc>
-                        <a:spcBef>
-                          <a:spcPts val="300"/>
-                        </a:spcBef>
-                        <a:spcAft>
-                          <a:spcPts val="300"/>
-                        </a:spcAft>
-                        <a:buNone/>
-                      </a:pPr>
-                      <a:r>
-                        <a:rPr cap="none" sz="1200" i="0" b="0" u="none">
-                          <a:solidFill>
-                            <a:srgbClr val="000000">
-                              <a:alpha val="100000"/>
-                            </a:srgbClr>
-                          </a:solidFill>
-                          <a:latin typeface="arial"/>
-                          <a:cs typeface="arial"/>
-                          <a:ea typeface="arial"/>
-                          <a:sym typeface="arial"/>
-                        </a:rPr>
-                        <a:t>Country</a:t>
-                      </a:r>
-                    </a:p>
-                  </a:txBody>
-                  <a:tcPr anchor="ctr" marB="38100" marT="38100" marR="0" marL="0">
-                    <a:lnL algn="ctr" cmpd="sng" cap="flat" w="0">
-                      <a:noFill/>
-                      <a:prstDash val="solid"/>
-                    </a:lnL>
-                    <a:lnR algn="ctr" cmpd="sng" cap="flat" w="0">
-                      <a:noFill/>
-                      <a:prstDash val="solid"/>
-                    </a:lnR>
-                    <a:lnT algn="ctr" cmpd="sng" cap="flat" w="0">
-                      <a:noFill/>
-                      <a:prstDash val="solid"/>
-                    </a:lnT>
-                    <a:lnB algn="ctr" cmpd="sng" cap="flat" w="0">
-                      <a:noFill/>
-                      <a:prstDash val="solid"/>
-                    </a:lnB>
-                    <a:solidFill>
                       <a:srgbClr val="FFBD69">
                         <a:alpha val="100000"/>
                       </a:srgbClr>
@@ -13350,142 +11856,6 @@
                     </a:solidFill>
                   </a:tcPr>
                 </a:tc>
-                <a:tc>
-                  <a:txBody>
-                    <a:bodyPr/>
-                    <a:lstStyle/>
-                    <a:p>
-                      <a:pPr algn="ctr" marL="63500" marR="63500">
-                        <a:lnSpc>
-                          <a:spcPct val="100000"/>
-                        </a:lnSpc>
-                        <a:spcBef>
-                          <a:spcPts val="300"/>
-                        </a:spcBef>
-                        <a:spcAft>
-                          <a:spcPts val="300"/>
-                        </a:spcAft>
-                        <a:buNone/>
-                      </a:pPr>
-                      <a:endParaRPr cap="none" sz="1200" i="0" b="0" u="none">
-                        <a:solidFill>
-                          <a:srgbClr val="000000">
-                            <a:alpha val="100000"/>
-                          </a:srgbClr>
-                        </a:solidFill>
-                        <a:latin typeface="arial"/>
-                        <a:cs typeface="arial"/>
-                        <a:ea typeface="arial"/>
-                        <a:sym typeface="arial"/>
-                      </a:endParaRPr>
-                      <a:r>
-                        <a:rPr cap="none" sz="1200" i="0" b="0" u="none">
-                          <a:solidFill>
-                            <a:srgbClr val="000000">
-                              <a:alpha val="100000"/>
-                            </a:srgbClr>
-                          </a:solidFill>
-                          <a:latin typeface="arial"/>
-                          <a:cs typeface="arial"/>
-                          <a:ea typeface="arial"/>
-                          <a:sym typeface="arial"/>
-                        </a:rPr>
-                        <a:t/>
-                      </a:r>
-                    </a:p>
-                  </a:txBody>
-                  <a:tcPr anchor="ctr" marB="38100" marT="38100" marR="0" marL="0">
-                    <a:lnL algn="ctr" cmpd="sng" cap="flat" w="0">
-                      <a:noFill/>
-                      <a:prstDash val="solid"/>
-                    </a:lnL>
-                    <a:lnR algn="ctr" cmpd="sng" cap="flat" w="0">
-                      <a:noFill/>
-                      <a:prstDash val="solid"/>
-                    </a:lnR>
-                    <a:lnT algn="ctr" cmpd="sng" cap="flat" w="0">
-                      <a:noFill/>
-                      <a:prstDash val="solid"/>
-                    </a:lnT>
-                    <a:lnB algn="ctr" cmpd="sng" cap="flat" w="0">
-                      <a:noFill/>
-                      <a:prstDash val="solid"/>
-                    </a:lnB>
-                    <a:solidFill>
-                      <a:srgbClr val="FFBD69">
-                        <a:alpha val="100000"/>
-                      </a:srgbClr>
-                    </a:solidFill>
-                  </a:tcPr>
-                </a:tc>
-                <a:tc>
-                  <a:txBody>
-                    <a:bodyPr/>
-                    <a:lstStyle/>
-                    <a:p>
-                      <a:pPr algn="ctr" marL="63500" marR="63500">
-                        <a:lnSpc>
-                          <a:spcPct val="100000"/>
-                        </a:lnSpc>
-                        <a:spcBef>
-                          <a:spcPts val="300"/>
-                        </a:spcBef>
-                        <a:spcAft>
-                          <a:spcPts val="300"/>
-                        </a:spcAft>
-                        <a:buNone/>
-                      </a:pPr>
-                      <a:endParaRPr cap="none" sz="1200" i="0" b="0" u="none">
-                        <a:solidFill>
-                          <a:srgbClr val="000000">
-                            <a:alpha val="100000"/>
-                          </a:srgbClr>
-                        </a:solidFill>
-                        <a:latin typeface="arial"/>
-                        <a:cs typeface="arial"/>
-                        <a:ea typeface="arial"/>
-                        <a:sym typeface="arial"/>
-                      </a:endParaRPr>
-                      <a:r>
-                        <a:rPr cap="none" sz="1200" i="0" b="0" u="none">
-                          <a:solidFill>
-                            <a:srgbClr val="000000">
-                              <a:alpha val="100000"/>
-                            </a:srgbClr>
-                          </a:solidFill>
-                          <a:latin typeface="arial"/>
-                          <a:cs typeface="arial"/>
-                          <a:ea typeface="arial"/>
-                          <a:sym typeface="arial"/>
-                        </a:rPr>
-                        <a:t/>
-                      </a:r>
-                    </a:p>
-                  </a:txBody>
-                  <a:tcPr anchor="ctr" marB="38100" marT="38100" marR="0" marL="0">
-                    <a:lnL algn="ctr" cmpd="sng" cap="flat" w="0">
-                      <a:noFill/>
-                      <a:prstDash val="solid"/>
-                    </a:lnL>
-                    <a:lnR algn="ctr" cmpd="sng" cap="flat" w="0">
-                      <a:noFill/>
-                      <a:prstDash val="solid"/>
-                    </a:lnR>
-                    <a:lnT algn="ctr" cmpd="sng" cap="flat" w="0">
-                      <a:noFill/>
-                      <a:prstDash val="solid"/>
-                    </a:lnT>
-                    <a:lnB algn="ctr" cmpd="sng" cap="flat" w="0">
-                      <a:noFill/>
-                      <a:prstDash val="solid"/>
-                    </a:lnB>
-                    <a:solidFill>
-                      <a:srgbClr val="FFBD69">
-                        <a:alpha val="100000"/>
-                      </a:srgbClr>
-                    </a:solidFill>
-                  </a:tcPr>
-                </a:tc>
               </a:tr>
               <a:tr h="243582">
                 <a:tc>
@@ -13773,63 +12143,6 @@
                     </a:solidFill>
                   </a:tcPr>
                 </a:tc>
-                <a:tc>
-                  <a:txBody>
-                    <a:bodyPr/>
-                    <a:lstStyle/>
-                    <a:p>
-                      <a:pPr algn="ctr" marL="63500" marR="63500">
-                        <a:lnSpc>
-                          <a:spcPct val="100000"/>
-                        </a:lnSpc>
-                        <a:spcBef>
-                          <a:spcPts val="300"/>
-                        </a:spcBef>
-                        <a:spcAft>
-                          <a:spcPts val="300"/>
-                        </a:spcAft>
-                        <a:buNone/>
-                      </a:pPr>
-                      <a:r>
-                        <a:rPr cap="none" sz="1200" i="0" b="0" u="none">
-                          <a:solidFill>
-                            <a:srgbClr val="000000">
-                              <a:alpha val="100000"/>
-                            </a:srgbClr>
-                          </a:solidFill>
-                          <a:latin typeface="arial"/>
-                          <a:cs typeface="arial"/>
-                          <a:ea typeface="arial"/>
-                          <a:sym typeface="arial"/>
-                        </a:rPr>
-                        <a:t>219 (54.8%)</a:t>
-                      </a:r>
-                    </a:p>
-                  </a:txBody>
-                  <a:tcPr anchor="ctr" marB="38100" marT="38100" marR="0" marL="0">
-                    <a:lnL algn="ctr" cmpd="sng" cap="flat" w="0">
-                      <a:noFill/>
-                      <a:prstDash val="solid"/>
-                    </a:lnL>
-                    <a:lnR algn="ctr" cmpd="sng" cap="flat" w="0">
-                      <a:noFill/>
-                      <a:prstDash val="solid"/>
-                    </a:lnR>
-                    <a:lnT algn="ctr" cmpd="sng" cap="flat" w="0">
-                      <a:noFill/>
-                      <a:prstDash val="solid"/>
-                    </a:lnT>
-                    <a:lnB algn="ctr" cmpd="sng" cap="flat" w="0">
-                      <a:noFill/>
-                      <a:prstDash val="solid"/>
-                    </a:lnB>
-                    <a:solidFill>
-                      <a:srgbClr val="FF7D29">
-                        <a:alpha val="100000"/>
-                      </a:srgbClr>
-                    </a:solidFill>
-                  </a:tcPr>
-                </a:tc>
               </a:tr>
               <a:tr h="243582">
                 <a:tc>
@@ -14117,63 +12430,6 @@
                     </a:solidFill>
                   </a:tcPr>
                 </a:tc>
-                <a:tc>
-                  <a:txBody>
-                    <a:bodyPr/>
-                    <a:lstStyle/>
-                    <a:p>
-                      <a:pPr algn="ctr" marL="63500" marR="63500">
-                        <a:lnSpc>
-                          <a:spcPct val="100000"/>
-                        </a:lnSpc>
-                        <a:spcBef>
-                          <a:spcPts val="300"/>
-                        </a:spcBef>
-                        <a:spcAft>
-                          <a:spcPts val="300"/>
-                        </a:spcAft>
-                        <a:buNone/>
-                      </a:pPr>
-                      <a:r>
-                        <a:rPr cap="none" sz="1200" i="0" b="0" u="none">
-                          <a:solidFill>
-                            <a:srgbClr val="000000">
-                              <a:alpha val="100000"/>
-                            </a:srgbClr>
-                          </a:solidFill>
-                          <a:latin typeface="arial"/>
-                          <a:cs typeface="arial"/>
-                          <a:ea typeface="arial"/>
-                          <a:sym typeface="arial"/>
-                        </a:rPr>
-                        <a:t>40 (10%)</a:t>
-                      </a:r>
-                    </a:p>
-                  </a:txBody>
-                  <a:tcPr anchor="ctr" marB="38100" marT="38100" marR="0" marL="0">
-                    <a:lnL algn="ctr" cmpd="sng" cap="flat" w="0">
-                      <a:noFill/>
-                      <a:prstDash val="solid"/>
-                    </a:lnL>
-                    <a:lnR algn="ctr" cmpd="sng" cap="flat" w="0">
-                      <a:noFill/>
-                      <a:prstDash val="solid"/>
-                    </a:lnR>
-                    <a:lnT algn="ctr" cmpd="sng" cap="flat" w="0">
-                      <a:noFill/>
-                      <a:prstDash val="solid"/>
-                    </a:lnT>
-                    <a:lnB algn="ctr" cmpd="sng" cap="flat" w="0">
-                      <a:noFill/>
-                      <a:prstDash val="solid"/>
-                    </a:lnB>
-                    <a:solidFill>
-                      <a:srgbClr val="FFBD69">
-                        <a:alpha val="100000"/>
-                      </a:srgbClr>
-                    </a:solidFill>
-                  </a:tcPr>
-                </a:tc>
               </a:tr>
               <a:tr h="243582">
                 <a:tc>
@@ -14461,63 +12717,6 @@
                     </a:solidFill>
                   </a:tcPr>
                 </a:tc>
-                <a:tc>
-                  <a:txBody>
-                    <a:bodyPr/>
-                    <a:lstStyle/>
-                    <a:p>
-                      <a:pPr algn="ctr" marL="63500" marR="63500">
-                        <a:lnSpc>
-                          <a:spcPct val="100000"/>
-                        </a:lnSpc>
-                        <a:spcBef>
-                          <a:spcPts val="300"/>
-                        </a:spcBef>
-                        <a:spcAft>
-                          <a:spcPts val="300"/>
-                        </a:spcAft>
-                        <a:buNone/>
-                      </a:pPr>
-                      <a:r>
-                        <a:rPr cap="none" sz="1200" i="0" b="0" u="none">
-                          <a:solidFill>
-                            <a:srgbClr val="000000">
-                              <a:alpha val="100000"/>
-                            </a:srgbClr>
-                          </a:solidFill>
-                          <a:latin typeface="arial"/>
-                          <a:cs typeface="arial"/>
-                          <a:ea typeface="arial"/>
-                          <a:sym typeface="arial"/>
-                        </a:rPr>
-                        <a:t>30 (7.5%)</a:t>
-                      </a:r>
-                    </a:p>
-                  </a:txBody>
-                  <a:tcPr anchor="ctr" marB="38100" marT="38100" marR="0" marL="0">
-                    <a:lnL algn="ctr" cmpd="sng" cap="flat" w="0">
-                      <a:noFill/>
-                      <a:prstDash val="solid"/>
-                    </a:lnL>
-                    <a:lnR algn="ctr" cmpd="sng" cap="flat" w="0">
-                      <a:noFill/>
-                      <a:prstDash val="solid"/>
-                    </a:lnR>
-                    <a:lnT algn="ctr" cmpd="sng" cap="flat" w="0">
-                      <a:noFill/>
-                      <a:prstDash val="solid"/>
-                    </a:lnT>
-                    <a:lnB algn="ctr" cmpd="sng" cap="flat" w="0">
-                      <a:noFill/>
-                      <a:prstDash val="solid"/>
-                    </a:lnB>
-                    <a:solidFill>
-                      <a:srgbClr val="FF7D29">
-                        <a:alpha val="100000"/>
-                      </a:srgbClr>
-                    </a:solidFill>
-                  </a:tcPr>
-                </a:tc>
               </a:tr>
               <a:tr h="243582">
                 <a:tc>
@@ -14805,66 +13004,9 @@
                     </a:solidFill>
                   </a:tcPr>
                 </a:tc>
-                <a:tc>
-                  <a:txBody>
-                    <a:bodyPr/>
-                    <a:lstStyle/>
-                    <a:p>
-                      <a:pPr algn="ctr" marL="63500" marR="63500">
-                        <a:lnSpc>
-                          <a:spcPct val="100000"/>
-                        </a:lnSpc>
-                        <a:spcBef>
-                          <a:spcPts val="300"/>
-                        </a:spcBef>
-                        <a:spcAft>
-                          <a:spcPts val="300"/>
-                        </a:spcAft>
-                        <a:buNone/>
-                      </a:pPr>
-                      <a:r>
-                        <a:rPr cap="none" sz="1200" i="0" b="0" u="none">
-                          <a:solidFill>
-                            <a:srgbClr val="000000">
-                              <a:alpha val="100000"/>
-                            </a:srgbClr>
-                          </a:solidFill>
-                          <a:latin typeface="arial"/>
-                          <a:cs typeface="arial"/>
-                          <a:ea typeface="arial"/>
-                          <a:sym typeface="arial"/>
-                        </a:rPr>
-                        <a:t>31 (7.8%)</a:t>
-                      </a:r>
-                    </a:p>
-                  </a:txBody>
-                  <a:tcPr anchor="ctr" marB="38100" marT="38100" marR="0" marL="0">
-                    <a:lnL algn="ctr" cmpd="sng" cap="flat" w="0">
-                      <a:noFill/>
-                      <a:prstDash val="solid"/>
-                    </a:lnL>
-                    <a:lnR algn="ctr" cmpd="sng" cap="flat" w="0">
-                      <a:noFill/>
-                      <a:prstDash val="solid"/>
-                    </a:lnR>
-                    <a:lnT algn="ctr" cmpd="sng" cap="flat" w="0">
-                      <a:noFill/>
-                      <a:prstDash val="solid"/>
-                    </a:lnT>
-                    <a:lnB algn="ctr" cmpd="sng" cap="flat" w="0">
-                      <a:noFill/>
-                      <a:prstDash val="solid"/>
-                    </a:lnB>
-                    <a:solidFill>
-                      <a:srgbClr val="FFBD69">
-                        <a:alpha val="100000"/>
-                      </a:srgbClr>
-                    </a:solidFill>
-                  </a:tcPr>
-                </a:tc>
               </a:tr>
               <a:tr h="228600">
-                <a:tc gridSpan="6">
+                <a:tc gridSpan="5">
                   <a:txBody>
                     <a:bodyPr/>
                     <a:lstStyle/>
@@ -14936,74 +13078,6 @@
                           <a:sym typeface="DejaVu Sans"/>
                         </a:rPr>
                         <a:t>; </a:t>
-                      </a:r>
-                    </a:p>
-                  </a:txBody>
-                  <a:tcPr anchor="ctr" marB="63500" marT="63500" marR="0" marL="0">
-                    <a:lnL algn="ctr" cmpd="sng" cap="flat" w="0">
-                      <a:noFill/>
-                      <a:prstDash val="solid"/>
-                    </a:lnL>
-                    <a:lnR algn="ctr" cmpd="sng" cap="flat" w="0">
-                      <a:noFill/>
-                      <a:prstDash val="solid"/>
-                    </a:lnR>
-                    <a:lnT algn="ctr" cmpd="sng" cap="flat" w="0">
-                      <a:noFill/>
-                      <a:prstDash val="solid"/>
-                    </a:lnT>
-                    <a:lnB algn="ctr" cmpd="sng" cap="flat" w="0">
-                      <a:noFill/>
-                      <a:prstDash val="solid"/>
-                    </a:lnB>
-                    <a:solidFill>
-                      <a:srgbClr val="FFFFFF">
-                        <a:alpha val="0"/>
-                      </a:srgbClr>
-                    </a:solidFill>
-                  </a:tcPr>
-                </a:tc>
-                <a:tc hMerge="true">
-                  <a:txBody>
-                    <a:bodyPr/>
-                    <a:lstStyle/>
-                    <a:p>
-                      <a:pPr algn="l" marL="63500" marR="63500">
-                        <a:lnSpc>
-                          <a:spcPct val="100000"/>
-                        </a:lnSpc>
-                        <a:spcBef>
-                          <a:spcPts val="500"/>
-                        </a:spcBef>
-                        <a:spcAft>
-                          <a:spcPts val="500"/>
-                        </a:spcAft>
-                        <a:buNone/>
-                      </a:pPr>
-                      <a:endParaRPr cap="none" sz="1100" i="0" b="0" u="none">
-                        <a:solidFill>
-                          <a:srgbClr val="000000">
-                            <a:alpha val="100000"/>
-                          </a:srgbClr>
-                        </a:solidFill>
-                        <a:latin typeface="DejaVu Sans"/>
-                        <a:cs typeface="DejaVu Sans"/>
-                        <a:ea typeface="DejaVu Sans"/>
-                        <a:sym typeface="DejaVu Sans"/>
-                      </a:endParaRPr>
-                      <a:r>
-                        <a:rPr cap="none" sz="1100" i="0" b="0" u="none">
-                          <a:solidFill>
-                            <a:srgbClr val="000000">
-                              <a:alpha val="100000"/>
-                            </a:srgbClr>
-                          </a:solidFill>
-                          <a:latin typeface="DejaVu Sans"/>
-                          <a:cs typeface="DejaVu Sans"/>
-                          <a:ea typeface="DejaVu Sans"/>
-                          <a:sym typeface="DejaVu Sans"/>
-                        </a:rPr>
-                        <a:t/>
                       </a:r>
                     </a:p>
                   </a:txBody>
@@ -15391,7 +13465,7 @@
           <p:nvPr/>
         </p:nvGraphicFramePr>
         <p:xfrm rot="0">
-          <a:off x="1084720" y="1165860"/>
+          <a:off x="1565974" y="1165860"/>
           <a:ext cx="3657600" cy="2743200"/>
         </p:xfrm>
         <a:graphic>
@@ -15399,12 +13473,11 @@
             <a:tbl>
               <a:tblPr/>
               <a:tblGrid>
-                <a:gridCol w="3720066"/>
-                <a:gridCol w="1260499"/>
-                <a:gridCol w="1260499"/>
-                <a:gridCol w="1260499"/>
-                <a:gridCol w="1260499"/>
-                <a:gridCol w="1260499"/>
+                <a:gridCol w="3986594"/>
+                <a:gridCol w="1268365"/>
+                <a:gridCol w="1268365"/>
+                <a:gridCol w="1268365"/>
+                <a:gridCol w="1268365"/>
               </a:tblGrid>
               <a:tr h="261603">
                 <a:tc>
@@ -15622,63 +13695,6 @@
                           <a:sym typeface="arial"/>
                         </a:rPr>
                         <a:t>C: Combination</a:t>
-                      </a:r>
-                    </a:p>
-                  </a:txBody>
-                  <a:tcPr anchor="ctr" marB="38100" marT="38100" marR="0" marL="0">
-                    <a:lnL algn="ctr" cmpd="sng" cap="flat" w="0">
-                      <a:noFill/>
-                      <a:prstDash val="solid"/>
-                    </a:lnL>
-                    <a:lnR algn="ctr" cmpd="sng" cap="flat" w="0">
-                      <a:noFill/>
-                      <a:prstDash val="solid"/>
-                    </a:lnR>
-                    <a:lnT algn="ctr" cmpd="sng" cap="flat" w="0">
-                      <a:noFill/>
-                      <a:prstDash val="solid"/>
-                    </a:lnT>
-                    <a:lnB algn="ctr" cmpd="sng" cap="flat" w="0">
-                      <a:noFill/>
-                      <a:prstDash val="solid"/>
-                    </a:lnB>
-                    <a:solidFill>
-                      <a:srgbClr val="ED4A0D">
-                        <a:alpha val="100000"/>
-                      </a:srgbClr>
-                    </a:solidFill>
-                  </a:tcPr>
-                </a:tc>
-                <a:tc>
-                  <a:txBody>
-                    <a:bodyPr/>
-                    <a:lstStyle/>
-                    <a:p>
-                      <a:pPr algn="ctr" marL="63500" marR="63500">
-                        <a:lnSpc>
-                          <a:spcPct val="100000"/>
-                        </a:lnSpc>
-                        <a:spcBef>
-                          <a:spcPts val="300"/>
-                        </a:spcBef>
-                        <a:spcAft>
-                          <a:spcPts val="300"/>
-                        </a:spcAft>
-                        <a:buNone/>
-                      </a:pPr>
-                      <a:r>
-                        <a:rPr cap="none" sz="1400" i="0" b="1" u="none">
-                          <a:solidFill>
-                            <a:srgbClr val="FFFFFF">
-                              <a:alpha val="100000"/>
-                            </a:srgbClr>
-                          </a:solidFill>
-                          <a:latin typeface="arial"/>
-                          <a:cs typeface="arial"/>
-                          <a:ea typeface="arial"/>
-                          <a:sym typeface="arial"/>
-                        </a:rPr>
-                        <a:t>All Patients</a:t>
                       </a:r>
                     </a:p>
                   </a:txBody>
@@ -16094,74 +14110,6 @@
                     </a:solidFill>
                   </a:tcPr>
                 </a:tc>
-                <a:tc>
-                  <a:txBody>
-                    <a:bodyPr/>
-                    <a:lstStyle/>
-                    <a:p>
-                      <a:pPr algn="ctr" marL="63500" marR="63500">
-                        <a:lnSpc>
-                          <a:spcPct val="100000"/>
-                        </a:lnSpc>
-                        <a:spcBef>
-                          <a:spcPts val="300"/>
-                        </a:spcBef>
-                        <a:spcAft>
-                          <a:spcPts val="300"/>
-                        </a:spcAft>
-                        <a:buNone/>
-                      </a:pPr>
-                      <a:endParaRPr cap="none" sz="1200" i="0" b="0" u="none">
-                        <a:solidFill>
-                          <a:srgbClr val="000000">
-                            <a:alpha val="100000"/>
-                          </a:srgbClr>
-                        </a:solidFill>
-                        <a:latin typeface="arial"/>
-                        <a:cs typeface="arial"/>
-                        <a:ea typeface="arial"/>
-                        <a:sym typeface="arial"/>
-                      </a:endParaRPr>
-                      <a:r>
-                        <a:rPr cap="none" sz="1200" i="0" b="0" u="none">
-                          <a:solidFill>
-                            <a:srgbClr val="000000">
-                              <a:alpha val="100000"/>
-                            </a:srgbClr>
-                          </a:solidFill>
-                          <a:latin typeface="arial"/>
-                          <a:cs typeface="arial"/>
-                          <a:ea typeface="arial"/>
-                          <a:sym typeface="arial"/>
-                        </a:rPr>
-                        <a:t/>
-                      </a:r>
-                    </a:p>
-                  </a:txBody>
-                  <a:tcPr anchor="ctr" marB="38100" marT="38100" marR="0" marL="0">
-                    <a:lnL algn="ctr" cmpd="sng" cap="flat" w="0">
-                      <a:noFill/>
-                      <a:prstDash val="solid"/>
-                    </a:lnL>
-                    <a:lnR algn="ctr" cmpd="sng" cap="flat" w="0">
-                      <a:noFill/>
-                      <a:prstDash val="solid"/>
-                    </a:lnR>
-                    <a:lnT algn="ctr" cmpd="sng" cap="flat" w="0">
-                      <a:noFill/>
-                      <a:prstDash val="solid"/>
-                    </a:lnT>
-                    <a:lnB algn="ctr" cmpd="sng" cap="flat" w="0">
-                      <a:noFill/>
-                      <a:prstDash val="solid"/>
-                    </a:lnB>
-                    <a:solidFill>
-                      <a:srgbClr val="FF7D29">
-                        <a:alpha val="100000"/>
-                      </a:srgbClr>
-                    </a:solidFill>
-                  </a:tcPr>
-                </a:tc>
               </a:tr>
               <a:tr h="243582">
                 <a:tc>
@@ -16449,63 +14397,6 @@
                     </a:solidFill>
                   </a:tcPr>
                 </a:tc>
-                <a:tc>
-                  <a:txBody>
-                    <a:bodyPr/>
-                    <a:lstStyle/>
-                    <a:p>
-                      <a:pPr algn="ctr" marL="63500" marR="63500">
-                        <a:lnSpc>
-                          <a:spcPct val="100000"/>
-                        </a:lnSpc>
-                        <a:spcBef>
-                          <a:spcPts val="300"/>
-                        </a:spcBef>
-                        <a:spcAft>
-                          <a:spcPts val="300"/>
-                        </a:spcAft>
-                        <a:buNone/>
-                      </a:pPr>
-                      <a:r>
-                        <a:rPr cap="none" sz="1200" i="0" b="0" u="none">
-                          <a:solidFill>
-                            <a:srgbClr val="000000">
-                              <a:alpha val="100000"/>
-                            </a:srgbClr>
-                          </a:solidFill>
-                          <a:latin typeface="arial"/>
-                          <a:cs typeface="arial"/>
-                          <a:ea typeface="arial"/>
-                          <a:sym typeface="arial"/>
-                        </a:rPr>
-                        <a:t>26 (6.5%)</a:t>
-                      </a:r>
-                    </a:p>
-                  </a:txBody>
-                  <a:tcPr anchor="ctr" marB="38100" marT="38100" marR="0" marL="0">
-                    <a:lnL algn="ctr" cmpd="sng" cap="flat" w="0">
-                      <a:noFill/>
-                      <a:prstDash val="solid"/>
-                    </a:lnL>
-                    <a:lnR algn="ctr" cmpd="sng" cap="flat" w="0">
-                      <a:noFill/>
-                      <a:prstDash val="solid"/>
-                    </a:lnR>
-                    <a:lnT algn="ctr" cmpd="sng" cap="flat" w="0">
-                      <a:noFill/>
-                      <a:prstDash val="solid"/>
-                    </a:lnT>
-                    <a:lnB algn="ctr" cmpd="sng" cap="flat" w="0">
-                      <a:noFill/>
-                      <a:prstDash val="solid"/>
-                    </a:lnB>
-                    <a:solidFill>
-                      <a:srgbClr val="FFBD69">
-                        <a:alpha val="100000"/>
-                      </a:srgbClr>
-                    </a:solidFill>
-                  </a:tcPr>
-                </a:tc>
               </a:tr>
               <a:tr h="243582">
                 <a:tc>
@@ -16793,63 +14684,6 @@
                     </a:solidFill>
                   </a:tcPr>
                 </a:tc>
-                <a:tc>
-                  <a:txBody>
-                    <a:bodyPr/>
-                    <a:lstStyle/>
-                    <a:p>
-                      <a:pPr algn="ctr" marL="63500" marR="63500">
-                        <a:lnSpc>
-                          <a:spcPct val="100000"/>
-                        </a:lnSpc>
-                        <a:spcBef>
-                          <a:spcPts val="300"/>
-                        </a:spcBef>
-                        <a:spcAft>
-                          <a:spcPts val="300"/>
-                        </a:spcAft>
-                        <a:buNone/>
-                      </a:pPr>
-                      <a:r>
-                        <a:rPr cap="none" sz="1200" i="0" b="0" u="none">
-                          <a:solidFill>
-                            <a:srgbClr val="000000">
-                              <a:alpha val="100000"/>
-                            </a:srgbClr>
-                          </a:solidFill>
-                          <a:latin typeface="arial"/>
-                          <a:cs typeface="arial"/>
-                          <a:ea typeface="arial"/>
-                          <a:sym typeface="arial"/>
-                        </a:rPr>
-                        <a:t>19 (4.8%)</a:t>
-                      </a:r>
-                    </a:p>
-                  </a:txBody>
-                  <a:tcPr anchor="ctr" marB="38100" marT="38100" marR="0" marL="0">
-                    <a:lnL algn="ctr" cmpd="sng" cap="flat" w="0">
-                      <a:noFill/>
-                      <a:prstDash val="solid"/>
-                    </a:lnL>
-                    <a:lnR algn="ctr" cmpd="sng" cap="flat" w="0">
-                      <a:noFill/>
-                      <a:prstDash val="solid"/>
-                    </a:lnR>
-                    <a:lnT algn="ctr" cmpd="sng" cap="flat" w="0">
-                      <a:noFill/>
-                      <a:prstDash val="solid"/>
-                    </a:lnT>
-                    <a:lnB algn="ctr" cmpd="sng" cap="flat" w="0">
-                      <a:noFill/>
-                      <a:prstDash val="solid"/>
-                    </a:lnB>
-                    <a:solidFill>
-                      <a:srgbClr val="FF7D29">
-                        <a:alpha val="100000"/>
-                      </a:srgbClr>
-                    </a:solidFill>
-                  </a:tcPr>
-                </a:tc>
               </a:tr>
               <a:tr h="243582">
                 <a:tc>
@@ -17137,63 +14971,6 @@
                     </a:solidFill>
                   </a:tcPr>
                 </a:tc>
-                <a:tc>
-                  <a:txBody>
-                    <a:bodyPr/>
-                    <a:lstStyle/>
-                    <a:p>
-                      <a:pPr algn="ctr" marL="63500" marR="63500">
-                        <a:lnSpc>
-                          <a:spcPct val="100000"/>
-                        </a:lnSpc>
-                        <a:spcBef>
-                          <a:spcPts val="300"/>
-                        </a:spcBef>
-                        <a:spcAft>
-                          <a:spcPts val="300"/>
-                        </a:spcAft>
-                        <a:buNone/>
-                      </a:pPr>
-                      <a:r>
-                        <a:rPr cap="none" sz="1200" i="0" b="0" u="none">
-                          <a:solidFill>
-                            <a:srgbClr val="000000">
-                              <a:alpha val="100000"/>
-                            </a:srgbClr>
-                          </a:solidFill>
-                          <a:latin typeface="arial"/>
-                          <a:cs typeface="arial"/>
-                          <a:ea typeface="arial"/>
-                          <a:sym typeface="arial"/>
-                        </a:rPr>
-                        <a:t>18 (4.5%)</a:t>
-                      </a:r>
-                    </a:p>
-                  </a:txBody>
-                  <a:tcPr anchor="ctr" marB="38100" marT="38100" marR="0" marL="0">
-                    <a:lnL algn="ctr" cmpd="sng" cap="flat" w="0">
-                      <a:noFill/>
-                      <a:prstDash val="solid"/>
-                    </a:lnL>
-                    <a:lnR algn="ctr" cmpd="sng" cap="flat" w="0">
-                      <a:noFill/>
-                      <a:prstDash val="solid"/>
-                    </a:lnR>
-                    <a:lnT algn="ctr" cmpd="sng" cap="flat" w="0">
-                      <a:noFill/>
-                      <a:prstDash val="solid"/>
-                    </a:lnT>
-                    <a:lnB algn="ctr" cmpd="sng" cap="flat" w="0">
-                      <a:noFill/>
-                      <a:prstDash val="solid"/>
-                    </a:lnB>
-                    <a:solidFill>
-                      <a:srgbClr val="FFBD69">
-                        <a:alpha val="100000"/>
-                      </a:srgbClr>
-                    </a:solidFill>
-                  </a:tcPr>
-                </a:tc>
               </a:tr>
               <a:tr h="243582">
                 <a:tc>
@@ -17481,63 +15258,6 @@
                     </a:solidFill>
                   </a:tcPr>
                 </a:tc>
-                <a:tc>
-                  <a:txBody>
-                    <a:bodyPr/>
-                    <a:lstStyle/>
-                    <a:p>
-                      <a:pPr algn="ctr" marL="63500" marR="63500">
-                        <a:lnSpc>
-                          <a:spcPct val="100000"/>
-                        </a:lnSpc>
-                        <a:spcBef>
-                          <a:spcPts val="300"/>
-                        </a:spcBef>
-                        <a:spcAft>
-                          <a:spcPts val="300"/>
-                        </a:spcAft>
-                        <a:buNone/>
-                      </a:pPr>
-                      <a:r>
-                        <a:rPr cap="none" sz="1200" i="0" b="0" u="none">
-                          <a:solidFill>
-                            <a:srgbClr val="000000">
-                              <a:alpha val="100000"/>
-                            </a:srgbClr>
-                          </a:solidFill>
-                          <a:latin typeface="arial"/>
-                          <a:cs typeface="arial"/>
-                          <a:ea typeface="arial"/>
-                          <a:sym typeface="arial"/>
-                        </a:rPr>
-                        <a:t>9 (2.2%)</a:t>
-                      </a:r>
-                    </a:p>
-                  </a:txBody>
-                  <a:tcPr anchor="ctr" marB="38100" marT="38100" marR="0" marL="0">
-                    <a:lnL algn="ctr" cmpd="sng" cap="flat" w="0">
-                      <a:noFill/>
-                      <a:prstDash val="solid"/>
-                    </a:lnL>
-                    <a:lnR algn="ctr" cmpd="sng" cap="flat" w="0">
-                      <a:noFill/>
-                      <a:prstDash val="solid"/>
-                    </a:lnR>
-                    <a:lnT algn="ctr" cmpd="sng" cap="flat" w="0">
-                      <a:noFill/>
-                      <a:prstDash val="solid"/>
-                    </a:lnT>
-                    <a:lnB algn="ctr" cmpd="sng" cap="flat" w="0">
-                      <a:noFill/>
-                      <a:prstDash val="solid"/>
-                    </a:lnB>
-                    <a:solidFill>
-                      <a:srgbClr val="FF7D29">
-                        <a:alpha val="100000"/>
-                      </a:srgbClr>
-                    </a:solidFill>
-                  </a:tcPr>
-                </a:tc>
               </a:tr>
               <a:tr h="243582">
                 <a:tc>
@@ -17825,63 +15545,6 @@
                     </a:solidFill>
                   </a:tcPr>
                 </a:tc>
-                <a:tc>
-                  <a:txBody>
-                    <a:bodyPr/>
-                    <a:lstStyle/>
-                    <a:p>
-                      <a:pPr algn="ctr" marL="63500" marR="63500">
-                        <a:lnSpc>
-                          <a:spcPct val="100000"/>
-                        </a:lnSpc>
-                        <a:spcBef>
-                          <a:spcPts val="300"/>
-                        </a:spcBef>
-                        <a:spcAft>
-                          <a:spcPts val="300"/>
-                        </a:spcAft>
-                        <a:buNone/>
-                      </a:pPr>
-                      <a:r>
-                        <a:rPr cap="none" sz="1200" i="0" b="0" u="none">
-                          <a:solidFill>
-                            <a:srgbClr val="000000">
-                              <a:alpha val="100000"/>
-                            </a:srgbClr>
-                          </a:solidFill>
-                          <a:latin typeface="arial"/>
-                          <a:cs typeface="arial"/>
-                          <a:ea typeface="arial"/>
-                          <a:sym typeface="arial"/>
-                        </a:rPr>
-                        <a:t>8 (2%)</a:t>
-                      </a:r>
-                    </a:p>
-                  </a:txBody>
-                  <a:tcPr anchor="ctr" marB="38100" marT="38100" marR="0" marL="0">
-                    <a:lnL algn="ctr" cmpd="sng" cap="flat" w="0">
-                      <a:noFill/>
-                      <a:prstDash val="solid"/>
-                    </a:lnL>
-                    <a:lnR algn="ctr" cmpd="sng" cap="flat" w="0">
-                      <a:noFill/>
-                      <a:prstDash val="solid"/>
-                    </a:lnR>
-                    <a:lnT algn="ctr" cmpd="sng" cap="flat" w="0">
-                      <a:noFill/>
-                      <a:prstDash val="solid"/>
-                    </a:lnT>
-                    <a:lnB algn="ctr" cmpd="sng" cap="flat" w="0">
-                      <a:noFill/>
-                      <a:prstDash val="solid"/>
-                    </a:lnB>
-                    <a:solidFill>
-                      <a:srgbClr val="FFBD69">
-                        <a:alpha val="100000"/>
-                      </a:srgbClr>
-                    </a:solidFill>
-                  </a:tcPr>
-                </a:tc>
               </a:tr>
               <a:tr h="209500">
                 <a:tc>
@@ -18169,66 +15832,9 @@
                     </a:solidFill>
                   </a:tcPr>
                 </a:tc>
-                <a:tc>
-                  <a:txBody>
-                    <a:bodyPr/>
-                    <a:lstStyle/>
-                    <a:p>
-                      <a:pPr algn="ctr" marL="63500" marR="63500">
-                        <a:lnSpc>
-                          <a:spcPct val="100000"/>
-                        </a:lnSpc>
-                        <a:spcBef>
-                          <a:spcPts val="300"/>
-                        </a:spcBef>
-                        <a:spcAft>
-                          <a:spcPts val="300"/>
-                        </a:spcAft>
-                        <a:buNone/>
-                      </a:pPr>
-                      <a:r>
-                        <a:rPr cap="none" sz="1200" i="0" b="0" u="none">
-                          <a:solidFill>
-                            <a:srgbClr val="000000">
-                              <a:alpha val="100000"/>
-                            </a:srgbClr>
-                          </a:solidFill>
-                          <a:latin typeface="arial"/>
-                          <a:cs typeface="arial"/>
-                          <a:ea typeface="arial"/>
-                          <a:sym typeface="arial"/>
-                        </a:rPr>
-                        <a:t>0</a:t>
-                      </a:r>
-                    </a:p>
-                  </a:txBody>
-                  <a:tcPr anchor="ctr" marB="38100" marT="38100" marR="0" marL="0">
-                    <a:lnL algn="ctr" cmpd="sng" cap="flat" w="0">
-                      <a:noFill/>
-                      <a:prstDash val="solid"/>
-                    </a:lnL>
-                    <a:lnR algn="ctr" cmpd="sng" cap="flat" w="0">
-                      <a:noFill/>
-                      <a:prstDash val="solid"/>
-                    </a:lnR>
-                    <a:lnT algn="ctr" cmpd="sng" cap="flat" w="0">
-                      <a:noFill/>
-                      <a:prstDash val="solid"/>
-                    </a:lnT>
-                    <a:lnB algn="ctr" cmpd="sng" cap="flat" w="0">
-                      <a:noFill/>
-                      <a:prstDash val="solid"/>
-                    </a:lnB>
-                    <a:solidFill>
-                      <a:srgbClr val="FF7D29">
-                        <a:alpha val="100000"/>
-                      </a:srgbClr>
-                    </a:solidFill>
-                  </a:tcPr>
-                </a:tc>
               </a:tr>
               <a:tr h="228600">
-                <a:tc gridSpan="6">
+                <a:tc gridSpan="5">
                   <a:txBody>
                     <a:bodyPr/>
                     <a:lstStyle/>
@@ -18300,74 +15906,6 @@
                           <a:sym typeface="DejaVu Sans"/>
                         </a:rPr>
                         <a:t>; </a:t>
-                      </a:r>
-                    </a:p>
-                  </a:txBody>
-                  <a:tcPr anchor="ctr" marB="63500" marT="63500" marR="0" marL="0">
-                    <a:lnL algn="ctr" cmpd="sng" cap="flat" w="0">
-                      <a:noFill/>
-                      <a:prstDash val="solid"/>
-                    </a:lnL>
-                    <a:lnR algn="ctr" cmpd="sng" cap="flat" w="0">
-                      <a:noFill/>
-                      <a:prstDash val="solid"/>
-                    </a:lnR>
-                    <a:lnT algn="ctr" cmpd="sng" cap="flat" w="0">
-                      <a:noFill/>
-                      <a:prstDash val="solid"/>
-                    </a:lnT>
-                    <a:lnB algn="ctr" cmpd="sng" cap="flat" w="0">
-                      <a:noFill/>
-                      <a:prstDash val="solid"/>
-                    </a:lnB>
-                    <a:solidFill>
-                      <a:srgbClr val="FFFFFF">
-                        <a:alpha val="0"/>
-                      </a:srgbClr>
-                    </a:solidFill>
-                  </a:tcPr>
-                </a:tc>
-                <a:tc hMerge="true">
-                  <a:txBody>
-                    <a:bodyPr/>
-                    <a:lstStyle/>
-                    <a:p>
-                      <a:pPr algn="l" marL="63500" marR="63500">
-                        <a:lnSpc>
-                          <a:spcPct val="100000"/>
-                        </a:lnSpc>
-                        <a:spcBef>
-                          <a:spcPts val="500"/>
-                        </a:spcBef>
-                        <a:spcAft>
-                          <a:spcPts val="500"/>
-                        </a:spcAft>
-                        <a:buNone/>
-                      </a:pPr>
-                      <a:endParaRPr cap="none" sz="1100" i="0" b="0" u="none">
-                        <a:solidFill>
-                          <a:srgbClr val="000000">
-                            <a:alpha val="100000"/>
-                          </a:srgbClr>
-                        </a:solidFill>
-                        <a:latin typeface="DejaVu Sans"/>
-                        <a:cs typeface="DejaVu Sans"/>
-                        <a:ea typeface="DejaVu Sans"/>
-                        <a:sym typeface="DejaVu Sans"/>
-                      </a:endParaRPr>
-                      <a:r>
-                        <a:rPr cap="none" sz="1100" i="0" b="0" u="none">
-                          <a:solidFill>
-                            <a:srgbClr val="000000">
-                              <a:alpha val="100000"/>
-                            </a:srgbClr>
-                          </a:solidFill>
-                          <a:latin typeface="DejaVu Sans"/>
-                          <a:cs typeface="DejaVu Sans"/>
-                          <a:ea typeface="DejaVu Sans"/>
-                          <a:sym typeface="DejaVu Sans"/>
-                        </a:rPr>
-                        <a:t/>
                       </a:r>
                     </a:p>
                   </a:txBody>
